--- a/KIJ - Chat Secure.pptx
+++ b/KIJ - Chat Secure.pptx
@@ -1,6 +1,6 @@
 
 <file path=ppt/presentation.xml><?xml version="1.0" encoding="utf-8"?>
-<p:presentation xmlns:a="http://schemas.openxmlformats.org/drawingml/2006/main" xmlns:r="http://schemas.openxmlformats.org/officeDocument/2006/relationships" xmlns:mc="http://schemas.openxmlformats.org/markup-compatibility/2006" xmlns:mv="urn:schemas-microsoft-com:mac:vml" xmlns:p="http://schemas.openxmlformats.org/presentationml/2006/main" xmlns:c="http://schemas.openxmlformats.org/drawingml/2006/chart" xmlns:dgm="http://schemas.openxmlformats.org/drawingml/2006/diagram" xmlns:o="urn:schemas-microsoft-com:office:office" xmlns:v="urn:schemas-microsoft-com:vml" xmlns:pvml="urn:schemas-microsoft-com:office:powerpoint" xmlns:com="http://schemas.openxmlformats.org/drawingml/2006/compatibility" xmlns:p14="http://schemas.microsoft.com/office/powerpoint/2010/main" saveSubsetFonts="1" autoCompressPictures="0" strictFirstAndLastChars="0">
+<p:presentation xmlns:a="http://schemas.openxmlformats.org/drawingml/2006/main" xmlns:r="http://schemas.openxmlformats.org/officeDocument/2006/relationships" xmlns:mc="http://schemas.openxmlformats.org/markup-compatibility/2006" xmlns:mv="urn:schemas-microsoft-com:mac:vml" xmlns:p="http://schemas.openxmlformats.org/presentationml/2006/main" xmlns:c="http://schemas.openxmlformats.org/drawingml/2006/chart" xmlns:dgm="http://schemas.openxmlformats.org/drawingml/2006/diagram" xmlns:o="urn:schemas-microsoft-com:office:office" xmlns:v="urn:schemas-microsoft-com:vml" xmlns:pvml="urn:schemas-microsoft-com:office:powerpoint" xmlns:com="http://schemas.openxmlformats.org/drawingml/2006/compatibility" xmlns:p14="http://schemas.microsoft.com/office/powerpoint/2010/main" autoCompressPictures="0" strictFirstAndLastChars="0" saveSubsetFonts="1">
   <p:sldMasterIdLst>
     <p:sldMasterId id="2147483654" r:id="rId4"/>
   </p:sldMasterIdLst>
@@ -17,12 +17,11 @@
     <p:sldId id="262" r:id="rId12"/>
     <p:sldId id="263" r:id="rId13"/>
     <p:sldId id="264" r:id="rId14"/>
-    <p:sldId id="265" r:id="rId15"/>
   </p:sldIdLst>
   <p:sldSz cy="5143500" cx="9144000"/>
-  <p:notesSz cy="9144000" cx="6858000"/>
+  <p:notesSz cx="6858000" cy="9144000"/>
   <p:defaultTextStyle>
-    <a:defPPr algn="l" rtl="0" marR="0">
+    <a:defPPr marR="0" rtl="0" algn="l">
       <a:lnSpc>
         <a:spcPct val="100000"/>
       </a:lnSpc>
@@ -33,7 +32,7 @@
         <a:spcPts val="0"/>
       </a:spcAft>
     </a:defPPr>
-    <a:lvl1pPr algn="l" rtl="0" marR="0">
+    <a:lvl1pPr marR="0" rtl="0" algn="l">
       <a:lnSpc>
         <a:spcPct val="100000"/>
       </a:lnSpc>
@@ -44,7 +43,7 @@
         <a:spcPts val="0"/>
       </a:spcAft>
       <a:buNone/>
-      <a:defRPr strike="noStrike" u="none" b="0" cap="none" baseline="0" sz="1400" i="0">
+      <a:defRPr b="0" baseline="0" i="0" sz="1400" u="none" cap="none" strike="noStrike">
         <a:solidFill>
           <a:srgbClr val="000000"/>
         </a:solidFill>
@@ -55,7 +54,7 @@
         <a:rtl val="0"/>
       </a:defRPr>
     </a:lvl1pPr>
-    <a:lvl2pPr algn="l" rtl="0" marR="0">
+    <a:lvl2pPr marR="0" rtl="0" algn="l">
       <a:lnSpc>
         <a:spcPct val="100000"/>
       </a:lnSpc>
@@ -66,7 +65,7 @@
         <a:spcPts val="0"/>
       </a:spcAft>
       <a:buNone/>
-      <a:defRPr strike="noStrike" u="none" b="0" cap="none" baseline="0" sz="1400" i="0">
+      <a:defRPr b="0" baseline="0" i="0" sz="1400" u="none" cap="none" strike="noStrike">
         <a:solidFill>
           <a:srgbClr val="000000"/>
         </a:solidFill>
@@ -77,7 +76,7 @@
         <a:rtl val="0"/>
       </a:defRPr>
     </a:lvl2pPr>
-    <a:lvl3pPr algn="l" rtl="0" marR="0">
+    <a:lvl3pPr marR="0" rtl="0" algn="l">
       <a:lnSpc>
         <a:spcPct val="100000"/>
       </a:lnSpc>
@@ -88,7 +87,7 @@
         <a:spcPts val="0"/>
       </a:spcAft>
       <a:buNone/>
-      <a:defRPr strike="noStrike" u="none" b="0" cap="none" baseline="0" sz="1400" i="0">
+      <a:defRPr b="0" baseline="0" i="0" sz="1400" u="none" cap="none" strike="noStrike">
         <a:solidFill>
           <a:srgbClr val="000000"/>
         </a:solidFill>
@@ -99,7 +98,7 @@
         <a:rtl val="0"/>
       </a:defRPr>
     </a:lvl3pPr>
-    <a:lvl4pPr algn="l" rtl="0" marR="0">
+    <a:lvl4pPr marR="0" rtl="0" algn="l">
       <a:lnSpc>
         <a:spcPct val="100000"/>
       </a:lnSpc>
@@ -110,7 +109,7 @@
         <a:spcPts val="0"/>
       </a:spcAft>
       <a:buNone/>
-      <a:defRPr strike="noStrike" u="none" b="0" cap="none" baseline="0" sz="1400" i="0">
+      <a:defRPr b="0" baseline="0" i="0" sz="1400" u="none" cap="none" strike="noStrike">
         <a:solidFill>
           <a:srgbClr val="000000"/>
         </a:solidFill>
@@ -121,7 +120,7 @@
         <a:rtl val="0"/>
       </a:defRPr>
     </a:lvl4pPr>
-    <a:lvl5pPr algn="l" rtl="0" marR="0">
+    <a:lvl5pPr marR="0" rtl="0" algn="l">
       <a:lnSpc>
         <a:spcPct val="100000"/>
       </a:lnSpc>
@@ -132,7 +131,7 @@
         <a:spcPts val="0"/>
       </a:spcAft>
       <a:buNone/>
-      <a:defRPr strike="noStrike" u="none" b="0" cap="none" baseline="0" sz="1400" i="0">
+      <a:defRPr b="0" baseline="0" i="0" sz="1400" u="none" cap="none" strike="noStrike">
         <a:solidFill>
           <a:srgbClr val="000000"/>
         </a:solidFill>
@@ -143,7 +142,7 @@
         <a:rtl val="0"/>
       </a:defRPr>
     </a:lvl5pPr>
-    <a:lvl6pPr algn="l" rtl="0" marR="0">
+    <a:lvl6pPr marR="0" rtl="0" algn="l">
       <a:lnSpc>
         <a:spcPct val="100000"/>
       </a:lnSpc>
@@ -154,7 +153,7 @@
         <a:spcPts val="0"/>
       </a:spcAft>
       <a:buNone/>
-      <a:defRPr strike="noStrike" u="none" b="0" cap="none" baseline="0" sz="1400" i="0">
+      <a:defRPr b="0" baseline="0" i="0" sz="1400" u="none" cap="none" strike="noStrike">
         <a:solidFill>
           <a:srgbClr val="000000"/>
         </a:solidFill>
@@ -165,7 +164,7 @@
         <a:rtl val="0"/>
       </a:defRPr>
     </a:lvl6pPr>
-    <a:lvl7pPr algn="l" rtl="0" marR="0">
+    <a:lvl7pPr marR="0" rtl="0" algn="l">
       <a:lnSpc>
         <a:spcPct val="100000"/>
       </a:lnSpc>
@@ -176,7 +175,7 @@
         <a:spcPts val="0"/>
       </a:spcAft>
       <a:buNone/>
-      <a:defRPr strike="noStrike" u="none" b="0" cap="none" baseline="0" sz="1400" i="0">
+      <a:defRPr b="0" baseline="0" i="0" sz="1400" u="none" cap="none" strike="noStrike">
         <a:solidFill>
           <a:srgbClr val="000000"/>
         </a:solidFill>
@@ -187,7 +186,7 @@
         <a:rtl val="0"/>
       </a:defRPr>
     </a:lvl7pPr>
-    <a:lvl8pPr algn="l" rtl="0" marR="0">
+    <a:lvl8pPr marR="0" rtl="0" algn="l">
       <a:lnSpc>
         <a:spcPct val="100000"/>
       </a:lnSpc>
@@ -198,7 +197,7 @@
         <a:spcPts val="0"/>
       </a:spcAft>
       <a:buNone/>
-      <a:defRPr strike="noStrike" u="none" b="0" cap="none" baseline="0" sz="1400" i="0">
+      <a:defRPr b="0" baseline="0" i="0" sz="1400" u="none" cap="none" strike="noStrike">
         <a:solidFill>
           <a:srgbClr val="000000"/>
         </a:solidFill>
@@ -209,7 +208,7 @@
         <a:rtl val="0"/>
       </a:defRPr>
     </a:lvl8pPr>
-    <a:lvl9pPr algn="l" rtl="0" marR="0">
+    <a:lvl9pPr marR="0" rtl="0" algn="l">
       <a:lnSpc>
         <a:spcPct val="100000"/>
       </a:lnSpc>
@@ -220,7 +219,7 @@
         <a:spcPts val="0"/>
       </a:spcAft>
       <a:buNone/>
-      <a:defRPr strike="noStrike" u="none" b="0" cap="none" baseline="0" sz="1400" i="0">
+      <a:defRPr b="0" baseline="0" i="0" sz="1400" u="none" cap="none" strike="noStrike">
         <a:solidFill>
           <a:srgbClr val="000000"/>
         </a:solidFill>
@@ -246,10 +245,10 @@
       </p:nvGrpSpPr>
       <p:grpSpPr>
         <a:xfrm>
-          <a:off y="0" x="0"/>
-          <a:ext cy="0" cx="0"/>
-          <a:chOff y="0" x="0"/>
-          <a:chExt cy="0" cx="0"/>
+          <a:off x="0" y="0"/>
+          <a:ext cx="0" cy="0"/>
+          <a:chOff x="0" y="0"/>
+          <a:chExt cx="0" cy="0"/>
         </a:xfrm>
       </p:grpSpPr>
       <p:sp>
@@ -262,37 +261,37 @@
         </p:nvSpPr>
         <p:spPr>
           <a:xfrm>
-            <a:off y="685800" x="381187"/>
-            <a:ext cy="3429000" cx="6096299"/>
+            <a:off x="381187" y="685800"/>
+            <a:ext cx="6096299" cy="3429000"/>
           </a:xfrm>
           <a:custGeom>
             <a:pathLst>
-              <a:path w="120000" extrusionOk="0" h="120000">
+              <a:path extrusionOk="0" h="120000" w="120000">
                 <a:moveTo>
-                  <a:pt y="0" x="0"/>
+                  <a:pt x="0" y="0"/>
                 </a:moveTo>
                 <a:lnTo>
-                  <a:pt y="0" x="120000"/>
+                  <a:pt x="120000" y="0"/>
                 </a:lnTo>
                 <a:lnTo>
-                  <a:pt y="120000" x="120000"/>
+                  <a:pt x="120000" y="120000"/>
                 </a:lnTo>
                 <a:lnTo>
-                  <a:pt y="120000" x="0"/>
+                  <a:pt x="0" y="120000"/>
                 </a:lnTo>
                 <a:close/>
               </a:path>
             </a:pathLst>
           </a:custGeom>
           <a:noFill/>
-          <a:ln w="9525" cap="flat">
+          <a:ln cap="flat" w="9525">
             <a:solidFill>
               <a:srgbClr val="000000"/>
             </a:solidFill>
             <a:prstDash val="solid"/>
             <a:round/>
-            <a:headEnd w="med" len="med" type="none"/>
-            <a:tailEnd w="med" len="med" type="none"/>
+            <a:headEnd len="med" w="med" type="none"/>
+            <a:tailEnd len="med" w="med" type="none"/>
           </a:ln>
         </p:spPr>
       </p:sp>
@@ -306,8 +305,8 @@
         </p:nvSpPr>
         <p:spPr>
           <a:xfrm>
-            <a:off y="4343400" x="685800"/>
-            <a:ext cy="4114800" cx="5486399"/>
+            <a:off x="685800" y="4343400"/>
+            <a:ext cx="5486399" cy="4114800"/>
           </a:xfrm>
           <a:prstGeom prst="rect">
             <a:avLst/>
@@ -318,7 +317,7 @@
           </a:ln>
         </p:spPr>
         <p:txBody>
-          <a:bodyPr bIns="91425" rIns="91425" lIns="91425" tIns="91425" anchor="t" anchorCtr="0"/>
+          <a:bodyPr anchorCtr="0" anchor="t" bIns="91425" lIns="91425" rIns="91425" tIns="91425"/>
           <a:lstStyle>
             <a:lvl1pPr>
               <a:spcBef>
@@ -380,12 +379,12 @@
       </p:sp>
     </p:spTree>
   </p:cSld>
-  <p:clrMap accent2="accent2" accent3="accent3" accent4="accent4" accent5="accent5" accent6="accent6" hlink="hlink" tx2="lt2" tx1="dk1" bg2="dk2" bg1="lt1" folHlink="folHlink" accent1="accent1"/>
+  <p:clrMap accent1="accent1" accent2="accent2" accent3="accent3" accent4="accent4" accent5="accent5" accent6="accent6" bg1="lt1" bg2="dk2" tx1="dk1" tx2="lt2" folHlink="folHlink" hlink="hlink"/>
 </p:notesMaster>
 </file>
 
 <file path=ppt/notesSlides/notesSlide1.xml><?xml version="1.0" encoding="utf-8"?>
-<p:notes xmlns:a="http://schemas.openxmlformats.org/drawingml/2006/main" xmlns:r="http://schemas.openxmlformats.org/officeDocument/2006/relationships" xmlns:mc="http://schemas.openxmlformats.org/markup-compatibility/2006" xmlns:mv="urn:schemas-microsoft-com:mac:vml" xmlns:p="http://schemas.openxmlformats.org/presentationml/2006/main" xmlns:c="http://schemas.openxmlformats.org/drawingml/2006/chart" xmlns:dgm="http://schemas.openxmlformats.org/drawingml/2006/diagram" xmlns:o="urn:schemas-microsoft-com:office:office" xmlns:v="urn:schemas-microsoft-com:vml" xmlns:pvml="urn:schemas-microsoft-com:office:powerpoint" xmlns:com="http://schemas.openxmlformats.org/drawingml/2006/compatibility" xmlns:p14="http://schemas.microsoft.com/office/powerpoint/2010/main" showMasterSp="0" showMasterPhAnim="0">
+<p:notes xmlns:a="http://schemas.openxmlformats.org/drawingml/2006/main" xmlns:r="http://schemas.openxmlformats.org/officeDocument/2006/relationships" xmlns:mc="http://schemas.openxmlformats.org/markup-compatibility/2006" xmlns:mv="urn:schemas-microsoft-com:mac:vml" xmlns:p="http://schemas.openxmlformats.org/presentationml/2006/main" xmlns:c="http://schemas.openxmlformats.org/drawingml/2006/chart" xmlns:dgm="http://schemas.openxmlformats.org/drawingml/2006/diagram" xmlns:o="urn:schemas-microsoft-com:office:office" xmlns:v="urn:schemas-microsoft-com:vml" xmlns:pvml="urn:schemas-microsoft-com:office:powerpoint" xmlns:com="http://schemas.openxmlformats.org/drawingml/2006/compatibility" xmlns:p14="http://schemas.microsoft.com/office/powerpoint/2010/main" showMasterPhAnim="0" showMasterSp="0">
   <p:cSld>
     <p:spTree>
       <p:nvGrpSpPr>
@@ -395,10 +394,10 @@
       </p:nvGrpSpPr>
       <p:grpSpPr>
         <a:xfrm>
-          <a:off y="0" x="0"/>
-          <a:ext cy="0" cx="0"/>
-          <a:chOff y="0" x="0"/>
-          <a:chExt cy="0" cx="0"/>
+          <a:off x="0" y="0"/>
+          <a:ext cx="0" cy="0"/>
+          <a:chOff x="0" y="0"/>
+          <a:chExt cx="0" cy="0"/>
         </a:xfrm>
       </p:grpSpPr>
       <p:sp>
@@ -411,37 +410,37 @@
         </p:nvSpPr>
         <p:spPr>
           <a:xfrm>
-            <a:off y="685800" x="381187"/>
-            <a:ext cy="3429000" cx="6096299"/>
+            <a:off x="381187" y="685800"/>
+            <a:ext cx="6096299" cy="3429000"/>
           </a:xfrm>
           <a:custGeom>
             <a:pathLst>
-              <a:path w="120000" extrusionOk="0" h="120000">
+              <a:path extrusionOk="0" h="120000" w="120000">
                 <a:moveTo>
-                  <a:pt y="0" x="0"/>
+                  <a:pt x="0" y="0"/>
                 </a:moveTo>
                 <a:lnTo>
-                  <a:pt y="0" x="120000"/>
+                  <a:pt x="120000" y="0"/>
                 </a:lnTo>
                 <a:lnTo>
-                  <a:pt y="120000" x="120000"/>
+                  <a:pt x="120000" y="120000"/>
                 </a:lnTo>
                 <a:lnTo>
-                  <a:pt y="120000" x="0"/>
+                  <a:pt x="0" y="120000"/>
                 </a:lnTo>
                 <a:close/>
               </a:path>
             </a:pathLst>
           </a:custGeom>
           <a:noFill/>
-          <a:ln w="9525" cap="flat">
+          <a:ln cap="flat" w="9525">
             <a:solidFill>
               <a:srgbClr val="000000"/>
             </a:solidFill>
             <a:prstDash val="solid"/>
             <a:round/>
-            <a:headEnd w="med" len="med" type="none"/>
-            <a:tailEnd w="med" len="med" type="none"/>
+            <a:headEnd len="med" w="med" type="none"/>
+            <a:tailEnd len="med" w="med" type="none"/>
           </a:ln>
         </p:spPr>
       </p:sp>
@@ -455,120 +454,15 @@
         </p:nvSpPr>
         <p:spPr>
           <a:xfrm>
-            <a:off y="4343400" x="685800"/>
-            <a:ext cy="4114800" cx="5486399"/>
+            <a:off x="685800" y="4343400"/>
+            <a:ext cx="5486399" cy="4114800"/>
           </a:xfrm>
           <a:prstGeom prst="rect">
             <a:avLst/>
           </a:prstGeom>
         </p:spPr>
         <p:txBody>
-          <a:bodyPr bIns="91425" rIns="91425" lIns="91425" tIns="91425" anchor="t" anchorCtr="0">
-            <a:noAutofit/>
-          </a:bodyPr>
-          <a:lstStyle/>
-          <a:p>
-            <a:pPr>
-              <a:spcBef>
-                <a:spcPts val="0"/>
-              </a:spcBef>
-              <a:buNone/>
-            </a:pPr>
-            <a:r>
-              <a:t/>
-            </a:r>
-            <a:endParaRPr/>
-          </a:p>
-        </p:txBody>
-      </p:sp>
-    </p:spTree>
-  </p:cSld>
-  <p:clrMapOvr>
-    <a:masterClrMapping/>
-  </p:clrMapOvr>
-</p:notes>
-</file>
-
-<file path=ppt/notesSlides/notesSlide10.xml><?xml version="1.0" encoding="utf-8"?>
-<p:notes xmlns:a="http://schemas.openxmlformats.org/drawingml/2006/main" xmlns:r="http://schemas.openxmlformats.org/officeDocument/2006/relationships" xmlns:mc="http://schemas.openxmlformats.org/markup-compatibility/2006" xmlns:mv="urn:schemas-microsoft-com:mac:vml" xmlns:p="http://schemas.openxmlformats.org/presentationml/2006/main" xmlns:c="http://schemas.openxmlformats.org/drawingml/2006/chart" xmlns:dgm="http://schemas.openxmlformats.org/drawingml/2006/diagram" xmlns:o="urn:schemas-microsoft-com:office:office" xmlns:v="urn:schemas-microsoft-com:vml" xmlns:pvml="urn:schemas-microsoft-com:office:powerpoint" xmlns:com="http://schemas.openxmlformats.org/drawingml/2006/compatibility" xmlns:p14="http://schemas.microsoft.com/office/powerpoint/2010/main" showMasterSp="0" showMasterPhAnim="0">
-  <p:cSld>
-    <p:spTree>
-      <p:nvGrpSpPr>
-        <p:cNvPr id="108" name="Shape 108"/>
-        <p:cNvGrpSpPr/>
-        <p:nvPr/>
-      </p:nvGrpSpPr>
-      <p:grpSpPr>
-        <a:xfrm>
-          <a:off y="0" x="0"/>
-          <a:ext cy="0" cx="0"/>
-          <a:chOff y="0" x="0"/>
-          <a:chExt cy="0" cx="0"/>
-        </a:xfrm>
-      </p:grpSpPr>
-      <p:sp>
-        <p:nvSpPr>
-          <p:cNvPr id="109" name="Shape 109"/>
-          <p:cNvSpPr/>
-          <p:nvPr>
-            <p:ph idx="2" type="sldImg"/>
-          </p:nvPr>
-        </p:nvSpPr>
-        <p:spPr>
-          <a:xfrm>
-            <a:off y="685800" x="381187"/>
-            <a:ext cy="3429000" cx="6096299"/>
-          </a:xfrm>
-          <a:custGeom>
-            <a:pathLst>
-              <a:path w="120000" extrusionOk="0" h="120000">
-                <a:moveTo>
-                  <a:pt y="0" x="0"/>
-                </a:moveTo>
-                <a:lnTo>
-                  <a:pt y="0" x="120000"/>
-                </a:lnTo>
-                <a:lnTo>
-                  <a:pt y="120000" x="120000"/>
-                </a:lnTo>
-                <a:lnTo>
-                  <a:pt y="120000" x="0"/>
-                </a:lnTo>
-                <a:close/>
-              </a:path>
-            </a:pathLst>
-          </a:custGeom>
-          <a:noFill/>
-          <a:ln w="9525" cap="flat">
-            <a:solidFill>
-              <a:srgbClr val="000000"/>
-            </a:solidFill>
-            <a:prstDash val="solid"/>
-            <a:round/>
-            <a:headEnd w="med" len="med" type="none"/>
-            <a:tailEnd w="med" len="med" type="none"/>
-          </a:ln>
-        </p:spPr>
-      </p:sp>
-      <p:sp>
-        <p:nvSpPr>
-          <p:cNvPr id="110" name="Shape 110"/>
-          <p:cNvSpPr txBox="1"/>
-          <p:nvPr>
-            <p:ph idx="1" type="body"/>
-          </p:nvPr>
-        </p:nvSpPr>
-        <p:spPr>
-          <a:xfrm>
-            <a:off y="4343400" x="685800"/>
-            <a:ext cy="4114800" cx="5486399"/>
-          </a:xfrm>
-          <a:prstGeom prst="rect">
-            <a:avLst/>
-          </a:prstGeom>
-        </p:spPr>
-        <p:txBody>
-          <a:bodyPr bIns="91425" rIns="91425" lIns="91425" tIns="91425" anchor="t" anchorCtr="0">
+          <a:bodyPr anchorCtr="0" anchor="t" bIns="91425" lIns="91425" rIns="91425" tIns="91425">
             <a:noAutofit/>
           </a:bodyPr>
           <a:lstStyle/>
@@ -595,7 +489,7 @@
 </file>
 
 <file path=ppt/notesSlides/notesSlide2.xml><?xml version="1.0" encoding="utf-8"?>
-<p:notes xmlns:a="http://schemas.openxmlformats.org/drawingml/2006/main" xmlns:r="http://schemas.openxmlformats.org/officeDocument/2006/relationships" xmlns:mc="http://schemas.openxmlformats.org/markup-compatibility/2006" xmlns:mv="urn:schemas-microsoft-com:mac:vml" xmlns:p="http://schemas.openxmlformats.org/presentationml/2006/main" xmlns:c="http://schemas.openxmlformats.org/drawingml/2006/chart" xmlns:dgm="http://schemas.openxmlformats.org/drawingml/2006/diagram" xmlns:o="urn:schemas-microsoft-com:office:office" xmlns:v="urn:schemas-microsoft-com:vml" xmlns:pvml="urn:schemas-microsoft-com:office:powerpoint" xmlns:com="http://schemas.openxmlformats.org/drawingml/2006/compatibility" xmlns:p14="http://schemas.microsoft.com/office/powerpoint/2010/main" showMasterSp="0" showMasterPhAnim="0">
+<p:notes xmlns:a="http://schemas.openxmlformats.org/drawingml/2006/main" xmlns:r="http://schemas.openxmlformats.org/officeDocument/2006/relationships" xmlns:mc="http://schemas.openxmlformats.org/markup-compatibility/2006" xmlns:mv="urn:schemas-microsoft-com:mac:vml" xmlns:p="http://schemas.openxmlformats.org/presentationml/2006/main" xmlns:c="http://schemas.openxmlformats.org/drawingml/2006/chart" xmlns:dgm="http://schemas.openxmlformats.org/drawingml/2006/diagram" xmlns:o="urn:schemas-microsoft-com:office:office" xmlns:v="urn:schemas-microsoft-com:vml" xmlns:pvml="urn:schemas-microsoft-com:office:powerpoint" xmlns:com="http://schemas.openxmlformats.org/drawingml/2006/compatibility" xmlns:p14="http://schemas.microsoft.com/office/powerpoint/2010/main" showMasterPhAnim="0" showMasterSp="0">
   <p:cSld>
     <p:spTree>
       <p:nvGrpSpPr>
@@ -605,10 +499,10 @@
       </p:nvGrpSpPr>
       <p:grpSpPr>
         <a:xfrm>
-          <a:off y="0" x="0"/>
-          <a:ext cy="0" cx="0"/>
-          <a:chOff y="0" x="0"/>
-          <a:chExt cy="0" cx="0"/>
+          <a:off x="0" y="0"/>
+          <a:ext cx="0" cy="0"/>
+          <a:chOff x="0" y="0"/>
+          <a:chExt cx="0" cy="0"/>
         </a:xfrm>
       </p:grpSpPr>
       <p:sp>
@@ -621,37 +515,37 @@
         </p:nvSpPr>
         <p:spPr>
           <a:xfrm>
-            <a:off y="685800" x="381187"/>
-            <a:ext cy="3429000" cx="6096299"/>
+            <a:off x="381187" y="685800"/>
+            <a:ext cx="6096299" cy="3429000"/>
           </a:xfrm>
           <a:custGeom>
             <a:pathLst>
-              <a:path w="120000" extrusionOk="0" h="120000">
+              <a:path extrusionOk="0" h="120000" w="120000">
                 <a:moveTo>
-                  <a:pt y="0" x="0"/>
+                  <a:pt x="0" y="0"/>
                 </a:moveTo>
                 <a:lnTo>
-                  <a:pt y="0" x="120000"/>
+                  <a:pt x="120000" y="0"/>
                 </a:lnTo>
                 <a:lnTo>
-                  <a:pt y="120000" x="120000"/>
+                  <a:pt x="120000" y="120000"/>
                 </a:lnTo>
                 <a:lnTo>
-                  <a:pt y="120000" x="0"/>
+                  <a:pt x="0" y="120000"/>
                 </a:lnTo>
                 <a:close/>
               </a:path>
             </a:pathLst>
           </a:custGeom>
           <a:noFill/>
-          <a:ln w="9525" cap="flat">
+          <a:ln cap="flat" w="9525">
             <a:solidFill>
               <a:srgbClr val="000000"/>
             </a:solidFill>
             <a:prstDash val="solid"/>
             <a:round/>
-            <a:headEnd w="med" len="med" type="none"/>
-            <a:tailEnd w="med" len="med" type="none"/>
+            <a:headEnd len="med" w="med" type="none"/>
+            <a:tailEnd len="med" w="med" type="none"/>
           </a:ln>
         </p:spPr>
       </p:sp>
@@ -665,15 +559,15 @@
         </p:nvSpPr>
         <p:spPr>
           <a:xfrm>
-            <a:off y="4343400" x="685800"/>
-            <a:ext cy="4114800" cx="5486399"/>
+            <a:off x="685800" y="4343400"/>
+            <a:ext cx="5486399" cy="4114800"/>
           </a:xfrm>
           <a:prstGeom prst="rect">
             <a:avLst/>
           </a:prstGeom>
         </p:spPr>
         <p:txBody>
-          <a:bodyPr bIns="91425" rIns="91425" lIns="91425" tIns="91425" anchor="t" anchorCtr="0">
+          <a:bodyPr anchorCtr="0" anchor="t" bIns="91425" lIns="91425" rIns="91425" tIns="91425">
             <a:noAutofit/>
           </a:bodyPr>
           <a:lstStyle/>
@@ -700,7 +594,7 @@
 </file>
 
 <file path=ppt/notesSlides/notesSlide3.xml><?xml version="1.0" encoding="utf-8"?>
-<p:notes xmlns:a="http://schemas.openxmlformats.org/drawingml/2006/main" xmlns:r="http://schemas.openxmlformats.org/officeDocument/2006/relationships" xmlns:mc="http://schemas.openxmlformats.org/markup-compatibility/2006" xmlns:mv="urn:schemas-microsoft-com:mac:vml" xmlns:p="http://schemas.openxmlformats.org/presentationml/2006/main" xmlns:c="http://schemas.openxmlformats.org/drawingml/2006/chart" xmlns:dgm="http://schemas.openxmlformats.org/drawingml/2006/diagram" xmlns:o="urn:schemas-microsoft-com:office:office" xmlns:v="urn:schemas-microsoft-com:vml" xmlns:pvml="urn:schemas-microsoft-com:office:powerpoint" xmlns:com="http://schemas.openxmlformats.org/drawingml/2006/compatibility" xmlns:p14="http://schemas.microsoft.com/office/powerpoint/2010/main" showMasterSp="0" showMasterPhAnim="0">
+<p:notes xmlns:a="http://schemas.openxmlformats.org/drawingml/2006/main" xmlns:r="http://schemas.openxmlformats.org/officeDocument/2006/relationships" xmlns:mc="http://schemas.openxmlformats.org/markup-compatibility/2006" xmlns:mv="urn:schemas-microsoft-com:mac:vml" xmlns:p="http://schemas.openxmlformats.org/presentationml/2006/main" xmlns:c="http://schemas.openxmlformats.org/drawingml/2006/chart" xmlns:dgm="http://schemas.openxmlformats.org/drawingml/2006/diagram" xmlns:o="urn:schemas-microsoft-com:office:office" xmlns:v="urn:schemas-microsoft-com:vml" xmlns:pvml="urn:schemas-microsoft-com:office:powerpoint" xmlns:com="http://schemas.openxmlformats.org/drawingml/2006/compatibility" xmlns:p14="http://schemas.microsoft.com/office/powerpoint/2010/main" showMasterPhAnim="0" showMasterSp="0">
   <p:cSld>
     <p:spTree>
       <p:nvGrpSpPr>
@@ -710,10 +604,10 @@
       </p:nvGrpSpPr>
       <p:grpSpPr>
         <a:xfrm>
-          <a:off y="0" x="0"/>
-          <a:ext cy="0" cx="0"/>
-          <a:chOff y="0" x="0"/>
-          <a:chExt cy="0" cx="0"/>
+          <a:off x="0" y="0"/>
+          <a:ext cx="0" cy="0"/>
+          <a:chOff x="0" y="0"/>
+          <a:chExt cx="0" cy="0"/>
         </a:xfrm>
       </p:grpSpPr>
       <p:sp>
@@ -726,37 +620,37 @@
         </p:nvSpPr>
         <p:spPr>
           <a:xfrm>
-            <a:off y="685800" x="381187"/>
-            <a:ext cy="3429000" cx="6096299"/>
+            <a:off x="381187" y="685800"/>
+            <a:ext cx="6096299" cy="3429000"/>
           </a:xfrm>
           <a:custGeom>
             <a:pathLst>
-              <a:path w="120000" extrusionOk="0" h="120000">
+              <a:path extrusionOk="0" h="120000" w="120000">
                 <a:moveTo>
-                  <a:pt y="0" x="0"/>
+                  <a:pt x="0" y="0"/>
                 </a:moveTo>
                 <a:lnTo>
-                  <a:pt y="0" x="120000"/>
+                  <a:pt x="120000" y="0"/>
                 </a:lnTo>
                 <a:lnTo>
-                  <a:pt y="120000" x="120000"/>
+                  <a:pt x="120000" y="120000"/>
                 </a:lnTo>
                 <a:lnTo>
-                  <a:pt y="120000" x="0"/>
+                  <a:pt x="0" y="120000"/>
                 </a:lnTo>
                 <a:close/>
               </a:path>
             </a:pathLst>
           </a:custGeom>
           <a:noFill/>
-          <a:ln w="9525" cap="flat">
+          <a:ln cap="flat" w="9525">
             <a:solidFill>
               <a:srgbClr val="000000"/>
             </a:solidFill>
             <a:prstDash val="solid"/>
             <a:round/>
-            <a:headEnd w="med" len="med" type="none"/>
-            <a:tailEnd w="med" len="med" type="none"/>
+            <a:headEnd len="med" w="med" type="none"/>
+            <a:tailEnd len="med" w="med" type="none"/>
           </a:ln>
         </p:spPr>
       </p:sp>
@@ -770,15 +664,15 @@
         </p:nvSpPr>
         <p:spPr>
           <a:xfrm>
-            <a:off y="4343400" x="685800"/>
-            <a:ext cy="4114800" cx="5486399"/>
+            <a:off x="685800" y="4343400"/>
+            <a:ext cx="5486399" cy="4114800"/>
           </a:xfrm>
           <a:prstGeom prst="rect">
             <a:avLst/>
           </a:prstGeom>
         </p:spPr>
         <p:txBody>
-          <a:bodyPr bIns="91425" rIns="91425" lIns="91425" tIns="91425" anchor="t" anchorCtr="0">
+          <a:bodyPr anchorCtr="0" anchor="t" bIns="91425" lIns="91425" rIns="91425" tIns="91425">
             <a:noAutofit/>
           </a:bodyPr>
           <a:lstStyle/>
@@ -805,7 +699,7 @@
 </file>
 
 <file path=ppt/notesSlides/notesSlide4.xml><?xml version="1.0" encoding="utf-8"?>
-<p:notes xmlns:a="http://schemas.openxmlformats.org/drawingml/2006/main" xmlns:r="http://schemas.openxmlformats.org/officeDocument/2006/relationships" xmlns:mc="http://schemas.openxmlformats.org/markup-compatibility/2006" xmlns:mv="urn:schemas-microsoft-com:mac:vml" xmlns:p="http://schemas.openxmlformats.org/presentationml/2006/main" xmlns:c="http://schemas.openxmlformats.org/drawingml/2006/chart" xmlns:dgm="http://schemas.openxmlformats.org/drawingml/2006/diagram" xmlns:o="urn:schemas-microsoft-com:office:office" xmlns:v="urn:schemas-microsoft-com:vml" xmlns:pvml="urn:schemas-microsoft-com:office:powerpoint" xmlns:com="http://schemas.openxmlformats.org/drawingml/2006/compatibility" xmlns:p14="http://schemas.microsoft.com/office/powerpoint/2010/main" showMasterSp="0" showMasterPhAnim="0">
+<p:notes xmlns:a="http://schemas.openxmlformats.org/drawingml/2006/main" xmlns:r="http://schemas.openxmlformats.org/officeDocument/2006/relationships" xmlns:mc="http://schemas.openxmlformats.org/markup-compatibility/2006" xmlns:mv="urn:schemas-microsoft-com:mac:vml" xmlns:p="http://schemas.openxmlformats.org/presentationml/2006/main" xmlns:c="http://schemas.openxmlformats.org/drawingml/2006/chart" xmlns:dgm="http://schemas.openxmlformats.org/drawingml/2006/diagram" xmlns:o="urn:schemas-microsoft-com:office:office" xmlns:v="urn:schemas-microsoft-com:vml" xmlns:pvml="urn:schemas-microsoft-com:office:powerpoint" xmlns:com="http://schemas.openxmlformats.org/drawingml/2006/compatibility" xmlns:p14="http://schemas.microsoft.com/office/powerpoint/2010/main" showMasterPhAnim="0" showMasterSp="0">
   <p:cSld>
     <p:spTree>
       <p:nvGrpSpPr>
@@ -815,10 +709,10 @@
       </p:nvGrpSpPr>
       <p:grpSpPr>
         <a:xfrm>
-          <a:off y="0" x="0"/>
-          <a:ext cy="0" cx="0"/>
-          <a:chOff y="0" x="0"/>
-          <a:chExt cy="0" cx="0"/>
+          <a:off x="0" y="0"/>
+          <a:ext cx="0" cy="0"/>
+          <a:chOff x="0" y="0"/>
+          <a:chExt cx="0" cy="0"/>
         </a:xfrm>
       </p:grpSpPr>
       <p:sp>
@@ -831,37 +725,37 @@
         </p:nvSpPr>
         <p:spPr>
           <a:xfrm>
-            <a:off y="685800" x="381187"/>
-            <a:ext cy="3429000" cx="6096299"/>
+            <a:off x="381187" y="685800"/>
+            <a:ext cx="6096299" cy="3429000"/>
           </a:xfrm>
           <a:custGeom>
             <a:pathLst>
-              <a:path w="120000" extrusionOk="0" h="120000">
+              <a:path extrusionOk="0" h="120000" w="120000">
                 <a:moveTo>
-                  <a:pt y="0" x="0"/>
+                  <a:pt x="0" y="0"/>
                 </a:moveTo>
                 <a:lnTo>
-                  <a:pt y="0" x="120000"/>
+                  <a:pt x="120000" y="0"/>
                 </a:lnTo>
                 <a:lnTo>
-                  <a:pt y="120000" x="120000"/>
+                  <a:pt x="120000" y="120000"/>
                 </a:lnTo>
                 <a:lnTo>
-                  <a:pt y="120000" x="0"/>
+                  <a:pt x="0" y="120000"/>
                 </a:lnTo>
                 <a:close/>
               </a:path>
             </a:pathLst>
           </a:custGeom>
           <a:noFill/>
-          <a:ln w="9525" cap="flat">
+          <a:ln cap="flat" w="9525">
             <a:solidFill>
               <a:srgbClr val="000000"/>
             </a:solidFill>
             <a:prstDash val="solid"/>
             <a:round/>
-            <a:headEnd w="med" len="med" type="none"/>
-            <a:tailEnd w="med" len="med" type="none"/>
+            <a:headEnd len="med" w="med" type="none"/>
+            <a:tailEnd len="med" w="med" type="none"/>
           </a:ln>
         </p:spPr>
       </p:sp>
@@ -875,15 +769,15 @@
         </p:nvSpPr>
         <p:spPr>
           <a:xfrm>
-            <a:off y="4343400" x="685800"/>
-            <a:ext cy="4114800" cx="5486399"/>
+            <a:off x="685800" y="4343400"/>
+            <a:ext cx="5486399" cy="4114800"/>
           </a:xfrm>
           <a:prstGeom prst="rect">
             <a:avLst/>
           </a:prstGeom>
         </p:spPr>
         <p:txBody>
-          <a:bodyPr bIns="91425" rIns="91425" lIns="91425" tIns="91425" anchor="t" anchorCtr="0">
+          <a:bodyPr anchorCtr="0" anchor="t" bIns="91425" lIns="91425" rIns="91425" tIns="91425">
             <a:noAutofit/>
           </a:bodyPr>
           <a:lstStyle/>
@@ -910,7 +804,7 @@
 </file>
 
 <file path=ppt/notesSlides/notesSlide5.xml><?xml version="1.0" encoding="utf-8"?>
-<p:notes xmlns:a="http://schemas.openxmlformats.org/drawingml/2006/main" xmlns:r="http://schemas.openxmlformats.org/officeDocument/2006/relationships" xmlns:mc="http://schemas.openxmlformats.org/markup-compatibility/2006" xmlns:mv="urn:schemas-microsoft-com:mac:vml" xmlns:p="http://schemas.openxmlformats.org/presentationml/2006/main" xmlns:c="http://schemas.openxmlformats.org/drawingml/2006/chart" xmlns:dgm="http://schemas.openxmlformats.org/drawingml/2006/diagram" xmlns:o="urn:schemas-microsoft-com:office:office" xmlns:v="urn:schemas-microsoft-com:vml" xmlns:pvml="urn:schemas-microsoft-com:office:powerpoint" xmlns:com="http://schemas.openxmlformats.org/drawingml/2006/compatibility" xmlns:p14="http://schemas.microsoft.com/office/powerpoint/2010/main" showMasterSp="0" showMasterPhAnim="0">
+<p:notes xmlns:a="http://schemas.openxmlformats.org/drawingml/2006/main" xmlns:r="http://schemas.openxmlformats.org/officeDocument/2006/relationships" xmlns:mc="http://schemas.openxmlformats.org/markup-compatibility/2006" xmlns:mv="urn:schemas-microsoft-com:mac:vml" xmlns:p="http://schemas.openxmlformats.org/presentationml/2006/main" xmlns:c="http://schemas.openxmlformats.org/drawingml/2006/chart" xmlns:dgm="http://schemas.openxmlformats.org/drawingml/2006/diagram" xmlns:o="urn:schemas-microsoft-com:office:office" xmlns:v="urn:schemas-microsoft-com:vml" xmlns:pvml="urn:schemas-microsoft-com:office:powerpoint" xmlns:com="http://schemas.openxmlformats.org/drawingml/2006/compatibility" xmlns:p14="http://schemas.microsoft.com/office/powerpoint/2010/main" showMasterPhAnim="0" showMasterSp="0">
   <p:cSld>
     <p:spTree>
       <p:nvGrpSpPr>
@@ -920,10 +814,10 @@
       </p:nvGrpSpPr>
       <p:grpSpPr>
         <a:xfrm>
-          <a:off y="0" x="0"/>
-          <a:ext cy="0" cx="0"/>
-          <a:chOff y="0" x="0"/>
-          <a:chExt cy="0" cx="0"/>
+          <a:off x="0" y="0"/>
+          <a:ext cx="0" cy="0"/>
+          <a:chOff x="0" y="0"/>
+          <a:chExt cx="0" cy="0"/>
         </a:xfrm>
       </p:grpSpPr>
       <p:sp>
@@ -936,37 +830,37 @@
         </p:nvSpPr>
         <p:spPr>
           <a:xfrm>
-            <a:off y="685800" x="381187"/>
-            <a:ext cy="3429000" cx="6096299"/>
+            <a:off x="381187" y="685800"/>
+            <a:ext cx="6096299" cy="3429000"/>
           </a:xfrm>
           <a:custGeom>
             <a:pathLst>
-              <a:path w="120000" extrusionOk="0" h="120000">
+              <a:path extrusionOk="0" h="120000" w="120000">
                 <a:moveTo>
-                  <a:pt y="0" x="0"/>
+                  <a:pt x="0" y="0"/>
                 </a:moveTo>
                 <a:lnTo>
-                  <a:pt y="0" x="120000"/>
+                  <a:pt x="120000" y="0"/>
                 </a:lnTo>
                 <a:lnTo>
-                  <a:pt y="120000" x="120000"/>
+                  <a:pt x="120000" y="120000"/>
                 </a:lnTo>
                 <a:lnTo>
-                  <a:pt y="120000" x="0"/>
+                  <a:pt x="0" y="120000"/>
                 </a:lnTo>
                 <a:close/>
               </a:path>
             </a:pathLst>
           </a:custGeom>
           <a:noFill/>
-          <a:ln w="9525" cap="flat">
+          <a:ln cap="flat" w="9525">
             <a:solidFill>
               <a:srgbClr val="000000"/>
             </a:solidFill>
             <a:prstDash val="solid"/>
             <a:round/>
-            <a:headEnd w="med" len="med" type="none"/>
-            <a:tailEnd w="med" len="med" type="none"/>
+            <a:headEnd len="med" w="med" type="none"/>
+            <a:tailEnd len="med" w="med" type="none"/>
           </a:ln>
         </p:spPr>
       </p:sp>
@@ -980,15 +874,15 @@
         </p:nvSpPr>
         <p:spPr>
           <a:xfrm>
-            <a:off y="4343400" x="685800"/>
-            <a:ext cy="4114800" cx="5486399"/>
+            <a:off x="685800" y="4343400"/>
+            <a:ext cx="5486399" cy="4114800"/>
           </a:xfrm>
           <a:prstGeom prst="rect">
             <a:avLst/>
           </a:prstGeom>
         </p:spPr>
         <p:txBody>
-          <a:bodyPr bIns="91425" rIns="91425" lIns="91425" tIns="91425" anchor="t" anchorCtr="0">
+          <a:bodyPr anchorCtr="0" anchor="t" bIns="91425" lIns="91425" rIns="91425" tIns="91425">
             <a:noAutofit/>
           </a:bodyPr>
           <a:lstStyle/>
@@ -1015,25 +909,25 @@
 </file>
 
 <file path=ppt/notesSlides/notesSlide6.xml><?xml version="1.0" encoding="utf-8"?>
-<p:notes xmlns:a="http://schemas.openxmlformats.org/drawingml/2006/main" xmlns:r="http://schemas.openxmlformats.org/officeDocument/2006/relationships" xmlns:mc="http://schemas.openxmlformats.org/markup-compatibility/2006" xmlns:mv="urn:schemas-microsoft-com:mac:vml" xmlns:p="http://schemas.openxmlformats.org/presentationml/2006/main" xmlns:c="http://schemas.openxmlformats.org/drawingml/2006/chart" xmlns:dgm="http://schemas.openxmlformats.org/drawingml/2006/diagram" xmlns:o="urn:schemas-microsoft-com:office:office" xmlns:v="urn:schemas-microsoft-com:vml" xmlns:pvml="urn:schemas-microsoft-com:office:powerpoint" xmlns:com="http://schemas.openxmlformats.org/drawingml/2006/compatibility" xmlns:p14="http://schemas.microsoft.com/office/powerpoint/2010/main" showMasterSp="0" showMasterPhAnim="0">
+<p:notes xmlns:a="http://schemas.openxmlformats.org/drawingml/2006/main" xmlns:r="http://schemas.openxmlformats.org/officeDocument/2006/relationships" xmlns:mc="http://schemas.openxmlformats.org/markup-compatibility/2006" xmlns:mv="urn:schemas-microsoft-com:mac:vml" xmlns:p="http://schemas.openxmlformats.org/presentationml/2006/main" xmlns:c="http://schemas.openxmlformats.org/drawingml/2006/chart" xmlns:dgm="http://schemas.openxmlformats.org/drawingml/2006/diagram" xmlns:o="urn:schemas-microsoft-com:office:office" xmlns:v="urn:schemas-microsoft-com:vml" xmlns:pvml="urn:schemas-microsoft-com:office:powerpoint" xmlns:com="http://schemas.openxmlformats.org/drawingml/2006/compatibility" xmlns:p14="http://schemas.microsoft.com/office/powerpoint/2010/main" showMasterPhAnim="0" showMasterSp="0">
   <p:cSld>
     <p:spTree>
       <p:nvGrpSpPr>
-        <p:cNvPr id="81" name="Shape 81"/>
+        <p:cNvPr id="82" name="Shape 82"/>
         <p:cNvGrpSpPr/>
         <p:nvPr/>
       </p:nvGrpSpPr>
       <p:grpSpPr>
         <a:xfrm>
-          <a:off y="0" x="0"/>
-          <a:ext cy="0" cx="0"/>
-          <a:chOff y="0" x="0"/>
-          <a:chExt cy="0" cx="0"/>
+          <a:off x="0" y="0"/>
+          <a:ext cx="0" cy="0"/>
+          <a:chOff x="0" y="0"/>
+          <a:chExt cx="0" cy="0"/>
         </a:xfrm>
       </p:grpSpPr>
       <p:sp>
         <p:nvSpPr>
-          <p:cNvPr id="82" name="Shape 82"/>
+          <p:cNvPr id="83" name="Shape 83"/>
           <p:cNvSpPr/>
           <p:nvPr>
             <p:ph idx="2" type="sldImg"/>
@@ -1041,43 +935,43 @@
         </p:nvSpPr>
         <p:spPr>
           <a:xfrm>
-            <a:off y="685800" x="381187"/>
-            <a:ext cy="3429000" cx="6096299"/>
+            <a:off x="381187" y="685800"/>
+            <a:ext cx="6096299" cy="3429000"/>
           </a:xfrm>
           <a:custGeom>
             <a:pathLst>
-              <a:path w="120000" extrusionOk="0" h="120000">
+              <a:path extrusionOk="0" h="120000" w="120000">
                 <a:moveTo>
-                  <a:pt y="0" x="0"/>
+                  <a:pt x="0" y="0"/>
                 </a:moveTo>
                 <a:lnTo>
-                  <a:pt y="0" x="120000"/>
+                  <a:pt x="120000" y="0"/>
                 </a:lnTo>
                 <a:lnTo>
-                  <a:pt y="120000" x="120000"/>
+                  <a:pt x="120000" y="120000"/>
                 </a:lnTo>
                 <a:lnTo>
-                  <a:pt y="120000" x="0"/>
+                  <a:pt x="0" y="120000"/>
                 </a:lnTo>
                 <a:close/>
               </a:path>
             </a:pathLst>
           </a:custGeom>
           <a:noFill/>
-          <a:ln w="9525" cap="flat">
+          <a:ln cap="flat" w="9525">
             <a:solidFill>
               <a:srgbClr val="000000"/>
             </a:solidFill>
             <a:prstDash val="solid"/>
             <a:round/>
-            <a:headEnd w="med" len="med" type="none"/>
-            <a:tailEnd w="med" len="med" type="none"/>
+            <a:headEnd len="med" w="med" type="none"/>
+            <a:tailEnd len="med" w="med" type="none"/>
           </a:ln>
         </p:spPr>
       </p:sp>
       <p:sp>
         <p:nvSpPr>
-          <p:cNvPr id="83" name="Shape 83"/>
+          <p:cNvPr id="84" name="Shape 84"/>
           <p:cNvSpPr txBox="1"/>
           <p:nvPr>
             <p:ph idx="1" type="body"/>
@@ -1085,15 +979,15 @@
         </p:nvSpPr>
         <p:spPr>
           <a:xfrm>
-            <a:off y="4343400" x="685800"/>
-            <a:ext cy="4114800" cx="5486399"/>
+            <a:off x="685800" y="4343400"/>
+            <a:ext cx="5486399" cy="4114800"/>
           </a:xfrm>
           <a:prstGeom prst="rect">
             <a:avLst/>
           </a:prstGeom>
         </p:spPr>
         <p:txBody>
-          <a:bodyPr bIns="91425" rIns="91425" lIns="91425" tIns="91425" anchor="t" anchorCtr="0">
+          <a:bodyPr anchorCtr="0" anchor="t" bIns="91425" lIns="91425" rIns="91425" tIns="91425">
             <a:noAutofit/>
           </a:bodyPr>
           <a:lstStyle/>
@@ -1120,7 +1014,7 @@
 </file>
 
 <file path=ppt/notesSlides/notesSlide7.xml><?xml version="1.0" encoding="utf-8"?>
-<p:notes xmlns:a="http://schemas.openxmlformats.org/drawingml/2006/main" xmlns:r="http://schemas.openxmlformats.org/officeDocument/2006/relationships" xmlns:mc="http://schemas.openxmlformats.org/markup-compatibility/2006" xmlns:mv="urn:schemas-microsoft-com:mac:vml" xmlns:p="http://schemas.openxmlformats.org/presentationml/2006/main" xmlns:c="http://schemas.openxmlformats.org/drawingml/2006/chart" xmlns:dgm="http://schemas.openxmlformats.org/drawingml/2006/diagram" xmlns:o="urn:schemas-microsoft-com:office:office" xmlns:v="urn:schemas-microsoft-com:vml" xmlns:pvml="urn:schemas-microsoft-com:office:powerpoint" xmlns:com="http://schemas.openxmlformats.org/drawingml/2006/compatibility" xmlns:p14="http://schemas.microsoft.com/office/powerpoint/2010/main" showMasterSp="0" showMasterPhAnim="0">
+<p:notes xmlns:a="http://schemas.openxmlformats.org/drawingml/2006/main" xmlns:r="http://schemas.openxmlformats.org/officeDocument/2006/relationships" xmlns:mc="http://schemas.openxmlformats.org/markup-compatibility/2006" xmlns:mv="urn:schemas-microsoft-com:mac:vml" xmlns:p="http://schemas.openxmlformats.org/presentationml/2006/main" xmlns:c="http://schemas.openxmlformats.org/drawingml/2006/chart" xmlns:dgm="http://schemas.openxmlformats.org/drawingml/2006/diagram" xmlns:o="urn:schemas-microsoft-com:office:office" xmlns:v="urn:schemas-microsoft-com:vml" xmlns:pvml="urn:schemas-microsoft-com:office:powerpoint" xmlns:com="http://schemas.openxmlformats.org/drawingml/2006/compatibility" xmlns:p14="http://schemas.microsoft.com/office/powerpoint/2010/main" showMasterPhAnim="0" showMasterSp="0">
   <p:cSld>
     <p:spTree>
       <p:nvGrpSpPr>
@@ -1130,10 +1024,10 @@
       </p:nvGrpSpPr>
       <p:grpSpPr>
         <a:xfrm>
-          <a:off y="0" x="0"/>
-          <a:ext cy="0" cx="0"/>
-          <a:chOff y="0" x="0"/>
-          <a:chExt cy="0" cx="0"/>
+          <a:off x="0" y="0"/>
+          <a:ext cx="0" cy="0"/>
+          <a:chOff x="0" y="0"/>
+          <a:chExt cx="0" cy="0"/>
         </a:xfrm>
       </p:grpSpPr>
       <p:sp>
@@ -1146,37 +1040,37 @@
         </p:nvSpPr>
         <p:spPr>
           <a:xfrm>
-            <a:off y="685800" x="381187"/>
-            <a:ext cy="3429000" cx="6096299"/>
+            <a:off x="381187" y="685800"/>
+            <a:ext cx="6096299" cy="3429000"/>
           </a:xfrm>
           <a:custGeom>
             <a:pathLst>
-              <a:path w="120000" extrusionOk="0" h="120000">
+              <a:path extrusionOk="0" h="120000" w="120000">
                 <a:moveTo>
-                  <a:pt y="0" x="0"/>
+                  <a:pt x="0" y="0"/>
                 </a:moveTo>
                 <a:lnTo>
-                  <a:pt y="0" x="120000"/>
+                  <a:pt x="120000" y="0"/>
                 </a:lnTo>
                 <a:lnTo>
-                  <a:pt y="120000" x="120000"/>
+                  <a:pt x="120000" y="120000"/>
                 </a:lnTo>
                 <a:lnTo>
-                  <a:pt y="120000" x="0"/>
+                  <a:pt x="0" y="120000"/>
                 </a:lnTo>
                 <a:close/>
               </a:path>
             </a:pathLst>
           </a:custGeom>
           <a:noFill/>
-          <a:ln w="9525" cap="flat">
+          <a:ln cap="flat" w="9525">
             <a:solidFill>
               <a:srgbClr val="000000"/>
             </a:solidFill>
             <a:prstDash val="solid"/>
             <a:round/>
-            <a:headEnd w="med" len="med" type="none"/>
-            <a:tailEnd w="med" len="med" type="none"/>
+            <a:headEnd len="med" w="med" type="none"/>
+            <a:tailEnd len="med" w="med" type="none"/>
           </a:ln>
         </p:spPr>
       </p:sp>
@@ -1190,15 +1084,15 @@
         </p:nvSpPr>
         <p:spPr>
           <a:xfrm>
-            <a:off y="4343400" x="685800"/>
-            <a:ext cy="4114800" cx="5486399"/>
+            <a:off x="685800" y="4343400"/>
+            <a:ext cx="5486399" cy="4114800"/>
           </a:xfrm>
           <a:prstGeom prst="rect">
             <a:avLst/>
           </a:prstGeom>
         </p:spPr>
         <p:txBody>
-          <a:bodyPr bIns="91425" rIns="91425" lIns="91425" tIns="91425" anchor="t" anchorCtr="0">
+          <a:bodyPr anchorCtr="0" anchor="t" bIns="91425" lIns="91425" rIns="91425" tIns="91425">
             <a:noAutofit/>
           </a:bodyPr>
           <a:lstStyle/>
@@ -1225,25 +1119,25 @@
 </file>
 
 <file path=ppt/notesSlides/notesSlide8.xml><?xml version="1.0" encoding="utf-8"?>
-<p:notes xmlns:a="http://schemas.openxmlformats.org/drawingml/2006/main" xmlns:r="http://schemas.openxmlformats.org/officeDocument/2006/relationships" xmlns:mc="http://schemas.openxmlformats.org/markup-compatibility/2006" xmlns:mv="urn:schemas-microsoft-com:mac:vml" xmlns:p="http://schemas.openxmlformats.org/presentationml/2006/main" xmlns:c="http://schemas.openxmlformats.org/drawingml/2006/chart" xmlns:dgm="http://schemas.openxmlformats.org/drawingml/2006/diagram" xmlns:o="urn:schemas-microsoft-com:office:office" xmlns:v="urn:schemas-microsoft-com:vml" xmlns:pvml="urn:schemas-microsoft-com:office:powerpoint" xmlns:com="http://schemas.openxmlformats.org/drawingml/2006/compatibility" xmlns:p14="http://schemas.microsoft.com/office/powerpoint/2010/main" showMasterSp="0" showMasterPhAnim="0">
+<p:notes xmlns:a="http://schemas.openxmlformats.org/drawingml/2006/main" xmlns:r="http://schemas.openxmlformats.org/officeDocument/2006/relationships" xmlns:mc="http://schemas.openxmlformats.org/markup-compatibility/2006" xmlns:mv="urn:schemas-microsoft-com:mac:vml" xmlns:p="http://schemas.openxmlformats.org/presentationml/2006/main" xmlns:c="http://schemas.openxmlformats.org/drawingml/2006/chart" xmlns:dgm="http://schemas.openxmlformats.org/drawingml/2006/diagram" xmlns:o="urn:schemas-microsoft-com:office:office" xmlns:v="urn:schemas-microsoft-com:vml" xmlns:pvml="urn:schemas-microsoft-com:office:powerpoint" xmlns:com="http://schemas.openxmlformats.org/drawingml/2006/compatibility" xmlns:p14="http://schemas.microsoft.com/office/powerpoint/2010/main" showMasterPhAnim="0" showMasterSp="0">
   <p:cSld>
     <p:spTree>
       <p:nvGrpSpPr>
-        <p:cNvPr id="95" name="Shape 95"/>
+        <p:cNvPr id="94" name="Shape 94"/>
         <p:cNvGrpSpPr/>
         <p:nvPr/>
       </p:nvGrpSpPr>
       <p:grpSpPr>
         <a:xfrm>
-          <a:off y="0" x="0"/>
-          <a:ext cy="0" cx="0"/>
-          <a:chOff y="0" x="0"/>
-          <a:chExt cy="0" cx="0"/>
+          <a:off x="0" y="0"/>
+          <a:ext cx="0" cy="0"/>
+          <a:chOff x="0" y="0"/>
+          <a:chExt cx="0" cy="0"/>
         </a:xfrm>
       </p:grpSpPr>
       <p:sp>
         <p:nvSpPr>
-          <p:cNvPr id="96" name="Shape 96"/>
+          <p:cNvPr id="95" name="Shape 95"/>
           <p:cNvSpPr/>
           <p:nvPr>
             <p:ph idx="2" type="sldImg"/>
@@ -1251,43 +1145,43 @@
         </p:nvSpPr>
         <p:spPr>
           <a:xfrm>
-            <a:off y="685800" x="381187"/>
-            <a:ext cy="3429000" cx="6096299"/>
+            <a:off x="381187" y="685800"/>
+            <a:ext cx="6096299" cy="3429000"/>
           </a:xfrm>
           <a:custGeom>
             <a:pathLst>
-              <a:path w="120000" extrusionOk="0" h="120000">
+              <a:path extrusionOk="0" h="120000" w="120000">
                 <a:moveTo>
-                  <a:pt y="0" x="0"/>
+                  <a:pt x="0" y="0"/>
                 </a:moveTo>
                 <a:lnTo>
-                  <a:pt y="0" x="120000"/>
+                  <a:pt x="120000" y="0"/>
                 </a:lnTo>
                 <a:lnTo>
-                  <a:pt y="120000" x="120000"/>
+                  <a:pt x="120000" y="120000"/>
                 </a:lnTo>
                 <a:lnTo>
-                  <a:pt y="120000" x="0"/>
+                  <a:pt x="0" y="120000"/>
                 </a:lnTo>
                 <a:close/>
               </a:path>
             </a:pathLst>
           </a:custGeom>
           <a:noFill/>
-          <a:ln w="9525" cap="flat">
+          <a:ln cap="flat" w="9525">
             <a:solidFill>
               <a:srgbClr val="000000"/>
             </a:solidFill>
             <a:prstDash val="solid"/>
             <a:round/>
-            <a:headEnd w="med" len="med" type="none"/>
-            <a:tailEnd w="med" len="med" type="none"/>
+            <a:headEnd len="med" w="med" type="none"/>
+            <a:tailEnd len="med" w="med" type="none"/>
           </a:ln>
         </p:spPr>
       </p:sp>
       <p:sp>
         <p:nvSpPr>
-          <p:cNvPr id="97" name="Shape 97"/>
+          <p:cNvPr id="96" name="Shape 96"/>
           <p:cNvSpPr txBox="1"/>
           <p:nvPr>
             <p:ph idx="1" type="body"/>
@@ -1295,15 +1189,15 @@
         </p:nvSpPr>
         <p:spPr>
           <a:xfrm>
-            <a:off y="4343400" x="685800"/>
-            <a:ext cy="4114800" cx="5486399"/>
+            <a:off x="685800" y="4343400"/>
+            <a:ext cx="5486399" cy="4114800"/>
           </a:xfrm>
           <a:prstGeom prst="rect">
             <a:avLst/>
           </a:prstGeom>
         </p:spPr>
         <p:txBody>
-          <a:bodyPr bIns="91425" rIns="91425" lIns="91425" tIns="91425" anchor="t" anchorCtr="0">
+          <a:bodyPr anchorCtr="0" anchor="t" bIns="91425" lIns="91425" rIns="91425" tIns="91425">
             <a:noAutofit/>
           </a:bodyPr>
           <a:lstStyle/>
@@ -1330,7 +1224,7 @@
 </file>
 
 <file path=ppt/notesSlides/notesSlide9.xml><?xml version="1.0" encoding="utf-8"?>
-<p:notes xmlns:a="http://schemas.openxmlformats.org/drawingml/2006/main" xmlns:r="http://schemas.openxmlformats.org/officeDocument/2006/relationships" xmlns:mc="http://schemas.openxmlformats.org/markup-compatibility/2006" xmlns:mv="urn:schemas-microsoft-com:mac:vml" xmlns:p="http://schemas.openxmlformats.org/presentationml/2006/main" xmlns:c="http://schemas.openxmlformats.org/drawingml/2006/chart" xmlns:dgm="http://schemas.openxmlformats.org/drawingml/2006/diagram" xmlns:o="urn:schemas-microsoft-com:office:office" xmlns:v="urn:schemas-microsoft-com:vml" xmlns:pvml="urn:schemas-microsoft-com:office:powerpoint" xmlns:com="http://schemas.openxmlformats.org/drawingml/2006/compatibility" xmlns:p14="http://schemas.microsoft.com/office/powerpoint/2010/main" showMasterSp="0" showMasterPhAnim="0">
+<p:notes xmlns:a="http://schemas.openxmlformats.org/drawingml/2006/main" xmlns:r="http://schemas.openxmlformats.org/officeDocument/2006/relationships" xmlns:mc="http://schemas.openxmlformats.org/markup-compatibility/2006" xmlns:mv="urn:schemas-microsoft-com:mac:vml" xmlns:p="http://schemas.openxmlformats.org/presentationml/2006/main" xmlns:c="http://schemas.openxmlformats.org/drawingml/2006/chart" xmlns:dgm="http://schemas.openxmlformats.org/drawingml/2006/diagram" xmlns:o="urn:schemas-microsoft-com:office:office" xmlns:v="urn:schemas-microsoft-com:vml" xmlns:pvml="urn:schemas-microsoft-com:office:powerpoint" xmlns:com="http://schemas.openxmlformats.org/drawingml/2006/compatibility" xmlns:p14="http://schemas.microsoft.com/office/powerpoint/2010/main" showMasterPhAnim="0" showMasterSp="0">
   <p:cSld>
     <p:spTree>
       <p:nvGrpSpPr>
@@ -1340,10 +1234,10 @@
       </p:nvGrpSpPr>
       <p:grpSpPr>
         <a:xfrm>
-          <a:off y="0" x="0"/>
-          <a:ext cy="0" cx="0"/>
-          <a:chOff y="0" x="0"/>
-          <a:chExt cy="0" cx="0"/>
+          <a:off x="0" y="0"/>
+          <a:ext cx="0" cy="0"/>
+          <a:chOff x="0" y="0"/>
+          <a:chExt cx="0" cy="0"/>
         </a:xfrm>
       </p:grpSpPr>
       <p:sp>
@@ -1356,37 +1250,37 @@
         </p:nvSpPr>
         <p:spPr>
           <a:xfrm>
-            <a:off y="685800" x="381187"/>
-            <a:ext cy="3429000" cx="6096299"/>
+            <a:off x="381187" y="685800"/>
+            <a:ext cx="6096299" cy="3429000"/>
           </a:xfrm>
           <a:custGeom>
             <a:pathLst>
-              <a:path w="120000" extrusionOk="0" h="120000">
+              <a:path extrusionOk="0" h="120000" w="120000">
                 <a:moveTo>
-                  <a:pt y="0" x="0"/>
+                  <a:pt x="0" y="0"/>
                 </a:moveTo>
                 <a:lnTo>
-                  <a:pt y="0" x="120000"/>
+                  <a:pt x="120000" y="0"/>
                 </a:lnTo>
                 <a:lnTo>
-                  <a:pt y="120000" x="120000"/>
+                  <a:pt x="120000" y="120000"/>
                 </a:lnTo>
                 <a:lnTo>
-                  <a:pt y="120000" x="0"/>
+                  <a:pt x="0" y="120000"/>
                 </a:lnTo>
                 <a:close/>
               </a:path>
             </a:pathLst>
           </a:custGeom>
           <a:noFill/>
-          <a:ln w="9525" cap="flat">
+          <a:ln cap="flat" w="9525">
             <a:solidFill>
               <a:srgbClr val="000000"/>
             </a:solidFill>
             <a:prstDash val="solid"/>
             <a:round/>
-            <a:headEnd w="med" len="med" type="none"/>
-            <a:tailEnd w="med" len="med" type="none"/>
+            <a:headEnd len="med" w="med" type="none"/>
+            <a:tailEnd len="med" w="med" type="none"/>
           </a:ln>
         </p:spPr>
       </p:sp>
@@ -1400,15 +1294,15 @@
         </p:nvSpPr>
         <p:spPr>
           <a:xfrm>
-            <a:off y="4343400" x="685800"/>
-            <a:ext cy="4114800" cx="5486399"/>
+            <a:off x="685800" y="4343400"/>
+            <a:ext cx="5486399" cy="4114800"/>
           </a:xfrm>
           <a:prstGeom prst="rect">
             <a:avLst/>
           </a:prstGeom>
         </p:spPr>
         <p:txBody>
-          <a:bodyPr bIns="91425" rIns="91425" lIns="91425" tIns="91425" anchor="t" anchorCtr="0">
+          <a:bodyPr anchorCtr="0" anchor="t" bIns="91425" lIns="91425" rIns="91425" tIns="91425">
             <a:noAutofit/>
           </a:bodyPr>
           <a:lstStyle/>
@@ -1445,10 +1339,10 @@
       </p:nvGrpSpPr>
       <p:grpSpPr>
         <a:xfrm>
-          <a:off y="0" x="0"/>
-          <a:ext cy="0" cx="0"/>
-          <a:chOff y="0" x="0"/>
-          <a:chExt cy="0" cx="0"/>
+          <a:off x="0" y="0"/>
+          <a:ext cx="0" cy="0"/>
+          <a:chOff x="0" y="0"/>
+          <a:chExt cx="0" cy="0"/>
         </a:xfrm>
       </p:grpSpPr>
       <p:sp>
@@ -1459,8 +1353,8 @@
         </p:nvSpPr>
         <p:spPr>
           <a:xfrm>
-            <a:off y="0" x="0"/>
-            <a:ext cy="5176499" cx="9144000"/>
+            <a:off x="0" y="0"/>
+            <a:ext cx="9144000" cy="5176499"/>
           </a:xfrm>
           <a:prstGeom prst="rect">
             <a:avLst/>
@@ -1481,7 +1375,7 @@
           </a:ln>
         </p:spPr>
         <p:txBody>
-          <a:bodyPr bIns="45700" rIns="91425" lIns="91425" tIns="45700" anchor="ctr" anchorCtr="0">
+          <a:bodyPr anchorCtr="0" anchor="ctr" bIns="45700" lIns="91425" rIns="91425" tIns="45700">
             <a:noAutofit/>
           </a:bodyPr>
           <a:lstStyle/>
@@ -1507,28 +1401,28 @@
         </p:nvSpPr>
         <p:spPr>
           <a:xfrm flipH="1">
-            <a:off y="12039" x="-3832"/>
-            <a:ext cy="5165065" cx="10925833"/>
+            <a:off x="-3832" y="12039"/>
+            <a:ext cx="10925833" cy="5165065"/>
           </a:xfrm>
           <a:custGeom>
             <a:pathLst>
-              <a:path w="24279631" extrusionOk="0" h="6863875">
+              <a:path extrusionOk="0" h="6863875" w="24279631">
                 <a:moveTo>
-                  <a:pt y="0" x="9291599"/>
+                  <a:pt x="9291599" y="0"/>
                 </a:moveTo>
                 <a:lnTo>
-                  <a:pt y="5875" x="24279631"/>
+                  <a:pt x="24279631" y="5875"/>
                 </a:lnTo>
                 <a:lnTo>
-                  <a:pt y="6863875" x="24250422"/>
+                  <a:pt x="24250422" y="6863875"/>
                 </a:lnTo>
                 <a:lnTo>
-                  <a:pt y="6858000" x="8740466"/>
+                  <a:pt x="8740466" y="6858000"/>
                 </a:lnTo>
                 <a:cubicBezTo>
-                  <a:pt y="3062308" x="0"/>
-                  <a:pt y="312298" x="7449035"/>
-                  <a:pt y="0" x="9291599"/>
+                  <a:pt x="0" y="3062308"/>
+                  <a:pt x="7449035" y="312298"/>
+                  <a:pt x="9291599" y="0"/>
                 </a:cubicBezTo>
                 <a:close/>
               </a:path>
@@ -1553,7 +1447,7 @@
               </a:gs>
             </a:gsLst>
             <a:path path="circle">
-              <a:fillToRect t="100%" r="100%"/>
+              <a:fillToRect r="100%" t="100%"/>
             </a:path>
             <a:tileRect b="-100%" l="-100%"/>
           </a:gradFill>
@@ -1562,7 +1456,7 @@
           </a:ln>
         </p:spPr>
         <p:txBody>
-          <a:bodyPr bIns="45700" rIns="91425" lIns="91425" tIns="45700" anchor="ctr" anchorCtr="0">
+          <a:bodyPr anchorCtr="0" anchor="ctr" bIns="45700" lIns="91425" rIns="91425" tIns="45700">
             <a:noAutofit/>
           </a:bodyPr>
           <a:lstStyle/>
@@ -1588,28 +1482,28 @@
         </p:nvSpPr>
         <p:spPr>
           <a:xfrm flipH="1">
-            <a:off y="660" x="14659"/>
-            <a:ext cy="5165065" cx="10500940"/>
+            <a:off x="14659" y="660"/>
+            <a:ext cx="10500940" cy="5165065"/>
           </a:xfrm>
           <a:custGeom>
             <a:pathLst>
-              <a:path w="24279631" extrusionOk="0" h="6863875">
+              <a:path extrusionOk="0" h="6863875" w="24279631">
                 <a:moveTo>
-                  <a:pt y="0" x="9291599"/>
+                  <a:pt x="9291599" y="0"/>
                 </a:moveTo>
                 <a:lnTo>
-                  <a:pt y="5875" x="24279631"/>
+                  <a:pt x="24279631" y="5875"/>
                 </a:lnTo>
                 <a:lnTo>
-                  <a:pt y="6863875" x="24250422"/>
+                  <a:pt x="24250422" y="6863875"/>
                 </a:lnTo>
                 <a:lnTo>
-                  <a:pt y="6858000" x="8740466"/>
+                  <a:pt x="8740466" y="6858000"/>
                 </a:lnTo>
                 <a:cubicBezTo>
-                  <a:pt y="3062308" x="0"/>
-                  <a:pt y="312298" x="7449035"/>
-                  <a:pt y="0" x="9291599"/>
+                  <a:pt x="0" y="3062308"/>
+                  <a:pt x="7449035" y="312298"/>
+                  <a:pt x="9291599" y="0"/>
                 </a:cubicBezTo>
                 <a:close/>
               </a:path>
@@ -1634,7 +1528,7 @@
               </a:gs>
             </a:gsLst>
             <a:path path="circle">
-              <a:fillToRect t="100%" r="100%"/>
+              <a:fillToRect r="100%" t="100%"/>
             </a:path>
             <a:tileRect b="-100%" l="-100%"/>
           </a:gradFill>
@@ -1643,7 +1537,7 @@
           </a:ln>
         </p:spPr>
         <p:txBody>
-          <a:bodyPr bIns="45700" rIns="91425" lIns="91425" tIns="45700" anchor="b" anchorCtr="0">
+          <a:bodyPr anchorCtr="0" anchor="b" bIns="45700" lIns="91425" rIns="91425" tIns="45700">
             <a:noAutofit/>
           </a:bodyPr>
           <a:lstStyle/>
@@ -1669,28 +1563,28 @@
         </p:nvSpPr>
         <p:spPr>
           <a:xfrm>
-            <a:off y="-661" x="-846666"/>
-            <a:ext cy="5176308" cx="2167466"/>
+            <a:off x="-846666" y="-661"/>
+            <a:ext cx="2167466" cy="5176308"/>
           </a:xfrm>
           <a:custGeom>
             <a:pathLst>
-              <a:path w="2167467" extrusionOk="0" h="6180667">
+              <a:path extrusionOk="0" h="6180667" w="2167467">
                 <a:moveTo>
-                  <a:pt y="0" x="939800"/>
+                  <a:pt x="939800" y="0"/>
                 </a:moveTo>
                 <a:lnTo>
-                  <a:pt y="5881" x="1905000"/>
+                  <a:pt x="1905000" y="5881"/>
                 </a:lnTo>
                 <a:cubicBezTo>
-                  <a:pt y="1035992" x="2167467"/>
-                  <a:pt y="1848556" x="0"/>
-                  <a:pt y="6180667" x="1896533"/>
+                  <a:pt x="2167467" y="1035992"/>
+                  <a:pt x="0" y="1848556"/>
+                  <a:pt x="1896533" y="6180667"/>
                 </a:cubicBezTo>
                 <a:lnTo>
-                  <a:pt y="6180667" x="939800"/>
+                  <a:pt x="939800" y="6180667"/>
                 </a:lnTo>
                 <a:lnTo>
-                  <a:pt y="0" x="939800"/>
+                  <a:pt x="939800" y="0"/>
                 </a:lnTo>
                 <a:close/>
               </a:path>
@@ -1716,7 +1610,7 @@
           </a:ln>
         </p:spPr>
         <p:txBody>
-          <a:bodyPr bIns="45700" rIns="91425" lIns="91425" tIns="45700" anchor="ctr" anchorCtr="0">
+          <a:bodyPr anchorCtr="0" anchor="ctr" bIns="45700" lIns="91425" rIns="91425" tIns="45700">
             <a:noAutofit/>
           </a:bodyPr>
           <a:lstStyle/>
@@ -1741,29 +1635,29 @@
           <p:nvPr/>
         </p:nvSpPr>
         <p:spPr>
-          <a:xfrm rot="10800000" flipH="1">
-            <a:off y="131" x="-524933"/>
-            <a:ext cy="5176308" cx="1403434"/>
+          <a:xfrm flipH="1" rot="10800000">
+            <a:off x="-524933" y="131"/>
+            <a:ext cx="1403434" cy="5176308"/>
           </a:xfrm>
           <a:custGeom>
             <a:pathLst>
-              <a:path w="2167467" extrusionOk="0" h="6180667">
+              <a:path extrusionOk="0" h="6180667" w="2167467">
                 <a:moveTo>
-                  <a:pt y="0" x="939800"/>
+                  <a:pt x="939800" y="0"/>
                 </a:moveTo>
                 <a:lnTo>
-                  <a:pt y="5881" x="1905000"/>
+                  <a:pt x="1905000" y="5881"/>
                 </a:lnTo>
                 <a:cubicBezTo>
-                  <a:pt y="1035992" x="2167467"/>
-                  <a:pt y="1848556" x="0"/>
-                  <a:pt y="6180667" x="1896533"/>
+                  <a:pt x="2167467" y="1035992"/>
+                  <a:pt x="0" y="1848556"/>
+                  <a:pt x="1896533" y="6180667"/>
                 </a:cubicBezTo>
                 <a:lnTo>
-                  <a:pt y="6180667" x="939800"/>
+                  <a:pt x="939800" y="6180667"/>
                 </a:lnTo>
                 <a:lnTo>
-                  <a:pt y="0" x="939800"/>
+                  <a:pt x="939800" y="0"/>
                 </a:lnTo>
                 <a:close/>
               </a:path>
@@ -1789,7 +1683,7 @@
           </a:ln>
         </p:spPr>
         <p:txBody>
-          <a:bodyPr bIns="45700" rIns="91425" lIns="91425" tIns="45700" anchor="ctr" anchorCtr="0">
+          <a:bodyPr anchorCtr="0" anchor="ctr" bIns="45700" lIns="91425" rIns="91425" tIns="45700">
             <a:noAutofit/>
           </a:bodyPr>
           <a:lstStyle/>
@@ -1817,15 +1711,15 @@
         </p:nvSpPr>
         <p:spPr>
           <a:xfrm>
-            <a:off y="1242060" x="1082040"/>
-            <a:ext cy="1102500" cx="7050900"/>
+            <a:off x="1082040" y="1242060"/>
+            <a:ext cx="7050900" cy="1102500"/>
           </a:xfrm>
           <a:prstGeom prst="rect">
             <a:avLst/>
           </a:prstGeom>
         </p:spPr>
         <p:txBody>
-          <a:bodyPr bIns="91425" rIns="91425" lIns="91425" tIns="91425" anchor="b" anchorCtr="0"/>
+          <a:bodyPr anchorCtr="0" anchor="b" bIns="91425" lIns="91425" rIns="91425" tIns="91425"/>
           <a:lstStyle>
             <a:lvl1pPr algn="r">
               <a:spcBef>
@@ -1967,15 +1861,15 @@
         </p:nvSpPr>
         <p:spPr>
           <a:xfrm>
-            <a:off y="2423159" x="1082040"/>
-            <a:ext cy="694199" cx="7035899"/>
+            <a:off x="1082040" y="2423159"/>
+            <a:ext cx="7035899" cy="694199"/>
           </a:xfrm>
           <a:prstGeom prst="rect">
             <a:avLst/>
           </a:prstGeom>
         </p:spPr>
         <p:txBody>
-          <a:bodyPr bIns="91425" rIns="91425" lIns="91425" tIns="91425" anchor="t" anchorCtr="0"/>
+          <a:bodyPr anchorCtr="0" anchor="t" bIns="91425" lIns="91425" rIns="91425" tIns="91425"/>
           <a:lstStyle>
             <a:lvl1pPr algn="r">
               <a:spcBef>
@@ -2125,15 +2019,15 @@
         </p:nvSpPr>
         <p:spPr>
           <a:xfrm>
-            <a:off y="4749850" x="8556791"/>
-            <a:ext cy="393600" cx="548699"/>
+            <a:off x="8556791" y="4749850"/>
+            <a:ext cx="548699" cy="393600"/>
           </a:xfrm>
           <a:prstGeom prst="rect">
             <a:avLst/>
           </a:prstGeom>
         </p:spPr>
         <p:txBody>
-          <a:bodyPr bIns="91425" rIns="91425" lIns="91425" tIns="91425" anchor="ctr" anchorCtr="0">
+          <a:bodyPr anchorCtr="0" anchor="ctr" bIns="91425" lIns="91425" rIns="91425" tIns="91425">
             <a:noAutofit/>
           </a:bodyPr>
           <a:lstStyle>
@@ -2178,10 +2072,10 @@
       </p:nvGrpSpPr>
       <p:grpSpPr>
         <a:xfrm>
-          <a:off y="0" x="0"/>
-          <a:ext cy="0" cx="0"/>
-          <a:chOff y="0" x="0"/>
-          <a:chExt cy="0" cx="0"/>
+          <a:off x="0" y="0"/>
+          <a:ext cx="0" cy="0"/>
+          <a:chOff x="0" y="0"/>
+          <a:chExt cx="0" cy="0"/>
         </a:xfrm>
       </p:grpSpPr>
       <p:sp>
@@ -2191,31 +2085,31 @@
           <p:nvPr/>
         </p:nvSpPr>
         <p:spPr>
-          <a:xfrm rot="10800000" flipH="1">
-            <a:off y="-16424" x="-348182"/>
-            <a:ext cy="5159924" cx="1723519"/>
+          <a:xfrm flipH="1" rot="10800000">
+            <a:off x="-348182" y="-16424"/>
+            <a:ext cx="1723519" cy="5159924"/>
           </a:xfrm>
           <a:custGeom>
             <a:pathLst>
-              <a:path w="4476675" extrusionOk="0" h="6879900">
+              <a:path extrusionOk="0" h="6879900" w="4476675">
                 <a:moveTo>
-                  <a:pt y="16025" x="4476676"/>
+                  <a:pt x="4476676" y="16025"/>
                 </a:moveTo>
                 <a:lnTo>
-                  <a:pt y="0" x="879695"/>
+                  <a:pt x="879695" y="0"/>
                 </a:lnTo>
                 <a:cubicBezTo>
-                  <a:pt y="2293300" x="886211"/>
-                  <a:pt y="4586600" x="892726"/>
-                  <a:pt y="6879900" x="899242"/>
+                  <a:pt x="886211" y="2293300"/>
+                  <a:pt x="892726" y="4586600"/>
+                  <a:pt x="899242" y="6879900"/>
                 </a:cubicBezTo>
                 <a:lnTo>
-                  <a:pt y="6861462" x="3909760"/>
+                  <a:pt x="3909760" y="6861462"/>
                 </a:lnTo>
                 <a:cubicBezTo>
-                  <a:pt y="3547544" x="0"/>
-                  <a:pt y="1824359" x="1695771"/>
-                  <a:pt y="16025" x="4476676"/>
+                  <a:pt x="0" y="3547544"/>
+                  <a:pt x="1695771" y="1824359"/>
+                  <a:pt x="4476676" y="16025"/>
                 </a:cubicBezTo>
                 <a:close/>
               </a:path>
@@ -2240,7 +2134,7 @@
               </a:gs>
             </a:gsLst>
             <a:path path="circle">
-              <a:fillToRect t="100%" r="100%"/>
+              <a:fillToRect r="100%" t="100%"/>
             </a:path>
             <a:tileRect b="-100%" l="-100%"/>
           </a:gradFill>
@@ -2249,7 +2143,7 @@
           </a:ln>
         </p:spPr>
         <p:txBody>
-          <a:bodyPr bIns="45700" rIns="91425" lIns="91425" tIns="45700" anchor="ctr" anchorCtr="0">
+          <a:bodyPr anchorCtr="0" anchor="ctr" bIns="45700" lIns="91425" rIns="91425" tIns="45700">
             <a:noAutofit/>
           </a:bodyPr>
           <a:lstStyle/>
@@ -2277,15 +2171,15 @@
         </p:nvSpPr>
         <p:spPr>
           <a:xfrm>
-            <a:off y="1244242" x="457200"/>
-            <a:ext cy="3630300" cx="8229600"/>
+            <a:off x="457200" y="1244242"/>
+            <a:ext cx="8229600" cy="3630300"/>
           </a:xfrm>
           <a:prstGeom prst="rect">
             <a:avLst/>
           </a:prstGeom>
         </p:spPr>
         <p:txBody>
-          <a:bodyPr bIns="91425" rIns="91425" lIns="91425" tIns="91425" anchor="t" anchorCtr="0"/>
+          <a:bodyPr anchorCtr="0" anchor="t" bIns="91425" lIns="91425" rIns="91425" tIns="91425"/>
           <a:lstStyle>
             <a:lvl1pPr>
               <a:spcBef>
@@ -2352,31 +2246,31 @@
           <p:nvPr/>
         </p:nvSpPr>
         <p:spPr>
-          <a:xfrm rot="10800000" flipH="1">
-            <a:off y="774" x="-1118653"/>
-            <a:ext cy="5142725" cx="3100650"/>
+          <a:xfrm flipH="1" rot="10800000">
+            <a:off x="-1118653" y="774"/>
+            <a:ext cx="3100650" cy="5142725"/>
           </a:xfrm>
           <a:custGeom>
             <a:pathLst>
-              <a:path w="8053639" extrusionOk="0" h="6879900">
+              <a:path extrusionOk="0" h="6879900" w="8053639">
                 <a:moveTo>
-                  <a:pt y="16025" x="4696126"/>
+                  <a:pt x="4696126" y="16025"/>
                 </a:moveTo>
                 <a:lnTo>
-                  <a:pt y="0" x="2920537"/>
+                  <a:pt x="2920537" y="0"/>
                 </a:lnTo>
                 <a:cubicBezTo>
-                  <a:pt y="2293300" x="2927053"/>
-                  <a:pt y="4586600" x="2933568"/>
-                  <a:pt y="6879900" x="2940084"/>
+                  <a:pt x="2927053" y="2293300"/>
+                  <a:pt x="2933568" y="4586600"/>
+                  <a:pt x="2940084" y="6879900"/>
                 </a:cubicBezTo>
                 <a:lnTo>
-                  <a:pt y="6861462" x="4085318"/>
+                  <a:pt x="4085318" y="6861462"/>
                 </a:lnTo>
                 <a:cubicBezTo>
-                  <a:pt y="4651267" x="8053639"/>
-                  <a:pt y="3113439" x="0"/>
-                  <a:pt y="16025" x="4696126"/>
+                  <a:pt x="8053639" y="4651267"/>
+                  <a:pt x="0" y="3113439"/>
+                  <a:pt x="4696126" y="16025"/>
                 </a:cubicBezTo>
                 <a:close/>
               </a:path>
@@ -2401,7 +2295,7 @@
               </a:gs>
             </a:gsLst>
             <a:path path="circle">
-              <a:fillToRect t="100%" r="100%"/>
+              <a:fillToRect r="100%" t="100%"/>
             </a:path>
             <a:tileRect b="-100%" l="-100%"/>
           </a:gradFill>
@@ -2410,7 +2304,7 @@
           </a:ln>
         </p:spPr>
         <p:txBody>
-          <a:bodyPr bIns="45700" rIns="91425" lIns="91425" tIns="45700" anchor="ctr" anchorCtr="0">
+          <a:bodyPr anchorCtr="0" anchor="ctr" bIns="45700" lIns="91425" rIns="91425" tIns="45700">
             <a:noAutofit/>
           </a:bodyPr>
           <a:lstStyle/>
@@ -2436,28 +2330,28 @@
         </p:nvSpPr>
         <p:spPr>
           <a:xfrm rot="10800000">
-            <a:off y="-9550" x="8088846"/>
-            <a:ext cy="5153050" cx="1100667"/>
+            <a:off x="8088846" y="-9550"/>
+            <a:ext cx="1100667" cy="5153050"/>
           </a:xfrm>
           <a:custGeom>
             <a:pathLst>
-              <a:path w="1100668" extrusionOk="0" h="6916846">
+              <a:path extrusionOk="0" h="6916846" w="1100668">
                 <a:moveTo>
-                  <a:pt y="11711" x="0"/>
+                  <a:pt x="0" y="11711"/>
                 </a:moveTo>
                 <a:lnTo>
-                  <a:pt y="0" x="956734"/>
+                  <a:pt x="956734" y="0"/>
                 </a:lnTo>
                 <a:cubicBezTo>
-                  <a:pt y="3419922" x="33869"/>
-                  <a:pt y="4504457" x="220135"/>
-                  <a:pt y="6916846" x="1100668"/>
+                  <a:pt x="33869" y="3419922"/>
+                  <a:pt x="220135" y="4504457"/>
+                  <a:pt x="1100668" y="6916846"/>
                 </a:cubicBezTo>
                 <a:lnTo>
-                  <a:pt y="6916846" x="0"/>
+                  <a:pt x="0" y="6916846"/>
                 </a:lnTo>
                 <a:lnTo>
-                  <a:pt y="11711" x="0"/>
+                  <a:pt x="0" y="11711"/>
                 </a:lnTo>
                 <a:close/>
               </a:path>
@@ -2479,7 +2373,7 @@
           </a:ln>
         </p:spPr>
         <p:txBody>
-          <a:bodyPr bIns="45700" rIns="91425" lIns="91425" tIns="45700" anchor="ctr" anchorCtr="0">
+          <a:bodyPr anchorCtr="0" anchor="ctr" bIns="45700" lIns="91425" rIns="91425" tIns="45700">
             <a:noAutofit/>
           </a:bodyPr>
           <a:lstStyle/>
@@ -2507,15 +2401,15 @@
         </p:nvSpPr>
         <p:spPr>
           <a:xfrm>
-            <a:off y="205978" x="457200"/>
-            <a:ext cy="994200" cx="8229600"/>
+            <a:off x="457200" y="205978"/>
+            <a:ext cx="8229600" cy="994200"/>
           </a:xfrm>
           <a:prstGeom prst="rect">
             <a:avLst/>
           </a:prstGeom>
         </p:spPr>
         <p:txBody>
-          <a:bodyPr bIns="91425" rIns="91425" lIns="91425" tIns="91425" anchor="b" anchorCtr="0"/>
+          <a:bodyPr anchorCtr="0" anchor="b" bIns="91425" lIns="91425" rIns="91425" tIns="91425"/>
           <a:lstStyle>
             <a:lvl1pPr>
               <a:spcBef>
@@ -2585,15 +2479,15 @@
         </p:nvSpPr>
         <p:spPr>
           <a:xfrm>
-            <a:off y="4749850" x="8556791"/>
-            <a:ext cy="393600" cx="548699"/>
+            <a:off x="8556791" y="4749850"/>
+            <a:ext cx="548699" cy="393600"/>
           </a:xfrm>
           <a:prstGeom prst="rect">
             <a:avLst/>
           </a:prstGeom>
         </p:spPr>
         <p:txBody>
-          <a:bodyPr bIns="91425" rIns="91425" lIns="91425" tIns="91425" anchor="ctr" anchorCtr="0">
+          <a:bodyPr anchorCtr="0" anchor="ctr" bIns="91425" lIns="91425" rIns="91425" tIns="91425">
             <a:noAutofit/>
           </a:bodyPr>
           <a:lstStyle>
@@ -2638,10 +2532,10 @@
       </p:nvGrpSpPr>
       <p:grpSpPr>
         <a:xfrm>
-          <a:off y="0" x="0"/>
-          <a:ext cy="0" cx="0"/>
-          <a:chOff y="0" x="0"/>
-          <a:chExt cy="0" cx="0"/>
+          <a:off x="0" y="0"/>
+          <a:ext cx="0" cy="0"/>
+          <a:chOff x="0" y="0"/>
+          <a:chExt cx="0" cy="0"/>
         </a:xfrm>
       </p:grpSpPr>
       <p:sp>
@@ -2651,31 +2545,31 @@
           <p:nvPr/>
         </p:nvSpPr>
         <p:spPr>
-          <a:xfrm rot="10800000" flipH="1">
-            <a:off y="-16424" x="-348182"/>
-            <a:ext cy="5159924" cx="1723519"/>
+          <a:xfrm flipH="1" rot="10800000">
+            <a:off x="-348182" y="-16424"/>
+            <a:ext cx="1723519" cy="5159924"/>
           </a:xfrm>
           <a:custGeom>
             <a:pathLst>
-              <a:path w="4476675" extrusionOk="0" h="6879900">
+              <a:path extrusionOk="0" h="6879900" w="4476675">
                 <a:moveTo>
-                  <a:pt y="16025" x="4476676"/>
+                  <a:pt x="4476676" y="16025"/>
                 </a:moveTo>
                 <a:lnTo>
-                  <a:pt y="0" x="879695"/>
+                  <a:pt x="879695" y="0"/>
                 </a:lnTo>
                 <a:cubicBezTo>
-                  <a:pt y="2293300" x="886211"/>
-                  <a:pt y="4586600" x="892726"/>
-                  <a:pt y="6879900" x="899242"/>
+                  <a:pt x="886211" y="2293300"/>
+                  <a:pt x="892726" y="4586600"/>
+                  <a:pt x="899242" y="6879900"/>
                 </a:cubicBezTo>
                 <a:lnTo>
-                  <a:pt y="6861462" x="3909760"/>
+                  <a:pt x="3909760" y="6861462"/>
                 </a:lnTo>
                 <a:cubicBezTo>
-                  <a:pt y="3547544" x="0"/>
-                  <a:pt y="1824359" x="1695771"/>
-                  <a:pt y="16025" x="4476676"/>
+                  <a:pt x="0" y="3547544"/>
+                  <a:pt x="1695771" y="1824359"/>
+                  <a:pt x="4476676" y="16025"/>
                 </a:cubicBezTo>
                 <a:close/>
               </a:path>
@@ -2700,7 +2594,7 @@
               </a:gs>
             </a:gsLst>
             <a:path path="circle">
-              <a:fillToRect t="100%" r="100%"/>
+              <a:fillToRect r="100%" t="100%"/>
             </a:path>
             <a:tileRect b="-100%" l="-100%"/>
           </a:gradFill>
@@ -2709,7 +2603,7 @@
           </a:ln>
         </p:spPr>
         <p:txBody>
-          <a:bodyPr bIns="45700" rIns="91425" lIns="91425" tIns="45700" anchor="ctr" anchorCtr="0">
+          <a:bodyPr anchorCtr="0" anchor="ctr" bIns="45700" lIns="91425" rIns="91425" tIns="45700">
             <a:noAutofit/>
           </a:bodyPr>
           <a:lstStyle/>
@@ -2734,31 +2628,31 @@
           <p:nvPr/>
         </p:nvSpPr>
         <p:spPr>
-          <a:xfrm rot="10800000" flipH="1">
-            <a:off y="774" x="-1118653"/>
-            <a:ext cy="5142725" cx="3100650"/>
+          <a:xfrm flipH="1" rot="10800000">
+            <a:off x="-1118653" y="774"/>
+            <a:ext cx="3100650" cy="5142725"/>
           </a:xfrm>
           <a:custGeom>
             <a:pathLst>
-              <a:path w="8053639" extrusionOk="0" h="6879900">
+              <a:path extrusionOk="0" h="6879900" w="8053639">
                 <a:moveTo>
-                  <a:pt y="16025" x="4696126"/>
+                  <a:pt x="4696126" y="16025"/>
                 </a:moveTo>
                 <a:lnTo>
-                  <a:pt y="0" x="2920537"/>
+                  <a:pt x="2920537" y="0"/>
                 </a:lnTo>
                 <a:cubicBezTo>
-                  <a:pt y="2293300" x="2927053"/>
-                  <a:pt y="4586600" x="2933568"/>
-                  <a:pt y="6879900" x="2940084"/>
+                  <a:pt x="2927053" y="2293300"/>
+                  <a:pt x="2933568" y="4586600"/>
+                  <a:pt x="2940084" y="6879900"/>
                 </a:cubicBezTo>
                 <a:lnTo>
-                  <a:pt y="6861462" x="4085318"/>
+                  <a:pt x="4085318" y="6861462"/>
                 </a:lnTo>
                 <a:cubicBezTo>
-                  <a:pt y="4651267" x="8053639"/>
-                  <a:pt y="3113439" x="0"/>
-                  <a:pt y="16025" x="4696126"/>
+                  <a:pt x="8053639" y="4651267"/>
+                  <a:pt x="0" y="3113439"/>
+                  <a:pt x="4696126" y="16025"/>
                 </a:cubicBezTo>
                 <a:close/>
               </a:path>
@@ -2783,7 +2677,7 @@
               </a:gs>
             </a:gsLst>
             <a:path path="circle">
-              <a:fillToRect t="100%" r="100%"/>
+              <a:fillToRect r="100%" t="100%"/>
             </a:path>
             <a:tileRect b="-100%" l="-100%"/>
           </a:gradFill>
@@ -2792,7 +2686,7 @@
           </a:ln>
         </p:spPr>
         <p:txBody>
-          <a:bodyPr bIns="45700" rIns="91425" lIns="91425" tIns="45700" anchor="ctr" anchorCtr="0">
+          <a:bodyPr anchorCtr="0" anchor="ctr" bIns="45700" lIns="91425" rIns="91425" tIns="45700">
             <a:noAutofit/>
           </a:bodyPr>
           <a:lstStyle/>
@@ -2818,28 +2712,28 @@
         </p:nvSpPr>
         <p:spPr>
           <a:xfrm rot="10800000">
-            <a:off y="-9550" x="8088846"/>
-            <a:ext cy="5153050" cx="1100667"/>
+            <a:off x="8088846" y="-9550"/>
+            <a:ext cx="1100667" cy="5153050"/>
           </a:xfrm>
           <a:custGeom>
             <a:pathLst>
-              <a:path w="1100668" extrusionOk="0" h="6916846">
+              <a:path extrusionOk="0" h="6916846" w="1100668">
                 <a:moveTo>
-                  <a:pt y="11711" x="0"/>
+                  <a:pt x="0" y="11711"/>
                 </a:moveTo>
                 <a:lnTo>
-                  <a:pt y="0" x="956734"/>
+                  <a:pt x="956734" y="0"/>
                 </a:lnTo>
                 <a:cubicBezTo>
-                  <a:pt y="3419922" x="33869"/>
-                  <a:pt y="4504457" x="220135"/>
-                  <a:pt y="6916846" x="1100668"/>
+                  <a:pt x="33869" y="3419922"/>
+                  <a:pt x="220135" y="4504457"/>
+                  <a:pt x="1100668" y="6916846"/>
                 </a:cubicBezTo>
                 <a:lnTo>
-                  <a:pt y="6916846" x="0"/>
+                  <a:pt x="0" y="6916846"/>
                 </a:lnTo>
                 <a:lnTo>
-                  <a:pt y="11711" x="0"/>
+                  <a:pt x="0" y="11711"/>
                 </a:lnTo>
                 <a:close/>
               </a:path>
@@ -2861,7 +2755,7 @@
           </a:ln>
         </p:spPr>
         <p:txBody>
-          <a:bodyPr bIns="45700" rIns="91425" lIns="91425" tIns="45700" anchor="ctr" anchorCtr="0">
+          <a:bodyPr anchorCtr="0" anchor="ctr" bIns="45700" lIns="91425" rIns="91425" tIns="45700">
             <a:noAutofit/>
           </a:bodyPr>
           <a:lstStyle/>
@@ -2889,15 +2783,15 @@
         </p:nvSpPr>
         <p:spPr>
           <a:xfrm>
-            <a:off y="205978" x="457200"/>
-            <a:ext cy="994200" cx="8229600"/>
+            <a:off x="457200" y="205978"/>
+            <a:ext cx="8229600" cy="994200"/>
           </a:xfrm>
           <a:prstGeom prst="rect">
             <a:avLst/>
           </a:prstGeom>
         </p:spPr>
         <p:txBody>
-          <a:bodyPr bIns="91425" rIns="91425" lIns="91425" tIns="91425" anchor="b" anchorCtr="0"/>
+          <a:bodyPr anchorCtr="0" anchor="b" bIns="91425" lIns="91425" rIns="91425" tIns="91425"/>
           <a:lstStyle>
             <a:lvl1pPr>
               <a:spcBef>
@@ -2967,15 +2861,15 @@
         </p:nvSpPr>
         <p:spPr>
           <a:xfrm>
-            <a:off y="1244242" x="457200"/>
-            <a:ext cy="3630300" cx="4038599"/>
+            <a:off x="457200" y="1244242"/>
+            <a:ext cx="4038599" cy="3630300"/>
           </a:xfrm>
           <a:prstGeom prst="rect">
             <a:avLst/>
           </a:prstGeom>
         </p:spPr>
         <p:txBody>
-          <a:bodyPr bIns="91425" rIns="91425" lIns="91425" tIns="91425" anchor="t" anchorCtr="0"/>
+          <a:bodyPr anchorCtr="0" anchor="t" bIns="91425" lIns="91425" rIns="91425" tIns="91425"/>
           <a:lstStyle>
             <a:lvl1pPr>
               <a:spcBef>
@@ -3045,15 +2939,15 @@
         </p:nvSpPr>
         <p:spPr>
           <a:xfrm>
-            <a:off y="1244242" x="4648200"/>
-            <a:ext cy="3630300" cx="4038599"/>
+            <a:off x="4648200" y="1244242"/>
+            <a:ext cx="4038599" cy="3630300"/>
           </a:xfrm>
           <a:prstGeom prst="rect">
             <a:avLst/>
           </a:prstGeom>
         </p:spPr>
         <p:txBody>
-          <a:bodyPr bIns="91425" rIns="91425" lIns="91425" tIns="91425" anchor="t" anchorCtr="0"/>
+          <a:bodyPr anchorCtr="0" anchor="t" bIns="91425" lIns="91425" rIns="91425" tIns="91425"/>
           <a:lstStyle>
             <a:lvl1pPr>
               <a:spcBef>
@@ -3123,15 +3017,15 @@
         </p:nvSpPr>
         <p:spPr>
           <a:xfrm>
-            <a:off y="4749850" x="8556791"/>
-            <a:ext cy="393600" cx="548699"/>
+            <a:off x="8556791" y="4749850"/>
+            <a:ext cx="548699" cy="393600"/>
           </a:xfrm>
           <a:prstGeom prst="rect">
             <a:avLst/>
           </a:prstGeom>
         </p:spPr>
         <p:txBody>
-          <a:bodyPr bIns="91425" rIns="91425" lIns="91425" tIns="91425" anchor="ctr" anchorCtr="0">
+          <a:bodyPr anchorCtr="0" anchor="ctr" bIns="91425" lIns="91425" rIns="91425" tIns="91425">
             <a:noAutofit/>
           </a:bodyPr>
           <a:lstStyle>
@@ -3176,10 +3070,10 @@
       </p:nvGrpSpPr>
       <p:grpSpPr>
         <a:xfrm>
-          <a:off y="0" x="0"/>
-          <a:ext cy="0" cx="0"/>
-          <a:chOff y="0" x="0"/>
-          <a:chExt cy="0" cx="0"/>
+          <a:off x="0" y="0"/>
+          <a:ext cx="0" cy="0"/>
+          <a:chOff x="0" y="0"/>
+          <a:chExt cx="0" cy="0"/>
         </a:xfrm>
       </p:grpSpPr>
       <p:sp>
@@ -3189,31 +3083,31 @@
           <p:nvPr/>
         </p:nvSpPr>
         <p:spPr>
-          <a:xfrm rot="10800000" flipH="1">
-            <a:off y="-16424" x="-348182"/>
-            <a:ext cy="5159924" cx="1723519"/>
+          <a:xfrm flipH="1" rot="10800000">
+            <a:off x="-348182" y="-16424"/>
+            <a:ext cx="1723519" cy="5159924"/>
           </a:xfrm>
           <a:custGeom>
             <a:pathLst>
-              <a:path w="4476675" extrusionOk="0" h="6879900">
+              <a:path extrusionOk="0" h="6879900" w="4476675">
                 <a:moveTo>
-                  <a:pt y="16025" x="4476676"/>
+                  <a:pt x="4476676" y="16025"/>
                 </a:moveTo>
                 <a:lnTo>
-                  <a:pt y="0" x="879695"/>
+                  <a:pt x="879695" y="0"/>
                 </a:lnTo>
                 <a:cubicBezTo>
-                  <a:pt y="2293300" x="886211"/>
-                  <a:pt y="4586600" x="892726"/>
-                  <a:pt y="6879900" x="899242"/>
+                  <a:pt x="886211" y="2293300"/>
+                  <a:pt x="892726" y="4586600"/>
+                  <a:pt x="899242" y="6879900"/>
                 </a:cubicBezTo>
                 <a:lnTo>
-                  <a:pt y="6861462" x="3909760"/>
+                  <a:pt x="3909760" y="6861462"/>
                 </a:lnTo>
                 <a:cubicBezTo>
-                  <a:pt y="3547544" x="0"/>
-                  <a:pt y="1824359" x="1695771"/>
-                  <a:pt y="16025" x="4476676"/>
+                  <a:pt x="0" y="3547544"/>
+                  <a:pt x="1695771" y="1824359"/>
+                  <a:pt x="4476676" y="16025"/>
                 </a:cubicBezTo>
                 <a:close/>
               </a:path>
@@ -3238,7 +3132,7 @@
               </a:gs>
             </a:gsLst>
             <a:path path="circle">
-              <a:fillToRect t="100%" r="100%"/>
+              <a:fillToRect r="100%" t="100%"/>
             </a:path>
             <a:tileRect b="-100%" l="-100%"/>
           </a:gradFill>
@@ -3247,7 +3141,7 @@
           </a:ln>
         </p:spPr>
         <p:txBody>
-          <a:bodyPr bIns="45700" rIns="91425" lIns="91425" tIns="45700" anchor="ctr" anchorCtr="0">
+          <a:bodyPr anchorCtr="0" anchor="ctr" bIns="45700" lIns="91425" rIns="91425" tIns="45700">
             <a:noAutofit/>
           </a:bodyPr>
           <a:lstStyle/>
@@ -3272,31 +3166,31 @@
           <p:nvPr/>
         </p:nvSpPr>
         <p:spPr>
-          <a:xfrm rot="10800000" flipH="1">
-            <a:off y="774" x="-1118653"/>
-            <a:ext cy="5142725" cx="3100650"/>
+          <a:xfrm flipH="1" rot="10800000">
+            <a:off x="-1118653" y="774"/>
+            <a:ext cx="3100650" cy="5142725"/>
           </a:xfrm>
           <a:custGeom>
             <a:pathLst>
-              <a:path w="8053639" extrusionOk="0" h="6879900">
+              <a:path extrusionOk="0" h="6879900" w="8053639">
                 <a:moveTo>
-                  <a:pt y="16025" x="4696126"/>
+                  <a:pt x="4696126" y="16025"/>
                 </a:moveTo>
                 <a:lnTo>
-                  <a:pt y="0" x="2920537"/>
+                  <a:pt x="2920537" y="0"/>
                 </a:lnTo>
                 <a:cubicBezTo>
-                  <a:pt y="2293300" x="2927053"/>
-                  <a:pt y="4586600" x="2933568"/>
-                  <a:pt y="6879900" x="2940084"/>
+                  <a:pt x="2927053" y="2293300"/>
+                  <a:pt x="2933568" y="4586600"/>
+                  <a:pt x="2940084" y="6879900"/>
                 </a:cubicBezTo>
                 <a:lnTo>
-                  <a:pt y="6861462" x="4085318"/>
+                  <a:pt x="4085318" y="6861462"/>
                 </a:lnTo>
                 <a:cubicBezTo>
-                  <a:pt y="4651267" x="8053639"/>
-                  <a:pt y="3113439" x="0"/>
-                  <a:pt y="16025" x="4696126"/>
+                  <a:pt x="8053639" y="4651267"/>
+                  <a:pt x="0" y="3113439"/>
+                  <a:pt x="4696126" y="16025"/>
                 </a:cubicBezTo>
                 <a:close/>
               </a:path>
@@ -3321,7 +3215,7 @@
               </a:gs>
             </a:gsLst>
             <a:path path="circle">
-              <a:fillToRect t="100%" r="100%"/>
+              <a:fillToRect r="100%" t="100%"/>
             </a:path>
             <a:tileRect b="-100%" l="-100%"/>
           </a:gradFill>
@@ -3330,7 +3224,7 @@
           </a:ln>
         </p:spPr>
         <p:txBody>
-          <a:bodyPr bIns="45700" rIns="91425" lIns="91425" tIns="45700" anchor="ctr" anchorCtr="0">
+          <a:bodyPr anchorCtr="0" anchor="ctr" bIns="45700" lIns="91425" rIns="91425" tIns="45700">
             <a:noAutofit/>
           </a:bodyPr>
           <a:lstStyle/>
@@ -3356,28 +3250,28 @@
         </p:nvSpPr>
         <p:spPr>
           <a:xfrm rot="10800000">
-            <a:off y="-9550" x="8088846"/>
-            <a:ext cy="5153050" cx="1100667"/>
+            <a:off x="8088846" y="-9550"/>
+            <a:ext cx="1100667" cy="5153050"/>
           </a:xfrm>
           <a:custGeom>
             <a:pathLst>
-              <a:path w="1100668" extrusionOk="0" h="6916846">
+              <a:path extrusionOk="0" h="6916846" w="1100668">
                 <a:moveTo>
-                  <a:pt y="11711" x="0"/>
+                  <a:pt x="0" y="11711"/>
                 </a:moveTo>
                 <a:lnTo>
-                  <a:pt y="0" x="956734"/>
+                  <a:pt x="956734" y="0"/>
                 </a:lnTo>
                 <a:cubicBezTo>
-                  <a:pt y="3419922" x="33869"/>
-                  <a:pt y="4504457" x="220135"/>
-                  <a:pt y="6916846" x="1100668"/>
+                  <a:pt x="33869" y="3419922"/>
+                  <a:pt x="220135" y="4504457"/>
+                  <a:pt x="1100668" y="6916846"/>
                 </a:cubicBezTo>
                 <a:lnTo>
-                  <a:pt y="6916846" x="0"/>
+                  <a:pt x="0" y="6916846"/>
                 </a:lnTo>
                 <a:lnTo>
-                  <a:pt y="11711" x="0"/>
+                  <a:pt x="0" y="11711"/>
                 </a:lnTo>
                 <a:close/>
               </a:path>
@@ -3399,7 +3293,7 @@
           </a:ln>
         </p:spPr>
         <p:txBody>
-          <a:bodyPr bIns="45700" rIns="91425" lIns="91425" tIns="45700" anchor="ctr" anchorCtr="0">
+          <a:bodyPr anchorCtr="0" anchor="ctr" bIns="45700" lIns="91425" rIns="91425" tIns="45700">
             <a:noAutofit/>
           </a:bodyPr>
           <a:lstStyle/>
@@ -3427,15 +3321,15 @@
         </p:nvSpPr>
         <p:spPr>
           <a:xfrm>
-            <a:off y="205978" x="457200"/>
-            <a:ext cy="994200" cx="8229600"/>
+            <a:off x="457200" y="205978"/>
+            <a:ext cx="8229600" cy="994200"/>
           </a:xfrm>
           <a:prstGeom prst="rect">
             <a:avLst/>
           </a:prstGeom>
         </p:spPr>
         <p:txBody>
-          <a:bodyPr bIns="91425" rIns="91425" lIns="91425" tIns="91425" anchor="b" anchorCtr="0"/>
+          <a:bodyPr anchorCtr="0" anchor="b" bIns="91425" lIns="91425" rIns="91425" tIns="91425"/>
           <a:lstStyle>
             <a:lvl1pPr>
               <a:spcBef>
@@ -3505,15 +3399,15 @@
         </p:nvSpPr>
         <p:spPr>
           <a:xfrm>
-            <a:off y="4749850" x="8556791"/>
-            <a:ext cy="393600" cx="548699"/>
+            <a:off x="8556791" y="4749850"/>
+            <a:ext cx="548699" cy="393600"/>
           </a:xfrm>
           <a:prstGeom prst="rect">
             <a:avLst/>
           </a:prstGeom>
         </p:spPr>
         <p:txBody>
-          <a:bodyPr bIns="91425" rIns="91425" lIns="91425" tIns="91425" anchor="ctr" anchorCtr="0">
+          <a:bodyPr anchorCtr="0" anchor="ctr" bIns="91425" lIns="91425" rIns="91425" tIns="91425">
             <a:noAutofit/>
           </a:bodyPr>
           <a:lstStyle>
@@ -3558,10 +3452,10 @@
       </p:nvGrpSpPr>
       <p:grpSpPr>
         <a:xfrm>
-          <a:off y="0" x="0"/>
-          <a:ext cy="0" cx="0"/>
-          <a:chOff y="0" x="0"/>
-          <a:chExt cy="0" cx="0"/>
+          <a:off x="0" y="0"/>
+          <a:ext cx="0" cy="0"/>
+          <a:chOff x="0" y="0"/>
+          <a:chExt cx="0" cy="0"/>
         </a:xfrm>
       </p:grpSpPr>
       <p:grpSp>
@@ -3572,10 +3466,10 @@
         </p:nvGrpSpPr>
         <p:grpSpPr>
           <a:xfrm>
-            <a:off y="3700039" x="-6264"/>
-            <a:ext cy="2325488" cx="9150267"/>
-            <a:chOff y="4933386" x="-6264"/>
-            <a:chExt cy="3100650" cx="9150267"/>
+            <a:off x="-6264" y="3700039"/>
+            <a:ext cx="9150267" cy="2325488"/>
+            <a:chOff x="-6264" y="4933386"/>
+            <a:chExt cx="9150267" cy="3100650"/>
           </a:xfrm>
         </p:grpSpPr>
         <p:sp>
@@ -3586,32 +3480,32 @@
           </p:nvSpPr>
           <p:spPr>
             <a:xfrm>
-              <a:off y="5537200" x="-7"/>
-              <a:ext cy="1574769" cx="9144008"/>
+              <a:off x="-7" y="5537200"/>
+              <a:ext cx="9144008" cy="1574769"/>
             </a:xfrm>
             <a:custGeom>
               <a:pathLst>
-                <a:path w="9144009" extrusionOk="0" h="1257301">
+                <a:path extrusionOk="0" h="1257301" w="9144009">
                   <a:moveTo>
-                    <a:pt y="266700" x="5"/>
+                    <a:pt x="5" y="266700"/>
                   </a:moveTo>
                   <a:cubicBezTo>
-                    <a:pt y="1257301" x="8115305"/>
-                    <a:pt y="0" x="7620009"/>
-                    <a:pt y="186267" x="9144009"/>
+                    <a:pt x="8115305" y="1257301"/>
+                    <a:pt x="7620009" y="0"/>
+                    <a:pt x="9144009" y="186267"/>
                   </a:cubicBezTo>
                   <a:cubicBezTo>
-                    <a:pt y="441678" x="9144008"/>
-                    <a:pt y="818763" x="9143998"/>
-                    <a:pt y="1074174" x="9143997"/>
+                    <a:pt x="9144008" y="441678"/>
+                    <a:pt x="9143998" y="818763"/>
+                    <a:pt x="9143997" y="1074174"/>
                   </a:cubicBezTo>
                   <a:lnTo>
-                    <a:pt y="1086874" x="0"/>
+                    <a:pt x="0" y="1086874"/>
                   </a:lnTo>
                   <a:cubicBezTo>
-                    <a:pt y="854041" x="0"/>
-                    <a:pt y="499533" x="5"/>
-                    <a:pt y="266700" x="5"/>
+                    <a:pt x="0" y="854041"/>
+                    <a:pt x="5" y="499533"/>
+                    <a:pt x="5" y="266700"/>
                   </a:cubicBezTo>
                   <a:close/>
                 </a:path>
@@ -3629,7 +3523,7 @@
                 </a:gs>
               </a:gsLst>
               <a:path path="circle">
-                <a:fillToRect t="50%" b="50%" r="50%" l="50%"/>
+                <a:fillToRect b="50%" l="50%" r="50%" t="50%"/>
               </a:path>
               <a:tileRect/>
             </a:gradFill>
@@ -3638,7 +3532,7 @@
             </a:ln>
           </p:spPr>
           <p:txBody>
-            <a:bodyPr bIns="45700" rIns="91425" lIns="91425" tIns="45700" anchor="ctr" anchorCtr="0">
+            <a:bodyPr anchorCtr="0" anchor="ctr" bIns="45700" lIns="91425" rIns="91425" tIns="45700">
               <a:noAutofit/>
             </a:bodyPr>
             <a:lstStyle/>
@@ -3663,31 +3557,31 @@
             <p:nvPr/>
           </p:nvSpPr>
           <p:spPr>
-            <a:xfrm rot="5400000" flipH="1">
-              <a:off y="1908578" x="3018543"/>
-              <a:ext cy="9150266" cx="3100650"/>
+            <a:xfrm flipH="1" rot="5400000">
+              <a:off x="3018543" y="1908578"/>
+              <a:ext cx="3100650" cy="9150266"/>
             </a:xfrm>
             <a:custGeom>
               <a:pathLst>
-                <a:path w="8053639" extrusionOk="0" h="6879900">
+                <a:path extrusionOk="0" h="6879900" w="8053639">
                   <a:moveTo>
-                    <a:pt y="16025" x="4696126"/>
+                    <a:pt x="4696126" y="16025"/>
                   </a:moveTo>
                   <a:lnTo>
-                    <a:pt y="0" x="2920537"/>
+                    <a:pt x="2920537" y="0"/>
                   </a:lnTo>
                   <a:cubicBezTo>
-                    <a:pt y="2293300" x="2927053"/>
-                    <a:pt y="4586600" x="2933568"/>
-                    <a:pt y="6879900" x="2940084"/>
+                    <a:pt x="2927053" y="2293300"/>
+                    <a:pt x="2933568" y="4586600"/>
+                    <a:pt x="2940084" y="6879900"/>
                   </a:cubicBezTo>
                   <a:lnTo>
-                    <a:pt y="6861462" x="4085318"/>
+                    <a:pt x="4085318" y="6861462"/>
                   </a:lnTo>
                   <a:cubicBezTo>
-                    <a:pt y="4651267" x="8053639"/>
-                    <a:pt y="3113439" x="0"/>
-                    <a:pt y="16025" x="4696126"/>
+                    <a:pt x="8053639" y="4651267"/>
+                    <a:pt x="0" y="3113439"/>
+                    <a:pt x="4696126" y="16025"/>
                   </a:cubicBezTo>
                   <a:close/>
                 </a:path>
@@ -3712,7 +3606,7 @@
                 </a:gs>
               </a:gsLst>
               <a:path path="circle">
-                <a:fillToRect t="100%" r="100%"/>
+                <a:fillToRect r="100%" t="100%"/>
               </a:path>
               <a:tileRect b="-100%" l="-100%"/>
             </a:gradFill>
@@ -3721,7 +3615,7 @@
             </a:ln>
           </p:spPr>
           <p:txBody>
-            <a:bodyPr bIns="45700" rIns="91425" lIns="91425" tIns="45700" anchor="ctr" anchorCtr="0">
+            <a:bodyPr anchorCtr="0" anchor="ctr" bIns="45700" lIns="91425" rIns="91425" tIns="45700">
               <a:noAutofit/>
             </a:bodyPr>
             <a:lstStyle/>
@@ -3747,30 +3641,30 @@
           </p:nvSpPr>
           <p:spPr>
             <a:xfrm>
-              <a:off y="5740400" x="-7"/>
-              <a:ext cy="1574769" cx="9144010"/>
+              <a:off x="-7" y="5740400"/>
+              <a:ext cx="9144010" cy="1574769"/>
             </a:xfrm>
             <a:custGeom>
               <a:pathLst>
-                <a:path w="9144011" extrusionOk="0" h="1257301">
+                <a:path extrusionOk="0" h="1257301" w="9144011">
                   <a:moveTo>
-                    <a:pt y="266700" x="7"/>
+                    <a:pt x="7" y="266700"/>
                   </a:moveTo>
                   <a:cubicBezTo>
-                    <a:pt y="1257301" x="8115307"/>
-                    <a:pt y="0" x="7620011"/>
-                    <a:pt y="186267" x="9144011"/>
+                    <a:pt x="8115307" y="1257301"/>
+                    <a:pt x="7620011" y="0"/>
+                    <a:pt x="9144011" y="186267"/>
                   </a:cubicBezTo>
                   <a:lnTo>
-                    <a:pt y="921775" x="9144011"/>
+                    <a:pt x="9144011" y="921775"/>
                   </a:lnTo>
                   <a:lnTo>
-                    <a:pt y="931914" x="0"/>
+                    <a:pt x="0" y="931914"/>
                   </a:lnTo>
                   <a:cubicBezTo>
-                    <a:pt y="699081" x="0"/>
-                    <a:pt y="499533" x="7"/>
-                    <a:pt y="266700" x="7"/>
+                    <a:pt x="0" y="699081"/>
+                    <a:pt x="7" y="499533"/>
+                    <a:pt x="7" y="266700"/>
                   </a:cubicBezTo>
                   <a:close/>
                 </a:path>
@@ -3790,7 +3684,7 @@
                 </a:gs>
               </a:gsLst>
               <a:path path="circle">
-                <a:fillToRect t="50%" b="50%" r="50%" l="50%"/>
+                <a:fillToRect b="50%" l="50%" r="50%" t="50%"/>
               </a:path>
               <a:tileRect/>
             </a:gradFill>
@@ -3799,7 +3693,7 @@
             </a:ln>
           </p:spPr>
           <p:txBody>
-            <a:bodyPr bIns="45700" rIns="91425" lIns="91425" tIns="45700" anchor="ctr" anchorCtr="0">
+            <a:bodyPr anchorCtr="0" anchor="ctr" bIns="45700" lIns="91425" rIns="91425" tIns="45700">
               <a:noAutofit/>
             </a:bodyPr>
             <a:lstStyle/>
@@ -3828,15 +3722,15 @@
         </p:nvSpPr>
         <p:spPr>
           <a:xfrm>
-            <a:off y="4025503" x="1792288"/>
-            <a:ext cy="603599" cx="5486399"/>
+            <a:off x="1792288" y="4025503"/>
+            <a:ext cx="5486399" cy="603599"/>
           </a:xfrm>
           <a:prstGeom prst="rect">
             <a:avLst/>
           </a:prstGeom>
         </p:spPr>
         <p:txBody>
-          <a:bodyPr bIns="91425" rIns="91425" lIns="91425" tIns="91425" anchor="ctr" anchorCtr="0"/>
+          <a:bodyPr anchorCtr="0" anchor="ctr" bIns="91425" lIns="91425" rIns="91425" tIns="91425"/>
           <a:lstStyle>
             <a:lvl1pPr algn="ctr">
               <a:spcBef>
@@ -3860,15 +3754,15 @@
         </p:nvSpPr>
         <p:spPr>
           <a:xfrm>
-            <a:off y="4749850" x="8556791"/>
-            <a:ext cy="393600" cx="548699"/>
+            <a:off x="8556791" y="4749850"/>
+            <a:ext cx="548699" cy="393600"/>
           </a:xfrm>
           <a:prstGeom prst="rect">
             <a:avLst/>
           </a:prstGeom>
         </p:spPr>
         <p:txBody>
-          <a:bodyPr bIns="91425" rIns="91425" lIns="91425" tIns="91425" anchor="ctr" anchorCtr="0">
+          <a:bodyPr anchorCtr="0" anchor="ctr" bIns="91425" lIns="91425" rIns="91425" tIns="91425">
             <a:noAutofit/>
           </a:bodyPr>
           <a:lstStyle>
@@ -3913,10 +3807,10 @@
       </p:nvGrpSpPr>
       <p:grpSpPr>
         <a:xfrm>
-          <a:off y="0" x="0"/>
-          <a:ext cy="0" cx="0"/>
-          <a:chOff y="0" x="0"/>
-          <a:chExt cy="0" cx="0"/>
+          <a:off x="0" y="0"/>
+          <a:ext cx="0" cy="0"/>
+          <a:chOff x="0" y="0"/>
+          <a:chExt cx="0" cy="0"/>
         </a:xfrm>
       </p:grpSpPr>
       <p:sp>
@@ -3929,15 +3823,15 @@
         </p:nvSpPr>
         <p:spPr>
           <a:xfrm>
-            <a:off y="4749850" x="8556791"/>
-            <a:ext cy="393600" cx="548699"/>
+            <a:off x="8556791" y="4749850"/>
+            <a:ext cx="548699" cy="393600"/>
           </a:xfrm>
           <a:prstGeom prst="rect">
             <a:avLst/>
           </a:prstGeom>
         </p:spPr>
         <p:txBody>
-          <a:bodyPr bIns="91425" rIns="91425" lIns="91425" tIns="91425" anchor="ctr" anchorCtr="0">
+          <a:bodyPr anchorCtr="0" anchor="ctr" bIns="91425" lIns="91425" rIns="91425" tIns="91425">
             <a:noAutofit/>
           </a:bodyPr>
           <a:lstStyle>
@@ -3986,7 +3880,7 @@
             </a:gs>
           </a:gsLst>
           <a:path path="circle">
-            <a:fillToRect t="50%" b="50%" r="50%" l="50%"/>
+            <a:fillToRect b="50%" l="50%" r="50%" t="50%"/>
           </a:path>
           <a:tileRect/>
         </a:gradFill>
@@ -4000,10 +3894,10 @@
       </p:nvGrpSpPr>
       <p:grpSpPr>
         <a:xfrm>
-          <a:off y="0" x="0"/>
-          <a:ext cy="0" cx="0"/>
-          <a:chOff y="0" x="0"/>
-          <a:chExt cy="0" cx="0"/>
+          <a:off x="0" y="0"/>
+          <a:ext cx="0" cy="0"/>
+          <a:chOff x="0" y="0"/>
+          <a:chExt cx="0" cy="0"/>
         </a:xfrm>
       </p:grpSpPr>
       <p:sp>
@@ -4016,8 +3910,8 @@
         </p:nvSpPr>
         <p:spPr>
           <a:xfrm>
-            <a:off y="205978" x="457200"/>
-            <a:ext cy="994200" cx="8229600"/>
+            <a:off x="457200" y="205978"/>
+            <a:ext cx="8229600" cy="994200"/>
           </a:xfrm>
           <a:prstGeom prst="rect">
             <a:avLst/>
@@ -4028,7 +3922,7 @@
           </a:ln>
         </p:spPr>
         <p:txBody>
-          <a:bodyPr bIns="91425" rIns="91425" lIns="91425" tIns="91425" anchor="b" anchorCtr="0"/>
+          <a:bodyPr anchorCtr="0" anchor="b" bIns="91425" lIns="91425" rIns="91425" tIns="91425"/>
           <a:lstStyle>
             <a:lvl1pPr>
               <a:spcBef>
@@ -4224,8 +4118,8 @@
         </p:nvSpPr>
         <p:spPr>
           <a:xfrm>
-            <a:off y="1295400" x="457200"/>
-            <a:ext cy="3394500" cx="8229600"/>
+            <a:off x="457200" y="1295400"/>
+            <a:ext cx="8229600" cy="3394500"/>
           </a:xfrm>
           <a:prstGeom prst="rect">
             <a:avLst/>
@@ -4236,7 +4130,7 @@
           </a:ln>
         </p:spPr>
         <p:txBody>
-          <a:bodyPr bIns="91425" rIns="91425" lIns="91425" tIns="91425" anchor="t" anchorCtr="0"/>
+          <a:bodyPr anchorCtr="0" anchor="t" bIns="91425" lIns="91425" rIns="91425" tIns="91425"/>
           <a:lstStyle>
             <a:lvl1pPr>
               <a:spcBef>
@@ -4423,8 +4317,8 @@
         </p:nvSpPr>
         <p:spPr>
           <a:xfrm>
-            <a:off y="4749850" x="8556791"/>
-            <a:ext cy="393600" cx="548699"/>
+            <a:off x="8556791" y="4749850"/>
+            <a:ext cx="548699" cy="393600"/>
           </a:xfrm>
           <a:prstGeom prst="rect">
             <a:avLst/>
@@ -4435,7 +4329,7 @@
           </a:ln>
         </p:spPr>
         <p:txBody>
-          <a:bodyPr bIns="91425" rIns="91425" lIns="91425" tIns="91425" anchor="ctr" anchorCtr="0">
+          <a:bodyPr anchorCtr="0" anchor="ctr" bIns="91425" lIns="91425" rIns="91425" tIns="91425">
             <a:noAutofit/>
           </a:bodyPr>
           <a:lstStyle>
@@ -4471,7 +4365,7 @@
       </p:sp>
     </p:spTree>
   </p:cSld>
-  <p:clrMap accent2="accent2" accent3="accent3" accent4="accent4" accent5="accent5" accent6="accent6" hlink="hlink" tx2="lt2" tx1="dk1" bg2="dk2" bg1="lt1" folHlink="folHlink" accent1="accent1"/>
+  <p:clrMap accent1="accent1" accent2="accent2" accent3="accent3" accent4="accent4" accent5="accent5" accent6="accent6" bg1="lt1" bg2="dk2" tx1="dk1" tx2="lt2" folHlink="folHlink" hlink="hlink"/>
   <p:sldLayoutIdLst>
     <p:sldLayoutId id="2147483648" r:id="rId1"/>
     <p:sldLayoutId id="2147483649" r:id="rId2"/>
@@ -4480,10 +4374,10 @@
     <p:sldLayoutId id="2147483652" r:id="rId5"/>
     <p:sldLayoutId id="2147483653" r:id="rId6"/>
   </p:sldLayoutIdLst>
-  <p:hf dt="0" ftr="0" sldNum="0" hdr="0"/>
+  <p:hf dt="0" ftr="0" hdr="0" sldNum="0"/>
   <p:txStyles>
     <p:titleStyle>
-      <a:defPPr algn="l" rtl="0" marR="0">
+      <a:defPPr marR="0" rtl="0" algn="l">
         <a:lnSpc>
           <a:spcPct val="100000"/>
         </a:lnSpc>
@@ -4494,7 +4388,7 @@
           <a:spcPts val="0"/>
         </a:spcAft>
       </a:defPPr>
-      <a:lvl1pPr algn="l" rtl="0" marR="0">
+      <a:lvl1pPr marR="0" rtl="0" algn="l">
         <a:lnSpc>
           <a:spcPct val="100000"/>
         </a:lnSpc>
@@ -4505,7 +4399,7 @@
           <a:spcPts val="0"/>
         </a:spcAft>
         <a:buNone/>
-        <a:defRPr strike="noStrike" u="none" b="0" cap="none" baseline="0" sz="1400" i="0">
+        <a:defRPr b="0" baseline="0" i="0" sz="1400" u="none" cap="none" strike="noStrike">
           <a:solidFill>
             <a:srgbClr val="000000"/>
           </a:solidFill>
@@ -4516,7 +4410,7 @@
           <a:rtl val="0"/>
         </a:defRPr>
       </a:lvl1pPr>
-      <a:lvl2pPr algn="l" rtl="0" marR="0">
+      <a:lvl2pPr marR="0" rtl="0" algn="l">
         <a:lnSpc>
           <a:spcPct val="100000"/>
         </a:lnSpc>
@@ -4527,7 +4421,7 @@
           <a:spcPts val="0"/>
         </a:spcAft>
         <a:buNone/>
-        <a:defRPr strike="noStrike" u="none" b="0" cap="none" baseline="0" sz="1400" i="0">
+        <a:defRPr b="0" baseline="0" i="0" sz="1400" u="none" cap="none" strike="noStrike">
           <a:solidFill>
             <a:srgbClr val="000000"/>
           </a:solidFill>
@@ -4540,7 +4434,7 @@
       </a:lvl2pPr>
     </p:titleStyle>
     <p:bodyStyle>
-      <a:defPPr algn="l" rtl="0" marR="0">
+      <a:defPPr marR="0" rtl="0" algn="l">
         <a:lnSpc>
           <a:spcPct val="100000"/>
         </a:lnSpc>
@@ -4551,7 +4445,7 @@
           <a:spcPts val="0"/>
         </a:spcAft>
       </a:defPPr>
-      <a:lvl1pPr algn="l" rtl="0" marR="0">
+      <a:lvl1pPr marR="0" rtl="0" algn="l">
         <a:lnSpc>
           <a:spcPct val="100000"/>
         </a:lnSpc>
@@ -4562,7 +4456,7 @@
           <a:spcPts val="0"/>
         </a:spcAft>
         <a:buNone/>
-        <a:defRPr strike="noStrike" u="none" b="0" cap="none" baseline="0" sz="1400" i="0">
+        <a:defRPr b="0" baseline="0" i="0" sz="1400" u="none" cap="none" strike="noStrike">
           <a:solidFill>
             <a:srgbClr val="000000"/>
           </a:solidFill>
@@ -4573,7 +4467,7 @@
           <a:rtl val="0"/>
         </a:defRPr>
       </a:lvl1pPr>
-      <a:lvl2pPr algn="l" rtl="0" marR="0">
+      <a:lvl2pPr marR="0" rtl="0" algn="l">
         <a:lnSpc>
           <a:spcPct val="100000"/>
         </a:lnSpc>
@@ -4584,7 +4478,7 @@
           <a:spcPts val="0"/>
         </a:spcAft>
         <a:buNone/>
-        <a:defRPr strike="noStrike" u="none" b="0" cap="none" baseline="0" sz="1400" i="0">
+        <a:defRPr b="0" baseline="0" i="0" sz="1400" u="none" cap="none" strike="noStrike">
           <a:solidFill>
             <a:srgbClr val="000000"/>
           </a:solidFill>
@@ -4595,7 +4489,7 @@
           <a:rtl val="0"/>
         </a:defRPr>
       </a:lvl2pPr>
-      <a:lvl3pPr algn="l" rtl="0" marR="0">
+      <a:lvl3pPr marR="0" rtl="0" algn="l">
         <a:lnSpc>
           <a:spcPct val="100000"/>
         </a:lnSpc>
@@ -4606,7 +4500,7 @@
           <a:spcPts val="0"/>
         </a:spcAft>
         <a:buNone/>
-        <a:defRPr strike="noStrike" u="none" b="0" cap="none" baseline="0" sz="1400" i="0">
+        <a:defRPr b="0" baseline="0" i="0" sz="1400" u="none" cap="none" strike="noStrike">
           <a:solidFill>
             <a:srgbClr val="000000"/>
           </a:solidFill>
@@ -4617,7 +4511,7 @@
           <a:rtl val="0"/>
         </a:defRPr>
       </a:lvl3pPr>
-      <a:lvl4pPr algn="l" rtl="0" marR="0">
+      <a:lvl4pPr marR="0" rtl="0" algn="l">
         <a:lnSpc>
           <a:spcPct val="100000"/>
         </a:lnSpc>
@@ -4628,7 +4522,7 @@
           <a:spcPts val="0"/>
         </a:spcAft>
         <a:buNone/>
-        <a:defRPr strike="noStrike" u="none" b="0" cap="none" baseline="0" sz="1400" i="0">
+        <a:defRPr b="0" baseline="0" i="0" sz="1400" u="none" cap="none" strike="noStrike">
           <a:solidFill>
             <a:srgbClr val="000000"/>
           </a:solidFill>
@@ -4639,7 +4533,7 @@
           <a:rtl val="0"/>
         </a:defRPr>
       </a:lvl4pPr>
-      <a:lvl5pPr algn="l" rtl="0" marR="0">
+      <a:lvl5pPr marR="0" rtl="0" algn="l">
         <a:lnSpc>
           <a:spcPct val="100000"/>
         </a:lnSpc>
@@ -4650,7 +4544,7 @@
           <a:spcPts val="0"/>
         </a:spcAft>
         <a:buNone/>
-        <a:defRPr strike="noStrike" u="none" b="0" cap="none" baseline="0" sz="1400" i="0">
+        <a:defRPr b="0" baseline="0" i="0" sz="1400" u="none" cap="none" strike="noStrike">
           <a:solidFill>
             <a:srgbClr val="000000"/>
           </a:solidFill>
@@ -4661,7 +4555,7 @@
           <a:rtl val="0"/>
         </a:defRPr>
       </a:lvl5pPr>
-      <a:lvl6pPr algn="l" rtl="0" marR="0">
+      <a:lvl6pPr marR="0" rtl="0" algn="l">
         <a:lnSpc>
           <a:spcPct val="100000"/>
         </a:lnSpc>
@@ -4672,7 +4566,7 @@
           <a:spcPts val="0"/>
         </a:spcAft>
         <a:buNone/>
-        <a:defRPr strike="noStrike" u="none" b="0" cap="none" baseline="0" sz="1400" i="0">
+        <a:defRPr b="0" baseline="0" i="0" sz="1400" u="none" cap="none" strike="noStrike">
           <a:solidFill>
             <a:srgbClr val="000000"/>
           </a:solidFill>
@@ -4683,7 +4577,7 @@
           <a:rtl val="0"/>
         </a:defRPr>
       </a:lvl6pPr>
-      <a:lvl7pPr algn="l" rtl="0" marR="0">
+      <a:lvl7pPr marR="0" rtl="0" algn="l">
         <a:lnSpc>
           <a:spcPct val="100000"/>
         </a:lnSpc>
@@ -4694,7 +4588,7 @@
           <a:spcPts val="0"/>
         </a:spcAft>
         <a:buNone/>
-        <a:defRPr strike="noStrike" u="none" b="0" cap="none" baseline="0" sz="1400" i="0">
+        <a:defRPr b="0" baseline="0" i="0" sz="1400" u="none" cap="none" strike="noStrike">
           <a:solidFill>
             <a:srgbClr val="000000"/>
           </a:solidFill>
@@ -4705,7 +4599,7 @@
           <a:rtl val="0"/>
         </a:defRPr>
       </a:lvl7pPr>
-      <a:lvl8pPr algn="l" rtl="0" marR="0">
+      <a:lvl8pPr marR="0" rtl="0" algn="l">
         <a:lnSpc>
           <a:spcPct val="100000"/>
         </a:lnSpc>
@@ -4716,7 +4610,7 @@
           <a:spcPts val="0"/>
         </a:spcAft>
         <a:buNone/>
-        <a:defRPr strike="noStrike" u="none" b="0" cap="none" baseline="0" sz="1400" i="0">
+        <a:defRPr b="0" baseline="0" i="0" sz="1400" u="none" cap="none" strike="noStrike">
           <a:solidFill>
             <a:srgbClr val="000000"/>
           </a:solidFill>
@@ -4727,7 +4621,7 @@
           <a:rtl val="0"/>
         </a:defRPr>
       </a:lvl8pPr>
-      <a:lvl9pPr algn="l" rtl="0" marR="0">
+      <a:lvl9pPr marR="0" rtl="0" algn="l">
         <a:lnSpc>
           <a:spcPct val="100000"/>
         </a:lnSpc>
@@ -4738,7 +4632,7 @@
           <a:spcPts val="0"/>
         </a:spcAft>
         <a:buNone/>
-        <a:defRPr strike="noStrike" u="none" b="0" cap="none" baseline="0" sz="1400" i="0">
+        <a:defRPr b="0" baseline="0" i="0" sz="1400" u="none" cap="none" strike="noStrike">
           <a:solidFill>
             <a:srgbClr val="000000"/>
           </a:solidFill>
@@ -4751,7 +4645,7 @@
       </a:lvl9pPr>
     </p:bodyStyle>
     <p:otherStyle>
-      <a:defPPr algn="l" rtl="0" marR="0">
+      <a:defPPr marR="0" rtl="0" algn="l">
         <a:lnSpc>
           <a:spcPct val="100000"/>
         </a:lnSpc>
@@ -4762,7 +4656,7 @@
           <a:spcPts val="0"/>
         </a:spcAft>
       </a:defPPr>
-      <a:lvl1pPr algn="l" rtl="0" marR="0">
+      <a:lvl1pPr marR="0" rtl="0" algn="l">
         <a:lnSpc>
           <a:spcPct val="100000"/>
         </a:lnSpc>
@@ -4773,7 +4667,7 @@
           <a:spcPts val="0"/>
         </a:spcAft>
         <a:buNone/>
-        <a:defRPr strike="noStrike" u="none" b="0" cap="none" baseline="0" sz="1400" i="0">
+        <a:defRPr b="0" baseline="0" i="0" sz="1400" u="none" cap="none" strike="noStrike">
           <a:solidFill>
             <a:srgbClr val="000000"/>
           </a:solidFill>
@@ -4784,7 +4678,7 @@
           <a:rtl val="0"/>
         </a:defRPr>
       </a:lvl1pPr>
-      <a:lvl2pPr algn="l" rtl="0" marR="0">
+      <a:lvl2pPr marR="0" rtl="0" algn="l">
         <a:lnSpc>
           <a:spcPct val="100000"/>
         </a:lnSpc>
@@ -4795,7 +4689,7 @@
           <a:spcPts val="0"/>
         </a:spcAft>
         <a:buNone/>
-        <a:defRPr strike="noStrike" u="none" b="0" cap="none" baseline="0" sz="1400" i="0">
+        <a:defRPr b="0" baseline="0" i="0" sz="1400" u="none" cap="none" strike="noStrike">
           <a:solidFill>
             <a:srgbClr val="000000"/>
           </a:solidFill>
@@ -4806,7 +4700,7 @@
           <a:rtl val="0"/>
         </a:defRPr>
       </a:lvl2pPr>
-      <a:lvl3pPr algn="l" rtl="0" marR="0">
+      <a:lvl3pPr marR="0" rtl="0" algn="l">
         <a:lnSpc>
           <a:spcPct val="100000"/>
         </a:lnSpc>
@@ -4817,7 +4711,7 @@
           <a:spcPts val="0"/>
         </a:spcAft>
         <a:buNone/>
-        <a:defRPr strike="noStrike" u="none" b="0" cap="none" baseline="0" sz="1400" i="0">
+        <a:defRPr b="0" baseline="0" i="0" sz="1400" u="none" cap="none" strike="noStrike">
           <a:solidFill>
             <a:srgbClr val="000000"/>
           </a:solidFill>
@@ -4828,7 +4722,7 @@
           <a:rtl val="0"/>
         </a:defRPr>
       </a:lvl3pPr>
-      <a:lvl4pPr algn="l" rtl="0" marR="0">
+      <a:lvl4pPr marR="0" rtl="0" algn="l">
         <a:lnSpc>
           <a:spcPct val="100000"/>
         </a:lnSpc>
@@ -4839,7 +4733,7 @@
           <a:spcPts val="0"/>
         </a:spcAft>
         <a:buNone/>
-        <a:defRPr strike="noStrike" u="none" b="0" cap="none" baseline="0" sz="1400" i="0">
+        <a:defRPr b="0" baseline="0" i="0" sz="1400" u="none" cap="none" strike="noStrike">
           <a:solidFill>
             <a:srgbClr val="000000"/>
           </a:solidFill>
@@ -4850,7 +4744,7 @@
           <a:rtl val="0"/>
         </a:defRPr>
       </a:lvl4pPr>
-      <a:lvl5pPr algn="l" rtl="0" marR="0">
+      <a:lvl5pPr marR="0" rtl="0" algn="l">
         <a:lnSpc>
           <a:spcPct val="100000"/>
         </a:lnSpc>
@@ -4861,7 +4755,7 @@
           <a:spcPts val="0"/>
         </a:spcAft>
         <a:buNone/>
-        <a:defRPr strike="noStrike" u="none" b="0" cap="none" baseline="0" sz="1400" i="0">
+        <a:defRPr b="0" baseline="0" i="0" sz="1400" u="none" cap="none" strike="noStrike">
           <a:solidFill>
             <a:srgbClr val="000000"/>
           </a:solidFill>
@@ -4872,7 +4766,7 @@
           <a:rtl val="0"/>
         </a:defRPr>
       </a:lvl5pPr>
-      <a:lvl6pPr algn="l" rtl="0" marR="0">
+      <a:lvl6pPr marR="0" rtl="0" algn="l">
         <a:lnSpc>
           <a:spcPct val="100000"/>
         </a:lnSpc>
@@ -4883,7 +4777,7 @@
           <a:spcPts val="0"/>
         </a:spcAft>
         <a:buNone/>
-        <a:defRPr strike="noStrike" u="none" b="0" cap="none" baseline="0" sz="1400" i="0">
+        <a:defRPr b="0" baseline="0" i="0" sz="1400" u="none" cap="none" strike="noStrike">
           <a:solidFill>
             <a:srgbClr val="000000"/>
           </a:solidFill>
@@ -4894,7 +4788,7 @@
           <a:rtl val="0"/>
         </a:defRPr>
       </a:lvl6pPr>
-      <a:lvl7pPr algn="l" rtl="0" marR="0">
+      <a:lvl7pPr marR="0" rtl="0" algn="l">
         <a:lnSpc>
           <a:spcPct val="100000"/>
         </a:lnSpc>
@@ -4905,7 +4799,7 @@
           <a:spcPts val="0"/>
         </a:spcAft>
         <a:buNone/>
-        <a:defRPr strike="noStrike" u="none" b="0" cap="none" baseline="0" sz="1400" i="0">
+        <a:defRPr b="0" baseline="0" i="0" sz="1400" u="none" cap="none" strike="noStrike">
           <a:solidFill>
             <a:srgbClr val="000000"/>
           </a:solidFill>
@@ -4916,7 +4810,7 @@
           <a:rtl val="0"/>
         </a:defRPr>
       </a:lvl7pPr>
-      <a:lvl8pPr algn="l" rtl="0" marR="0">
+      <a:lvl8pPr marR="0" rtl="0" algn="l">
         <a:lnSpc>
           <a:spcPct val="100000"/>
         </a:lnSpc>
@@ -4927,7 +4821,7 @@
           <a:spcPts val="0"/>
         </a:spcAft>
         <a:buNone/>
-        <a:defRPr strike="noStrike" u="none" b="0" cap="none" baseline="0" sz="1400" i="0">
+        <a:defRPr b="0" baseline="0" i="0" sz="1400" u="none" cap="none" strike="noStrike">
           <a:solidFill>
             <a:srgbClr val="000000"/>
           </a:solidFill>
@@ -4938,7 +4832,7 @@
           <a:rtl val="0"/>
         </a:defRPr>
       </a:lvl8pPr>
-      <a:lvl9pPr algn="l" rtl="0" marR="0">
+      <a:lvl9pPr marR="0" rtl="0" algn="l">
         <a:lnSpc>
           <a:spcPct val="100000"/>
         </a:lnSpc>
@@ -4949,7 +4843,7 @@
           <a:spcPts val="0"/>
         </a:spcAft>
         <a:buNone/>
-        <a:defRPr strike="noStrike" u="none" b="0" cap="none" baseline="0" sz="1400" i="0">
+        <a:defRPr b="0" baseline="0" i="0" sz="1400" u="none" cap="none" strike="noStrike">
           <a:solidFill>
             <a:srgbClr val="000000"/>
           </a:solidFill>
@@ -4976,10 +4870,10 @@
       </p:nvGrpSpPr>
       <p:grpSpPr>
         <a:xfrm>
-          <a:off y="0" x="0"/>
-          <a:ext cy="0" cx="0"/>
-          <a:chOff y="0" x="0"/>
-          <a:chExt cy="0" cx="0"/>
+          <a:off x="0" y="0"/>
+          <a:ext cx="0" cy="0"/>
+          <a:chOff x="0" y="0"/>
+          <a:chExt cx="0" cy="0"/>
         </a:xfrm>
       </p:grpSpPr>
       <p:sp>
@@ -4992,15 +4886,15 @@
         </p:nvSpPr>
         <p:spPr>
           <a:xfrm>
-            <a:off y="1242060" x="1082040"/>
-            <a:ext cy="1102500" cx="7050900"/>
+            <a:off x="1082040" y="1242060"/>
+            <a:ext cx="7050900" cy="1102500"/>
           </a:xfrm>
           <a:prstGeom prst="rect">
             <a:avLst/>
           </a:prstGeom>
         </p:spPr>
         <p:txBody>
-          <a:bodyPr bIns="91425" rIns="91425" lIns="91425" tIns="91425" anchor="b" anchorCtr="0">
+          <a:bodyPr anchorCtr="0" anchor="b" bIns="91425" lIns="91425" rIns="91425" tIns="91425">
             <a:noAutofit/>
           </a:bodyPr>
           <a:lstStyle/>
@@ -5028,15 +4922,15 @@
         </p:nvSpPr>
         <p:spPr>
           <a:xfrm>
-            <a:off y="2896759" x="1089540"/>
-            <a:ext cy="694199" cx="7035899"/>
+            <a:off x="1089540" y="2896759"/>
+            <a:ext cx="7035899" cy="694199"/>
           </a:xfrm>
           <a:prstGeom prst="rect">
             <a:avLst/>
           </a:prstGeom>
         </p:spPr>
         <p:txBody>
-          <a:bodyPr bIns="91425" rIns="91425" lIns="91425" tIns="91425" anchor="t" anchorCtr="0">
+          <a:bodyPr anchorCtr="0" anchor="t" bIns="91425" lIns="91425" rIns="91425" tIns="91425">
             <a:noAutofit/>
           </a:bodyPr>
           <a:lstStyle/>
@@ -5090,314 +4984,6 @@
           </a:p>
         </p:txBody>
       </p:sp>
-    </p:spTree>
-  </p:cSld>
-  <p:clrMapOvr>
-    <a:masterClrMapping/>
-  </p:clrMapOvr>
-  <p:transition spd="slow">
-    <p:cut/>
-  </p:transition>
-</p:sld>
-</file>
-
-<file path=ppt/slides/slide10.xml><?xml version="1.0" encoding="utf-8"?>
-<p:sld xmlns:a="http://schemas.openxmlformats.org/drawingml/2006/main" xmlns:r="http://schemas.openxmlformats.org/officeDocument/2006/relationships" xmlns:mc="http://schemas.openxmlformats.org/markup-compatibility/2006" xmlns:mv="urn:schemas-microsoft-com:mac:vml" xmlns:p="http://schemas.openxmlformats.org/presentationml/2006/main" xmlns:c="http://schemas.openxmlformats.org/drawingml/2006/chart" xmlns:dgm="http://schemas.openxmlformats.org/drawingml/2006/diagram" xmlns:o="urn:schemas-microsoft-com:office:office" xmlns:v="urn:schemas-microsoft-com:vml" xmlns:pvml="urn:schemas-microsoft-com:office:powerpoint" xmlns:com="http://schemas.openxmlformats.org/drawingml/2006/compatibility" xmlns:p14="http://schemas.microsoft.com/office/powerpoint/2010/main">
-  <p:cSld>
-    <p:spTree>
-      <p:nvGrpSpPr>
-        <p:cNvPr id="104" name="Shape 104"/>
-        <p:cNvGrpSpPr/>
-        <p:nvPr/>
-      </p:nvGrpSpPr>
-      <p:grpSpPr>
-        <a:xfrm>
-          <a:off y="0" x="0"/>
-          <a:ext cy="0" cx="0"/>
-          <a:chOff y="0" x="0"/>
-          <a:chExt cy="0" cx="0"/>
-        </a:xfrm>
-      </p:grpSpPr>
-      <p:sp>
-        <p:nvSpPr>
-          <p:cNvPr id="105" name="Shape 105"/>
-          <p:cNvSpPr txBox="1"/>
-          <p:nvPr>
-            <p:ph idx="1" type="body"/>
-          </p:nvPr>
-        </p:nvSpPr>
-        <p:spPr>
-          <a:xfrm>
-            <a:off y="863250" x="457200"/>
-            <a:ext cy="3630300" cx="5398499"/>
-          </a:xfrm>
-          <a:prstGeom prst="rect">
-            <a:avLst/>
-          </a:prstGeom>
-        </p:spPr>
-        <p:txBody>
-          <a:bodyPr bIns="91425" rIns="91425" lIns="91425" tIns="91425" anchor="t" anchorCtr="0">
-            <a:noAutofit/>
-          </a:bodyPr>
-          <a:lstStyle/>
-          <a:p>
-            <a:pPr algn="just" rtl="0" lvl="0" indent="-342900" marL="457200">
-              <a:lnSpc>
-                <a:spcPct val="115000"/>
-              </a:lnSpc>
-              <a:spcBef>
-                <a:spcPts val="0"/>
-              </a:spcBef>
-              <a:buClr>
-                <a:srgbClr val="FFFFFF"/>
-              </a:buClr>
-              <a:buSzPct val="100000"/>
-              <a:buFont typeface="Arial"/>
-              <a:buChar char="●"/>
-            </a:pPr>
-            <a:r>
-              <a:rPr sz="1800" lang="en">
-                <a:solidFill>
-                  <a:srgbClr val="FFFFFF"/>
-                </a:solidFill>
-              </a:rPr>
-              <a:t>Menggunakan algoritma Diffie-Helman untuk meng-generate key dalam enkripsi pesannya</a:t>
-            </a:r>
-          </a:p>
-          <a:p>
-            <a:pPr algn="just" rtl="0" lvl="0" indent="-342900" marL="457200">
-              <a:lnSpc>
-                <a:spcPct val="115000"/>
-              </a:lnSpc>
-              <a:spcBef>
-                <a:spcPts val="0"/>
-              </a:spcBef>
-              <a:buClr>
-                <a:srgbClr val="FFFFFF"/>
-              </a:buClr>
-              <a:buSzPct val="100000"/>
-              <a:buFont typeface="Arial"/>
-              <a:buChar char="●"/>
-            </a:pPr>
-            <a:r>
-              <a:rPr sz="1800" lang="en">
-                <a:solidFill>
-                  <a:srgbClr val="FFFFFF"/>
-                </a:solidFill>
-              </a:rPr>
-              <a:t>Tiap user dalam aplikasi memiliki 1 private key, kemudian pada masing-masing user akan mengkalkulasikan private key-nya untuk memperoleh public key</a:t>
-            </a:r>
-          </a:p>
-          <a:p>
-            <a:pPr algn="just" rtl="0" lvl="0" indent="-342900" marL="457200">
-              <a:lnSpc>
-                <a:spcPct val="115000"/>
-              </a:lnSpc>
-              <a:spcBef>
-                <a:spcPts val="0"/>
-              </a:spcBef>
-              <a:buClr>
-                <a:srgbClr val="FFFFFF"/>
-              </a:buClr>
-              <a:buSzPct val="100000"/>
-              <a:buFont typeface="Arial"/>
-              <a:buChar char="●"/>
-            </a:pPr>
-            <a:r>
-              <a:rPr sz="1800" lang="en">
-                <a:solidFill>
-                  <a:srgbClr val="FFFFFF"/>
-                </a:solidFill>
-              </a:rPr>
-              <a:t>Public key dari tiap user didapat dari : </a:t>
-            </a:r>
-          </a:p>
-          <a:p>
-            <a:pPr algn="just" rtl="0" indent="457200">
-              <a:lnSpc>
-                <a:spcPct val="115000"/>
-              </a:lnSpc>
-              <a:spcBef>
-                <a:spcPts val="0"/>
-              </a:spcBef>
-              <a:buNone/>
-            </a:pPr>
-            <a:r>
-              <a:rPr sz="1800" lang="en">
-                <a:solidFill>
-                  <a:srgbClr val="FFFFFF"/>
-                </a:solidFill>
-              </a:rPr>
-              <a:t>g</a:t>
-            </a:r>
-            <a:r>
-              <a:rPr baseline="30000" sz="1800" lang="en">
-                <a:solidFill>
-                  <a:srgbClr val="FFFFFF"/>
-                </a:solidFill>
-              </a:rPr>
-              <a:t>a </a:t>
-            </a:r>
-            <a:r>
-              <a:rPr sz="1800" lang="en">
-                <a:solidFill>
-                  <a:srgbClr val="FFFFFF"/>
-                </a:solidFill>
-              </a:rPr>
-              <a:t>mod p</a:t>
-            </a:r>
-          </a:p>
-          <a:p>
-            <a:pPr algn="just" rtl="0" indent="457200">
-              <a:lnSpc>
-                <a:spcPct val="115000"/>
-              </a:lnSpc>
-              <a:spcBef>
-                <a:spcPts val="0"/>
-              </a:spcBef>
-              <a:buNone/>
-            </a:pPr>
-            <a:r>
-              <a:rPr sz="1800" lang="en">
-                <a:solidFill>
-                  <a:srgbClr val="FFFFFF"/>
-                </a:solidFill>
-              </a:rPr>
-              <a:t>p = large prime number</a:t>
-            </a:r>
-          </a:p>
-          <a:p>
-            <a:pPr algn="just" rtl="0" indent="457200">
-              <a:lnSpc>
-                <a:spcPct val="115000"/>
-              </a:lnSpc>
-              <a:spcBef>
-                <a:spcPts val="0"/>
-              </a:spcBef>
-              <a:buNone/>
-            </a:pPr>
-            <a:r>
-              <a:rPr sz="1800" lang="en">
-                <a:solidFill>
-                  <a:srgbClr val="FFFFFF"/>
-                </a:solidFill>
-              </a:rPr>
-              <a:t>g = generator atau base ( 0 &lt; g &lt; p )</a:t>
-            </a:r>
-          </a:p>
-          <a:p>
-            <a:pPr algn="just" rtl="0" indent="457200">
-              <a:lnSpc>
-                <a:spcPct val="115000"/>
-              </a:lnSpc>
-              <a:spcBef>
-                <a:spcPts val="0"/>
-              </a:spcBef>
-              <a:buNone/>
-            </a:pPr>
-            <a:r>
-              <a:rPr sz="1800" lang="en">
-                <a:solidFill>
-                  <a:srgbClr val="FFFFFF"/>
-                </a:solidFill>
-              </a:rPr>
-              <a:t>a = private key</a:t>
-            </a:r>
-          </a:p>
-          <a:p>
-            <a:pPr algn="just" lvl="0" indent="-342900" marL="457200">
-              <a:lnSpc>
-                <a:spcPct val="115000"/>
-              </a:lnSpc>
-              <a:spcBef>
-                <a:spcPts val="0"/>
-              </a:spcBef>
-              <a:buClr>
-                <a:srgbClr val="FFFFFF"/>
-              </a:buClr>
-              <a:buSzPct val="100000"/>
-              <a:buFont typeface="Arial"/>
-              <a:buChar char="●"/>
-            </a:pPr>
-            <a:r>
-              <a:rPr sz="1800" lang="en">
-                <a:solidFill>
-                  <a:srgbClr val="FFFFFF"/>
-                </a:solidFill>
-              </a:rPr>
-              <a:t>Public key ini akan di-share satu sama lain</a:t>
-            </a:r>
-          </a:p>
-        </p:txBody>
-      </p:sp>
-      <p:sp>
-        <p:nvSpPr>
-          <p:cNvPr id="106" name="Shape 106"/>
-          <p:cNvSpPr txBox="1"/>
-          <p:nvPr>
-            <p:ph type="title"/>
-          </p:nvPr>
-        </p:nvSpPr>
-        <p:spPr>
-          <a:xfrm>
-            <a:off y="-22621" x="457200"/>
-            <a:ext cy="994200" cx="8229600"/>
-          </a:xfrm>
-          <a:prstGeom prst="rect">
-            <a:avLst/>
-          </a:prstGeom>
-        </p:spPr>
-        <p:txBody>
-          <a:bodyPr bIns="91425" rIns="91425" lIns="91425" tIns="91425" anchor="b" anchorCtr="0">
-            <a:noAutofit/>
-          </a:bodyPr>
-          <a:lstStyle/>
-          <a:p>
-            <a:pPr>
-              <a:spcBef>
-                <a:spcPts val="0"/>
-              </a:spcBef>
-              <a:buNone/>
-            </a:pPr>
-            <a:r>
-              <a:rPr lang="en">
-                <a:solidFill>
-                  <a:srgbClr val="FFFFFF"/>
-                </a:solidFill>
-              </a:rPr>
-              <a:t>Distributing the Key</a:t>
-            </a:r>
-          </a:p>
-        </p:txBody>
-      </p:sp>
-      <p:pic>
-        <p:nvPicPr>
-          <p:cNvPr id="107" name="Shape 107"/>
-          <p:cNvPicPr preferRelativeResize="0"/>
-          <p:nvPr/>
-        </p:nvPicPr>
-        <p:blipFill>
-          <a:blip r:embed="rId3">
-            <a:alphaModFix/>
-          </a:blip>
-          <a:stretch>
-            <a:fillRect/>
-          </a:stretch>
-        </p:blipFill>
-        <p:spPr>
-          <a:xfrm>
-            <a:off y="-22625" x="5855800"/>
-            <a:ext cy="4901725" cx="3265275"/>
-          </a:xfrm>
-          <a:prstGeom prst="rect">
-            <a:avLst/>
-          </a:prstGeom>
-          <a:noFill/>
-          <a:ln>
-            <a:noFill/>
-          </a:ln>
-        </p:spPr>
-      </p:pic>
     </p:spTree>
   </p:cSld>
   <p:clrMapOvr>
@@ -5420,10 +5006,10 @@
       </p:nvGrpSpPr>
       <p:grpSpPr>
         <a:xfrm>
-          <a:off y="0" x="0"/>
-          <a:ext cy="0" cx="0"/>
-          <a:chOff y="0" x="0"/>
-          <a:chExt cy="0" cx="0"/>
+          <a:off x="0" y="0"/>
+          <a:ext cx="0" cy="0"/>
+          <a:chOff x="0" y="0"/>
+          <a:chExt cx="0" cy="0"/>
         </a:xfrm>
       </p:grpSpPr>
       <p:sp>
@@ -5436,15 +5022,15 @@
         </p:nvSpPr>
         <p:spPr>
           <a:xfrm>
-            <a:off y="205978" x="457200"/>
-            <a:ext cy="994200" cx="8229600"/>
+            <a:off x="457200" y="205978"/>
+            <a:ext cx="8229600" cy="994200"/>
           </a:xfrm>
           <a:prstGeom prst="rect">
             <a:avLst/>
           </a:prstGeom>
         </p:spPr>
         <p:txBody>
-          <a:bodyPr bIns="91425" rIns="91425" lIns="91425" tIns="91425" anchor="b" anchorCtr="0">
+          <a:bodyPr anchorCtr="0" anchor="b" bIns="91425" lIns="91425" rIns="91425" tIns="91425">
             <a:noAutofit/>
           </a:bodyPr>
           <a:lstStyle/>
@@ -5474,8 +5060,8 @@
         </p:nvSpPr>
         <p:spPr>
           <a:xfrm>
-            <a:off y="1347075" x="523300"/>
-            <a:ext cy="863400" cx="8737800"/>
+            <a:off x="523300" y="1347075"/>
+            <a:ext cx="8737800" cy="863400"/>
           </a:xfrm>
           <a:prstGeom prst="rect">
             <a:avLst/>
@@ -5486,12 +5072,12 @@
           </a:ln>
         </p:spPr>
         <p:txBody>
-          <a:bodyPr bIns="91425" rIns="91425" lIns="91425" tIns="91425" anchor="ctr" anchorCtr="0">
+          <a:bodyPr anchorCtr="0" anchor="ctr" bIns="91425" lIns="91425" rIns="91425" tIns="91425">
             <a:noAutofit/>
           </a:bodyPr>
           <a:lstStyle/>
           <a:p>
-            <a:pPr rtl="0" lvl="0">
+            <a:pPr lvl="0" rtl="0">
               <a:spcBef>
                 <a:spcPts val="0"/>
               </a:spcBef>
@@ -5507,7 +5093,10 @@
             </a:r>
           </a:p>
           <a:p>
-            <a:pPr rtl="0" lvl="0">
+            <a:pPr lvl="0" rtl="0">
+              <a:lnSpc>
+                <a:spcPct val="115000"/>
+              </a:lnSpc>
               <a:spcBef>
                 <a:spcPts val="0"/>
               </a:spcBef>
@@ -5519,7 +5108,7 @@
                   <a:srgbClr val="FFFFFF"/>
                 </a:solidFill>
               </a:rPr>
-              <a:t>Client : "SIGNUP" “SIGNUP_REQ” "0" "0" “NULL” “NULL”</a:t>
+              <a:t>Client : "SIGNUP", "AUTH_REQ", "0", "0", "AUTH", “&lt;username:password&gt;”</a:t>
             </a:r>
           </a:p>
         </p:txBody>
@@ -5532,8 +5121,8 @@
         </p:nvSpPr>
         <p:spPr>
           <a:xfrm>
-            <a:off y="2098650" x="587975"/>
-            <a:ext cy="1997699" cx="8808599"/>
+            <a:off x="587975" y="2098650"/>
+            <a:ext cx="8808599" cy="1997699"/>
           </a:xfrm>
           <a:prstGeom prst="rect">
             <a:avLst/>
@@ -5544,12 +5133,12 @@
           </a:ln>
         </p:spPr>
         <p:txBody>
-          <a:bodyPr bIns="91425" rIns="91425" lIns="91425" tIns="91425" anchor="ctr" anchorCtr="0">
+          <a:bodyPr anchorCtr="0" anchor="ctr" bIns="91425" lIns="91425" rIns="91425" tIns="91425">
             <a:noAutofit/>
           </a:bodyPr>
           <a:lstStyle/>
           <a:p>
-            <a:pPr rtl="0" lvl="0">
+            <a:pPr lvl="0" rtl="0">
               <a:spcBef>
                 <a:spcPts val="0"/>
               </a:spcBef>
@@ -5561,7 +5150,7 @@
             <a:endParaRPr/>
           </a:p>
           <a:p>
-            <a:pPr rtl="0" lvl="0">
+            <a:pPr lvl="0" rtl="0">
               <a:spcBef>
                 <a:spcPts val="0"/>
               </a:spcBef>
@@ -5589,11 +5178,11 @@
                   <a:srgbClr val="FFFFFF"/>
                 </a:solidFill>
               </a:rPr>
-              <a:t>SERVER :  "SIGNUP" "AUTH_REQUIRED" "0" "0" "NULL" "NULL"</a:t>
-            </a:r>
-          </a:p>
-          <a:p>
-            <a:pPr rtl="0" lvl="0">
+              <a:t>SERVER :  "LIST_USER" "SIGNUP_SUCCESS" "0" "0" "NULL" "NULL"</a:t>
+            </a:r>
+          </a:p>
+          <a:p>
+            <a:pPr lvl="0" rtl="0">
               <a:spcBef>
                 <a:spcPts val="0"/>
               </a:spcBef>
@@ -5609,7 +5198,7 @@
             </a:endParaRPr>
           </a:p>
           <a:p>
-            <a:pPr rtl="0" lvl="0">
+            <a:pPr lvl="0" rtl="0">
               <a:spcBef>
                 <a:spcPts val="0"/>
               </a:spcBef>
@@ -5625,7 +5214,7 @@
             </a:r>
           </a:p>
           <a:p>
-            <a:pPr rtl="0" lvl="0">
+            <a:pPr lvl="0" rtl="0">
               <a:spcBef>
                 <a:spcPts val="0"/>
               </a:spcBef>
@@ -5637,7 +5226,7 @@
                   <a:srgbClr val="FFFFFF"/>
                 </a:solidFill>
               </a:rPr>
-              <a:t>SERVER :  “HOME” “ERROR” "0" "0" "NULL" "NULL");</a:t>
+              <a:t>SERVER :  “SIGNUP” “SIGNUP_FAILED” "0" "username" "NULL" "NULL");</a:t>
             </a:r>
           </a:p>
           <a:p>
@@ -5657,7 +5246,7 @@
             </a:endParaRPr>
           </a:p>
           <a:p>
-            <a:pPr rtl="0" lvl="0">
+            <a:pPr lvl="0" rtl="0">
               <a:spcBef>
                 <a:spcPts val="0"/>
               </a:spcBef>
@@ -5673,23 +5262,7 @@
             </a:endParaRPr>
           </a:p>
           <a:p>
-            <a:pPr rtl="0" lvl="0">
-              <a:spcBef>
-                <a:spcPts val="0"/>
-              </a:spcBef>
-              <a:buNone/>
-            </a:pPr>
-            <a:r>
-              <a:rPr lang="en">
-                <a:solidFill>
-                  <a:srgbClr val="FFFFFF"/>
-                </a:solidFill>
-              </a:rPr>
-              <a:t>Client : "SIGNUP" “AUTH_REQUEST” "0" "0" “AUTH” “&lt;Username:Password&gt;“</a:t>
-            </a:r>
-          </a:p>
-          <a:p>
-            <a:pPr rtl="0" lvl="0">
+            <a:pPr lvl="0" rtl="0">
               <a:spcBef>
                 <a:spcPts val="0"/>
               </a:spcBef>
@@ -5724,62 +5297,22 @@
       </p:nvGrpSpPr>
       <p:grpSpPr>
         <a:xfrm>
-          <a:off y="0" x="0"/>
-          <a:ext cy="0" cx="0"/>
-          <a:chOff y="0" x="0"/>
-          <a:chExt cy="0" cx="0"/>
+          <a:off x="0" y="0"/>
+          <a:ext cx="0" cy="0"/>
+          <a:chOff x="0" y="0"/>
+          <a:chExt cx="0" cy="0"/>
         </a:xfrm>
       </p:grpSpPr>
       <p:sp>
         <p:nvSpPr>
           <p:cNvPr id="61" name="Shape 61"/>
           <p:cNvSpPr txBox="1"/>
-          <p:nvPr>
-            <p:ph type="title"/>
-          </p:nvPr>
-        </p:nvSpPr>
-        <p:spPr>
-          <a:xfrm>
-            <a:off y="205978" x="457200"/>
-            <a:ext cy="994200" cx="8229600"/>
-          </a:xfrm>
-          <a:prstGeom prst="rect">
-            <a:avLst/>
-          </a:prstGeom>
-        </p:spPr>
-        <p:txBody>
-          <a:bodyPr bIns="91425" rIns="91425" lIns="91425" tIns="91425" anchor="b" anchorCtr="0">
-            <a:noAutofit/>
-          </a:bodyPr>
-          <a:lstStyle/>
-          <a:p>
-            <a:pPr rtl="0" lvl="0">
-              <a:spcBef>
-                <a:spcPts val="0"/>
-              </a:spcBef>
-              <a:buNone/>
-            </a:pPr>
-            <a:r>
-              <a:rPr lang="en">
-                <a:solidFill>
-                  <a:srgbClr val="FFFFFF"/>
-                </a:solidFill>
-              </a:rPr>
-              <a:t>Protocol</a:t>
-            </a:r>
-          </a:p>
-        </p:txBody>
-      </p:sp>
-      <p:sp>
-        <p:nvSpPr>
-          <p:cNvPr id="62" name="Shape 62"/>
-          <p:cNvSpPr txBox="1"/>
           <p:nvPr/>
         </p:nvSpPr>
         <p:spPr>
           <a:xfrm>
-            <a:off y="1666175" x="321525"/>
-            <a:ext cy="2804699" cx="9021300"/>
+            <a:off x="432450" y="1200175"/>
+            <a:ext cx="7412999" cy="2936399"/>
           </a:xfrm>
           <a:prstGeom prst="rect">
             <a:avLst/>
@@ -5790,12 +5323,28 @@
           </a:ln>
         </p:spPr>
         <p:txBody>
-          <a:bodyPr bIns="91425" rIns="91425" lIns="91425" tIns="91425" anchor="ctr" anchorCtr="0">
+          <a:bodyPr anchorCtr="0" anchor="ctr" bIns="91425" lIns="91425" rIns="91425" tIns="91425">
             <a:noAutofit/>
           </a:bodyPr>
           <a:lstStyle/>
           <a:p>
-            <a:pPr rtl="0" lvl="0">
+            <a:pPr lvl="0" rtl="0">
+              <a:spcBef>
+                <a:spcPts val="0"/>
+              </a:spcBef>
+              <a:buNone/>
+            </a:pPr>
+            <a:r>
+              <a:rPr lang="en">
+                <a:solidFill>
+                  <a:srgbClr val="FFFFFF"/>
+                </a:solidFill>
+              </a:rPr>
+              <a:t>——Saat pilih menu login——</a:t>
+            </a:r>
+          </a:p>
+          <a:p>
+            <a:pPr lvl="0" rtl="0">
               <a:lnSpc>
                 <a:spcPct val="115000"/>
               </a:lnSpc>
@@ -5810,147 +5359,11 @@
                   <a:srgbClr val="FFFFFF"/>
                 </a:solidFill>
               </a:rPr>
-              <a:t>*accepted</a:t>
-            </a:r>
-          </a:p>
-          <a:p>
-            <a:pPr rtl="0" lvl="0">
-              <a:lnSpc>
-                <a:spcPct val="115000"/>
-              </a:lnSpc>
-              <a:spcBef>
-                <a:spcPts val="0"/>
-              </a:spcBef>
-              <a:buNone/>
-            </a:pPr>
-            <a:r>
-              <a:rPr lang="en">
-                <a:solidFill>
-                  <a:srgbClr val="FFFFFF"/>
-                </a:solidFill>
-              </a:rPr>
-              <a:t>SERVER : “INCHAT” “SIGNUP_SUCCESS” "0" “&lt;Username pengirim&gt;“ “NULL” “NULL“</a:t>
-            </a:r>
-          </a:p>
-          <a:p>
-            <a:pPr rtl="0" lvl="0">
-              <a:lnSpc>
-                <a:spcPct val="115000"/>
-              </a:lnSpc>
-              <a:spcBef>
-                <a:spcPts val="0"/>
-              </a:spcBef>
-              <a:buNone/>
-            </a:pPr>
-            <a:r>
-              <a:rPr lang="en">
-                <a:solidFill>
-                  <a:srgbClr val="FFFFFF"/>
-                </a:solidFill>
-              </a:rPr>
-              <a:t>Client : “INCHAT” “LIST_USER_REQ” “0” “&lt;Username pengirim&gt;” “NULL” “NULL”</a:t>
-            </a:r>
-          </a:p>
-          <a:p>
-            <a:pPr rtl="0" lvl="0">
-              <a:lnSpc>
-                <a:spcPct val="115000"/>
-              </a:lnSpc>
-              <a:spcBef>
-                <a:spcPts val="0"/>
-              </a:spcBef>
-              <a:buNone/>
-            </a:pPr>
-            <a:r>
-              <a:rPr lang="en">
-                <a:solidFill>
-                  <a:srgbClr val="FFFFFF"/>
-                </a:solidFill>
-              </a:rPr>
-              <a:t>SERVER : “INCHAT” “LIST_USER_SEND” "0" “&lt;Username pengirim&gt;“ “LIST” “&lt;UsernameAllOnline&gt;“</a:t>
-            </a:r>
-          </a:p>
-          <a:p>
-            <a:pPr rtl="0" lvl="0">
-              <a:lnSpc>
-                <a:spcPct val="115000"/>
-              </a:lnSpc>
-              <a:spcBef>
-                <a:spcPts val="0"/>
-              </a:spcBef>
-              <a:buNone/>
-            </a:pPr>
-            <a:r>
-              <a:rPr lang="en">
-                <a:solidFill>
-                  <a:srgbClr val="FFFFFF"/>
-                </a:solidFill>
-              </a:rPr>
-              <a:t>Client : “INCHAT” “LIST_USER_REQ” “0” “&lt;Username pengirim&gt;” “NULL” “NULL”  //looping</a:t>
-            </a:r>
-          </a:p>
-          <a:p>
-            <a:pPr rtl="0" lvl="0">
-              <a:lnSpc>
-                <a:spcPct val="115000"/>
-              </a:lnSpc>
-              <a:spcBef>
-                <a:spcPts val="0"/>
-              </a:spcBef>
-              <a:buNone/>
-            </a:pPr>
-            <a:r>
-              <a:rPr lang="en">
-                <a:solidFill>
-                  <a:srgbClr val="FFFFFF"/>
-                </a:solidFill>
-              </a:rPr>
-              <a:t>&gt; jika selesai</a:t>
-            </a:r>
-          </a:p>
-          <a:p>
-            <a:pPr rtl="0" lvl="0">
-              <a:lnSpc>
-                <a:spcPct val="115000"/>
-              </a:lnSpc>
-              <a:spcBef>
-                <a:spcPts val="0"/>
-              </a:spcBef>
-              <a:buNone/>
-            </a:pPr>
-            <a:r>
-              <a:rPr lang="en">
-                <a:solidFill>
-                  <a:srgbClr val="FFFFFF"/>
-                </a:solidFill>
-              </a:rPr>
-              <a:t>SERVER : “INCHAT” “LIST_USER_DONE” "0" “&lt;Username pengirim&gt;“ “NULL” “NULL“</a:t>
-            </a:r>
-          </a:p>
-          <a:p>
-            <a:pPr rtl="0" lvl="0">
-              <a:lnSpc>
-                <a:spcPct val="115000"/>
-              </a:lnSpc>
-              <a:spcBef>
-                <a:spcPts val="0"/>
-              </a:spcBef>
-              <a:buNone/>
-            </a:pPr>
-            <a:r>
-              <a:rPr lang="en">
-                <a:solidFill>
-                  <a:srgbClr val="FFFFFF"/>
-                </a:solidFill>
-              </a:rPr>
-              <a:t>Client : “INCHAT” “LIST_USER_OK” “0” “&lt;Username pengirim&gt;” “NULL” “NULL”</a:t>
-            </a:r>
-          </a:p>
-          <a:p>
-            <a:pPr rtl="0" lvl="0">
-              <a:lnSpc>
-                <a:spcPct val="115000"/>
-              </a:lnSpc>
+              <a:t>Client : "LOGIN", "AUTH_REQ", "0", "0", "AUTH", "&lt;username:password&gt;"</a:t>
+            </a:r>
+          </a:p>
+          <a:p>
+            <a:pPr lvl="0" rtl="0">
               <a:spcBef>
                 <a:spcPts val="0"/>
               </a:spcBef>
@@ -5966,10 +5379,55 @@
             </a:endParaRPr>
           </a:p>
           <a:p>
-            <a:pPr rtl="0" lvl="0">
-              <a:lnSpc>
-                <a:spcPct val="115000"/>
-              </a:lnSpc>
+            <a:pPr lvl="0" rtl="0">
+              <a:spcBef>
+                <a:spcPts val="0"/>
+              </a:spcBef>
+              <a:buNone/>
+            </a:pPr>
+            <a:r>
+              <a:rPr lang="en">
+                <a:solidFill>
+                  <a:srgbClr val="FFFFFF"/>
+                </a:solidFill>
+              </a:rPr>
+              <a:t>#######</a:t>
+            </a:r>
+          </a:p>
+          <a:p>
+            <a:pPr lvl="0" rtl="0">
+              <a:spcBef>
+                <a:spcPts val="0"/>
+              </a:spcBef>
+              <a:buNone/>
+            </a:pPr>
+            <a:r>
+              <a:rPr lang="en">
+                <a:solidFill>
+                  <a:srgbClr val="FFFFFF"/>
+                </a:solidFill>
+              </a:rPr>
+              <a:t>*terima</a:t>
+            </a:r>
+          </a:p>
+          <a:p>
+            <a:pPr lvl="0" rtl="0">
+              <a:spcBef>
+                <a:spcPts val="0"/>
+              </a:spcBef>
+              <a:buNone/>
+            </a:pPr>
+            <a:r>
+              <a:rPr lang="en">
+                <a:solidFill>
+                  <a:srgbClr val="FFFFFF"/>
+                </a:solidFill>
+              </a:rPr>
+              <a:t>SERVER :  “LIST_USER” "LOGIN_SUCCESS" "0" "username" "NULL" "NULL"</a:t>
+            </a:r>
+          </a:p>
+          <a:p>
+            <a:pPr lvl="0" rtl="0">
               <a:spcBef>
                 <a:spcPts val="0"/>
               </a:spcBef>
@@ -5985,10 +5443,7 @@
             </a:r>
           </a:p>
           <a:p>
-            <a:pPr rtl="0" lvl="0">
-              <a:lnSpc>
-                <a:spcPct val="115000"/>
-              </a:lnSpc>
+            <a:pPr lvl="0" rtl="0">
               <a:spcBef>
                 <a:spcPts val="0"/>
               </a:spcBef>
@@ -6000,14 +5455,11 @@
                   <a:srgbClr val="FFFFFF"/>
                 </a:solidFill>
               </a:rPr>
-              <a:t>SERVER : "SIGNUP" “SIGNUP_FAILED” "0" “0” “NULL” “NULL“</a:t>
-            </a:r>
-          </a:p>
-          <a:p>
-            <a:pPr rtl="0">
-              <a:lnSpc>
-                <a:spcPct val="115000"/>
-              </a:lnSpc>
+              <a:t>SERVER :  “LOGIN” “LOGIN_FAILED” "0" "0" "NULL" "NULL");</a:t>
+            </a:r>
+          </a:p>
+          <a:p>
+            <a:pPr lvl="0" rtl="0">
               <a:spcBef>
                 <a:spcPts val="0"/>
               </a:spcBef>
@@ -6019,14 +5471,35 @@
                   <a:srgbClr val="FFFFFF"/>
                 </a:solidFill>
               </a:rPr>
-              <a:t>Client : “SIGNUP” “SIGNUP_RETRY” "0" "0" “NULL” “NULL” back loop</a:t>
-            </a:r>
-          </a:p>
-          <a:p>
-            <a:pPr rtl="0" lvl="0">
-              <a:lnSpc>
-                <a:spcPct val="115000"/>
-              </a:lnSpc>
+              <a:t>#######</a:t>
+            </a:r>
+          </a:p>
+        </p:txBody>
+      </p:sp>
+      <p:sp>
+        <p:nvSpPr>
+          <p:cNvPr id="62" name="Shape 62"/>
+          <p:cNvSpPr txBox="1"/>
+          <p:nvPr>
+            <p:ph type="title"/>
+          </p:nvPr>
+        </p:nvSpPr>
+        <p:spPr>
+          <a:xfrm>
+            <a:off x="432450" y="205978"/>
+            <a:ext cx="8229600" cy="994200"/>
+          </a:xfrm>
+          <a:prstGeom prst="rect">
+            <a:avLst/>
+          </a:prstGeom>
+        </p:spPr>
+        <p:txBody>
+          <a:bodyPr anchorCtr="0" anchor="b" bIns="91425" lIns="91425" rIns="91425" tIns="91425">
+            <a:noAutofit/>
+          </a:bodyPr>
+          <a:lstStyle/>
+          <a:p>
+            <a:pPr lvl="0" rtl="0">
               <a:spcBef>
                 <a:spcPts val="0"/>
               </a:spcBef>
@@ -6038,7 +5511,7 @@
                   <a:srgbClr val="FFFFFF"/>
                 </a:solidFill>
               </a:rPr>
-              <a:t>—-END MENU SIGNUP—-</a:t>
+              <a:t>Protocol</a:t>
             </a:r>
           </a:p>
         </p:txBody>
@@ -6065,22 +5538,62 @@
       </p:nvGrpSpPr>
       <p:grpSpPr>
         <a:xfrm>
-          <a:off y="0" x="0"/>
-          <a:ext cy="0" cx="0"/>
-          <a:chOff y="0" x="0"/>
-          <a:chExt cy="0" cx="0"/>
+          <a:off x="0" y="0"/>
+          <a:ext cx="0" cy="0"/>
+          <a:chOff x="0" y="0"/>
+          <a:chExt cx="0" cy="0"/>
         </a:xfrm>
       </p:grpSpPr>
       <p:sp>
         <p:nvSpPr>
           <p:cNvPr id="67" name="Shape 67"/>
           <p:cNvSpPr txBox="1"/>
+          <p:nvPr>
+            <p:ph type="title"/>
+          </p:nvPr>
+        </p:nvSpPr>
+        <p:spPr>
+          <a:xfrm>
+            <a:off x="457200" y="205978"/>
+            <a:ext cx="8229600" cy="994200"/>
+          </a:xfrm>
+          <a:prstGeom prst="rect">
+            <a:avLst/>
+          </a:prstGeom>
+        </p:spPr>
+        <p:txBody>
+          <a:bodyPr anchorCtr="0" anchor="b" bIns="91425" lIns="91425" rIns="91425" tIns="91425">
+            <a:noAutofit/>
+          </a:bodyPr>
+          <a:lstStyle/>
+          <a:p>
+            <a:pPr lvl="0" rtl="0">
+              <a:spcBef>
+                <a:spcPts val="0"/>
+              </a:spcBef>
+              <a:buNone/>
+            </a:pPr>
+            <a:r>
+              <a:rPr lang="en">
+                <a:solidFill>
+                  <a:srgbClr val="FFFFFF"/>
+                </a:solidFill>
+              </a:rPr>
+              <a:t>Protocol</a:t>
+            </a:r>
+          </a:p>
+        </p:txBody>
+      </p:sp>
+      <p:sp>
+        <p:nvSpPr>
+          <p:cNvPr id="68" name="Shape 68"/>
+          <p:cNvSpPr txBox="1"/>
           <p:nvPr/>
         </p:nvSpPr>
         <p:spPr>
           <a:xfrm>
-            <a:off y="1200175" x="432450"/>
-            <a:ext cy="2936399" cx="7412999"/>
+            <a:off x="652600" y="1200175"/>
+            <a:ext cx="7412999" cy="2936399"/>
           </a:xfrm>
           <a:prstGeom prst="rect">
             <a:avLst/>
@@ -6091,12 +5604,12 @@
           </a:ln>
         </p:spPr>
         <p:txBody>
-          <a:bodyPr bIns="91425" rIns="91425" lIns="91425" tIns="91425" anchor="ctr" anchorCtr="0">
+          <a:bodyPr anchorCtr="0" anchor="ctr" bIns="91425" lIns="91425" rIns="91425" tIns="91425">
             <a:noAutofit/>
           </a:bodyPr>
           <a:lstStyle/>
           <a:p>
-            <a:pPr rtl="0" lvl="0">
+            <a:pPr rtl="0">
               <a:spcBef>
                 <a:spcPts val="0"/>
               </a:spcBef>
@@ -6108,11 +5621,11 @@
                   <a:srgbClr val="FFFFFF"/>
                 </a:solidFill>
               </a:rPr>
-              <a:t>——Saat pilih menu login——</a:t>
-            </a:r>
-          </a:p>
-          <a:p>
-            <a:pPr rtl="0" lvl="0">
+              <a:t>——Saat berada di menu list user——</a:t>
+            </a:r>
+          </a:p>
+          <a:p>
+            <a:pPr lvl="0" rtl="0">
               <a:spcBef>
                 <a:spcPts val="0"/>
               </a:spcBef>
@@ -6124,11 +5637,49 @@
                   <a:srgbClr val="FFFFFF"/>
                 </a:solidFill>
               </a:rPr>
-              <a:t>Client : “LOGIN” “LOGIN_REQ” "0" "0" “NULL” “NULL”</a:t>
-            </a:r>
-          </a:p>
-          <a:p>
-            <a:pPr rtl="0" lvl="0">
+              <a:t>### Meminta List User</a:t>
+            </a:r>
+          </a:p>
+          <a:p>
+            <a:pPr lvl="0" rtl="0">
+              <a:lnSpc>
+                <a:spcPct val="115000"/>
+              </a:lnSpc>
+              <a:spcBef>
+                <a:spcPts val="0"/>
+              </a:spcBef>
+              <a:buNone/>
+            </a:pPr>
+            <a:r>
+              <a:rPr lang="en">
+                <a:solidFill>
+                  <a:srgbClr val="FFFFFF"/>
+                </a:solidFill>
+              </a:rPr>
+              <a:t>Client : "LIST_USER", "LIST_USER_REQ", "0", "username", "NULL", "NULL"</a:t>
+            </a:r>
+          </a:p>
+          <a:p>
+            <a:pPr lvl="0" rtl="0">
+              <a:lnSpc>
+                <a:spcPct val="115000"/>
+              </a:lnSpc>
+              <a:spcBef>
+                <a:spcPts val="0"/>
+              </a:spcBef>
+              <a:buNone/>
+            </a:pPr>
+            <a:r>
+              <a:rPr lang="en">
+                <a:solidFill>
+                  <a:srgbClr val="FFFFFF"/>
+                </a:solidFill>
+              </a:rPr>
+              <a:t>Server : "LIST_USER", "LIST_USER_SEND", "0", "username", "LIST", "&lt;ListUser dipisah dengan delimiter ‘:’&gt;"</a:t>
+            </a:r>
+          </a:p>
+          <a:p>
+            <a:pPr rtl="0">
               <a:spcBef>
                 <a:spcPts val="0"/>
               </a:spcBef>
@@ -6144,7 +5695,23 @@
             </a:endParaRPr>
           </a:p>
           <a:p>
-            <a:pPr rtl="0" lvl="0">
+            <a:pPr lvl="0" rtl="0">
+              <a:spcBef>
+                <a:spcPts val="0"/>
+              </a:spcBef>
+              <a:buNone/>
+            </a:pPr>
+            <a:r>
+              <a:rPr lang="en">
+                <a:solidFill>
+                  <a:schemeClr val="lt1"/>
+                </a:solidFill>
+              </a:rPr>
+              <a:t>——Saat pesan terima chat——</a:t>
+            </a:r>
+          </a:p>
+          <a:p>
+            <a:pPr lvl="0" rtl="0">
               <a:spcBef>
                 <a:spcPts val="0"/>
               </a:spcBef>
@@ -6160,7 +5727,7 @@
             </a:r>
           </a:p>
           <a:p>
-            <a:pPr rtl="0" lvl="0">
+            <a:pPr lvl="0" rtl="0">
               <a:spcBef>
                 <a:spcPts val="0"/>
               </a:spcBef>
@@ -6172,11 +5739,11 @@
                   <a:srgbClr val="FFFFFF"/>
                 </a:solidFill>
               </a:rPr>
-              <a:t>*terima</a:t>
-            </a:r>
-          </a:p>
-          <a:p>
-            <a:pPr rtl="0" lvl="0">
+              <a:t>*terima chat</a:t>
+            </a:r>
+          </a:p>
+          <a:p>
+            <a:pPr rtl="0">
               <a:spcBef>
                 <a:spcPts val="0"/>
               </a:spcBef>
@@ -6188,59 +5755,11 @@
                   <a:srgbClr val="FFFFFF"/>
                 </a:solidFill>
               </a:rPr>
-              <a:t>SERVER :  “LOGIN” "AUTH_REQUIRED" "0" "0" "NULL" "NULL"</a:t>
-            </a:r>
-          </a:p>
-          <a:p>
-            <a:pPr rtl="0" lvl="0">
-              <a:spcBef>
-                <a:spcPts val="0"/>
-              </a:spcBef>
-              <a:buNone/>
-            </a:pPr>
-            <a:r>
-              <a:rPr lang="en">
-                <a:solidFill>
-                  <a:srgbClr val="FFFFFF"/>
-                </a:solidFill>
-              </a:rPr>
-              <a:t>*error</a:t>
-            </a:r>
-          </a:p>
-          <a:p>
-            <a:pPr rtl="0" lvl="0">
-              <a:spcBef>
-                <a:spcPts val="0"/>
-              </a:spcBef>
-              <a:buNone/>
-            </a:pPr>
-            <a:r>
-              <a:rPr lang="en">
-                <a:solidFill>
-                  <a:srgbClr val="FFFFFF"/>
-                </a:solidFill>
-              </a:rPr>
-              <a:t>SERVER :  “HOME” “ERROR” "0" "0" "NULL" "NULL");</a:t>
-            </a:r>
-          </a:p>
-          <a:p>
-            <a:pPr rtl="0" lvl="0">
-              <a:spcBef>
-                <a:spcPts val="0"/>
-              </a:spcBef>
-              <a:buNone/>
-            </a:pPr>
-            <a:r>
-              <a:rPr lang="en">
-                <a:solidFill>
-                  <a:srgbClr val="FFFFFF"/>
-                </a:solidFill>
-              </a:rPr>
-              <a:t>#######</a:t>
-            </a:r>
-          </a:p>
-          <a:p>
-            <a:pPr rtl="0" lvl="0">
+              <a:t>Server :  “INCHAT” "RECEIVE_MESSAGE" "receiver" "sender" "MESSAGE" “&lt;pesan&gt;”</a:t>
+            </a:r>
+          </a:p>
+          <a:p>
+            <a:pPr lvl="0" rtl="0">
               <a:spcBef>
                 <a:spcPts val="0"/>
               </a:spcBef>
@@ -6256,7 +5775,7 @@
             </a:endParaRPr>
           </a:p>
           <a:p>
-            <a:pPr rtl="0" lvl="0">
+            <a:pPr lvl="0" rtl="0">
               <a:spcBef>
                 <a:spcPts val="0"/>
               </a:spcBef>
@@ -6268,35 +5787,11 @@
                   <a:srgbClr val="FFFFFF"/>
                 </a:solidFill>
               </a:rPr>
-              <a:t>Client : “LOGIN” “AUTH_REQUEST” "0" "0" “AUTH” “&lt;Username:Password&gt;“</a:t>
-            </a:r>
-          </a:p>
-        </p:txBody>
-      </p:sp>
-      <p:sp>
-        <p:nvSpPr>
-          <p:cNvPr id="68" name="Shape 68"/>
-          <p:cNvSpPr txBox="1"/>
-          <p:nvPr>
-            <p:ph type="title"/>
-          </p:nvPr>
-        </p:nvSpPr>
-        <p:spPr>
-          <a:xfrm>
-            <a:off y="205978" x="432450"/>
-            <a:ext cy="994200" cx="8229600"/>
-          </a:xfrm>
-          <a:prstGeom prst="rect">
-            <a:avLst/>
-          </a:prstGeom>
-        </p:spPr>
-        <p:txBody>
-          <a:bodyPr bIns="91425" rIns="91425" lIns="91425" tIns="91425" anchor="b" anchorCtr="0">
-            <a:noAutofit/>
-          </a:bodyPr>
-          <a:lstStyle/>
-          <a:p>
-            <a:pPr rtl="0" lvl="0">
+              <a:t>*kirim pesan</a:t>
+            </a:r>
+          </a:p>
+          <a:p>
+            <a:pPr lvl="0" rtl="0">
               <a:spcBef>
                 <a:spcPts val="0"/>
               </a:spcBef>
@@ -6308,7 +5803,31 @@
                   <a:srgbClr val="FFFFFF"/>
                 </a:solidFill>
               </a:rPr>
-              <a:t>Protocol</a:t>
+              <a:t>Client :  </a:t>
+            </a:r>
+            <a:r>
+              <a:rPr lang="en">
+                <a:solidFill>
+                  <a:schemeClr val="lt1"/>
+                </a:solidFill>
+              </a:rPr>
+              <a:t> “INCHAT” "SEND_MESSAGE" "receiver" "sender" "MESSAGE" “&lt;pesan&gt;”</a:t>
+            </a:r>
+          </a:p>
+          <a:p>
+            <a:pPr lvl="0" rtl="0">
+              <a:spcBef>
+                <a:spcPts val="0"/>
+              </a:spcBef>
+              <a:buNone/>
+            </a:pPr>
+            <a:r>
+              <a:rPr lang="en">
+                <a:solidFill>
+                  <a:srgbClr val="FFFFFF"/>
+                </a:solidFill>
+              </a:rPr>
+              <a:t>#######</a:t>
             </a:r>
           </a:p>
         </p:txBody>
@@ -6335,22 +5854,62 @@
       </p:nvGrpSpPr>
       <p:grpSpPr>
         <a:xfrm>
-          <a:off y="0" x="0"/>
-          <a:ext cy="0" cx="0"/>
-          <a:chOff y="0" x="0"/>
-          <a:chExt cy="0" cx="0"/>
+          <a:off x="0" y="0"/>
+          <a:ext cx="0" cy="0"/>
+          <a:chOff x="0" y="0"/>
+          <a:chExt cx="0" cy="0"/>
         </a:xfrm>
       </p:grpSpPr>
       <p:sp>
         <p:nvSpPr>
           <p:cNvPr id="73" name="Shape 73"/>
           <p:cNvSpPr txBox="1"/>
+          <p:nvPr>
+            <p:ph type="title"/>
+          </p:nvPr>
+        </p:nvSpPr>
+        <p:spPr>
+          <a:xfrm>
+            <a:off x="457200" y="205978"/>
+            <a:ext cx="8229600" cy="994200"/>
+          </a:xfrm>
+          <a:prstGeom prst="rect">
+            <a:avLst/>
+          </a:prstGeom>
+        </p:spPr>
+        <p:txBody>
+          <a:bodyPr anchorCtr="0" anchor="b" bIns="91425" lIns="91425" rIns="91425" tIns="91425">
+            <a:noAutofit/>
+          </a:bodyPr>
+          <a:lstStyle/>
+          <a:p>
+            <a:pPr lvl="0" rtl="0">
+              <a:spcBef>
+                <a:spcPts val="0"/>
+              </a:spcBef>
+              <a:buNone/>
+            </a:pPr>
+            <a:r>
+              <a:rPr lang="en">
+                <a:solidFill>
+                  <a:srgbClr val="FFFFFF"/>
+                </a:solidFill>
+              </a:rPr>
+              <a:t>Protocol</a:t>
+            </a:r>
+          </a:p>
+        </p:txBody>
+      </p:sp>
+      <p:sp>
+        <p:nvSpPr>
+          <p:cNvPr id="74" name="Shape 74"/>
+          <p:cNvSpPr txBox="1"/>
           <p:nvPr/>
         </p:nvSpPr>
         <p:spPr>
           <a:xfrm>
-            <a:off y="1466000" x="500350"/>
-            <a:ext cy="3000000" cx="9144000"/>
+            <a:off x="752675" y="1200175"/>
+            <a:ext cx="6312000" cy="1961999"/>
           </a:xfrm>
           <a:prstGeom prst="rect">
             <a:avLst/>
@@ -6361,12 +5920,28 @@
           </a:ln>
         </p:spPr>
         <p:txBody>
-          <a:bodyPr bIns="91425" rIns="91425" lIns="91425" tIns="91425" anchor="ctr" anchorCtr="0">
+          <a:bodyPr anchorCtr="0" anchor="ctr" bIns="91425" lIns="91425" rIns="91425" tIns="91425">
             <a:noAutofit/>
           </a:bodyPr>
           <a:lstStyle/>
           <a:p>
-            <a:pPr rtl="0" lvl="0">
+            <a:pPr lvl="0" rtl="0">
+              <a:spcBef>
+                <a:spcPts val="0"/>
+              </a:spcBef>
+              <a:buNone/>
+            </a:pPr>
+            <a:r>
+              <a:rPr lang="en">
+                <a:solidFill>
+                  <a:srgbClr val="FFFFFF"/>
+                </a:solidFill>
+              </a:rPr>
+              <a:t>——Saat pilih menu logout——</a:t>
+            </a:r>
+          </a:p>
+          <a:p>
+            <a:pPr lvl="0" rtl="0">
               <a:lnSpc>
                 <a:spcPct val="115000"/>
               </a:lnSpc>
@@ -6381,11 +5956,11 @@
                   <a:srgbClr val="FFFFFF"/>
                 </a:solidFill>
               </a:rPr>
-              <a:t>*terima</a:t>
-            </a:r>
-          </a:p>
-          <a:p>
-            <a:pPr rtl="0" lvl="0">
+              <a:t>Client : "LOGOUT", "LOGOUT_REQ", "0", "username", "NULL", "NULL"</a:t>
+            </a:r>
+          </a:p>
+          <a:p>
+            <a:pPr lvl="0" rtl="0">
               <a:lnSpc>
                 <a:spcPct val="115000"/>
               </a:lnSpc>
@@ -6397,90 +5972,22 @@
             <a:r>
               <a:rPr lang="en">
                 <a:solidFill>
+                  <a:schemeClr val="lt1"/>
+                </a:solidFill>
+              </a:rPr>
+              <a:t>SERVER :  </a:t>
+            </a:r>
+            <a:r>
+              <a:rPr lang="en">
+                <a:solidFill>
                   <a:srgbClr val="FFFFFF"/>
                 </a:solidFill>
               </a:rPr>
-              <a:t>SERVER : “INCHAT” “LOGIN_SUCCESS” "0" “&lt;Username pengirim&gt;“ “NULL” “NULL“</a:t>
-            </a:r>
-          </a:p>
-          <a:p>
-            <a:pPr rtl="0" lvl="0">
-              <a:lnSpc>
-                <a:spcPct val="115000"/>
-              </a:lnSpc>
-              <a:spcBef>
-                <a:spcPts val="0"/>
-              </a:spcBef>
-              <a:buNone/>
-            </a:pPr>
-            <a:r>
-              <a:rPr lang="en">
-                <a:solidFill>
-                  <a:srgbClr val="FFFFFF"/>
-                </a:solidFill>
-              </a:rPr>
-              <a:t>SERVER : “INCHAT” “LIST_USER_SEND” "0" “&lt;Username pengirim&gt;“ “LIST” “&lt;UsernameAllOnline&gt;“</a:t>
-            </a:r>
-          </a:p>
-          <a:p>
-            <a:pPr rtl="0" lvl="0">
-              <a:lnSpc>
-                <a:spcPct val="115000"/>
-              </a:lnSpc>
-              <a:spcBef>
-                <a:spcPts val="0"/>
-              </a:spcBef>
-              <a:buNone/>
-            </a:pPr>
-            <a:r>
-              <a:rPr lang="en">
-                <a:solidFill>
-                  <a:srgbClr val="FFFFFF"/>
-                </a:solidFill>
-              </a:rPr>
-              <a:t>Client : “INCHAT” “LIST_USER_REQ” “0” “&lt;Username pengirim&gt;” “NULL” “NULL”  looping</a:t>
-            </a:r>
-          </a:p>
-          <a:p>
-            <a:pPr rtl="0" lvl="0">
-              <a:lnSpc>
-                <a:spcPct val="115000"/>
-              </a:lnSpc>
-              <a:spcBef>
-                <a:spcPts val="0"/>
-              </a:spcBef>
-              <a:buNone/>
-            </a:pPr>
-            <a:r>
-              <a:rPr lang="en">
-                <a:solidFill>
-                  <a:srgbClr val="FFFFFF"/>
-                </a:solidFill>
-              </a:rPr>
-              <a:t>&gt; jika selesai</a:t>
-            </a:r>
-          </a:p>
-          <a:p>
-            <a:pPr rtl="0" lvl="0">
-              <a:lnSpc>
-                <a:spcPct val="115000"/>
-              </a:lnSpc>
-              <a:spcBef>
-                <a:spcPts val="0"/>
-              </a:spcBef>
-              <a:buNone/>
-            </a:pPr>
-            <a:r>
-              <a:rPr lang="en">
-                <a:solidFill>
-                  <a:srgbClr val="FFFFFF"/>
-                </a:solidFill>
-              </a:rPr>
-              <a:t>SERVER : “INCHAT” “LIST_USER_DONE” "0" “&lt;Username pengirim&gt;“ “NULL” “NULL“</a:t>
-            </a:r>
-          </a:p>
-          <a:p>
-            <a:pPr rtl="0" lvl="0">
+              <a:t>"LOGOUT", "LOGOUT_SUCCESS", "0", "0", "NULL", "NULL"</a:t>
+            </a:r>
+          </a:p>
+          <a:p>
+            <a:pPr lvl="0" rtl="0">
               <a:lnSpc>
                 <a:spcPct val="115000"/>
               </a:lnSpc>
@@ -6499,86 +6006,7 @@
             </a:endParaRPr>
           </a:p>
           <a:p>
-            <a:pPr rtl="0" lvl="0">
-              <a:lnSpc>
-                <a:spcPct val="115000"/>
-              </a:lnSpc>
-              <a:spcBef>
-                <a:spcPts val="0"/>
-              </a:spcBef>
-              <a:buNone/>
-            </a:pPr>
-            <a:r>
-              <a:rPr lang="en">
-                <a:solidFill>
-                  <a:srgbClr val="FFFFFF"/>
-                </a:solidFill>
-              </a:rPr>
-              <a:t>Client : “INCHAT” “LIST_USER_OK” “0” “&lt;Username pengirim&gt;” “NULL” “NULL”</a:t>
-            </a:r>
-          </a:p>
-          <a:p>
-            <a:pPr rtl="0" lvl="0">
-              <a:lnSpc>
-                <a:spcPct val="115000"/>
-              </a:lnSpc>
-              <a:spcBef>
-                <a:spcPts val="0"/>
-              </a:spcBef>
-              <a:buNone/>
-            </a:pPr>
-            <a:r>
-              <a:rPr lang="en">
-                <a:solidFill>
-                  <a:srgbClr val="FFFFFF"/>
-                </a:solidFill>
-              </a:rPr>
-              <a:t>*error</a:t>
-            </a:r>
-          </a:p>
-          <a:p>
-            <a:pPr rtl="0" lvl="0">
-              <a:lnSpc>
-                <a:spcPct val="115000"/>
-              </a:lnSpc>
-              <a:spcBef>
-                <a:spcPts val="0"/>
-              </a:spcBef>
-              <a:buNone/>
-            </a:pPr>
-            <a:r>
-              <a:rPr lang="en">
-                <a:solidFill>
-                  <a:srgbClr val="FFFFFF"/>
-                </a:solidFill>
-              </a:rPr>
-              <a:t>SERVER : “LOGIN” “LOGIN_FAILED” "0" “0” “NULL” “NULL“</a:t>
-            </a:r>
-          </a:p>
-          <a:p>
-            <a:pPr rtl="0">
-              <a:lnSpc>
-                <a:spcPct val="115000"/>
-              </a:lnSpc>
-              <a:spcBef>
-                <a:spcPts val="0"/>
-              </a:spcBef>
-              <a:buNone/>
-            </a:pPr>
-            <a:r>
-              <a:rPr lang="en">
-                <a:solidFill>
-                  <a:srgbClr val="FFFFFF"/>
-                </a:solidFill>
-              </a:rPr>
-              <a:t>Client : “LOGIN” “LOGIN_RETRY” "0" "0" “NULL” “NULL” back loop</a:t>
-            </a:r>
-          </a:p>
-          <a:p>
-            <a:pPr rtl="0">
-              <a:lnSpc>
-                <a:spcPct val="115000"/>
-              </a:lnSpc>
+            <a:pPr lvl="0" rtl="0">
               <a:spcBef>
                 <a:spcPts val="0"/>
               </a:spcBef>
@@ -6592,65 +6020,6 @@
                 <a:srgbClr val="FFFFFF"/>
               </a:solidFill>
             </a:endParaRPr>
-          </a:p>
-          <a:p>
-            <a:pPr rtl="0" lvl="0">
-              <a:lnSpc>
-                <a:spcPct val="115000"/>
-              </a:lnSpc>
-              <a:spcBef>
-                <a:spcPts val="0"/>
-              </a:spcBef>
-              <a:buNone/>
-            </a:pPr>
-            <a:r>
-              <a:rPr lang="en">
-                <a:solidFill>
-                  <a:srgbClr val="FFFFFF"/>
-                </a:solidFill>
-              </a:rPr>
-              <a:t>—-END MENU LOGIN—</a:t>
-            </a:r>
-          </a:p>
-        </p:txBody>
-      </p:sp>
-      <p:sp>
-        <p:nvSpPr>
-          <p:cNvPr id="74" name="Shape 74"/>
-          <p:cNvSpPr txBox="1"/>
-          <p:nvPr>
-            <p:ph type="title"/>
-          </p:nvPr>
-        </p:nvSpPr>
-        <p:spPr>
-          <a:xfrm>
-            <a:off y="205978" x="457200"/>
-            <a:ext cy="994200" cx="8229600"/>
-          </a:xfrm>
-          <a:prstGeom prst="rect">
-            <a:avLst/>
-          </a:prstGeom>
-        </p:spPr>
-        <p:txBody>
-          <a:bodyPr bIns="91425" rIns="91425" lIns="91425" tIns="91425" anchor="b" anchorCtr="0">
-            <a:noAutofit/>
-          </a:bodyPr>
-          <a:lstStyle/>
-          <a:p>
-            <a:pPr rtl="0" lvl="0">
-              <a:spcBef>
-                <a:spcPts val="0"/>
-              </a:spcBef>
-              <a:buNone/>
-            </a:pPr>
-            <a:r>
-              <a:rPr lang="en">
-                <a:solidFill>
-                  <a:srgbClr val="FFFFFF"/>
-                </a:solidFill>
-              </a:rPr>
-              <a:t>Protocol</a:t>
-            </a:r>
           </a:p>
         </p:txBody>
       </p:sp>
@@ -6676,10 +6045,10 @@
       </p:nvGrpSpPr>
       <p:grpSpPr>
         <a:xfrm>
-          <a:off y="0" x="0"/>
-          <a:ext cy="0" cx="0"/>
-          <a:chOff y="0" x="0"/>
-          <a:chExt cy="0" cx="0"/>
+          <a:off x="0" y="0"/>
+          <a:ext cx="0" cy="0"/>
+          <a:chOff x="0" y="0"/>
+          <a:chExt cx="0" cy="0"/>
         </a:xfrm>
       </p:grpSpPr>
       <p:sp>
@@ -6692,20 +6061,20 @@
         </p:nvSpPr>
         <p:spPr>
           <a:xfrm>
-            <a:off y="205978" x="457200"/>
-            <a:ext cy="994200" cx="8229600"/>
+            <a:off x="457200" y="-175021"/>
+            <a:ext cx="8229600" cy="994200"/>
           </a:xfrm>
           <a:prstGeom prst="rect">
             <a:avLst/>
           </a:prstGeom>
         </p:spPr>
         <p:txBody>
-          <a:bodyPr bIns="91425" rIns="91425" lIns="91425" tIns="91425" anchor="b" anchorCtr="0">
+          <a:bodyPr anchorCtr="0" anchor="b" bIns="91425" lIns="91425" rIns="91425" tIns="91425">
             <a:noAutofit/>
           </a:bodyPr>
           <a:lstStyle/>
           <a:p>
-            <a:pPr rtl="0" lvl="0">
+            <a:pPr>
               <a:spcBef>
                 <a:spcPts val="0"/>
               </a:spcBef>
@@ -6717,81 +6086,86 @@
                   <a:srgbClr val="FFFFFF"/>
                 </a:solidFill>
               </a:rPr>
-              <a:t>Protocol</a:t>
+              <a:t>Algorithm</a:t>
             </a:r>
           </a:p>
         </p:txBody>
       </p:sp>
-      <p:sp>
-        <p:nvSpPr>
+      <p:pic>
+        <p:nvPicPr>
           <p:cNvPr id="80" name="Shape 80"/>
-          <p:cNvSpPr txBox="1"/>
+          <p:cNvPicPr preferRelativeResize="0"/>
           <p:nvPr/>
-        </p:nvSpPr>
+        </p:nvPicPr>
+        <p:blipFill>
+          <a:blip r:embed="rId3">
+            <a:alphaModFix/>
+          </a:blip>
+          <a:stretch>
+            <a:fillRect/>
+          </a:stretch>
+        </p:blipFill>
         <p:spPr>
           <a:xfrm>
-            <a:off y="1330300" x="187000"/>
-            <a:ext cy="1653300" cx="9193500"/>
+            <a:off x="4909350" y="1145125"/>
+            <a:ext cx="3915324" cy="3205399"/>
           </a:xfrm>
           <a:prstGeom prst="rect">
             <a:avLst/>
           </a:prstGeom>
           <a:noFill/>
-          <a:ln>
-            <a:noFill/>
+          <a:ln cap="flat" w="9525">
+            <a:solidFill>
+              <a:srgbClr val="2C2C2C"/>
+            </a:solidFill>
+            <a:prstDash val="solid"/>
+            <a:miter/>
+            <a:headEnd len="med" w="med" type="none"/>
+            <a:tailEnd len="med" w="med" type="none"/>
           </a:ln>
         </p:spPr>
+      </p:pic>
+      <p:sp>
+        <p:nvSpPr>
+          <p:cNvPr id="81" name="Shape 81"/>
+          <p:cNvSpPr txBox="1"/>
+          <p:nvPr>
+            <p:ph idx="1" type="body"/>
+          </p:nvPr>
+        </p:nvSpPr>
+        <p:spPr>
+          <a:xfrm>
+            <a:off x="348875" y="971575"/>
+            <a:ext cx="4177800" cy="3852599"/>
+          </a:xfrm>
+          <a:prstGeom prst="rect">
+            <a:avLst/>
+          </a:prstGeom>
+        </p:spPr>
         <p:txBody>
-          <a:bodyPr bIns="91425" rIns="91425" lIns="91425" tIns="91425" anchor="ctr" anchorCtr="0">
+          <a:bodyPr anchorCtr="0" anchor="t" bIns="91425" lIns="91425" rIns="91425" tIns="91425">
             <a:noAutofit/>
           </a:bodyPr>
           <a:lstStyle/>
           <a:p>
-            <a:pPr rtl="0" lvl="0">
-              <a:spcBef>
-                <a:spcPts val="0"/>
-              </a:spcBef>
-              <a:buNone/>
-            </a:pPr>
-            <a:r>
-              <a:rPr lang="en">
+            <a:pPr indent="-355600" lvl="0" marL="457200">
+              <a:spcBef>
+                <a:spcPts val="0"/>
+              </a:spcBef>
+              <a:buClr>
+                <a:srgbClr val="FFFFFF"/>
+              </a:buClr>
+              <a:buSzPct val="100000"/>
+              <a:buFont typeface="Arial"/>
+              <a:buChar char="●"/>
+            </a:pPr>
+            <a:r>
+              <a:rPr lang="en" sz="2000">
                 <a:solidFill>
                   <a:srgbClr val="FFFFFF"/>
                 </a:solidFill>
               </a:rPr>
-              <a:t>—-Saat di chat—-</a:t>
-            </a:r>
-          </a:p>
-          <a:p>
-            <a:pPr rtl="0" lvl="0">
-              <a:spcBef>
-                <a:spcPts val="0"/>
-              </a:spcBef>
-              <a:buNone/>
-            </a:pPr>
-            <a:r>
-              <a:rPr lang="en">
-                <a:solidFill>
-                  <a:srgbClr val="FFFFFF"/>
-                </a:solidFill>
-              </a:rPr>
-              <a:t>Client : “INCHAT” “SEND_MESSAGE” “&lt;receiver’s username&gt;“ “&lt;sender’s username&gt;“ “STRING” “&lt;Pesan&gt;”</a:t>
-            </a:r>
-          </a:p>
-          <a:p>
-            <a:pPr rtl="0" lvl="0">
-              <a:spcBef>
-                <a:spcPts val="0"/>
-              </a:spcBef>
-              <a:buNone/>
-            </a:pPr>
-            <a:r>
-              <a:rPr lang="en">
-                <a:solidFill>
-                  <a:srgbClr val="FFFFFF"/>
-                </a:solidFill>
-              </a:rPr>
-              <a:t>SERVER : ^ meneruskan</a:t>
+              <a:t>Aplikasi chat ini menggunakan enkripsi RC4 karena algoritma tersebut adalah algoritma yang simpel,cepat, dan mudah diimplementasikan untuk stream cipher</a:t>
             </a:r>
           </a:p>
         </p:txBody>
@@ -6812,21 +6186,61 @@
   <p:cSld>
     <p:spTree>
       <p:nvGrpSpPr>
-        <p:cNvPr id="84" name="Shape 84"/>
+        <p:cNvPr id="85" name="Shape 85"/>
         <p:cNvGrpSpPr/>
         <p:nvPr/>
       </p:nvGrpSpPr>
       <p:grpSpPr>
         <a:xfrm>
-          <a:off y="0" x="0"/>
-          <a:ext cy="0" cx="0"/>
-          <a:chOff y="0" x="0"/>
-          <a:chExt cy="0" cx="0"/>
+          <a:off x="0" y="0"/>
+          <a:ext cx="0" cy="0"/>
+          <a:chOff x="0" y="0"/>
+          <a:chExt cx="0" cy="0"/>
         </a:xfrm>
       </p:grpSpPr>
       <p:sp>
         <p:nvSpPr>
-          <p:cNvPr id="85" name="Shape 85"/>
+          <p:cNvPr id="86" name="Shape 86"/>
+          <p:cNvSpPr txBox="1"/>
+          <p:nvPr>
+            <p:ph idx="1" type="body"/>
+          </p:nvPr>
+        </p:nvSpPr>
+        <p:spPr>
+          <a:xfrm>
+            <a:off x="457200" y="1244242"/>
+            <a:ext cx="8229600" cy="3630300"/>
+          </a:xfrm>
+          <a:prstGeom prst="rect">
+            <a:avLst/>
+          </a:prstGeom>
+        </p:spPr>
+        <p:txBody>
+          <a:bodyPr anchorCtr="0" anchor="t" bIns="91425" lIns="91425" rIns="91425" tIns="91425">
+            <a:noAutofit/>
+          </a:bodyPr>
+          <a:lstStyle/>
+          <a:p>
+            <a:pPr>
+              <a:spcBef>
+                <a:spcPts val="0"/>
+              </a:spcBef>
+              <a:buNone/>
+            </a:pPr>
+            <a:r>
+              <a:rPr lang="en">
+                <a:solidFill>
+                  <a:srgbClr val="FFFFFF"/>
+                </a:solidFill>
+              </a:rPr>
+              <a:t>Teknik Pseudorandom generator yang diterapkan pada RC4 adalah algoritma Mersenne Twister </a:t>
+            </a:r>
+          </a:p>
+        </p:txBody>
+      </p:sp>
+      <p:sp>
+        <p:nvSpPr>
+          <p:cNvPr id="87" name="Shape 87"/>
           <p:cNvSpPr txBox="1"/>
           <p:nvPr>
             <p:ph type="title"/>
@@ -6834,15 +6248,15 @@
         </p:nvSpPr>
         <p:spPr>
           <a:xfrm>
-            <a:off y="-175021" x="457200"/>
-            <a:ext cy="994200" cx="8229600"/>
+            <a:off x="457200" y="205978"/>
+            <a:ext cx="8229600" cy="994200"/>
           </a:xfrm>
           <a:prstGeom prst="rect">
             <a:avLst/>
           </a:prstGeom>
         </p:spPr>
         <p:txBody>
-          <a:bodyPr bIns="91425" rIns="91425" lIns="91425" tIns="91425" anchor="b" anchorCtr="0">
+          <a:bodyPr anchorCtr="0" anchor="b" bIns="91425" lIns="91425" rIns="91425" tIns="91425">
             <a:noAutofit/>
           </a:bodyPr>
           <a:lstStyle/>
@@ -6859,86 +6273,7 @@
                   <a:srgbClr val="FFFFFF"/>
                 </a:solidFill>
               </a:rPr>
-              <a:t>RC4 Algorithm</a:t>
-            </a:r>
-          </a:p>
-        </p:txBody>
-      </p:sp>
-      <p:pic>
-        <p:nvPicPr>
-          <p:cNvPr id="86" name="Shape 86"/>
-          <p:cNvPicPr preferRelativeResize="0"/>
-          <p:nvPr/>
-        </p:nvPicPr>
-        <p:blipFill>
-          <a:blip r:embed="rId3">
-            <a:alphaModFix/>
-          </a:blip>
-          <a:stretch>
-            <a:fillRect/>
-          </a:stretch>
-        </p:blipFill>
-        <p:spPr>
-          <a:xfrm>
-            <a:off y="1145125" x="4909350"/>
-            <a:ext cy="3205399" cx="3915324"/>
-          </a:xfrm>
-          <a:prstGeom prst="rect">
-            <a:avLst/>
-          </a:prstGeom>
-          <a:noFill/>
-          <a:ln w="9525" cap="flat">
-            <a:solidFill>
-              <a:srgbClr val="2C2C2C"/>
-            </a:solidFill>
-            <a:prstDash val="solid"/>
-            <a:miter/>
-            <a:headEnd w="med" len="med" type="none"/>
-            <a:tailEnd w="med" len="med" type="none"/>
-          </a:ln>
-        </p:spPr>
-      </p:pic>
-      <p:sp>
-        <p:nvSpPr>
-          <p:cNvPr id="87" name="Shape 87"/>
-          <p:cNvSpPr txBox="1"/>
-          <p:nvPr>
-            <p:ph idx="1" type="body"/>
-          </p:nvPr>
-        </p:nvSpPr>
-        <p:spPr>
-          <a:xfrm>
-            <a:off y="971575" x="348875"/>
-            <a:ext cy="3852599" cx="4177800"/>
-          </a:xfrm>
-          <a:prstGeom prst="rect">
-            <a:avLst/>
-          </a:prstGeom>
-        </p:spPr>
-        <p:txBody>
-          <a:bodyPr bIns="91425" rIns="91425" lIns="91425" tIns="91425" anchor="t" anchorCtr="0">
-            <a:noAutofit/>
-          </a:bodyPr>
-          <a:lstStyle/>
-          <a:p>
-            <a:pPr lvl="0" indent="-355600" marL="457200">
-              <a:spcBef>
-                <a:spcPts val="0"/>
-              </a:spcBef>
-              <a:buClr>
-                <a:srgbClr val="FFFFFF"/>
-              </a:buClr>
-              <a:buSzPct val="100000"/>
-              <a:buFont typeface="Arial"/>
-              <a:buChar char="●"/>
-            </a:pPr>
-            <a:r>
-              <a:rPr sz="2000" lang="en">
-                <a:solidFill>
-                  <a:srgbClr val="FFFFFF"/>
-                </a:solidFill>
-              </a:rPr>
-              <a:t>Aplikasi chat ini menggunakan enkripsi RC4 karena algoritma tersebut adalah algoritma yang simpel dan cepat untuk stream cipher</a:t>
+              <a:t>Pseudorandom</a:t>
             </a:r>
           </a:p>
         </p:txBody>
@@ -6965,10 +6300,10 @@
       </p:nvGrpSpPr>
       <p:grpSpPr>
         <a:xfrm>
-          <a:off y="0" x="0"/>
-          <a:ext cy="0" cx="0"/>
-          <a:chOff y="0" x="0"/>
-          <a:chExt cy="0" cx="0"/>
+          <a:off x="0" y="0"/>
+          <a:ext cx="0" cy="0"/>
+          <a:chOff x="0" y="0"/>
+          <a:chExt cx="0" cy="0"/>
         </a:xfrm>
       </p:grpSpPr>
       <p:sp>
@@ -6981,20 +6316,20 @@
         </p:nvSpPr>
         <p:spPr>
           <a:xfrm>
-            <a:off y="460800" x="457200"/>
-            <a:ext cy="4517400" cx="5644500"/>
+            <a:off x="457200" y="1244242"/>
+            <a:ext cx="8229600" cy="3630300"/>
           </a:xfrm>
           <a:prstGeom prst="rect">
             <a:avLst/>
           </a:prstGeom>
         </p:spPr>
         <p:txBody>
-          <a:bodyPr bIns="91425" rIns="91425" lIns="91425" tIns="91425" anchor="t" anchorCtr="0">
+          <a:bodyPr anchorCtr="0" anchor="t" bIns="91425" lIns="91425" rIns="91425" tIns="91425">
             <a:noAutofit/>
           </a:bodyPr>
           <a:lstStyle/>
           <a:p>
-            <a:pPr rtl="0" lvl="0" indent="-355600" marL="457200">
+            <a:pPr indent="-381000" lvl="0" marL="457200" rtl="0">
               <a:spcBef>
                 <a:spcPts val="0"/>
               </a:spcBef>
@@ -7006,50 +6341,16 @@
               <a:buChar char="●"/>
             </a:pPr>
             <a:r>
-              <a:rPr sz="2000" lang="en">
+              <a:rPr lang="en" sz="2400">
                 <a:solidFill>
                   <a:srgbClr val="FFFFFF"/>
                 </a:solidFill>
               </a:rPr>
-              <a:t>Proses Inisialisasi S-Box(Array S)</a:t>
-            </a:r>
-          </a:p>
-          <a:p>
-            <a:pPr rtl="0" lvl="0" indent="-228600" marL="914400">
-              <a:spcBef>
-                <a:spcPts val="0"/>
-              </a:spcBef>
-              <a:buSzPct val="142857"/>
-              <a:buNone/>
-            </a:pPr>
-            <a:r>
-              <a:rPr sz="1400" lang="en">
-                <a:solidFill>
-                  <a:srgbClr val="FFFFFF"/>
-                </a:solidFill>
-              </a:rPr>
-              <a:t>for  i = 0 to 255</a:t>
-            </a:r>
-          </a:p>
-          <a:p>
-            <a:pPr rtl="0" lvl="0" indent="-228600" marL="1371600">
-              <a:spcBef>
-                <a:spcPts val="0"/>
-              </a:spcBef>
-              <a:buSzPct val="142857"/>
-              <a:buNone/>
-            </a:pPr>
-            <a:r>
-              <a:rPr sz="1400" lang="en">
-                <a:solidFill>
-                  <a:srgbClr val="FFFFFF"/>
-                </a:solidFill>
-              </a:rPr>
-              <a:t>S[i] = i</a:t>
-            </a:r>
-          </a:p>
-          <a:p>
-            <a:pPr rtl="0" lvl="0" indent="-355600" marL="457200">
+              <a:t>Semua isi dalam format protokol ( username, password, dan konten pesan ) akan di-enkripsi.</a:t>
+            </a:r>
+          </a:p>
+          <a:p>
+            <a:pPr indent="-381000" lvl="0" marL="457200" rtl="0">
               <a:spcBef>
                 <a:spcPts val="0"/>
               </a:spcBef>
@@ -7061,64 +6362,16 @@
               <a:buChar char="●"/>
             </a:pPr>
             <a:r>
-              <a:rPr sz="2000" lang="en">
+              <a:rPr lang="en" sz="2400">
                 <a:solidFill>
                   <a:srgbClr val="FFFFFF"/>
                 </a:solidFill>
               </a:rPr>
-              <a:t>Proses Inisialisasi S-Box (Array K)</a:t>
-            </a:r>
-          </a:p>
-          <a:p>
-            <a:pPr rtl="0" indent="0" marL="457200">
-              <a:spcBef>
-                <a:spcPts val="0"/>
-              </a:spcBef>
-              <a:buNone/>
-            </a:pPr>
-            <a:r>
-              <a:rPr sz="1400" lang="en">
-                <a:solidFill>
-                  <a:srgbClr val="FFFFFF"/>
-                </a:solidFill>
-              </a:rPr>
-              <a:t>array Kunci // Array dengan panjang kunci “length”.</a:t>
-            </a:r>
-          </a:p>
-          <a:p>
-            <a:pPr rtl="0" indent="0" marL="457200">
-              <a:spcBef>
-                <a:spcPts val="0"/>
-              </a:spcBef>
-              <a:buNone/>
-            </a:pPr>
-            <a:r>
-              <a:rPr sz="1400" lang="en">
-                <a:solidFill>
-                  <a:srgbClr val="FFFFFF"/>
-                </a:solidFill>
-              </a:rPr>
-              <a:t>for i = 0 to 255</a:t>
-            </a:r>
-          </a:p>
-          <a:p>
-            <a:pPr rtl="0" indent="457200" marL="457200">
-              <a:spcBef>
-                <a:spcPts val="0"/>
-              </a:spcBef>
-              <a:buNone/>
-            </a:pPr>
-            <a:r>
-              <a:rPr sz="1400" lang="en">
-                <a:solidFill>
-                  <a:srgbClr val="FFFFFF"/>
-                </a:solidFill>
-              </a:rPr>
-              <a:t>K[i] = Kunci [i mod length]</a:t>
-            </a:r>
-          </a:p>
-          <a:p>
-            <a:pPr rtl="0" lvl="0" indent="-355600" marL="457200">
+              <a:t>Khusus untuk password, akan di-hash dengan menggunakan SHA</a:t>
+            </a:r>
+          </a:p>
+          <a:p>
+            <a:pPr indent="-381000" lvl="0" marL="457200" rtl="0">
               <a:spcBef>
                 <a:spcPts val="0"/>
               </a:spcBef>
@@ -7130,215 +6383,35 @@
               <a:buChar char="●"/>
             </a:pPr>
             <a:r>
-              <a:rPr sz="2000" lang="en">
+              <a:rPr lang="en" sz="2400">
                 <a:solidFill>
                   <a:srgbClr val="FFFFFF"/>
                 </a:solidFill>
               </a:rPr>
-              <a:t>Proses Pengacakan S-Box</a:t>
-            </a:r>
-          </a:p>
-          <a:p>
-            <a:pPr rtl="0" indent="0" marL="457200">
-              <a:spcBef>
-                <a:spcPts val="0"/>
-              </a:spcBef>
-              <a:buNone/>
-            </a:pPr>
-            <a:r>
-              <a:rPr sz="1400" lang="en">
+              <a:t>Proses enkripsi dimulai dari client pengirim. Setelah sampai di server, pesan akan didekripsi dan dienkripsi lagi. Kemudian setelah sampai di client penerima, pesan akan didekripsi.</a:t>
+            </a:r>
+          </a:p>
+          <a:p>
+            <a:pPr lvl="0">
+              <a:spcBef>
+                <a:spcPts val="0"/>
+              </a:spcBef>
+              <a:buNone/>
+            </a:pPr>
+            <a:br>
+              <a:rPr lang="en" sz="2400">
                 <a:solidFill>
                   <a:srgbClr val="FFFFFF"/>
                 </a:solidFill>
               </a:rPr>
-              <a:t>i = 0; j = 0;</a:t>
-            </a:r>
-          </a:p>
-          <a:p>
-            <a:pPr rtl="0" indent="0" marL="457200">
-              <a:spcBef>
-                <a:spcPts val="0"/>
-              </a:spcBef>
-              <a:buNone/>
-            </a:pPr>
-            <a:r>
-              <a:rPr sz="1400" lang="en">
+            </a:br>
+            <a:br>
+              <a:rPr lang="en" sz="2400">
                 <a:solidFill>
                   <a:srgbClr val="FFFFFF"/>
                 </a:solidFill>
               </a:rPr>
-              <a:t>for i = 0 to 255 {</a:t>
-            </a:r>
-          </a:p>
-          <a:p>
-            <a:pPr rtl="0" indent="0" marL="914400">
-              <a:spcBef>
-                <a:spcPts val="0"/>
-              </a:spcBef>
-              <a:buNone/>
-            </a:pPr>
-            <a:r>
-              <a:rPr sz="1400" lang="en">
-                <a:solidFill>
-                  <a:srgbClr val="FFFFFF"/>
-                </a:solidFill>
-              </a:rPr>
-              <a:t>j = (j + S[i] + K[i]) mod 255</a:t>
-            </a:r>
-          </a:p>
-          <a:p>
-            <a:pPr rtl="0" indent="0" marL="914400">
-              <a:spcBef>
-                <a:spcPts val="0"/>
-              </a:spcBef>
-              <a:buNone/>
-            </a:pPr>
-            <a:r>
-              <a:rPr sz="1400" lang="en">
-                <a:solidFill>
-                  <a:srgbClr val="FFFFFF"/>
-                </a:solidFill>
-              </a:rPr>
-              <a:t>Swap S[i] dan S[j]</a:t>
-            </a:r>
-          </a:p>
-          <a:p>
-            <a:pPr rtl="0" indent="0" marL="457200">
-              <a:spcBef>
-                <a:spcPts val="0"/>
-              </a:spcBef>
-              <a:buNone/>
-            </a:pPr>
-            <a:r>
-              <a:rPr sz="1400" lang="en">
-                <a:solidFill>
-                  <a:srgbClr val="FFFFFF"/>
-                </a:solidFill>
-              </a:rPr>
-              <a:t>}</a:t>
-            </a:r>
-          </a:p>
-          <a:p>
-            <a:pPr rtl="0" lvl="0" indent="-355600" marL="457200">
-              <a:spcBef>
-                <a:spcPts val="0"/>
-              </a:spcBef>
-              <a:buClr>
-                <a:srgbClr val="FFFFFF"/>
-              </a:buClr>
-              <a:buSzPct val="100000"/>
-              <a:buFont typeface="Arial"/>
-              <a:buChar char="●"/>
-            </a:pPr>
-            <a:r>
-              <a:rPr sz="2000" lang="en">
-                <a:solidFill>
-                  <a:srgbClr val="FFFFFF"/>
-                </a:solidFill>
-              </a:rPr>
-              <a:t>Pseudo Random Byte</a:t>
-            </a:r>
-          </a:p>
-          <a:p>
-            <a:pPr rtl="0" lvl="0" indent="-228600" marL="914400">
-              <a:spcBef>
-                <a:spcPts val="0"/>
-              </a:spcBef>
-              <a:buSzPct val="142857"/>
-              <a:buNone/>
-            </a:pPr>
-            <a:r>
-              <a:rPr sz="1400" lang="en">
-                <a:solidFill>
-                  <a:srgbClr val="FFFFFF"/>
-                </a:solidFill>
-              </a:rPr>
-              <a:t>i = (i + 1) mod 255</a:t>
-            </a:r>
-          </a:p>
-          <a:p>
-            <a:pPr rtl="0" lvl="0" indent="-228600" marL="914400">
-              <a:spcBef>
-                <a:spcPts val="0"/>
-              </a:spcBef>
-              <a:buSzPct val="142857"/>
-              <a:buNone/>
-            </a:pPr>
-            <a:r>
-              <a:rPr sz="1400" lang="en">
-                <a:solidFill>
-                  <a:srgbClr val="FFFFFF"/>
-                </a:solidFill>
-              </a:rPr>
-              <a:t>j = (j + S[i] mod 255</a:t>
-            </a:r>
-          </a:p>
-          <a:p>
-            <a:pPr rtl="0" lvl="0" indent="-228600" marL="914400">
-              <a:spcBef>
-                <a:spcPts val="0"/>
-              </a:spcBef>
-              <a:buSzPct val="142857"/>
-              <a:buNone/>
-            </a:pPr>
-            <a:r>
-              <a:rPr sz="1400" lang="en">
-                <a:solidFill>
-                  <a:srgbClr val="FFFFFF"/>
-                </a:solidFill>
-              </a:rPr>
-              <a:t>swap S[i] dan S[j]</a:t>
-            </a:r>
-          </a:p>
-          <a:p>
-            <a:pPr rtl="0" lvl="0" indent="-228600" marL="914400">
-              <a:spcBef>
-                <a:spcPts val="0"/>
-              </a:spcBef>
-              <a:buSzPct val="142857"/>
-              <a:buNone/>
-            </a:pPr>
-            <a:r>
-              <a:rPr sz="1400" lang="en">
-                <a:solidFill>
-                  <a:srgbClr val="FFFFFF"/>
-                </a:solidFill>
-              </a:rPr>
-              <a:t>t = (S[i] + S[j] mod 255</a:t>
-            </a:r>
-          </a:p>
-          <a:p>
-            <a:pPr rtl="0" lvl="0" indent="-228600" marL="914400">
-              <a:spcBef>
-                <a:spcPts val="0"/>
-              </a:spcBef>
-              <a:buSzPct val="142857"/>
-              <a:buNone/>
-            </a:pPr>
-            <a:r>
-              <a:rPr sz="1400" lang="en">
-                <a:solidFill>
-                  <a:srgbClr val="FFFFFF"/>
-                </a:solidFill>
-              </a:rPr>
-              <a:t>K = S[t]</a:t>
-            </a:r>
-          </a:p>
-          <a:p>
-            <a:pPr lvl="0">
-              <a:spcBef>
-                <a:spcPts val="0"/>
-              </a:spcBef>
-              <a:buNone/>
-            </a:pPr>
-            <a:r>
-              <a:t/>
-            </a:r>
-            <a:endParaRPr sz="2000">
-              <a:solidFill>
-                <a:srgbClr val="FFFFFF"/>
-              </a:solidFill>
-            </a:endParaRPr>
+            </a:br>
           </a:p>
         </p:txBody>
       </p:sp>
@@ -7352,15 +6425,15 @@
         </p:nvSpPr>
         <p:spPr>
           <a:xfrm>
-            <a:off y="-380996" x="457200"/>
-            <a:ext cy="994200" cx="8229600"/>
+            <a:off x="457200" y="205978"/>
+            <a:ext cx="8229600" cy="994200"/>
           </a:xfrm>
           <a:prstGeom prst="rect">
             <a:avLst/>
           </a:prstGeom>
         </p:spPr>
         <p:txBody>
-          <a:bodyPr bIns="91425" rIns="91425" lIns="91425" tIns="91425" anchor="b" anchorCtr="0">
+          <a:bodyPr anchorCtr="0" anchor="b" bIns="91425" lIns="91425" rIns="91425" tIns="91425">
             <a:noAutofit/>
           </a:bodyPr>
           <a:lstStyle/>
@@ -7372,54 +6445,12 @@
               <a:buNone/>
             </a:pPr>
             <a:r>
-              <a:rPr sz="3600" lang="en">
+              <a:rPr lang="en">
                 <a:solidFill>
                   <a:srgbClr val="FFFFFF"/>
                 </a:solidFill>
               </a:rPr>
-              <a:t>Alur Algoritma RC4</a:t>
-            </a:r>
-          </a:p>
-        </p:txBody>
-      </p:sp>
-      <p:sp>
-        <p:nvSpPr>
-          <p:cNvPr id="94" name="Shape 94"/>
-          <p:cNvSpPr txBox="1"/>
-          <p:nvPr/>
-        </p:nvSpPr>
-        <p:spPr>
-          <a:xfrm>
-            <a:off y="3821700" x="4769050"/>
-            <a:ext cy="1156500" cx="4273199"/>
-          </a:xfrm>
-          <a:prstGeom prst="rect">
-            <a:avLst/>
-          </a:prstGeom>
-          <a:noFill/>
-          <a:ln>
-            <a:noFill/>
-          </a:ln>
-        </p:spPr>
-        <p:txBody>
-          <a:bodyPr bIns="91425" rIns="91425" lIns="91425" tIns="91425" anchor="t" anchorCtr="0">
-            <a:noAutofit/>
-          </a:bodyPr>
-          <a:lstStyle/>
-          <a:p>
-            <a:pPr>
-              <a:spcBef>
-                <a:spcPts val="0"/>
-              </a:spcBef>
-              <a:buNone/>
-            </a:pPr>
-            <a:r>
-              <a:rPr sz="2000" lang="en">
-                <a:solidFill>
-                  <a:srgbClr val="FFFFFF"/>
-                </a:solidFill>
-              </a:rPr>
-              <a:t>Kemudian byte K di-XOR kan dengan plaintext untuk menghasilkan ciphertext</a:t>
+              <a:t>Things to be Encrypted</a:t>
             </a:r>
           </a:p>
         </p:txBody>
@@ -7440,21 +6471,21 @@
   <p:cSld>
     <p:spTree>
       <p:nvGrpSpPr>
-        <p:cNvPr id="98" name="Shape 98"/>
+        <p:cNvPr id="97" name="Shape 97"/>
         <p:cNvGrpSpPr/>
         <p:nvPr/>
       </p:nvGrpSpPr>
       <p:grpSpPr>
         <a:xfrm>
-          <a:off y="0" x="0"/>
-          <a:ext cy="0" cx="0"/>
-          <a:chOff y="0" x="0"/>
-          <a:chExt cy="0" cx="0"/>
+          <a:off x="0" y="0"/>
+          <a:ext cx="0" cy="0"/>
+          <a:chOff x="0" y="0"/>
+          <a:chExt cx="0" cy="0"/>
         </a:xfrm>
       </p:grpSpPr>
       <p:sp>
         <p:nvSpPr>
-          <p:cNvPr id="99" name="Shape 99"/>
+          <p:cNvPr id="98" name="Shape 98"/>
           <p:cNvSpPr txBox="1"/>
           <p:nvPr>
             <p:ph idx="1" type="body"/>
@@ -7462,76 +6493,119 @@
         </p:nvSpPr>
         <p:spPr>
           <a:xfrm>
-            <a:off y="1244242" x="457200"/>
-            <a:ext cy="3630300" cx="8229600"/>
+            <a:off x="457200" y="863250"/>
+            <a:ext cx="5398499" cy="3630300"/>
           </a:xfrm>
           <a:prstGeom prst="rect">
             <a:avLst/>
           </a:prstGeom>
         </p:spPr>
         <p:txBody>
-          <a:bodyPr bIns="91425" rIns="91425" lIns="91425" tIns="91425" anchor="t" anchorCtr="0">
+          <a:bodyPr anchorCtr="0" anchor="t" bIns="91425" lIns="91425" rIns="91425" tIns="91425">
             <a:noAutofit/>
           </a:bodyPr>
           <a:lstStyle/>
           <a:p>
-            <a:pPr>
-              <a:spcBef>
-                <a:spcPts val="0"/>
-              </a:spcBef>
-              <a:buNone/>
-            </a:pPr>
-            <a:r>
-              <a:rPr lang="en">
+            <a:pPr indent="-342900" lvl="0" marL="457200" rtl="0" algn="just">
+              <a:lnSpc>
+                <a:spcPct val="115000"/>
+              </a:lnSpc>
+              <a:spcBef>
+                <a:spcPts val="0"/>
+              </a:spcBef>
+              <a:buClr>
+                <a:srgbClr val="FFFFFF"/>
+              </a:buClr>
+              <a:buSzPct val="100000"/>
+              <a:buFont typeface="Arial"/>
+              <a:buChar char="●"/>
+            </a:pPr>
+            <a:r>
+              <a:rPr lang="en" sz="1800">
                 <a:solidFill>
                   <a:srgbClr val="FFFFFF"/>
                 </a:solidFill>
               </a:rPr>
-              <a:t>Semua isi dalam format protokol akan di enkripsi menggunakan RC4</a:t>
-            </a:r>
-            <a:br>
-              <a:rPr lang="en">
+              <a:t>Menggunakan algoritma Diffie-Helman untuk meng-generate key dalam enkripsi pesannya</a:t>
+            </a:r>
+          </a:p>
+          <a:p>
+            <a:pPr indent="-342900" lvl="0" marL="457200" rtl="0" algn="just">
+              <a:lnSpc>
+                <a:spcPct val="115000"/>
+              </a:lnSpc>
+              <a:spcBef>
+                <a:spcPts val="0"/>
+              </a:spcBef>
+              <a:buClr>
+                <a:srgbClr val="FFFFFF"/>
+              </a:buClr>
+              <a:buSzPct val="100000"/>
+              <a:buFont typeface="Arial"/>
+              <a:buChar char="●"/>
+            </a:pPr>
+            <a:r>
+              <a:rPr lang="en" sz="1800">
                 <a:solidFill>
                   <a:srgbClr val="FFFFFF"/>
                 </a:solidFill>
               </a:rPr>
-            </a:br>
-            <a:br>
-              <a:rPr lang="en">
+              <a:t>Tiap user dalam aplikasi memiliki 1 private key, kemudian pada masing-masing user akan mengkalkulasikan private key-nya untuk memperoleh public key</a:t>
+            </a:r>
+          </a:p>
+          <a:p>
+            <a:pPr indent="-342900" lvl="0" marL="457200" rtl="0" algn="just">
+              <a:lnSpc>
+                <a:spcPct val="115000"/>
+              </a:lnSpc>
+              <a:spcBef>
+                <a:spcPts val="0"/>
+              </a:spcBef>
+              <a:buClr>
+                <a:srgbClr val="FFFFFF"/>
+              </a:buClr>
+              <a:buSzPct val="100000"/>
+              <a:buFont typeface="Arial"/>
+              <a:buChar char="●"/>
+            </a:pPr>
+            <a:r>
+              <a:rPr lang="en" sz="1800">
                 <a:solidFill>
                   <a:srgbClr val="FFFFFF"/>
                 </a:solidFill>
               </a:rPr>
-            </a:br>
-            <a:r>
-              <a:rPr lang="en">
+              <a:t>Public key ini akan di-share satu sama lain</a:t>
+            </a:r>
+          </a:p>
+          <a:p>
+            <a:pPr indent="-342900" lvl="0" marL="457200" rtl="0" algn="just">
+              <a:lnSpc>
+                <a:spcPct val="115000"/>
+              </a:lnSpc>
+              <a:spcBef>
+                <a:spcPts val="0"/>
+              </a:spcBef>
+              <a:buClr>
+                <a:srgbClr val="FFFFFF"/>
+              </a:buClr>
+              <a:buSzPct val="100000"/>
+              <a:buFont typeface="Arial"/>
+              <a:buChar char="●"/>
+            </a:pPr>
+            <a:r>
+              <a:rPr lang="en" sz="1800">
                 <a:solidFill>
                   <a:srgbClr val="FFFFFF"/>
                 </a:solidFill>
               </a:rPr>
-              <a:t>optional :</a:t>
-            </a:r>
-            <a:br>
-              <a:rPr lang="en">
-                <a:solidFill>
-                  <a:srgbClr val="FFFFFF"/>
-                </a:solidFill>
-              </a:rPr>
-            </a:br>
-            <a:r>
-              <a:rPr lang="en">
-                <a:solidFill>
-                  <a:srgbClr val="FFFFFF"/>
-                </a:solidFill>
-              </a:rPr>
-              <a:t>data password yang disimpan</a:t>
+              <a:t>Shared secret key akan digunakan sebagai seed untuk generate key enkripsi.</a:t>
             </a:r>
           </a:p>
         </p:txBody>
       </p:sp>
       <p:sp>
         <p:nvSpPr>
-          <p:cNvPr id="100" name="Shape 100"/>
+          <p:cNvPr id="99" name="Shape 99"/>
           <p:cNvSpPr txBox="1"/>
           <p:nvPr>
             <p:ph type="title"/>
@@ -7539,15 +6613,15 @@
         </p:nvSpPr>
         <p:spPr>
           <a:xfrm>
-            <a:off y="205978" x="457200"/>
-            <a:ext cy="994200" cx="8229600"/>
+            <a:off x="457200" y="-22621"/>
+            <a:ext cx="8229600" cy="994200"/>
           </a:xfrm>
           <a:prstGeom prst="rect">
             <a:avLst/>
           </a:prstGeom>
         </p:spPr>
         <p:txBody>
-          <a:bodyPr bIns="91425" rIns="91425" lIns="91425" tIns="91425" anchor="b" anchorCtr="0">
+          <a:bodyPr anchorCtr="0" anchor="b" bIns="91425" lIns="91425" rIns="91425" tIns="91425">
             <a:noAutofit/>
           </a:bodyPr>
           <a:lstStyle/>
@@ -7564,11 +6638,39 @@
                   <a:srgbClr val="FFFFFF"/>
                 </a:solidFill>
               </a:rPr>
-              <a:t>Things to be Encrypted</a:t>
+              <a:t>Distributing the Key</a:t>
             </a:r>
           </a:p>
         </p:txBody>
       </p:sp>
+      <p:pic>
+        <p:nvPicPr>
+          <p:cNvPr id="100" name="Shape 100"/>
+          <p:cNvPicPr preferRelativeResize="0"/>
+          <p:nvPr/>
+        </p:nvPicPr>
+        <p:blipFill>
+          <a:blip r:embed="rId3">
+            <a:alphaModFix/>
+          </a:blip>
+          <a:stretch>
+            <a:fillRect/>
+          </a:stretch>
+        </p:blipFill>
+        <p:spPr>
+          <a:xfrm>
+            <a:off x="5855800" y="-22625"/>
+            <a:ext cx="3265275" cy="4901725"/>
+          </a:xfrm>
+          <a:prstGeom prst="rect">
+            <a:avLst/>
+          </a:prstGeom>
+          <a:noFill/>
+          <a:ln>
+            <a:noFill/>
+          </a:ln>
+        </p:spPr>
+      </p:pic>
     </p:spTree>
   </p:cSld>
   <p:clrMapOvr>
@@ -7626,69 +6728,69 @@
         <a:latin typeface="Arial"/>
         <a:ea typeface=""/>
         <a:cs typeface=""/>
-        <a:font typeface="ＭＳ Ｐゴシック" script="Jpan"/>
-        <a:font typeface="맑은 고딕" script="Hang"/>
-        <a:font typeface="宋体" script="Hans"/>
-        <a:font typeface="新細明體" script="Hant"/>
-        <a:font typeface="Times New Roman" script="Arab"/>
-        <a:font typeface="Times New Roman" script="Hebr"/>
-        <a:font typeface="Angsana New" script="Thai"/>
-        <a:font typeface="Nyala" script="Ethi"/>
-        <a:font typeface="Vrinda" script="Beng"/>
-        <a:font typeface="Shruti" script="Gujr"/>
-        <a:font typeface="MoolBoran" script="Khmr"/>
-        <a:font typeface="Tunga" script="Knda"/>
-        <a:font typeface="Raavi" script="Guru"/>
-        <a:font typeface="Euphemia" script="Cans"/>
-        <a:font typeface="Plantagenet Cherokee" script="Cher"/>
-        <a:font typeface="Microsoft Yi Baiti" script="Yiii"/>
-        <a:font typeface="Microsoft Himalaya" script="Tibt"/>
-        <a:font typeface="MV Boli" script="Thaa"/>
-        <a:font typeface="Mangal" script="Deva"/>
-        <a:font typeface="Gautami" script="Telu"/>
-        <a:font typeface="Latha" script="Taml"/>
-        <a:font typeface="Estrangelo Edessa" script="Syrc"/>
-        <a:font typeface="Kalinga" script="Orya"/>
-        <a:font typeface="Kartika" script="Mlym"/>
-        <a:font typeface="DokChampa" script="Laoo"/>
-        <a:font typeface="Iskoola Pota" script="Sinh"/>
-        <a:font typeface="Mongolian Baiti" script="Mong"/>
-        <a:font typeface="Times New Roman" script="Viet"/>
-        <a:font typeface="Microsoft Uighur" script="Uigh"/>
+        <a:font script="Jpan" typeface="ＭＳ Ｐゴシック"/>
+        <a:font script="Hang" typeface="맑은 고딕"/>
+        <a:font script="Hans" typeface="宋体"/>
+        <a:font script="Hant" typeface="新細明體"/>
+        <a:font script="Arab" typeface="Times New Roman"/>
+        <a:font script="Hebr" typeface="Times New Roman"/>
+        <a:font script="Thai" typeface="Angsana New"/>
+        <a:font script="Ethi" typeface="Nyala"/>
+        <a:font script="Beng" typeface="Vrinda"/>
+        <a:font script="Gujr" typeface="Shruti"/>
+        <a:font script="Khmr" typeface="MoolBoran"/>
+        <a:font script="Knda" typeface="Tunga"/>
+        <a:font script="Guru" typeface="Raavi"/>
+        <a:font script="Cans" typeface="Euphemia"/>
+        <a:font script="Cher" typeface="Plantagenet Cherokee"/>
+        <a:font script="Yiii" typeface="Microsoft Yi Baiti"/>
+        <a:font script="Tibt" typeface="Microsoft Himalaya"/>
+        <a:font script="Thaa" typeface="MV Boli"/>
+        <a:font script="Deva" typeface="Mangal"/>
+        <a:font script="Telu" typeface="Gautami"/>
+        <a:font script="Taml" typeface="Latha"/>
+        <a:font script="Syrc" typeface="Estrangelo Edessa"/>
+        <a:font script="Orya" typeface="Kalinga"/>
+        <a:font script="Mlym" typeface="Kartika"/>
+        <a:font script="Laoo" typeface="DokChampa"/>
+        <a:font script="Sinh" typeface="Iskoola Pota"/>
+        <a:font script="Mong" typeface="Mongolian Baiti"/>
+        <a:font script="Viet" typeface="Times New Roman"/>
+        <a:font script="Uigh" typeface="Microsoft Uighur"/>
       </a:majorFont>
       <a:minorFont>
         <a:latin typeface="Arial"/>
         <a:ea typeface=""/>
         <a:cs typeface=""/>
-        <a:font typeface="ＭＳ Ｐゴシック" script="Jpan"/>
-        <a:font typeface="맑은 고딕" script="Hang"/>
-        <a:font typeface="宋体" script="Hans"/>
-        <a:font typeface="新細明體" script="Hant"/>
-        <a:font typeface="Times New Roman" script="Arab"/>
-        <a:font typeface="Times New Roman" script="Hebr"/>
-        <a:font typeface="Angsana New" script="Thai"/>
-        <a:font typeface="Nyala" script="Ethi"/>
-        <a:font typeface="Vrinda" script="Beng"/>
-        <a:font typeface="Shruti" script="Gujr"/>
-        <a:font typeface="MoolBoran" script="Khmr"/>
-        <a:font typeface="Tunga" script="Knda"/>
-        <a:font typeface="Raavi" script="Guru"/>
-        <a:font typeface="Euphemia" script="Cans"/>
-        <a:font typeface="Plantagenet Cherokee" script="Cher"/>
-        <a:font typeface="Microsoft Yi Baiti" script="Yiii"/>
-        <a:font typeface="Microsoft Himalaya" script="Tibt"/>
-        <a:font typeface="MV Boli" script="Thaa"/>
-        <a:font typeface="Mangal" script="Deva"/>
-        <a:font typeface="Gautami" script="Telu"/>
-        <a:font typeface="Latha" script="Taml"/>
-        <a:font typeface="Estrangelo Edessa" script="Syrc"/>
-        <a:font typeface="Kalinga" script="Orya"/>
-        <a:font typeface="Kartika" script="Mlym"/>
-        <a:font typeface="DokChampa" script="Laoo"/>
-        <a:font typeface="Iskoola Pota" script="Sinh"/>
-        <a:font typeface="Mongolian Baiti" script="Mong"/>
-        <a:font typeface="Times New Roman" script="Viet"/>
-        <a:font typeface="Microsoft Uighur" script="Uigh"/>
+        <a:font script="Jpan" typeface="ＭＳ Ｐゴシック"/>
+        <a:font script="Hang" typeface="맑은 고딕"/>
+        <a:font script="Hans" typeface="宋体"/>
+        <a:font script="Hant" typeface="新細明體"/>
+        <a:font script="Arab" typeface="Times New Roman"/>
+        <a:font script="Hebr" typeface="Times New Roman"/>
+        <a:font script="Thai" typeface="Angsana New"/>
+        <a:font script="Ethi" typeface="Nyala"/>
+        <a:font script="Beng" typeface="Vrinda"/>
+        <a:font script="Gujr" typeface="Shruti"/>
+        <a:font script="Khmr" typeface="MoolBoran"/>
+        <a:font script="Knda" typeface="Tunga"/>
+        <a:font script="Guru" typeface="Raavi"/>
+        <a:font script="Cans" typeface="Euphemia"/>
+        <a:font script="Cher" typeface="Plantagenet Cherokee"/>
+        <a:font script="Yiii" typeface="Microsoft Yi Baiti"/>
+        <a:font script="Tibt" typeface="Microsoft Himalaya"/>
+        <a:font script="Thaa" typeface="MV Boli"/>
+        <a:font script="Deva" typeface="Mangal"/>
+        <a:font script="Telu" typeface="Gautami"/>
+        <a:font script="Taml" typeface="Latha"/>
+        <a:font script="Syrc" typeface="Estrangelo Edessa"/>
+        <a:font script="Orya" typeface="Kalinga"/>
+        <a:font script="Mlym" typeface="Kartika"/>
+        <a:font script="Laoo" typeface="DokChampa"/>
+        <a:font script="Sinh" typeface="Iskoola Pota"/>
+        <a:font script="Mong" typeface="Mongolian Baiti"/>
+        <a:font script="Viet" typeface="Times New Roman"/>
+        <a:font script="Uigh" typeface="Microsoft Uighur"/>
       </a:minorFont>
     </a:fontScheme>
     <a:fmtScheme name="Office">
@@ -7740,7 +6842,7 @@
         </a:gradFill>
       </a:fillStyleLst>
       <a:lnStyleLst>
-        <a:ln w="9525" algn="ctr" cap="flat" cmpd="sng">
+        <a:ln cap="flat" cmpd="sng" w="9525" algn="ctr">
           <a:solidFill>
             <a:schemeClr val="phClr">
               <a:shade val="95000"/>
@@ -7749,13 +6851,13 @@
           </a:solidFill>
           <a:prstDash val="solid"/>
         </a:ln>
-        <a:ln w="25400" algn="ctr" cap="flat" cmpd="sng">
+        <a:ln cap="flat" cmpd="sng" w="25400" algn="ctr">
           <a:solidFill>
             <a:schemeClr val="phClr"/>
           </a:solidFill>
           <a:prstDash val="solid"/>
         </a:ln>
-        <a:ln w="38100" algn="ctr" cap="flat" cmpd="sng">
+        <a:ln cap="flat" cmpd="sng" w="38100" algn="ctr">
           <a:solidFill>
             <a:schemeClr val="phClr"/>
           </a:solidFill>
@@ -7765,7 +6867,7 @@
       <a:effectStyleLst>
         <a:effectStyle>
           <a:effectLst>
-            <a:outerShdw rotWithShape="0" dir="5400000" blurRad="40000" dist="20000">
+            <a:outerShdw blurRad="40000" rotWithShape="0" dir="5400000" dist="20000">
               <a:srgbClr val="000000">
                 <a:alpha val="38000"/>
               </a:srgbClr>
@@ -7774,7 +6876,7 @@
         </a:effectStyle>
         <a:effectStyle>
           <a:effectLst>
-            <a:outerShdw rotWithShape="0" dir="5400000" blurRad="40000" dist="23000">
+            <a:outerShdw blurRad="40000" rotWithShape="0" dir="5400000" dist="23000">
               <a:srgbClr val="000000">
                 <a:alpha val="35000"/>
               </a:srgbClr>
@@ -7783,7 +6885,7 @@
         </a:effectStyle>
         <a:effectStyle>
           <a:effectLst>
-            <a:outerShdw rotWithShape="0" dir="5400000" blurRad="40000" dist="23000">
+            <a:outerShdw blurRad="40000" rotWithShape="0" dir="5400000" dist="23000">
               <a:srgbClr val="000000">
                 <a:alpha val="35000"/>
               </a:srgbClr>
@@ -7791,14 +6893,14 @@
           </a:effectLst>
           <a:scene3d>
             <a:camera prst="orthographicFront">
-              <a:rot rev="0" lon="0" lat="0"/>
+              <a:rot lat="0" lon="0" rev="0"/>
             </a:camera>
             <a:lightRig dir="t" rig="threePt">
-              <a:rot rev="1200000" lon="0" lat="0"/>
+              <a:rot lat="0" lon="0" rev="1200000"/>
             </a:lightRig>
           </a:scene3d>
           <a:sp3d>
-            <a:bevelT w="63500" h="25400"/>
+            <a:bevelT h="25400" w="63500"/>
           </a:sp3d>
         </a:effectStyle>
       </a:effectStyleLst>
@@ -7829,7 +6931,7 @@
             </a:gs>
           </a:gsLst>
           <a:path path="circle">
-            <a:fillToRect t="-80000" b="180000" r="50000" l="50000"/>
+            <a:fillToRect b="180000" l="50000" r="50000" t="-80000"/>
           </a:path>
         </a:gradFill>
         <a:gradFill rotWithShape="1">
@@ -7848,7 +6950,7 @@
             </a:gs>
           </a:gsLst>
           <a:path path="circle">
-            <a:fillToRect t="50000" b="50000" r="50000" l="50000"/>
+            <a:fillToRect b="50000" l="50000" r="50000" t="50000"/>
           </a:path>
         </a:gradFill>
       </a:bgFillStyleLst>
@@ -7858,44 +6960,44 @@
 </file>
 
 <file path=ppt/theme/theme2.xml><?xml version="1.0" encoding="utf-8"?>
-<a:theme xmlns:a="http://schemas.openxmlformats.org/drawingml/2006/main" xmlns:r="http://schemas.openxmlformats.org/officeDocument/2006/relationships" name="Office Theme">
+<a:theme xmlns:a="http://schemas.openxmlformats.org/drawingml/2006/main" xmlns:r="http://schemas.openxmlformats.org/officeDocument/2006/relationships" name="Custom Theme">
   <a:themeElements>
-    <a:clrScheme name="Office">
+    <a:clrScheme name="Default">
       <a:dk1>
-        <a:sysClr val="windowText" lastClr="000000"/>
+        <a:srgbClr val="000000"/>
       </a:dk1>
       <a:lt1>
-        <a:sysClr val="window" lastClr="FFFFFF"/>
+        <a:srgbClr val="FFFFFF"/>
       </a:lt1>
       <a:dk2>
-        <a:srgbClr val="1F497D"/>
+        <a:srgbClr val="158158"/>
       </a:dk2>
       <a:lt2>
-        <a:srgbClr val="EEECE1"/>
+        <a:srgbClr val="F3F3F3"/>
       </a:lt2>
       <a:accent1>
-        <a:srgbClr val="4F81BD"/>
+        <a:srgbClr val="058DC7"/>
       </a:accent1>
       <a:accent2>
-        <a:srgbClr val="C0504D"/>
+        <a:srgbClr val="50B432"/>
       </a:accent2>
       <a:accent3>
-        <a:srgbClr val="9BBB59"/>
+        <a:srgbClr val="ED561B"/>
       </a:accent3>
       <a:accent4>
-        <a:srgbClr val="8064A2"/>
+        <a:srgbClr val="EDEF00"/>
       </a:accent4>
       <a:accent5>
-        <a:srgbClr val="4BACC6"/>
+        <a:srgbClr val="24CBE5"/>
       </a:accent5>
       <a:accent6>
-        <a:srgbClr val="F79646"/>
+        <a:srgbClr val="64E572"/>
       </a:accent6>
       <a:hlink>
-        <a:srgbClr val="0000FF"/>
+        <a:srgbClr val="2200CC"/>
       </a:hlink>
       <a:folHlink>
-        <a:srgbClr val="800080"/>
+        <a:srgbClr val="551A8B"/>
       </a:folHlink>
     </a:clrScheme>
     <a:fontScheme name="Office">
@@ -7903,69 +7005,69 @@
         <a:latin typeface="Arial"/>
         <a:ea typeface=""/>
         <a:cs typeface=""/>
-        <a:font typeface="ＭＳ Ｐゴシック" script="Jpan"/>
-        <a:font typeface="맑은 고딕" script="Hang"/>
-        <a:font typeface="宋体" script="Hans"/>
-        <a:font typeface="新細明體" script="Hant"/>
-        <a:font typeface="Times New Roman" script="Arab"/>
-        <a:font typeface="Times New Roman" script="Hebr"/>
-        <a:font typeface="Angsana New" script="Thai"/>
-        <a:font typeface="Nyala" script="Ethi"/>
-        <a:font typeface="Vrinda" script="Beng"/>
-        <a:font typeface="Shruti" script="Gujr"/>
-        <a:font typeface="MoolBoran" script="Khmr"/>
-        <a:font typeface="Tunga" script="Knda"/>
-        <a:font typeface="Raavi" script="Guru"/>
-        <a:font typeface="Euphemia" script="Cans"/>
-        <a:font typeface="Plantagenet Cherokee" script="Cher"/>
-        <a:font typeface="Microsoft Yi Baiti" script="Yiii"/>
-        <a:font typeface="Microsoft Himalaya" script="Tibt"/>
-        <a:font typeface="MV Boli" script="Thaa"/>
-        <a:font typeface="Mangal" script="Deva"/>
-        <a:font typeface="Gautami" script="Telu"/>
-        <a:font typeface="Latha" script="Taml"/>
-        <a:font typeface="Estrangelo Edessa" script="Syrc"/>
-        <a:font typeface="Kalinga" script="Orya"/>
-        <a:font typeface="Kartika" script="Mlym"/>
-        <a:font typeface="DokChampa" script="Laoo"/>
-        <a:font typeface="Iskoola Pota" script="Sinh"/>
-        <a:font typeface="Mongolian Baiti" script="Mong"/>
-        <a:font typeface="Times New Roman" script="Viet"/>
-        <a:font typeface="Microsoft Uighur" script="Uigh"/>
+        <a:font script="Jpan" typeface="ＭＳ Ｐゴシック"/>
+        <a:font script="Hang" typeface="맑은 고딕"/>
+        <a:font script="Hans" typeface="宋体"/>
+        <a:font script="Hant" typeface="新細明體"/>
+        <a:font script="Arab" typeface="Times New Roman"/>
+        <a:font script="Hebr" typeface="Times New Roman"/>
+        <a:font script="Thai" typeface="Angsana New"/>
+        <a:font script="Ethi" typeface="Nyala"/>
+        <a:font script="Beng" typeface="Vrinda"/>
+        <a:font script="Gujr" typeface="Shruti"/>
+        <a:font script="Khmr" typeface="MoolBoran"/>
+        <a:font script="Knda" typeface="Tunga"/>
+        <a:font script="Guru" typeface="Raavi"/>
+        <a:font script="Cans" typeface="Euphemia"/>
+        <a:font script="Cher" typeface="Plantagenet Cherokee"/>
+        <a:font script="Yiii" typeface="Microsoft Yi Baiti"/>
+        <a:font script="Tibt" typeface="Microsoft Himalaya"/>
+        <a:font script="Thaa" typeface="MV Boli"/>
+        <a:font script="Deva" typeface="Mangal"/>
+        <a:font script="Telu" typeface="Gautami"/>
+        <a:font script="Taml" typeface="Latha"/>
+        <a:font script="Syrc" typeface="Estrangelo Edessa"/>
+        <a:font script="Orya" typeface="Kalinga"/>
+        <a:font script="Mlym" typeface="Kartika"/>
+        <a:font script="Laoo" typeface="DokChampa"/>
+        <a:font script="Sinh" typeface="Iskoola Pota"/>
+        <a:font script="Mong" typeface="Mongolian Baiti"/>
+        <a:font script="Viet" typeface="Times New Roman"/>
+        <a:font script="Uigh" typeface="Microsoft Uighur"/>
       </a:majorFont>
       <a:minorFont>
         <a:latin typeface="Arial"/>
         <a:ea typeface=""/>
         <a:cs typeface=""/>
-        <a:font typeface="ＭＳ Ｐゴシック" script="Jpan"/>
-        <a:font typeface="맑은 고딕" script="Hang"/>
-        <a:font typeface="宋体" script="Hans"/>
-        <a:font typeface="新細明體" script="Hant"/>
-        <a:font typeface="Times New Roman" script="Arab"/>
-        <a:font typeface="Times New Roman" script="Hebr"/>
-        <a:font typeface="Angsana New" script="Thai"/>
-        <a:font typeface="Nyala" script="Ethi"/>
-        <a:font typeface="Vrinda" script="Beng"/>
-        <a:font typeface="Shruti" script="Gujr"/>
-        <a:font typeface="MoolBoran" script="Khmr"/>
-        <a:font typeface="Tunga" script="Knda"/>
-        <a:font typeface="Raavi" script="Guru"/>
-        <a:font typeface="Euphemia" script="Cans"/>
-        <a:font typeface="Plantagenet Cherokee" script="Cher"/>
-        <a:font typeface="Microsoft Yi Baiti" script="Yiii"/>
-        <a:font typeface="Microsoft Himalaya" script="Tibt"/>
-        <a:font typeface="MV Boli" script="Thaa"/>
-        <a:font typeface="Mangal" script="Deva"/>
-        <a:font typeface="Gautami" script="Telu"/>
-        <a:font typeface="Latha" script="Taml"/>
-        <a:font typeface="Estrangelo Edessa" script="Syrc"/>
-        <a:font typeface="Kalinga" script="Orya"/>
-        <a:font typeface="Kartika" script="Mlym"/>
-        <a:font typeface="DokChampa" script="Laoo"/>
-        <a:font typeface="Iskoola Pota" script="Sinh"/>
-        <a:font typeface="Mongolian Baiti" script="Mong"/>
-        <a:font typeface="Times New Roman" script="Viet"/>
-        <a:font typeface="Microsoft Uighur" script="Uigh"/>
+        <a:font script="Jpan" typeface="ＭＳ Ｐゴシック"/>
+        <a:font script="Hang" typeface="맑은 고딕"/>
+        <a:font script="Hans" typeface="宋体"/>
+        <a:font script="Hant" typeface="新細明體"/>
+        <a:font script="Arab" typeface="Times New Roman"/>
+        <a:font script="Hebr" typeface="Times New Roman"/>
+        <a:font script="Thai" typeface="Angsana New"/>
+        <a:font script="Ethi" typeface="Nyala"/>
+        <a:font script="Beng" typeface="Vrinda"/>
+        <a:font script="Gujr" typeface="Shruti"/>
+        <a:font script="Khmr" typeface="MoolBoran"/>
+        <a:font script="Knda" typeface="Tunga"/>
+        <a:font script="Guru" typeface="Raavi"/>
+        <a:font script="Cans" typeface="Euphemia"/>
+        <a:font script="Cher" typeface="Plantagenet Cherokee"/>
+        <a:font script="Yiii" typeface="Microsoft Yi Baiti"/>
+        <a:font script="Tibt" typeface="Microsoft Himalaya"/>
+        <a:font script="Thaa" typeface="MV Boli"/>
+        <a:font script="Deva" typeface="Mangal"/>
+        <a:font script="Telu" typeface="Gautami"/>
+        <a:font script="Taml" typeface="Latha"/>
+        <a:font script="Syrc" typeface="Estrangelo Edessa"/>
+        <a:font script="Orya" typeface="Kalinga"/>
+        <a:font script="Mlym" typeface="Kartika"/>
+        <a:font script="Laoo" typeface="DokChampa"/>
+        <a:font script="Sinh" typeface="Iskoola Pota"/>
+        <a:font script="Mong" typeface="Mongolian Baiti"/>
+        <a:font script="Viet" typeface="Times New Roman"/>
+        <a:font script="Uigh" typeface="Microsoft Uighur"/>
       </a:minorFont>
     </a:fontScheme>
     <a:fmtScheme name="Office">
@@ -8017,7 +7119,7 @@
         </a:gradFill>
       </a:fillStyleLst>
       <a:lnStyleLst>
-        <a:ln w="9525" algn="ctr" cap="flat" cmpd="sng">
+        <a:ln cap="flat" cmpd="sng" w="9525" algn="ctr">
           <a:solidFill>
             <a:schemeClr val="phClr">
               <a:shade val="95000"/>
@@ -8026,13 +7128,13 @@
           </a:solidFill>
           <a:prstDash val="solid"/>
         </a:ln>
-        <a:ln w="25400" algn="ctr" cap="flat" cmpd="sng">
+        <a:ln cap="flat" cmpd="sng" w="25400" algn="ctr">
           <a:solidFill>
             <a:schemeClr val="phClr"/>
           </a:solidFill>
           <a:prstDash val="solid"/>
         </a:ln>
-        <a:ln w="38100" algn="ctr" cap="flat" cmpd="sng">
+        <a:ln cap="flat" cmpd="sng" w="38100" algn="ctr">
           <a:solidFill>
             <a:schemeClr val="phClr"/>
           </a:solidFill>
@@ -8042,7 +7144,7 @@
       <a:effectStyleLst>
         <a:effectStyle>
           <a:effectLst>
-            <a:outerShdw rotWithShape="0" dir="5400000" blurRad="40000" dist="20000">
+            <a:outerShdw blurRad="40000" rotWithShape="0" dir="5400000" dist="20000">
               <a:srgbClr val="000000">
                 <a:alpha val="38000"/>
               </a:srgbClr>
@@ -8051,7 +7153,7 @@
         </a:effectStyle>
         <a:effectStyle>
           <a:effectLst>
-            <a:outerShdw rotWithShape="0" dir="5400000" blurRad="40000" dist="23000">
+            <a:outerShdw blurRad="40000" rotWithShape="0" dir="5400000" dist="23000">
               <a:srgbClr val="000000">
                 <a:alpha val="35000"/>
               </a:srgbClr>
@@ -8060,7 +7162,7 @@
         </a:effectStyle>
         <a:effectStyle>
           <a:effectLst>
-            <a:outerShdw rotWithShape="0" dir="5400000" blurRad="40000" dist="23000">
+            <a:outerShdw blurRad="40000" rotWithShape="0" dir="5400000" dist="23000">
               <a:srgbClr val="000000">
                 <a:alpha val="35000"/>
               </a:srgbClr>
@@ -8068,14 +7170,14 @@
           </a:effectLst>
           <a:scene3d>
             <a:camera prst="orthographicFront">
-              <a:rot rev="0" lon="0" lat="0"/>
+              <a:rot lat="0" lon="0" rev="0"/>
             </a:camera>
             <a:lightRig dir="t" rig="threePt">
-              <a:rot rev="1200000" lon="0" lat="0"/>
+              <a:rot lat="0" lon="0" rev="1200000"/>
             </a:lightRig>
           </a:scene3d>
           <a:sp3d>
-            <a:bevelT w="63500" h="25400"/>
+            <a:bevelT h="25400" w="63500"/>
           </a:sp3d>
         </a:effectStyle>
       </a:effectStyleLst>
@@ -8106,7 +7208,7 @@
             </a:gs>
           </a:gsLst>
           <a:path path="circle">
-            <a:fillToRect t="-80000" b="180000" r="50000" l="50000"/>
+            <a:fillToRect b="180000" l="50000" r="50000" t="-80000"/>
           </a:path>
         </a:gradFill>
         <a:gradFill rotWithShape="1">
@@ -8125,94 +7227,54 @@
             </a:gs>
           </a:gsLst>
           <a:path path="circle">
-            <a:fillToRect t="50000" b="50000" r="50000" l="50000"/>
+            <a:fillToRect b="50000" l="50000" r="50000" t="50000"/>
           </a:path>
         </a:gradFill>
       </a:bgFillStyleLst>
     </a:fmtScheme>
   </a:themeElements>
-  <a:objectDefaults>
-    <a:spDef>
-      <a:spPr/>
-      <a:bodyPr/>
-      <a:lstStyle/>
-      <a:style>
-        <a:lnRef idx="1">
-          <a:schemeClr val="accent1"/>
-        </a:lnRef>
-        <a:fillRef idx="3">
-          <a:schemeClr val="accent1"/>
-        </a:fillRef>
-        <a:effectRef idx="2">
-          <a:schemeClr val="accent1"/>
-        </a:effectRef>
-        <a:fontRef idx="minor">
-          <a:schemeClr val="lt1"/>
-        </a:fontRef>
-      </a:style>
-    </a:spDef>
-    <a:lnDef>
-      <a:spPr/>
-      <a:bodyPr/>
-      <a:lstStyle/>
-      <a:style>
-        <a:lnRef idx="2">
-          <a:schemeClr val="accent1"/>
-        </a:lnRef>
-        <a:fillRef idx="0">
-          <a:schemeClr val="accent1"/>
-        </a:fillRef>
-        <a:effectRef idx="1">
-          <a:schemeClr val="accent1"/>
-        </a:effectRef>
-        <a:fontRef idx="minor">
-          <a:schemeClr val="tx1"/>
-        </a:fontRef>
-      </a:style>
-    </a:lnDef>
-  </a:objectDefaults>
 </a:theme>
 </file>
 
 <file path=ppt/theme/theme3.xml><?xml version="1.0" encoding="utf-8"?>
-<a:theme xmlns:a="http://schemas.openxmlformats.org/drawingml/2006/main" xmlns:r="http://schemas.openxmlformats.org/officeDocument/2006/relationships" name="Custom Theme">
+<a:theme xmlns:a="http://schemas.openxmlformats.org/drawingml/2006/main" xmlns:r="http://schemas.openxmlformats.org/officeDocument/2006/relationships" name="Office Theme">
   <a:themeElements>
-    <a:clrScheme name="Default">
+    <a:clrScheme name="Office">
       <a:dk1>
-        <a:srgbClr val="000000"/>
+        <a:sysClr lastClr="000000" val="windowText"/>
       </a:dk1>
       <a:lt1>
-        <a:srgbClr val="FFFFFF"/>
+        <a:sysClr lastClr="FFFFFF" val="window"/>
       </a:lt1>
       <a:dk2>
-        <a:srgbClr val="158158"/>
+        <a:srgbClr val="1F497D"/>
       </a:dk2>
       <a:lt2>
-        <a:srgbClr val="F3F3F3"/>
+        <a:srgbClr val="EEECE1"/>
       </a:lt2>
       <a:accent1>
-        <a:srgbClr val="058DC7"/>
+        <a:srgbClr val="4F81BD"/>
       </a:accent1>
       <a:accent2>
-        <a:srgbClr val="50B432"/>
+        <a:srgbClr val="C0504D"/>
       </a:accent2>
       <a:accent3>
-        <a:srgbClr val="ED561B"/>
+        <a:srgbClr val="9BBB59"/>
       </a:accent3>
       <a:accent4>
-        <a:srgbClr val="EDEF00"/>
+        <a:srgbClr val="8064A2"/>
       </a:accent4>
       <a:accent5>
-        <a:srgbClr val="24CBE5"/>
+        <a:srgbClr val="4BACC6"/>
       </a:accent5>
       <a:accent6>
-        <a:srgbClr val="64E572"/>
+        <a:srgbClr val="F79646"/>
       </a:accent6>
       <a:hlink>
-        <a:srgbClr val="2200CC"/>
+        <a:srgbClr val="0000FF"/>
       </a:hlink>
       <a:folHlink>
-        <a:srgbClr val="551A8B"/>
+        <a:srgbClr val="800080"/>
       </a:folHlink>
     </a:clrScheme>
     <a:fontScheme name="Office">
@@ -8220,69 +7282,69 @@
         <a:latin typeface="Arial"/>
         <a:ea typeface=""/>
         <a:cs typeface=""/>
-        <a:font typeface="ＭＳ Ｐゴシック" script="Jpan"/>
-        <a:font typeface="맑은 고딕" script="Hang"/>
-        <a:font typeface="宋体" script="Hans"/>
-        <a:font typeface="新細明體" script="Hant"/>
-        <a:font typeface="Times New Roman" script="Arab"/>
-        <a:font typeface="Times New Roman" script="Hebr"/>
-        <a:font typeface="Angsana New" script="Thai"/>
-        <a:font typeface="Nyala" script="Ethi"/>
-        <a:font typeface="Vrinda" script="Beng"/>
-        <a:font typeface="Shruti" script="Gujr"/>
-        <a:font typeface="MoolBoran" script="Khmr"/>
-        <a:font typeface="Tunga" script="Knda"/>
-        <a:font typeface="Raavi" script="Guru"/>
-        <a:font typeface="Euphemia" script="Cans"/>
-        <a:font typeface="Plantagenet Cherokee" script="Cher"/>
-        <a:font typeface="Microsoft Yi Baiti" script="Yiii"/>
-        <a:font typeface="Microsoft Himalaya" script="Tibt"/>
-        <a:font typeface="MV Boli" script="Thaa"/>
-        <a:font typeface="Mangal" script="Deva"/>
-        <a:font typeface="Gautami" script="Telu"/>
-        <a:font typeface="Latha" script="Taml"/>
-        <a:font typeface="Estrangelo Edessa" script="Syrc"/>
-        <a:font typeface="Kalinga" script="Orya"/>
-        <a:font typeface="Kartika" script="Mlym"/>
-        <a:font typeface="DokChampa" script="Laoo"/>
-        <a:font typeface="Iskoola Pota" script="Sinh"/>
-        <a:font typeface="Mongolian Baiti" script="Mong"/>
-        <a:font typeface="Times New Roman" script="Viet"/>
-        <a:font typeface="Microsoft Uighur" script="Uigh"/>
+        <a:font script="Jpan" typeface="ＭＳ Ｐゴシック"/>
+        <a:font script="Hang" typeface="맑은 고딕"/>
+        <a:font script="Hans" typeface="宋体"/>
+        <a:font script="Hant" typeface="新細明體"/>
+        <a:font script="Arab" typeface="Times New Roman"/>
+        <a:font script="Hebr" typeface="Times New Roman"/>
+        <a:font script="Thai" typeface="Angsana New"/>
+        <a:font script="Ethi" typeface="Nyala"/>
+        <a:font script="Beng" typeface="Vrinda"/>
+        <a:font script="Gujr" typeface="Shruti"/>
+        <a:font script="Khmr" typeface="MoolBoran"/>
+        <a:font script="Knda" typeface="Tunga"/>
+        <a:font script="Guru" typeface="Raavi"/>
+        <a:font script="Cans" typeface="Euphemia"/>
+        <a:font script="Cher" typeface="Plantagenet Cherokee"/>
+        <a:font script="Yiii" typeface="Microsoft Yi Baiti"/>
+        <a:font script="Tibt" typeface="Microsoft Himalaya"/>
+        <a:font script="Thaa" typeface="MV Boli"/>
+        <a:font script="Deva" typeface="Mangal"/>
+        <a:font script="Telu" typeface="Gautami"/>
+        <a:font script="Taml" typeface="Latha"/>
+        <a:font script="Syrc" typeface="Estrangelo Edessa"/>
+        <a:font script="Orya" typeface="Kalinga"/>
+        <a:font script="Mlym" typeface="Kartika"/>
+        <a:font script="Laoo" typeface="DokChampa"/>
+        <a:font script="Sinh" typeface="Iskoola Pota"/>
+        <a:font script="Mong" typeface="Mongolian Baiti"/>
+        <a:font script="Viet" typeface="Times New Roman"/>
+        <a:font script="Uigh" typeface="Microsoft Uighur"/>
       </a:majorFont>
       <a:minorFont>
         <a:latin typeface="Arial"/>
         <a:ea typeface=""/>
         <a:cs typeface=""/>
-        <a:font typeface="ＭＳ Ｐゴシック" script="Jpan"/>
-        <a:font typeface="맑은 고딕" script="Hang"/>
-        <a:font typeface="宋体" script="Hans"/>
-        <a:font typeface="新細明體" script="Hant"/>
-        <a:font typeface="Times New Roman" script="Arab"/>
-        <a:font typeface="Times New Roman" script="Hebr"/>
-        <a:font typeface="Angsana New" script="Thai"/>
-        <a:font typeface="Nyala" script="Ethi"/>
-        <a:font typeface="Vrinda" script="Beng"/>
-        <a:font typeface="Shruti" script="Gujr"/>
-        <a:font typeface="MoolBoran" script="Khmr"/>
-        <a:font typeface="Tunga" script="Knda"/>
-        <a:font typeface="Raavi" script="Guru"/>
-        <a:font typeface="Euphemia" script="Cans"/>
-        <a:font typeface="Plantagenet Cherokee" script="Cher"/>
-        <a:font typeface="Microsoft Yi Baiti" script="Yiii"/>
-        <a:font typeface="Microsoft Himalaya" script="Tibt"/>
-        <a:font typeface="MV Boli" script="Thaa"/>
-        <a:font typeface="Mangal" script="Deva"/>
-        <a:font typeface="Gautami" script="Telu"/>
-        <a:font typeface="Latha" script="Taml"/>
-        <a:font typeface="Estrangelo Edessa" script="Syrc"/>
-        <a:font typeface="Kalinga" script="Orya"/>
-        <a:font typeface="Kartika" script="Mlym"/>
-        <a:font typeface="DokChampa" script="Laoo"/>
-        <a:font typeface="Iskoola Pota" script="Sinh"/>
-        <a:font typeface="Mongolian Baiti" script="Mong"/>
-        <a:font typeface="Times New Roman" script="Viet"/>
-        <a:font typeface="Microsoft Uighur" script="Uigh"/>
+        <a:font script="Jpan" typeface="ＭＳ Ｐゴシック"/>
+        <a:font script="Hang" typeface="맑은 고딕"/>
+        <a:font script="Hans" typeface="宋体"/>
+        <a:font script="Hant" typeface="新細明體"/>
+        <a:font script="Arab" typeface="Times New Roman"/>
+        <a:font script="Hebr" typeface="Times New Roman"/>
+        <a:font script="Thai" typeface="Angsana New"/>
+        <a:font script="Ethi" typeface="Nyala"/>
+        <a:font script="Beng" typeface="Vrinda"/>
+        <a:font script="Gujr" typeface="Shruti"/>
+        <a:font script="Khmr" typeface="MoolBoran"/>
+        <a:font script="Knda" typeface="Tunga"/>
+        <a:font script="Guru" typeface="Raavi"/>
+        <a:font script="Cans" typeface="Euphemia"/>
+        <a:font script="Cher" typeface="Plantagenet Cherokee"/>
+        <a:font script="Yiii" typeface="Microsoft Yi Baiti"/>
+        <a:font script="Tibt" typeface="Microsoft Himalaya"/>
+        <a:font script="Thaa" typeface="MV Boli"/>
+        <a:font script="Deva" typeface="Mangal"/>
+        <a:font script="Telu" typeface="Gautami"/>
+        <a:font script="Taml" typeface="Latha"/>
+        <a:font script="Syrc" typeface="Estrangelo Edessa"/>
+        <a:font script="Orya" typeface="Kalinga"/>
+        <a:font script="Mlym" typeface="Kartika"/>
+        <a:font script="Laoo" typeface="DokChampa"/>
+        <a:font script="Sinh" typeface="Iskoola Pota"/>
+        <a:font script="Mong" typeface="Mongolian Baiti"/>
+        <a:font script="Viet" typeface="Times New Roman"/>
+        <a:font script="Uigh" typeface="Microsoft Uighur"/>
       </a:minorFont>
     </a:fontScheme>
     <a:fmtScheme name="Office">
@@ -8334,7 +7396,7 @@
         </a:gradFill>
       </a:fillStyleLst>
       <a:lnStyleLst>
-        <a:ln w="9525" algn="ctr" cap="flat" cmpd="sng">
+        <a:ln cap="flat" cmpd="sng" w="9525" algn="ctr">
           <a:solidFill>
             <a:schemeClr val="phClr">
               <a:shade val="95000"/>
@@ -8343,13 +7405,13 @@
           </a:solidFill>
           <a:prstDash val="solid"/>
         </a:ln>
-        <a:ln w="25400" algn="ctr" cap="flat" cmpd="sng">
+        <a:ln cap="flat" cmpd="sng" w="25400" algn="ctr">
           <a:solidFill>
             <a:schemeClr val="phClr"/>
           </a:solidFill>
           <a:prstDash val="solid"/>
         </a:ln>
-        <a:ln w="38100" algn="ctr" cap="flat" cmpd="sng">
+        <a:ln cap="flat" cmpd="sng" w="38100" algn="ctr">
           <a:solidFill>
             <a:schemeClr val="phClr"/>
           </a:solidFill>
@@ -8359,7 +7421,7 @@
       <a:effectStyleLst>
         <a:effectStyle>
           <a:effectLst>
-            <a:outerShdw rotWithShape="0" dir="5400000" blurRad="40000" dist="20000">
+            <a:outerShdw blurRad="40000" rotWithShape="0" dir="5400000" dist="20000">
               <a:srgbClr val="000000">
                 <a:alpha val="38000"/>
               </a:srgbClr>
@@ -8368,7 +7430,7 @@
         </a:effectStyle>
         <a:effectStyle>
           <a:effectLst>
-            <a:outerShdw rotWithShape="0" dir="5400000" blurRad="40000" dist="23000">
+            <a:outerShdw blurRad="40000" rotWithShape="0" dir="5400000" dist="23000">
               <a:srgbClr val="000000">
                 <a:alpha val="35000"/>
               </a:srgbClr>
@@ -8377,7 +7439,7 @@
         </a:effectStyle>
         <a:effectStyle>
           <a:effectLst>
-            <a:outerShdw rotWithShape="0" dir="5400000" blurRad="40000" dist="23000">
+            <a:outerShdw blurRad="40000" rotWithShape="0" dir="5400000" dist="23000">
               <a:srgbClr val="000000">
                 <a:alpha val="35000"/>
               </a:srgbClr>
@@ -8385,14 +7447,14 @@
           </a:effectLst>
           <a:scene3d>
             <a:camera prst="orthographicFront">
-              <a:rot rev="0" lon="0" lat="0"/>
+              <a:rot lat="0" lon="0" rev="0"/>
             </a:camera>
             <a:lightRig dir="t" rig="threePt">
-              <a:rot rev="1200000" lon="0" lat="0"/>
+              <a:rot lat="0" lon="0" rev="1200000"/>
             </a:lightRig>
           </a:scene3d>
           <a:sp3d>
-            <a:bevelT w="63500" h="25400"/>
+            <a:bevelT h="25400" w="63500"/>
           </a:sp3d>
         </a:effectStyle>
       </a:effectStyleLst>
@@ -8423,7 +7485,7 @@
             </a:gs>
           </a:gsLst>
           <a:path path="circle">
-            <a:fillToRect t="-80000" b="180000" r="50000" l="50000"/>
+            <a:fillToRect b="180000" l="50000" r="50000" t="-80000"/>
           </a:path>
         </a:gradFill>
         <a:gradFill rotWithShape="1">
@@ -8442,11 +7504,51 @@
             </a:gs>
           </a:gsLst>
           <a:path path="circle">
-            <a:fillToRect t="50000" b="50000" r="50000" l="50000"/>
+            <a:fillToRect b="50000" l="50000" r="50000" t="50000"/>
           </a:path>
         </a:gradFill>
       </a:bgFillStyleLst>
     </a:fmtScheme>
   </a:themeElements>
+  <a:objectDefaults>
+    <a:spDef>
+      <a:spPr/>
+      <a:bodyPr/>
+      <a:lstStyle/>
+      <a:style>
+        <a:lnRef idx="1">
+          <a:schemeClr val="accent1"/>
+        </a:lnRef>
+        <a:fillRef idx="3">
+          <a:schemeClr val="accent1"/>
+        </a:fillRef>
+        <a:effectRef idx="2">
+          <a:schemeClr val="accent1"/>
+        </a:effectRef>
+        <a:fontRef idx="minor">
+          <a:schemeClr val="lt1"/>
+        </a:fontRef>
+      </a:style>
+    </a:spDef>
+    <a:lnDef>
+      <a:spPr/>
+      <a:bodyPr/>
+      <a:lstStyle/>
+      <a:style>
+        <a:lnRef idx="2">
+          <a:schemeClr val="accent1"/>
+        </a:lnRef>
+        <a:fillRef idx="0">
+          <a:schemeClr val="accent1"/>
+        </a:fillRef>
+        <a:effectRef idx="1">
+          <a:schemeClr val="accent1"/>
+        </a:effectRef>
+        <a:fontRef idx="minor">
+          <a:schemeClr val="tx1"/>
+        </a:fontRef>
+      </a:style>
+    </a:lnDef>
+  </a:objectDefaults>
 </a:theme>
 </file>
--- a/KIJ - Chat Secure.pptx
+++ b/KIJ - Chat Secure.pptx
@@ -1,27 +1,27 @@
 
 <file path=ppt/presentation.xml><?xml version="1.0" encoding="utf-8"?>
-<p:presentation xmlns:a="http://schemas.openxmlformats.org/drawingml/2006/main" xmlns:r="http://schemas.openxmlformats.org/officeDocument/2006/relationships" xmlns:mc="http://schemas.openxmlformats.org/markup-compatibility/2006" xmlns:mv="urn:schemas-microsoft-com:mac:vml" xmlns:p="http://schemas.openxmlformats.org/presentationml/2006/main" xmlns:c="http://schemas.openxmlformats.org/drawingml/2006/chart" xmlns:dgm="http://schemas.openxmlformats.org/drawingml/2006/diagram" xmlns:o="urn:schemas-microsoft-com:office:office" xmlns:v="urn:schemas-microsoft-com:vml" xmlns:pvml="urn:schemas-microsoft-com:office:powerpoint" xmlns:com="http://schemas.openxmlformats.org/drawingml/2006/compatibility" xmlns:p14="http://schemas.microsoft.com/office/powerpoint/2010/main" autoCompressPictures="0" strictFirstAndLastChars="0" saveSubsetFonts="1">
+<p:presentation xmlns:a="http://schemas.openxmlformats.org/drawingml/2006/main" xmlns:r="http://schemas.openxmlformats.org/officeDocument/2006/relationships" xmlns:p="http://schemas.openxmlformats.org/presentationml/2006/main" strictFirstAndLastChars="0" saveSubsetFonts="1" autoCompressPictures="0">
   <p:sldMasterIdLst>
-    <p:sldMasterId id="2147483654" r:id="rId4"/>
+    <p:sldMasterId id="2147483654" r:id="rId1"/>
   </p:sldMasterIdLst>
   <p:notesMasterIdLst>
-    <p:notesMasterId r:id="rId5"/>
+    <p:notesMasterId r:id="rId11"/>
   </p:notesMasterIdLst>
   <p:sldIdLst>
-    <p:sldId id="256" r:id="rId6"/>
-    <p:sldId id="257" r:id="rId7"/>
-    <p:sldId id="258" r:id="rId8"/>
-    <p:sldId id="259" r:id="rId9"/>
-    <p:sldId id="260" r:id="rId10"/>
-    <p:sldId id="261" r:id="rId11"/>
-    <p:sldId id="262" r:id="rId12"/>
-    <p:sldId id="263" r:id="rId13"/>
-    <p:sldId id="264" r:id="rId14"/>
+    <p:sldId id="256" r:id="rId2"/>
+    <p:sldId id="257" r:id="rId3"/>
+    <p:sldId id="258" r:id="rId4"/>
+    <p:sldId id="259" r:id="rId5"/>
+    <p:sldId id="260" r:id="rId6"/>
+    <p:sldId id="261" r:id="rId7"/>
+    <p:sldId id="262" r:id="rId8"/>
+    <p:sldId id="263" r:id="rId9"/>
+    <p:sldId id="264" r:id="rId10"/>
   </p:sldIdLst>
-  <p:sldSz cy="5143500" cx="9144000"/>
+  <p:sldSz cx="9144000" cy="5143500" type="screen16x9"/>
   <p:notesSz cx="6858000" cy="9144000"/>
   <p:defaultTextStyle>
-    <a:defPPr marR="0" rtl="0" algn="l">
+    <a:defPPr marR="0" algn="l" rtl="0">
       <a:lnSpc>
         <a:spcPct val="100000"/>
       </a:lnSpc>
@@ -32,7 +32,7 @@
         <a:spcPts val="0"/>
       </a:spcAft>
     </a:defPPr>
-    <a:lvl1pPr marR="0" rtl="0" algn="l">
+    <a:lvl1pPr marR="0" algn="l" rtl="0">
       <a:lnSpc>
         <a:spcPct val="100000"/>
       </a:lnSpc>
@@ -43,7 +43,7 @@
         <a:spcPts val="0"/>
       </a:spcAft>
       <a:buNone/>
-      <a:defRPr b="0" baseline="0" i="0" sz="1400" u="none" cap="none" strike="noStrike">
+      <a:defRPr sz="1400" b="0" i="0" u="none" strike="noStrike" cap="none" baseline="0">
         <a:solidFill>
           <a:srgbClr val="000000"/>
         </a:solidFill>
@@ -54,7 +54,7 @@
         <a:rtl val="0"/>
       </a:defRPr>
     </a:lvl1pPr>
-    <a:lvl2pPr marR="0" rtl="0" algn="l">
+    <a:lvl2pPr marR="0" algn="l" rtl="0">
       <a:lnSpc>
         <a:spcPct val="100000"/>
       </a:lnSpc>
@@ -65,7 +65,7 @@
         <a:spcPts val="0"/>
       </a:spcAft>
       <a:buNone/>
-      <a:defRPr b="0" baseline="0" i="0" sz="1400" u="none" cap="none" strike="noStrike">
+      <a:defRPr sz="1400" b="0" i="0" u="none" strike="noStrike" cap="none" baseline="0">
         <a:solidFill>
           <a:srgbClr val="000000"/>
         </a:solidFill>
@@ -76,7 +76,7 @@
         <a:rtl val="0"/>
       </a:defRPr>
     </a:lvl2pPr>
-    <a:lvl3pPr marR="0" rtl="0" algn="l">
+    <a:lvl3pPr marR="0" algn="l" rtl="0">
       <a:lnSpc>
         <a:spcPct val="100000"/>
       </a:lnSpc>
@@ -87,7 +87,7 @@
         <a:spcPts val="0"/>
       </a:spcAft>
       <a:buNone/>
-      <a:defRPr b="0" baseline="0" i="0" sz="1400" u="none" cap="none" strike="noStrike">
+      <a:defRPr sz="1400" b="0" i="0" u="none" strike="noStrike" cap="none" baseline="0">
         <a:solidFill>
           <a:srgbClr val="000000"/>
         </a:solidFill>
@@ -98,7 +98,7 @@
         <a:rtl val="0"/>
       </a:defRPr>
     </a:lvl3pPr>
-    <a:lvl4pPr marR="0" rtl="0" algn="l">
+    <a:lvl4pPr marR="0" algn="l" rtl="0">
       <a:lnSpc>
         <a:spcPct val="100000"/>
       </a:lnSpc>
@@ -109,7 +109,7 @@
         <a:spcPts val="0"/>
       </a:spcAft>
       <a:buNone/>
-      <a:defRPr b="0" baseline="0" i="0" sz="1400" u="none" cap="none" strike="noStrike">
+      <a:defRPr sz="1400" b="0" i="0" u="none" strike="noStrike" cap="none" baseline="0">
         <a:solidFill>
           <a:srgbClr val="000000"/>
         </a:solidFill>
@@ -120,7 +120,7 @@
         <a:rtl val="0"/>
       </a:defRPr>
     </a:lvl4pPr>
-    <a:lvl5pPr marR="0" rtl="0" algn="l">
+    <a:lvl5pPr marR="0" algn="l" rtl="0">
       <a:lnSpc>
         <a:spcPct val="100000"/>
       </a:lnSpc>
@@ -131,7 +131,7 @@
         <a:spcPts val="0"/>
       </a:spcAft>
       <a:buNone/>
-      <a:defRPr b="0" baseline="0" i="0" sz="1400" u="none" cap="none" strike="noStrike">
+      <a:defRPr sz="1400" b="0" i="0" u="none" strike="noStrike" cap="none" baseline="0">
         <a:solidFill>
           <a:srgbClr val="000000"/>
         </a:solidFill>
@@ -142,7 +142,7 @@
         <a:rtl val="0"/>
       </a:defRPr>
     </a:lvl5pPr>
-    <a:lvl6pPr marR="0" rtl="0" algn="l">
+    <a:lvl6pPr marR="0" algn="l" rtl="0">
       <a:lnSpc>
         <a:spcPct val="100000"/>
       </a:lnSpc>
@@ -153,7 +153,7 @@
         <a:spcPts val="0"/>
       </a:spcAft>
       <a:buNone/>
-      <a:defRPr b="0" baseline="0" i="0" sz="1400" u="none" cap="none" strike="noStrike">
+      <a:defRPr sz="1400" b="0" i="0" u="none" strike="noStrike" cap="none" baseline="0">
         <a:solidFill>
           <a:srgbClr val="000000"/>
         </a:solidFill>
@@ -164,7 +164,7 @@
         <a:rtl val="0"/>
       </a:defRPr>
     </a:lvl6pPr>
-    <a:lvl7pPr marR="0" rtl="0" algn="l">
+    <a:lvl7pPr marR="0" algn="l" rtl="0">
       <a:lnSpc>
         <a:spcPct val="100000"/>
       </a:lnSpc>
@@ -175,7 +175,7 @@
         <a:spcPts val="0"/>
       </a:spcAft>
       <a:buNone/>
-      <a:defRPr b="0" baseline="0" i="0" sz="1400" u="none" cap="none" strike="noStrike">
+      <a:defRPr sz="1400" b="0" i="0" u="none" strike="noStrike" cap="none" baseline="0">
         <a:solidFill>
           <a:srgbClr val="000000"/>
         </a:solidFill>
@@ -186,7 +186,7 @@
         <a:rtl val="0"/>
       </a:defRPr>
     </a:lvl7pPr>
-    <a:lvl8pPr marR="0" rtl="0" algn="l">
+    <a:lvl8pPr marR="0" algn="l" rtl="0">
       <a:lnSpc>
         <a:spcPct val="100000"/>
       </a:lnSpc>
@@ -197,7 +197,7 @@
         <a:spcPts val="0"/>
       </a:spcAft>
       <a:buNone/>
-      <a:defRPr b="0" baseline="0" i="0" sz="1400" u="none" cap="none" strike="noStrike">
+      <a:defRPr sz="1400" b="0" i="0" u="none" strike="noStrike" cap="none" baseline="0">
         <a:solidFill>
           <a:srgbClr val="000000"/>
         </a:solidFill>
@@ -208,7 +208,7 @@
         <a:rtl val="0"/>
       </a:defRPr>
     </a:lvl8pPr>
-    <a:lvl9pPr marR="0" rtl="0" algn="l">
+    <a:lvl9pPr marR="0" algn="l" rtl="0">
       <a:lnSpc>
         <a:spcPct val="100000"/>
       </a:lnSpc>
@@ -219,7 +219,7 @@
         <a:spcPts val="0"/>
       </a:spcAft>
       <a:buNone/>
-      <a:defRPr b="0" baseline="0" i="0" sz="1400" u="none" cap="none" strike="noStrike">
+      <a:defRPr sz="1400" b="0" i="0" u="none" strike="noStrike" cap="none" baseline="0">
         <a:solidFill>
           <a:srgbClr val="000000"/>
         </a:solidFill>
@@ -235,8 +235,13 @@
 </file>
 
 <file path=ppt/notesMasters/notesMaster1.xml><?xml version="1.0" encoding="utf-8"?>
-<p:notesMaster xmlns:a="http://schemas.openxmlformats.org/drawingml/2006/main" xmlns:r="http://schemas.openxmlformats.org/officeDocument/2006/relationships" xmlns:mc="http://schemas.openxmlformats.org/markup-compatibility/2006" xmlns:mv="urn:schemas-microsoft-com:mac:vml" xmlns:p="http://schemas.openxmlformats.org/presentationml/2006/main" xmlns:c="http://schemas.openxmlformats.org/drawingml/2006/chart" xmlns:dgm="http://schemas.openxmlformats.org/drawingml/2006/diagram" xmlns:o="urn:schemas-microsoft-com:office:office" xmlns:v="urn:schemas-microsoft-com:vml" xmlns:pvml="urn:schemas-microsoft-com:office:powerpoint" xmlns:com="http://schemas.openxmlformats.org/drawingml/2006/compatibility" xmlns:p14="http://schemas.microsoft.com/office/powerpoint/2010/main">
+<p:notesMaster xmlns:a="http://schemas.openxmlformats.org/drawingml/2006/main" xmlns:r="http://schemas.openxmlformats.org/officeDocument/2006/relationships" xmlns:p="http://schemas.openxmlformats.org/presentationml/2006/main">
   <p:cSld>
+    <p:bg>
+      <p:bgRef idx="1001">
+        <a:schemeClr val="bg1"/>
+      </p:bgRef>
+    </p:bg>
     <p:spTree>
       <p:nvGrpSpPr>
         <p:cNvPr id="1" name="Shape 1"/>
@@ -254,9 +259,11 @@
       <p:sp>
         <p:nvSpPr>
           <p:cNvPr id="2" name="Shape 2"/>
-          <p:cNvSpPr/>
+          <p:cNvSpPr>
+            <a:spLocks noGrp="1" noRot="1" noChangeAspect="1"/>
+          </p:cNvSpPr>
           <p:nvPr>
-            <p:ph idx="2" type="sldImg"/>
+            <p:ph type="sldImg" idx="2"/>
           </p:nvPr>
         </p:nvSpPr>
         <p:spPr>
@@ -265,8 +272,13 @@
             <a:ext cx="6096299" cy="3429000"/>
           </a:xfrm>
           <a:custGeom>
+            <a:avLst/>
+            <a:gdLst/>
+            <a:ahLst/>
+            <a:cxnLst/>
+            <a:rect l="0" t="0" r="0" b="0"/>
             <a:pathLst>
-              <a:path extrusionOk="0" h="120000" w="120000">
+              <a:path w="120000" h="120000" extrusionOk="0">
                 <a:moveTo>
                   <a:pt x="0" y="0"/>
                 </a:moveTo>
@@ -284,23 +296,25 @@
             </a:pathLst>
           </a:custGeom>
           <a:noFill/>
-          <a:ln cap="flat" w="9525">
+          <a:ln w="9525" cap="flat">
             <a:solidFill>
               <a:srgbClr val="000000"/>
             </a:solidFill>
             <a:prstDash val="solid"/>
             <a:round/>
-            <a:headEnd len="med" w="med" type="none"/>
-            <a:tailEnd len="med" w="med" type="none"/>
+            <a:headEnd type="none" w="med" len="med"/>
+            <a:tailEnd type="none" w="med" len="med"/>
           </a:ln>
         </p:spPr>
       </p:sp>
       <p:sp>
         <p:nvSpPr>
           <p:cNvPr id="3" name="Shape 3"/>
-          <p:cNvSpPr txBox="1"/>
+          <p:cNvSpPr txBox="1">
+            <a:spLocks noGrp="1"/>
+          </p:cNvSpPr>
           <p:nvPr>
-            <p:ph idx="1" type="body"/>
+            <p:ph type="body" idx="1"/>
           </p:nvPr>
         </p:nvSpPr>
         <p:spPr>
@@ -317,7 +331,7 @@
           </a:ln>
         </p:spPr>
         <p:txBody>
-          <a:bodyPr anchorCtr="0" anchor="t" bIns="91425" lIns="91425" rIns="91425" tIns="91425"/>
+          <a:bodyPr lIns="91425" tIns="91425" rIns="91425" bIns="91425" anchor="t" anchorCtr="0"/>
           <a:lstStyle>
             <a:lvl1pPr>
               <a:spcBef>
@@ -374,21 +388,120 @@
               <a:defRPr sz="1100"/>
             </a:lvl9pPr>
           </a:lstStyle>
-          <a:p/>
+          <a:p>
+            <a:endParaRPr/>
+          </a:p>
         </p:txBody>
       </p:sp>
     </p:spTree>
+    <p:extLst>
+      <p:ext uri="{BB962C8B-B14F-4D97-AF65-F5344CB8AC3E}">
+        <p14:creationId xmlns:p14="http://schemas.microsoft.com/office/powerpoint/2010/main" val="863485894"/>
+      </p:ext>
+    </p:extLst>
   </p:cSld>
-  <p:clrMap accent1="accent1" accent2="accent2" accent3="accent3" accent4="accent4" accent5="accent5" accent6="accent6" bg1="lt1" bg2="dk2" tx1="dk1" tx2="lt2" folHlink="folHlink" hlink="hlink"/>
+  <p:clrMap bg1="lt1" tx1="dk1" bg2="dk2" tx2="lt2" accent1="accent1" accent2="accent2" accent3="accent3" accent4="accent4" accent5="accent5" accent6="accent6" hlink="hlink" folHlink="folHlink"/>
+  <p:notesStyle>
+    <a:lvl1pPr marL="0" algn="l" defTabSz="914400" rtl="0" eaLnBrk="1" latinLnBrk="0" hangingPunct="1">
+      <a:defRPr sz="1200" kern="1200">
+        <a:solidFill>
+          <a:schemeClr val="tx1"/>
+        </a:solidFill>
+        <a:latin typeface="+mn-lt"/>
+        <a:ea typeface="+mn-ea"/>
+        <a:cs typeface="+mn-cs"/>
+      </a:defRPr>
+    </a:lvl1pPr>
+    <a:lvl2pPr marL="457200" algn="l" defTabSz="914400" rtl="0" eaLnBrk="1" latinLnBrk="0" hangingPunct="1">
+      <a:defRPr sz="1200" kern="1200">
+        <a:solidFill>
+          <a:schemeClr val="tx1"/>
+        </a:solidFill>
+        <a:latin typeface="+mn-lt"/>
+        <a:ea typeface="+mn-ea"/>
+        <a:cs typeface="+mn-cs"/>
+      </a:defRPr>
+    </a:lvl2pPr>
+    <a:lvl3pPr marL="914400" algn="l" defTabSz="914400" rtl="0" eaLnBrk="1" latinLnBrk="0" hangingPunct="1">
+      <a:defRPr sz="1200" kern="1200">
+        <a:solidFill>
+          <a:schemeClr val="tx1"/>
+        </a:solidFill>
+        <a:latin typeface="+mn-lt"/>
+        <a:ea typeface="+mn-ea"/>
+        <a:cs typeface="+mn-cs"/>
+      </a:defRPr>
+    </a:lvl3pPr>
+    <a:lvl4pPr marL="1371600" algn="l" defTabSz="914400" rtl="0" eaLnBrk="1" latinLnBrk="0" hangingPunct="1">
+      <a:defRPr sz="1200" kern="1200">
+        <a:solidFill>
+          <a:schemeClr val="tx1"/>
+        </a:solidFill>
+        <a:latin typeface="+mn-lt"/>
+        <a:ea typeface="+mn-ea"/>
+        <a:cs typeface="+mn-cs"/>
+      </a:defRPr>
+    </a:lvl4pPr>
+    <a:lvl5pPr marL="1828800" algn="l" defTabSz="914400" rtl="0" eaLnBrk="1" latinLnBrk="0" hangingPunct="1">
+      <a:defRPr sz="1200" kern="1200">
+        <a:solidFill>
+          <a:schemeClr val="tx1"/>
+        </a:solidFill>
+        <a:latin typeface="+mn-lt"/>
+        <a:ea typeface="+mn-ea"/>
+        <a:cs typeface="+mn-cs"/>
+      </a:defRPr>
+    </a:lvl5pPr>
+    <a:lvl6pPr marL="2286000" algn="l" defTabSz="914400" rtl="0" eaLnBrk="1" latinLnBrk="0" hangingPunct="1">
+      <a:defRPr sz="1200" kern="1200">
+        <a:solidFill>
+          <a:schemeClr val="tx1"/>
+        </a:solidFill>
+        <a:latin typeface="+mn-lt"/>
+        <a:ea typeface="+mn-ea"/>
+        <a:cs typeface="+mn-cs"/>
+      </a:defRPr>
+    </a:lvl6pPr>
+    <a:lvl7pPr marL="2743200" algn="l" defTabSz="914400" rtl="0" eaLnBrk="1" latinLnBrk="0" hangingPunct="1">
+      <a:defRPr sz="1200" kern="1200">
+        <a:solidFill>
+          <a:schemeClr val="tx1"/>
+        </a:solidFill>
+        <a:latin typeface="+mn-lt"/>
+        <a:ea typeface="+mn-ea"/>
+        <a:cs typeface="+mn-cs"/>
+      </a:defRPr>
+    </a:lvl7pPr>
+    <a:lvl8pPr marL="3200400" algn="l" defTabSz="914400" rtl="0" eaLnBrk="1" latinLnBrk="0" hangingPunct="1">
+      <a:defRPr sz="1200" kern="1200">
+        <a:solidFill>
+          <a:schemeClr val="tx1"/>
+        </a:solidFill>
+        <a:latin typeface="+mn-lt"/>
+        <a:ea typeface="+mn-ea"/>
+        <a:cs typeface="+mn-cs"/>
+      </a:defRPr>
+    </a:lvl8pPr>
+    <a:lvl9pPr marL="3657600" algn="l" defTabSz="914400" rtl="0" eaLnBrk="1" latinLnBrk="0" hangingPunct="1">
+      <a:defRPr sz="1200" kern="1200">
+        <a:solidFill>
+          <a:schemeClr val="tx1"/>
+        </a:solidFill>
+        <a:latin typeface="+mn-lt"/>
+        <a:ea typeface="+mn-ea"/>
+        <a:cs typeface="+mn-cs"/>
+      </a:defRPr>
+    </a:lvl9pPr>
+  </p:notesStyle>
 </p:notesMaster>
 </file>
 
 <file path=ppt/notesSlides/notesSlide1.xml><?xml version="1.0" encoding="utf-8"?>
-<p:notes xmlns:a="http://schemas.openxmlformats.org/drawingml/2006/main" xmlns:r="http://schemas.openxmlformats.org/officeDocument/2006/relationships" xmlns:mc="http://schemas.openxmlformats.org/markup-compatibility/2006" xmlns:mv="urn:schemas-microsoft-com:mac:vml" xmlns:p="http://schemas.openxmlformats.org/presentationml/2006/main" xmlns:c="http://schemas.openxmlformats.org/drawingml/2006/chart" xmlns:dgm="http://schemas.openxmlformats.org/drawingml/2006/diagram" xmlns:o="urn:schemas-microsoft-com:office:office" xmlns:v="urn:schemas-microsoft-com:vml" xmlns:pvml="urn:schemas-microsoft-com:office:powerpoint" xmlns:com="http://schemas.openxmlformats.org/drawingml/2006/compatibility" xmlns:p14="http://schemas.microsoft.com/office/powerpoint/2010/main" showMasterPhAnim="0" showMasterSp="0">
+<p:notes xmlns:a="http://schemas.openxmlformats.org/drawingml/2006/main" xmlns:r="http://schemas.openxmlformats.org/officeDocument/2006/relationships" xmlns:p="http://schemas.openxmlformats.org/presentationml/2006/main" showMasterSp="0" showMasterPhAnim="0">
   <p:cSld>
     <p:spTree>
       <p:nvGrpSpPr>
-        <p:cNvPr id="50" name="Shape 50"/>
+        <p:cNvPr id="1" name="Shape 50"/>
         <p:cNvGrpSpPr/>
         <p:nvPr/>
       </p:nvGrpSpPr>
@@ -403,9 +516,11 @@
       <p:sp>
         <p:nvSpPr>
           <p:cNvPr id="51" name="Shape 51"/>
-          <p:cNvSpPr/>
+          <p:cNvSpPr>
+            <a:spLocks noGrp="1" noRot="1" noChangeAspect="1"/>
+          </p:cNvSpPr>
           <p:nvPr>
-            <p:ph idx="2" type="sldImg"/>
+            <p:ph type="sldImg" idx="2"/>
           </p:nvPr>
         </p:nvSpPr>
         <p:spPr>
@@ -414,8 +529,13 @@
             <a:ext cx="6096299" cy="3429000"/>
           </a:xfrm>
           <a:custGeom>
+            <a:avLst/>
+            <a:gdLst/>
+            <a:ahLst/>
+            <a:cxnLst/>
+            <a:rect l="0" t="0" r="0" b="0"/>
             <a:pathLst>
-              <a:path extrusionOk="0" h="120000" w="120000">
+              <a:path w="120000" h="120000" extrusionOk="0">
                 <a:moveTo>
                   <a:pt x="0" y="0"/>
                 </a:moveTo>
@@ -433,23 +553,25 @@
             </a:pathLst>
           </a:custGeom>
           <a:noFill/>
-          <a:ln cap="flat" w="9525">
+          <a:ln w="9525" cap="flat">
             <a:solidFill>
               <a:srgbClr val="000000"/>
             </a:solidFill>
             <a:prstDash val="solid"/>
             <a:round/>
-            <a:headEnd len="med" w="med" type="none"/>
-            <a:tailEnd len="med" w="med" type="none"/>
+            <a:headEnd type="none" w="med" len="med"/>
+            <a:tailEnd type="none" w="med" len="med"/>
           </a:ln>
         </p:spPr>
       </p:sp>
       <p:sp>
         <p:nvSpPr>
           <p:cNvPr id="52" name="Shape 52"/>
-          <p:cNvSpPr txBox="1"/>
+          <p:cNvSpPr txBox="1">
+            <a:spLocks noGrp="1"/>
+          </p:cNvSpPr>
           <p:nvPr>
-            <p:ph idx="1" type="body"/>
+            <p:ph type="body" idx="1"/>
           </p:nvPr>
         </p:nvSpPr>
         <p:spPr>
@@ -462,7 +584,7 @@
           </a:prstGeom>
         </p:spPr>
         <p:txBody>
-          <a:bodyPr anchorCtr="0" anchor="t" bIns="91425" lIns="91425" rIns="91425" tIns="91425">
+          <a:bodyPr lIns="91425" tIns="91425" rIns="91425" bIns="91425" anchor="t" anchorCtr="0">
             <a:noAutofit/>
           </a:bodyPr>
           <a:lstStyle/>
@@ -473,9 +595,6 @@
               </a:spcBef>
               <a:buNone/>
             </a:pPr>
-            <a:r>
-              <a:t/>
-            </a:r>
             <a:endParaRPr/>
           </a:p>
         </p:txBody>
@@ -489,11 +608,11 @@
 </file>
 
 <file path=ppt/notesSlides/notesSlide2.xml><?xml version="1.0" encoding="utf-8"?>
-<p:notes xmlns:a="http://schemas.openxmlformats.org/drawingml/2006/main" xmlns:r="http://schemas.openxmlformats.org/officeDocument/2006/relationships" xmlns:mc="http://schemas.openxmlformats.org/markup-compatibility/2006" xmlns:mv="urn:schemas-microsoft-com:mac:vml" xmlns:p="http://schemas.openxmlformats.org/presentationml/2006/main" xmlns:c="http://schemas.openxmlformats.org/drawingml/2006/chart" xmlns:dgm="http://schemas.openxmlformats.org/drawingml/2006/diagram" xmlns:o="urn:schemas-microsoft-com:office:office" xmlns:v="urn:schemas-microsoft-com:vml" xmlns:pvml="urn:schemas-microsoft-com:office:powerpoint" xmlns:com="http://schemas.openxmlformats.org/drawingml/2006/compatibility" xmlns:p14="http://schemas.microsoft.com/office/powerpoint/2010/main" showMasterPhAnim="0" showMasterSp="0">
+<p:notes xmlns:a="http://schemas.openxmlformats.org/drawingml/2006/main" xmlns:r="http://schemas.openxmlformats.org/officeDocument/2006/relationships" xmlns:p="http://schemas.openxmlformats.org/presentationml/2006/main" showMasterSp="0" showMasterPhAnim="0">
   <p:cSld>
     <p:spTree>
       <p:nvGrpSpPr>
-        <p:cNvPr id="57" name="Shape 57"/>
+        <p:cNvPr id="1" name="Shape 57"/>
         <p:cNvGrpSpPr/>
         <p:nvPr/>
       </p:nvGrpSpPr>
@@ -508,19 +627,26 @@
       <p:sp>
         <p:nvSpPr>
           <p:cNvPr id="58" name="Shape 58"/>
-          <p:cNvSpPr/>
+          <p:cNvSpPr>
+            <a:spLocks noGrp="1" noRot="1" noChangeAspect="1"/>
+          </p:cNvSpPr>
           <p:nvPr>
-            <p:ph idx="2" type="sldImg"/>
+            <p:ph type="sldImg" idx="2"/>
           </p:nvPr>
         </p:nvSpPr>
         <p:spPr>
           <a:xfrm>
-            <a:off x="381187" y="685800"/>
-            <a:ext cx="6096299" cy="3429000"/>
+            <a:off x="381000" y="685800"/>
+            <a:ext cx="6096000" cy="3429000"/>
           </a:xfrm>
           <a:custGeom>
+            <a:avLst/>
+            <a:gdLst/>
+            <a:ahLst/>
+            <a:cxnLst/>
+            <a:rect l="0" t="0" r="0" b="0"/>
             <a:pathLst>
-              <a:path extrusionOk="0" h="120000" w="120000">
+              <a:path w="120000" h="120000" extrusionOk="0">
                 <a:moveTo>
                   <a:pt x="0" y="0"/>
                 </a:moveTo>
@@ -538,23 +664,25 @@
             </a:pathLst>
           </a:custGeom>
           <a:noFill/>
-          <a:ln cap="flat" w="9525">
+          <a:ln w="9525" cap="flat">
             <a:solidFill>
               <a:srgbClr val="000000"/>
             </a:solidFill>
             <a:prstDash val="solid"/>
             <a:round/>
-            <a:headEnd len="med" w="med" type="none"/>
-            <a:tailEnd len="med" w="med" type="none"/>
+            <a:headEnd type="none" w="med" len="med"/>
+            <a:tailEnd type="none" w="med" len="med"/>
           </a:ln>
         </p:spPr>
       </p:sp>
       <p:sp>
         <p:nvSpPr>
           <p:cNvPr id="59" name="Shape 59"/>
-          <p:cNvSpPr txBox="1"/>
+          <p:cNvSpPr txBox="1">
+            <a:spLocks noGrp="1"/>
+          </p:cNvSpPr>
           <p:nvPr>
-            <p:ph idx="1" type="body"/>
+            <p:ph type="body" idx="1"/>
           </p:nvPr>
         </p:nvSpPr>
         <p:spPr>
@@ -567,7 +695,7 @@
           </a:prstGeom>
         </p:spPr>
         <p:txBody>
-          <a:bodyPr anchorCtr="0" anchor="t" bIns="91425" lIns="91425" rIns="91425" tIns="91425">
+          <a:bodyPr lIns="91425" tIns="91425" rIns="91425" bIns="91425" anchor="t" anchorCtr="0">
             <a:noAutofit/>
           </a:bodyPr>
           <a:lstStyle/>
@@ -578,9 +706,6 @@
               </a:spcBef>
               <a:buNone/>
             </a:pPr>
-            <a:r>
-              <a:t/>
-            </a:r>
             <a:endParaRPr/>
           </a:p>
         </p:txBody>
@@ -594,11 +719,11 @@
 </file>
 
 <file path=ppt/notesSlides/notesSlide3.xml><?xml version="1.0" encoding="utf-8"?>
-<p:notes xmlns:a="http://schemas.openxmlformats.org/drawingml/2006/main" xmlns:r="http://schemas.openxmlformats.org/officeDocument/2006/relationships" xmlns:mc="http://schemas.openxmlformats.org/markup-compatibility/2006" xmlns:mv="urn:schemas-microsoft-com:mac:vml" xmlns:p="http://schemas.openxmlformats.org/presentationml/2006/main" xmlns:c="http://schemas.openxmlformats.org/drawingml/2006/chart" xmlns:dgm="http://schemas.openxmlformats.org/drawingml/2006/diagram" xmlns:o="urn:schemas-microsoft-com:office:office" xmlns:v="urn:schemas-microsoft-com:vml" xmlns:pvml="urn:schemas-microsoft-com:office:powerpoint" xmlns:com="http://schemas.openxmlformats.org/drawingml/2006/compatibility" xmlns:p14="http://schemas.microsoft.com/office/powerpoint/2010/main" showMasterPhAnim="0" showMasterSp="0">
+<p:notes xmlns:a="http://schemas.openxmlformats.org/drawingml/2006/main" xmlns:r="http://schemas.openxmlformats.org/officeDocument/2006/relationships" xmlns:p="http://schemas.openxmlformats.org/presentationml/2006/main" showMasterSp="0" showMasterPhAnim="0">
   <p:cSld>
     <p:spTree>
       <p:nvGrpSpPr>
-        <p:cNvPr id="63" name="Shape 63"/>
+        <p:cNvPr id="1" name="Shape 63"/>
         <p:cNvGrpSpPr/>
         <p:nvPr/>
       </p:nvGrpSpPr>
@@ -613,19 +738,26 @@
       <p:sp>
         <p:nvSpPr>
           <p:cNvPr id="64" name="Shape 64"/>
-          <p:cNvSpPr/>
+          <p:cNvSpPr>
+            <a:spLocks noGrp="1" noRot="1" noChangeAspect="1"/>
+          </p:cNvSpPr>
           <p:nvPr>
-            <p:ph idx="2" type="sldImg"/>
+            <p:ph type="sldImg" idx="2"/>
           </p:nvPr>
         </p:nvSpPr>
         <p:spPr>
           <a:xfrm>
-            <a:off x="381187" y="685800"/>
-            <a:ext cx="6096299" cy="3429000"/>
+            <a:off x="381000" y="685800"/>
+            <a:ext cx="6096000" cy="3429000"/>
           </a:xfrm>
           <a:custGeom>
+            <a:avLst/>
+            <a:gdLst/>
+            <a:ahLst/>
+            <a:cxnLst/>
+            <a:rect l="0" t="0" r="0" b="0"/>
             <a:pathLst>
-              <a:path extrusionOk="0" h="120000" w="120000">
+              <a:path w="120000" h="120000" extrusionOk="0">
                 <a:moveTo>
                   <a:pt x="0" y="0"/>
                 </a:moveTo>
@@ -643,23 +775,25 @@
             </a:pathLst>
           </a:custGeom>
           <a:noFill/>
-          <a:ln cap="flat" w="9525">
+          <a:ln w="9525" cap="flat">
             <a:solidFill>
               <a:srgbClr val="000000"/>
             </a:solidFill>
             <a:prstDash val="solid"/>
             <a:round/>
-            <a:headEnd len="med" w="med" type="none"/>
-            <a:tailEnd len="med" w="med" type="none"/>
+            <a:headEnd type="none" w="med" len="med"/>
+            <a:tailEnd type="none" w="med" len="med"/>
           </a:ln>
         </p:spPr>
       </p:sp>
       <p:sp>
         <p:nvSpPr>
           <p:cNvPr id="65" name="Shape 65"/>
-          <p:cNvSpPr txBox="1"/>
+          <p:cNvSpPr txBox="1">
+            <a:spLocks noGrp="1"/>
+          </p:cNvSpPr>
           <p:nvPr>
-            <p:ph idx="1" type="body"/>
+            <p:ph type="body" idx="1"/>
           </p:nvPr>
         </p:nvSpPr>
         <p:spPr>
@@ -672,7 +806,7 @@
           </a:prstGeom>
         </p:spPr>
         <p:txBody>
-          <a:bodyPr anchorCtr="0" anchor="t" bIns="91425" lIns="91425" rIns="91425" tIns="91425">
+          <a:bodyPr lIns="91425" tIns="91425" rIns="91425" bIns="91425" anchor="t" anchorCtr="0">
             <a:noAutofit/>
           </a:bodyPr>
           <a:lstStyle/>
@@ -683,9 +817,6 @@
               </a:spcBef>
               <a:buNone/>
             </a:pPr>
-            <a:r>
-              <a:t/>
-            </a:r>
             <a:endParaRPr/>
           </a:p>
         </p:txBody>
@@ -699,11 +830,11 @@
 </file>
 
 <file path=ppt/notesSlides/notesSlide4.xml><?xml version="1.0" encoding="utf-8"?>
-<p:notes xmlns:a="http://schemas.openxmlformats.org/drawingml/2006/main" xmlns:r="http://schemas.openxmlformats.org/officeDocument/2006/relationships" xmlns:mc="http://schemas.openxmlformats.org/markup-compatibility/2006" xmlns:mv="urn:schemas-microsoft-com:mac:vml" xmlns:p="http://schemas.openxmlformats.org/presentationml/2006/main" xmlns:c="http://schemas.openxmlformats.org/drawingml/2006/chart" xmlns:dgm="http://schemas.openxmlformats.org/drawingml/2006/diagram" xmlns:o="urn:schemas-microsoft-com:office:office" xmlns:v="urn:schemas-microsoft-com:vml" xmlns:pvml="urn:schemas-microsoft-com:office:powerpoint" xmlns:com="http://schemas.openxmlformats.org/drawingml/2006/compatibility" xmlns:p14="http://schemas.microsoft.com/office/powerpoint/2010/main" showMasterPhAnim="0" showMasterSp="0">
+<p:notes xmlns:a="http://schemas.openxmlformats.org/drawingml/2006/main" xmlns:r="http://schemas.openxmlformats.org/officeDocument/2006/relationships" xmlns:p="http://schemas.openxmlformats.org/presentationml/2006/main" showMasterSp="0" showMasterPhAnim="0">
   <p:cSld>
     <p:spTree>
       <p:nvGrpSpPr>
-        <p:cNvPr id="69" name="Shape 69"/>
+        <p:cNvPr id="1" name="Shape 69"/>
         <p:cNvGrpSpPr/>
         <p:nvPr/>
       </p:nvGrpSpPr>
@@ -718,19 +849,26 @@
       <p:sp>
         <p:nvSpPr>
           <p:cNvPr id="70" name="Shape 70"/>
-          <p:cNvSpPr/>
+          <p:cNvSpPr>
+            <a:spLocks noGrp="1" noRot="1" noChangeAspect="1"/>
+          </p:cNvSpPr>
           <p:nvPr>
-            <p:ph idx="2" type="sldImg"/>
+            <p:ph type="sldImg" idx="2"/>
           </p:nvPr>
         </p:nvSpPr>
         <p:spPr>
           <a:xfrm>
-            <a:off x="381187" y="685800"/>
-            <a:ext cx="6096299" cy="3429000"/>
+            <a:off x="381000" y="685800"/>
+            <a:ext cx="6096000" cy="3429000"/>
           </a:xfrm>
           <a:custGeom>
+            <a:avLst/>
+            <a:gdLst/>
+            <a:ahLst/>
+            <a:cxnLst/>
+            <a:rect l="0" t="0" r="0" b="0"/>
             <a:pathLst>
-              <a:path extrusionOk="0" h="120000" w="120000">
+              <a:path w="120000" h="120000" extrusionOk="0">
                 <a:moveTo>
                   <a:pt x="0" y="0"/>
                 </a:moveTo>
@@ -748,23 +886,25 @@
             </a:pathLst>
           </a:custGeom>
           <a:noFill/>
-          <a:ln cap="flat" w="9525">
+          <a:ln w="9525" cap="flat">
             <a:solidFill>
               <a:srgbClr val="000000"/>
             </a:solidFill>
             <a:prstDash val="solid"/>
             <a:round/>
-            <a:headEnd len="med" w="med" type="none"/>
-            <a:tailEnd len="med" w="med" type="none"/>
+            <a:headEnd type="none" w="med" len="med"/>
+            <a:tailEnd type="none" w="med" len="med"/>
           </a:ln>
         </p:spPr>
       </p:sp>
       <p:sp>
         <p:nvSpPr>
           <p:cNvPr id="71" name="Shape 71"/>
-          <p:cNvSpPr txBox="1"/>
+          <p:cNvSpPr txBox="1">
+            <a:spLocks noGrp="1"/>
+          </p:cNvSpPr>
           <p:nvPr>
-            <p:ph idx="1" type="body"/>
+            <p:ph type="body" idx="1"/>
           </p:nvPr>
         </p:nvSpPr>
         <p:spPr>
@@ -777,7 +917,7 @@
           </a:prstGeom>
         </p:spPr>
         <p:txBody>
-          <a:bodyPr anchorCtr="0" anchor="t" bIns="91425" lIns="91425" rIns="91425" tIns="91425">
+          <a:bodyPr lIns="91425" tIns="91425" rIns="91425" bIns="91425" anchor="t" anchorCtr="0">
             <a:noAutofit/>
           </a:bodyPr>
           <a:lstStyle/>
@@ -788,9 +928,6 @@
               </a:spcBef>
               <a:buNone/>
             </a:pPr>
-            <a:r>
-              <a:t/>
-            </a:r>
             <a:endParaRPr/>
           </a:p>
         </p:txBody>
@@ -804,11 +941,11 @@
 </file>
 
 <file path=ppt/notesSlides/notesSlide5.xml><?xml version="1.0" encoding="utf-8"?>
-<p:notes xmlns:a="http://schemas.openxmlformats.org/drawingml/2006/main" xmlns:r="http://schemas.openxmlformats.org/officeDocument/2006/relationships" xmlns:mc="http://schemas.openxmlformats.org/markup-compatibility/2006" xmlns:mv="urn:schemas-microsoft-com:mac:vml" xmlns:p="http://schemas.openxmlformats.org/presentationml/2006/main" xmlns:c="http://schemas.openxmlformats.org/drawingml/2006/chart" xmlns:dgm="http://schemas.openxmlformats.org/drawingml/2006/diagram" xmlns:o="urn:schemas-microsoft-com:office:office" xmlns:v="urn:schemas-microsoft-com:vml" xmlns:pvml="urn:schemas-microsoft-com:office:powerpoint" xmlns:com="http://schemas.openxmlformats.org/drawingml/2006/compatibility" xmlns:p14="http://schemas.microsoft.com/office/powerpoint/2010/main" showMasterPhAnim="0" showMasterSp="0">
+<p:notes xmlns:a="http://schemas.openxmlformats.org/drawingml/2006/main" xmlns:r="http://schemas.openxmlformats.org/officeDocument/2006/relationships" xmlns:p="http://schemas.openxmlformats.org/presentationml/2006/main" showMasterSp="0" showMasterPhAnim="0">
   <p:cSld>
     <p:spTree>
       <p:nvGrpSpPr>
-        <p:cNvPr id="75" name="Shape 75"/>
+        <p:cNvPr id="1" name="Shape 75"/>
         <p:cNvGrpSpPr/>
         <p:nvPr/>
       </p:nvGrpSpPr>
@@ -823,19 +960,26 @@
       <p:sp>
         <p:nvSpPr>
           <p:cNvPr id="76" name="Shape 76"/>
-          <p:cNvSpPr/>
+          <p:cNvSpPr>
+            <a:spLocks noGrp="1" noRot="1" noChangeAspect="1"/>
+          </p:cNvSpPr>
           <p:nvPr>
-            <p:ph idx="2" type="sldImg"/>
+            <p:ph type="sldImg" idx="2"/>
           </p:nvPr>
         </p:nvSpPr>
         <p:spPr>
           <a:xfrm>
-            <a:off x="381187" y="685800"/>
-            <a:ext cx="6096299" cy="3429000"/>
+            <a:off x="381000" y="685800"/>
+            <a:ext cx="6096000" cy="3429000"/>
           </a:xfrm>
           <a:custGeom>
+            <a:avLst/>
+            <a:gdLst/>
+            <a:ahLst/>
+            <a:cxnLst/>
+            <a:rect l="0" t="0" r="0" b="0"/>
             <a:pathLst>
-              <a:path extrusionOk="0" h="120000" w="120000">
+              <a:path w="120000" h="120000" extrusionOk="0">
                 <a:moveTo>
                   <a:pt x="0" y="0"/>
                 </a:moveTo>
@@ -853,23 +997,25 @@
             </a:pathLst>
           </a:custGeom>
           <a:noFill/>
-          <a:ln cap="flat" w="9525">
+          <a:ln w="9525" cap="flat">
             <a:solidFill>
               <a:srgbClr val="000000"/>
             </a:solidFill>
             <a:prstDash val="solid"/>
             <a:round/>
-            <a:headEnd len="med" w="med" type="none"/>
-            <a:tailEnd len="med" w="med" type="none"/>
+            <a:headEnd type="none" w="med" len="med"/>
+            <a:tailEnd type="none" w="med" len="med"/>
           </a:ln>
         </p:spPr>
       </p:sp>
       <p:sp>
         <p:nvSpPr>
           <p:cNvPr id="77" name="Shape 77"/>
-          <p:cNvSpPr txBox="1"/>
+          <p:cNvSpPr txBox="1">
+            <a:spLocks noGrp="1"/>
+          </p:cNvSpPr>
           <p:nvPr>
-            <p:ph idx="1" type="body"/>
+            <p:ph type="body" idx="1"/>
           </p:nvPr>
         </p:nvSpPr>
         <p:spPr>
@@ -882,7 +1028,7 @@
           </a:prstGeom>
         </p:spPr>
         <p:txBody>
-          <a:bodyPr anchorCtr="0" anchor="t" bIns="91425" lIns="91425" rIns="91425" tIns="91425">
+          <a:bodyPr lIns="91425" tIns="91425" rIns="91425" bIns="91425" anchor="t" anchorCtr="0">
             <a:noAutofit/>
           </a:bodyPr>
           <a:lstStyle/>
@@ -893,9 +1039,6 @@
               </a:spcBef>
               <a:buNone/>
             </a:pPr>
-            <a:r>
-              <a:t/>
-            </a:r>
             <a:endParaRPr/>
           </a:p>
         </p:txBody>
@@ -909,11 +1052,11 @@
 </file>
 
 <file path=ppt/notesSlides/notesSlide6.xml><?xml version="1.0" encoding="utf-8"?>
-<p:notes xmlns:a="http://schemas.openxmlformats.org/drawingml/2006/main" xmlns:r="http://schemas.openxmlformats.org/officeDocument/2006/relationships" xmlns:mc="http://schemas.openxmlformats.org/markup-compatibility/2006" xmlns:mv="urn:schemas-microsoft-com:mac:vml" xmlns:p="http://schemas.openxmlformats.org/presentationml/2006/main" xmlns:c="http://schemas.openxmlformats.org/drawingml/2006/chart" xmlns:dgm="http://schemas.openxmlformats.org/drawingml/2006/diagram" xmlns:o="urn:schemas-microsoft-com:office:office" xmlns:v="urn:schemas-microsoft-com:vml" xmlns:pvml="urn:schemas-microsoft-com:office:powerpoint" xmlns:com="http://schemas.openxmlformats.org/drawingml/2006/compatibility" xmlns:p14="http://schemas.microsoft.com/office/powerpoint/2010/main" showMasterPhAnim="0" showMasterSp="0">
+<p:notes xmlns:a="http://schemas.openxmlformats.org/drawingml/2006/main" xmlns:r="http://schemas.openxmlformats.org/officeDocument/2006/relationships" xmlns:p="http://schemas.openxmlformats.org/presentationml/2006/main" showMasterSp="0" showMasterPhAnim="0">
   <p:cSld>
     <p:spTree>
       <p:nvGrpSpPr>
-        <p:cNvPr id="82" name="Shape 82"/>
+        <p:cNvPr id="1" name="Shape 82"/>
         <p:cNvGrpSpPr/>
         <p:nvPr/>
       </p:nvGrpSpPr>
@@ -928,19 +1071,26 @@
       <p:sp>
         <p:nvSpPr>
           <p:cNvPr id="83" name="Shape 83"/>
-          <p:cNvSpPr/>
+          <p:cNvSpPr>
+            <a:spLocks noGrp="1" noRot="1" noChangeAspect="1"/>
+          </p:cNvSpPr>
           <p:nvPr>
-            <p:ph idx="2" type="sldImg"/>
+            <p:ph type="sldImg" idx="2"/>
           </p:nvPr>
         </p:nvSpPr>
         <p:spPr>
           <a:xfrm>
-            <a:off x="381187" y="685800"/>
-            <a:ext cx="6096299" cy="3429000"/>
+            <a:off x="381000" y="685800"/>
+            <a:ext cx="6096000" cy="3429000"/>
           </a:xfrm>
           <a:custGeom>
+            <a:avLst/>
+            <a:gdLst/>
+            <a:ahLst/>
+            <a:cxnLst/>
+            <a:rect l="0" t="0" r="0" b="0"/>
             <a:pathLst>
-              <a:path extrusionOk="0" h="120000" w="120000">
+              <a:path w="120000" h="120000" extrusionOk="0">
                 <a:moveTo>
                   <a:pt x="0" y="0"/>
                 </a:moveTo>
@@ -958,23 +1108,25 @@
             </a:pathLst>
           </a:custGeom>
           <a:noFill/>
-          <a:ln cap="flat" w="9525">
+          <a:ln w="9525" cap="flat">
             <a:solidFill>
               <a:srgbClr val="000000"/>
             </a:solidFill>
             <a:prstDash val="solid"/>
             <a:round/>
-            <a:headEnd len="med" w="med" type="none"/>
-            <a:tailEnd len="med" w="med" type="none"/>
+            <a:headEnd type="none" w="med" len="med"/>
+            <a:tailEnd type="none" w="med" len="med"/>
           </a:ln>
         </p:spPr>
       </p:sp>
       <p:sp>
         <p:nvSpPr>
           <p:cNvPr id="84" name="Shape 84"/>
-          <p:cNvSpPr txBox="1"/>
+          <p:cNvSpPr txBox="1">
+            <a:spLocks noGrp="1"/>
+          </p:cNvSpPr>
           <p:nvPr>
-            <p:ph idx="1" type="body"/>
+            <p:ph type="body" idx="1"/>
           </p:nvPr>
         </p:nvSpPr>
         <p:spPr>
@@ -987,7 +1139,7 @@
           </a:prstGeom>
         </p:spPr>
         <p:txBody>
-          <a:bodyPr anchorCtr="0" anchor="t" bIns="91425" lIns="91425" rIns="91425" tIns="91425">
+          <a:bodyPr lIns="91425" tIns="91425" rIns="91425" bIns="91425" anchor="t" anchorCtr="0">
             <a:noAutofit/>
           </a:bodyPr>
           <a:lstStyle/>
@@ -998,9 +1150,6 @@
               </a:spcBef>
               <a:buNone/>
             </a:pPr>
-            <a:r>
-              <a:t/>
-            </a:r>
             <a:endParaRPr/>
           </a:p>
         </p:txBody>
@@ -1014,11 +1163,11 @@
 </file>
 
 <file path=ppt/notesSlides/notesSlide7.xml><?xml version="1.0" encoding="utf-8"?>
-<p:notes xmlns:a="http://schemas.openxmlformats.org/drawingml/2006/main" xmlns:r="http://schemas.openxmlformats.org/officeDocument/2006/relationships" xmlns:mc="http://schemas.openxmlformats.org/markup-compatibility/2006" xmlns:mv="urn:schemas-microsoft-com:mac:vml" xmlns:p="http://schemas.openxmlformats.org/presentationml/2006/main" xmlns:c="http://schemas.openxmlformats.org/drawingml/2006/chart" xmlns:dgm="http://schemas.openxmlformats.org/drawingml/2006/diagram" xmlns:o="urn:schemas-microsoft-com:office:office" xmlns:v="urn:schemas-microsoft-com:vml" xmlns:pvml="urn:schemas-microsoft-com:office:powerpoint" xmlns:com="http://schemas.openxmlformats.org/drawingml/2006/compatibility" xmlns:p14="http://schemas.microsoft.com/office/powerpoint/2010/main" showMasterPhAnim="0" showMasterSp="0">
+<p:notes xmlns:a="http://schemas.openxmlformats.org/drawingml/2006/main" xmlns:r="http://schemas.openxmlformats.org/officeDocument/2006/relationships" xmlns:p="http://schemas.openxmlformats.org/presentationml/2006/main" showMasterSp="0" showMasterPhAnim="0">
   <p:cSld>
     <p:spTree>
       <p:nvGrpSpPr>
-        <p:cNvPr id="88" name="Shape 88"/>
+        <p:cNvPr id="1" name="Shape 88"/>
         <p:cNvGrpSpPr/>
         <p:nvPr/>
       </p:nvGrpSpPr>
@@ -1033,19 +1182,26 @@
       <p:sp>
         <p:nvSpPr>
           <p:cNvPr id="89" name="Shape 89"/>
-          <p:cNvSpPr/>
+          <p:cNvSpPr>
+            <a:spLocks noGrp="1" noRot="1" noChangeAspect="1"/>
+          </p:cNvSpPr>
           <p:nvPr>
-            <p:ph idx="2" type="sldImg"/>
+            <p:ph type="sldImg" idx="2"/>
           </p:nvPr>
         </p:nvSpPr>
         <p:spPr>
           <a:xfrm>
-            <a:off x="381187" y="685800"/>
-            <a:ext cx="6096299" cy="3429000"/>
+            <a:off x="381000" y="685800"/>
+            <a:ext cx="6096000" cy="3429000"/>
           </a:xfrm>
           <a:custGeom>
+            <a:avLst/>
+            <a:gdLst/>
+            <a:ahLst/>
+            <a:cxnLst/>
+            <a:rect l="0" t="0" r="0" b="0"/>
             <a:pathLst>
-              <a:path extrusionOk="0" h="120000" w="120000">
+              <a:path w="120000" h="120000" extrusionOk="0">
                 <a:moveTo>
                   <a:pt x="0" y="0"/>
                 </a:moveTo>
@@ -1063,23 +1219,25 @@
             </a:pathLst>
           </a:custGeom>
           <a:noFill/>
-          <a:ln cap="flat" w="9525">
+          <a:ln w="9525" cap="flat">
             <a:solidFill>
               <a:srgbClr val="000000"/>
             </a:solidFill>
             <a:prstDash val="solid"/>
             <a:round/>
-            <a:headEnd len="med" w="med" type="none"/>
-            <a:tailEnd len="med" w="med" type="none"/>
+            <a:headEnd type="none" w="med" len="med"/>
+            <a:tailEnd type="none" w="med" len="med"/>
           </a:ln>
         </p:spPr>
       </p:sp>
       <p:sp>
         <p:nvSpPr>
           <p:cNvPr id="90" name="Shape 90"/>
-          <p:cNvSpPr txBox="1"/>
+          <p:cNvSpPr txBox="1">
+            <a:spLocks noGrp="1"/>
+          </p:cNvSpPr>
           <p:nvPr>
-            <p:ph idx="1" type="body"/>
+            <p:ph type="body" idx="1"/>
           </p:nvPr>
         </p:nvSpPr>
         <p:spPr>
@@ -1092,7 +1250,7 @@
           </a:prstGeom>
         </p:spPr>
         <p:txBody>
-          <a:bodyPr anchorCtr="0" anchor="t" bIns="91425" lIns="91425" rIns="91425" tIns="91425">
+          <a:bodyPr lIns="91425" tIns="91425" rIns="91425" bIns="91425" anchor="t" anchorCtr="0">
             <a:noAutofit/>
           </a:bodyPr>
           <a:lstStyle/>
@@ -1103,9 +1261,6 @@
               </a:spcBef>
               <a:buNone/>
             </a:pPr>
-            <a:r>
-              <a:t/>
-            </a:r>
             <a:endParaRPr/>
           </a:p>
         </p:txBody>
@@ -1119,11 +1274,11 @@
 </file>
 
 <file path=ppt/notesSlides/notesSlide8.xml><?xml version="1.0" encoding="utf-8"?>
-<p:notes xmlns:a="http://schemas.openxmlformats.org/drawingml/2006/main" xmlns:r="http://schemas.openxmlformats.org/officeDocument/2006/relationships" xmlns:mc="http://schemas.openxmlformats.org/markup-compatibility/2006" xmlns:mv="urn:schemas-microsoft-com:mac:vml" xmlns:p="http://schemas.openxmlformats.org/presentationml/2006/main" xmlns:c="http://schemas.openxmlformats.org/drawingml/2006/chart" xmlns:dgm="http://schemas.openxmlformats.org/drawingml/2006/diagram" xmlns:o="urn:schemas-microsoft-com:office:office" xmlns:v="urn:schemas-microsoft-com:vml" xmlns:pvml="urn:schemas-microsoft-com:office:powerpoint" xmlns:com="http://schemas.openxmlformats.org/drawingml/2006/compatibility" xmlns:p14="http://schemas.microsoft.com/office/powerpoint/2010/main" showMasterPhAnim="0" showMasterSp="0">
+<p:notes xmlns:a="http://schemas.openxmlformats.org/drawingml/2006/main" xmlns:r="http://schemas.openxmlformats.org/officeDocument/2006/relationships" xmlns:p="http://schemas.openxmlformats.org/presentationml/2006/main" showMasterSp="0" showMasterPhAnim="0">
   <p:cSld>
     <p:spTree>
       <p:nvGrpSpPr>
-        <p:cNvPr id="94" name="Shape 94"/>
+        <p:cNvPr id="1" name="Shape 94"/>
         <p:cNvGrpSpPr/>
         <p:nvPr/>
       </p:nvGrpSpPr>
@@ -1138,19 +1293,26 @@
       <p:sp>
         <p:nvSpPr>
           <p:cNvPr id="95" name="Shape 95"/>
-          <p:cNvSpPr/>
+          <p:cNvSpPr>
+            <a:spLocks noGrp="1" noRot="1" noChangeAspect="1"/>
+          </p:cNvSpPr>
           <p:nvPr>
-            <p:ph idx="2" type="sldImg"/>
+            <p:ph type="sldImg" idx="2"/>
           </p:nvPr>
         </p:nvSpPr>
         <p:spPr>
           <a:xfrm>
-            <a:off x="381187" y="685800"/>
-            <a:ext cx="6096299" cy="3429000"/>
+            <a:off x="381000" y="685800"/>
+            <a:ext cx="6096000" cy="3429000"/>
           </a:xfrm>
           <a:custGeom>
+            <a:avLst/>
+            <a:gdLst/>
+            <a:ahLst/>
+            <a:cxnLst/>
+            <a:rect l="0" t="0" r="0" b="0"/>
             <a:pathLst>
-              <a:path extrusionOk="0" h="120000" w="120000">
+              <a:path w="120000" h="120000" extrusionOk="0">
                 <a:moveTo>
                   <a:pt x="0" y="0"/>
                 </a:moveTo>
@@ -1168,23 +1330,25 @@
             </a:pathLst>
           </a:custGeom>
           <a:noFill/>
-          <a:ln cap="flat" w="9525">
+          <a:ln w="9525" cap="flat">
             <a:solidFill>
               <a:srgbClr val="000000"/>
             </a:solidFill>
             <a:prstDash val="solid"/>
             <a:round/>
-            <a:headEnd len="med" w="med" type="none"/>
-            <a:tailEnd len="med" w="med" type="none"/>
+            <a:headEnd type="none" w="med" len="med"/>
+            <a:tailEnd type="none" w="med" len="med"/>
           </a:ln>
         </p:spPr>
       </p:sp>
       <p:sp>
         <p:nvSpPr>
           <p:cNvPr id="96" name="Shape 96"/>
-          <p:cNvSpPr txBox="1"/>
+          <p:cNvSpPr txBox="1">
+            <a:spLocks noGrp="1"/>
+          </p:cNvSpPr>
           <p:nvPr>
-            <p:ph idx="1" type="body"/>
+            <p:ph type="body" idx="1"/>
           </p:nvPr>
         </p:nvSpPr>
         <p:spPr>
@@ -1197,7 +1361,7 @@
           </a:prstGeom>
         </p:spPr>
         <p:txBody>
-          <a:bodyPr anchorCtr="0" anchor="t" bIns="91425" lIns="91425" rIns="91425" tIns="91425">
+          <a:bodyPr lIns="91425" tIns="91425" rIns="91425" bIns="91425" anchor="t" anchorCtr="0">
             <a:noAutofit/>
           </a:bodyPr>
           <a:lstStyle/>
@@ -1208,9 +1372,6 @@
               </a:spcBef>
               <a:buNone/>
             </a:pPr>
-            <a:r>
-              <a:t/>
-            </a:r>
             <a:endParaRPr/>
           </a:p>
         </p:txBody>
@@ -1224,11 +1385,11 @@
 </file>
 
 <file path=ppt/notesSlides/notesSlide9.xml><?xml version="1.0" encoding="utf-8"?>
-<p:notes xmlns:a="http://schemas.openxmlformats.org/drawingml/2006/main" xmlns:r="http://schemas.openxmlformats.org/officeDocument/2006/relationships" xmlns:mc="http://schemas.openxmlformats.org/markup-compatibility/2006" xmlns:mv="urn:schemas-microsoft-com:mac:vml" xmlns:p="http://schemas.openxmlformats.org/presentationml/2006/main" xmlns:c="http://schemas.openxmlformats.org/drawingml/2006/chart" xmlns:dgm="http://schemas.openxmlformats.org/drawingml/2006/diagram" xmlns:o="urn:schemas-microsoft-com:office:office" xmlns:v="urn:schemas-microsoft-com:vml" xmlns:pvml="urn:schemas-microsoft-com:office:powerpoint" xmlns:com="http://schemas.openxmlformats.org/drawingml/2006/compatibility" xmlns:p14="http://schemas.microsoft.com/office/powerpoint/2010/main" showMasterPhAnim="0" showMasterSp="0">
+<p:notes xmlns:a="http://schemas.openxmlformats.org/drawingml/2006/main" xmlns:r="http://schemas.openxmlformats.org/officeDocument/2006/relationships" xmlns:p="http://schemas.openxmlformats.org/presentationml/2006/main" showMasterSp="0" showMasterPhAnim="0">
   <p:cSld>
     <p:spTree>
       <p:nvGrpSpPr>
-        <p:cNvPr id="101" name="Shape 101"/>
+        <p:cNvPr id="1" name="Shape 101"/>
         <p:cNvGrpSpPr/>
         <p:nvPr/>
       </p:nvGrpSpPr>
@@ -1243,19 +1404,26 @@
       <p:sp>
         <p:nvSpPr>
           <p:cNvPr id="102" name="Shape 102"/>
-          <p:cNvSpPr/>
+          <p:cNvSpPr>
+            <a:spLocks noGrp="1" noRot="1" noChangeAspect="1"/>
+          </p:cNvSpPr>
           <p:nvPr>
-            <p:ph idx="2" type="sldImg"/>
+            <p:ph type="sldImg" idx="2"/>
           </p:nvPr>
         </p:nvSpPr>
         <p:spPr>
           <a:xfrm>
-            <a:off x="381187" y="685800"/>
-            <a:ext cx="6096299" cy="3429000"/>
+            <a:off x="381000" y="685800"/>
+            <a:ext cx="6096000" cy="3429000"/>
           </a:xfrm>
           <a:custGeom>
+            <a:avLst/>
+            <a:gdLst/>
+            <a:ahLst/>
+            <a:cxnLst/>
+            <a:rect l="0" t="0" r="0" b="0"/>
             <a:pathLst>
-              <a:path extrusionOk="0" h="120000" w="120000">
+              <a:path w="120000" h="120000" extrusionOk="0">
                 <a:moveTo>
                   <a:pt x="0" y="0"/>
                 </a:moveTo>
@@ -1273,23 +1441,25 @@
             </a:pathLst>
           </a:custGeom>
           <a:noFill/>
-          <a:ln cap="flat" w="9525">
+          <a:ln w="9525" cap="flat">
             <a:solidFill>
               <a:srgbClr val="000000"/>
             </a:solidFill>
             <a:prstDash val="solid"/>
             <a:round/>
-            <a:headEnd len="med" w="med" type="none"/>
-            <a:tailEnd len="med" w="med" type="none"/>
+            <a:headEnd type="none" w="med" len="med"/>
+            <a:tailEnd type="none" w="med" len="med"/>
           </a:ln>
         </p:spPr>
       </p:sp>
       <p:sp>
         <p:nvSpPr>
           <p:cNvPr id="103" name="Shape 103"/>
-          <p:cNvSpPr txBox="1"/>
+          <p:cNvSpPr txBox="1">
+            <a:spLocks noGrp="1"/>
+          </p:cNvSpPr>
           <p:nvPr>
-            <p:ph idx="1" type="body"/>
+            <p:ph type="body" idx="1"/>
           </p:nvPr>
         </p:nvSpPr>
         <p:spPr>
@@ -1302,7 +1472,7 @@
           </a:prstGeom>
         </p:spPr>
         <p:txBody>
-          <a:bodyPr anchorCtr="0" anchor="t" bIns="91425" lIns="91425" rIns="91425" tIns="91425">
+          <a:bodyPr lIns="91425" tIns="91425" rIns="91425" bIns="91425" anchor="t" anchorCtr="0">
             <a:noAutofit/>
           </a:bodyPr>
           <a:lstStyle/>
@@ -1313,9 +1483,6 @@
               </a:spcBef>
               <a:buNone/>
             </a:pPr>
-            <a:r>
-              <a:t/>
-            </a:r>
             <a:endParaRPr/>
           </a:p>
         </p:txBody>
@@ -1329,11 +1496,11 @@
 </file>
 
 <file path=ppt/slideLayouts/slideLayout1.xml><?xml version="1.0" encoding="utf-8"?>
-<p:sldLayout xmlns:a="http://schemas.openxmlformats.org/drawingml/2006/main" xmlns:r="http://schemas.openxmlformats.org/officeDocument/2006/relationships" xmlns:mc="http://schemas.openxmlformats.org/markup-compatibility/2006" xmlns:mv="urn:schemas-microsoft-com:mac:vml" xmlns:p="http://schemas.openxmlformats.org/presentationml/2006/main" xmlns:c="http://schemas.openxmlformats.org/drawingml/2006/chart" xmlns:dgm="http://schemas.openxmlformats.org/drawingml/2006/diagram" xmlns:o="urn:schemas-microsoft-com:office:office" xmlns:v="urn:schemas-microsoft-com:vml" xmlns:pvml="urn:schemas-microsoft-com:office:powerpoint" xmlns:com="http://schemas.openxmlformats.org/drawingml/2006/compatibility" xmlns:p14="http://schemas.microsoft.com/office/powerpoint/2010/main" type="title">
+<p:sldLayout xmlns:a="http://schemas.openxmlformats.org/drawingml/2006/main" xmlns:r="http://schemas.openxmlformats.org/officeDocument/2006/relationships" xmlns:p="http://schemas.openxmlformats.org/presentationml/2006/main" type="title">
   <p:cSld name="Title Slide">
     <p:spTree>
       <p:nvGrpSpPr>
-        <p:cNvPr id="8" name="Shape 8"/>
+        <p:cNvPr id="1" name="Shape 8"/>
         <p:cNvGrpSpPr/>
         <p:nvPr/>
       </p:nvGrpSpPr>
@@ -1375,7 +1542,7 @@
           </a:ln>
         </p:spPr>
         <p:txBody>
-          <a:bodyPr anchorCtr="0" anchor="ctr" bIns="45700" lIns="91425" rIns="91425" tIns="45700">
+          <a:bodyPr lIns="91425" tIns="45700" rIns="91425" bIns="45700" anchor="ctr" anchorCtr="0">
             <a:noAutofit/>
           </a:bodyPr>
           <a:lstStyle/>
@@ -1386,9 +1553,6 @@
               </a:spcBef>
               <a:buNone/>
             </a:pPr>
-            <a:r>
-              <a:t/>
-            </a:r>
             <a:endParaRPr/>
           </a:p>
         </p:txBody>
@@ -1405,8 +1569,13 @@
             <a:ext cx="10925833" cy="5165065"/>
           </a:xfrm>
           <a:custGeom>
+            <a:avLst/>
+            <a:gdLst/>
+            <a:ahLst/>
+            <a:cxnLst/>
+            <a:rect l="0" t="0" r="0" b="0"/>
             <a:pathLst>
-              <a:path extrusionOk="0" h="6863875" w="24279631">
+              <a:path w="24279631" h="6863875" extrusionOk="0">
                 <a:moveTo>
                   <a:pt x="9291599" y="0"/>
                 </a:moveTo>
@@ -1447,16 +1616,16 @@
               </a:gs>
             </a:gsLst>
             <a:path path="circle">
-              <a:fillToRect r="100%" t="100%"/>
+              <a:fillToRect t="100000" r="100000"/>
             </a:path>
-            <a:tileRect b="-100%" l="-100%"/>
+            <a:tileRect l="-100000" b="-100000"/>
           </a:gradFill>
           <a:ln>
             <a:noFill/>
           </a:ln>
         </p:spPr>
         <p:txBody>
-          <a:bodyPr anchorCtr="0" anchor="ctr" bIns="45700" lIns="91425" rIns="91425" tIns="45700">
+          <a:bodyPr lIns="91425" tIns="45700" rIns="91425" bIns="45700" anchor="ctr" anchorCtr="0">
             <a:noAutofit/>
           </a:bodyPr>
           <a:lstStyle/>
@@ -1467,9 +1636,6 @@
               </a:spcBef>
               <a:buNone/>
             </a:pPr>
-            <a:r>
-              <a:t/>
-            </a:r>
             <a:endParaRPr/>
           </a:p>
         </p:txBody>
@@ -1486,8 +1652,13 @@
             <a:ext cx="10500940" cy="5165065"/>
           </a:xfrm>
           <a:custGeom>
+            <a:avLst/>
+            <a:gdLst/>
+            <a:ahLst/>
+            <a:cxnLst/>
+            <a:rect l="0" t="0" r="0" b="0"/>
             <a:pathLst>
-              <a:path extrusionOk="0" h="6863875" w="24279631">
+              <a:path w="24279631" h="6863875" extrusionOk="0">
                 <a:moveTo>
                   <a:pt x="9291599" y="0"/>
                 </a:moveTo>
@@ -1528,16 +1699,16 @@
               </a:gs>
             </a:gsLst>
             <a:path path="circle">
-              <a:fillToRect r="100%" t="100%"/>
+              <a:fillToRect t="100000" r="100000"/>
             </a:path>
-            <a:tileRect b="-100%" l="-100%"/>
+            <a:tileRect l="-100000" b="-100000"/>
           </a:gradFill>
           <a:ln>
             <a:noFill/>
           </a:ln>
         </p:spPr>
         <p:txBody>
-          <a:bodyPr anchorCtr="0" anchor="b" bIns="45700" lIns="91425" rIns="91425" tIns="45700">
+          <a:bodyPr lIns="91425" tIns="45700" rIns="91425" bIns="45700" anchor="b" anchorCtr="0">
             <a:noAutofit/>
           </a:bodyPr>
           <a:lstStyle/>
@@ -1548,9 +1719,6 @@
               </a:spcBef>
               <a:buNone/>
             </a:pPr>
-            <a:r>
-              <a:t/>
-            </a:r>
             <a:endParaRPr/>
           </a:p>
         </p:txBody>
@@ -1567,8 +1735,13 @@
             <a:ext cx="2167466" cy="5176308"/>
           </a:xfrm>
           <a:custGeom>
+            <a:avLst/>
+            <a:gdLst/>
+            <a:ahLst/>
+            <a:cxnLst/>
+            <a:rect l="0" t="0" r="0" b="0"/>
             <a:pathLst>
-              <a:path extrusionOk="0" h="6180667" w="2167467">
+              <a:path w="2167467" h="6180667" extrusionOk="0">
                 <a:moveTo>
                   <a:pt x="939800" y="0"/>
                 </a:moveTo>
@@ -1610,7 +1783,7 @@
           </a:ln>
         </p:spPr>
         <p:txBody>
-          <a:bodyPr anchorCtr="0" anchor="ctr" bIns="45700" lIns="91425" rIns="91425" tIns="45700">
+          <a:bodyPr lIns="91425" tIns="45700" rIns="91425" bIns="45700" anchor="ctr" anchorCtr="0">
             <a:noAutofit/>
           </a:bodyPr>
           <a:lstStyle/>
@@ -1621,9 +1794,6 @@
               </a:spcBef>
               <a:buNone/>
             </a:pPr>
-            <a:r>
-              <a:t/>
-            </a:r>
             <a:endParaRPr/>
           </a:p>
         </p:txBody>
@@ -1635,13 +1805,18 @@
           <p:nvPr/>
         </p:nvSpPr>
         <p:spPr>
-          <a:xfrm flipH="1" rot="10800000">
+          <a:xfrm rot="10800000" flipH="1">
             <a:off x="-524933" y="131"/>
             <a:ext cx="1403434" cy="5176308"/>
           </a:xfrm>
           <a:custGeom>
+            <a:avLst/>
+            <a:gdLst/>
+            <a:ahLst/>
+            <a:cxnLst/>
+            <a:rect l="0" t="0" r="0" b="0"/>
             <a:pathLst>
-              <a:path extrusionOk="0" h="6180667" w="2167467">
+              <a:path w="2167467" h="6180667" extrusionOk="0">
                 <a:moveTo>
                   <a:pt x="939800" y="0"/>
                 </a:moveTo>
@@ -1683,7 +1858,7 @@
           </a:ln>
         </p:spPr>
         <p:txBody>
-          <a:bodyPr anchorCtr="0" anchor="ctr" bIns="45700" lIns="91425" rIns="91425" tIns="45700">
+          <a:bodyPr lIns="91425" tIns="45700" rIns="91425" bIns="45700" anchor="ctr" anchorCtr="0">
             <a:noAutofit/>
           </a:bodyPr>
           <a:lstStyle/>
@@ -1694,9 +1869,6 @@
               </a:spcBef>
               <a:buNone/>
             </a:pPr>
-            <a:r>
-              <a:t/>
-            </a:r>
             <a:endParaRPr/>
           </a:p>
         </p:txBody>
@@ -1704,7 +1876,9 @@
       <p:sp>
         <p:nvSpPr>
           <p:cNvPr id="14" name="Shape 14"/>
-          <p:cNvSpPr txBox="1"/>
+          <p:cNvSpPr txBox="1">
+            <a:spLocks noGrp="1"/>
+          </p:cNvSpPr>
           <p:nvPr>
             <p:ph type="ctrTitle"/>
           </p:nvPr>
@@ -1719,7 +1893,7 @@
           </a:prstGeom>
         </p:spPr>
         <p:txBody>
-          <a:bodyPr anchorCtr="0" anchor="b" bIns="91425" lIns="91425" rIns="91425" tIns="91425"/>
+          <a:bodyPr lIns="91425" tIns="91425" rIns="91425" bIns="91425" anchor="b" anchorCtr="0"/>
           <a:lstStyle>
             <a:lvl1pPr algn="r">
               <a:spcBef>
@@ -1848,15 +2022,19 @@
               </a:defRPr>
             </a:lvl9pPr>
           </a:lstStyle>
-          <a:p/>
+          <a:p>
+            <a:endParaRPr/>
+          </a:p>
         </p:txBody>
       </p:sp>
       <p:sp>
         <p:nvSpPr>
           <p:cNvPr id="15" name="Shape 15"/>
-          <p:cNvSpPr txBox="1"/>
+          <p:cNvSpPr txBox="1">
+            <a:spLocks noGrp="1"/>
+          </p:cNvSpPr>
           <p:nvPr>
-            <p:ph idx="1" type="subTitle"/>
+            <p:ph type="subTitle" idx="1"/>
           </p:nvPr>
         </p:nvSpPr>
         <p:spPr>
@@ -1869,7 +2047,7 @@
           </a:prstGeom>
         </p:spPr>
         <p:txBody>
-          <a:bodyPr anchorCtr="0" anchor="t" bIns="91425" lIns="91425" rIns="91425" tIns="91425"/>
+          <a:bodyPr lIns="91425" tIns="91425" rIns="91425" bIns="91425" anchor="t" anchorCtr="0"/>
           <a:lstStyle>
             <a:lvl1pPr algn="r">
               <a:spcBef>
@@ -2006,15 +2184,19 @@
               </a:defRPr>
             </a:lvl9pPr>
           </a:lstStyle>
-          <a:p/>
+          <a:p>
+            <a:endParaRPr/>
+          </a:p>
         </p:txBody>
       </p:sp>
       <p:sp>
         <p:nvSpPr>
           <p:cNvPr id="16" name="Shape 16"/>
-          <p:cNvSpPr txBox="1"/>
+          <p:cNvSpPr txBox="1">
+            <a:spLocks noGrp="1"/>
+          </p:cNvSpPr>
           <p:nvPr>
-            <p:ph idx="12" type="sldNum"/>
+            <p:ph type="sldNum" idx="12"/>
           </p:nvPr>
         </p:nvSpPr>
         <p:spPr>
@@ -2027,7 +2209,7 @@
           </a:prstGeom>
         </p:spPr>
         <p:txBody>
-          <a:bodyPr anchorCtr="0" anchor="ctr" bIns="91425" lIns="91425" rIns="91425" tIns="91425">
+          <a:bodyPr lIns="91425" tIns="91425" rIns="91425" bIns="91425" anchor="ctr" anchorCtr="0">
             <a:noAutofit/>
           </a:bodyPr>
           <a:lstStyle>
@@ -2050,6 +2232,7 @@
               <a:rPr lang="en"/>
               <a:t>‹#›</a:t>
             </a:fld>
+            <a:endParaRPr lang="en"/>
           </a:p>
         </p:txBody>
       </p:sp>
@@ -2062,11 +2245,11 @@
 </file>
 
 <file path=ppt/slideLayouts/slideLayout2.xml><?xml version="1.0" encoding="utf-8"?>
-<p:sldLayout xmlns:a="http://schemas.openxmlformats.org/drawingml/2006/main" xmlns:r="http://schemas.openxmlformats.org/officeDocument/2006/relationships" xmlns:mc="http://schemas.openxmlformats.org/markup-compatibility/2006" xmlns:mv="urn:schemas-microsoft-com:mac:vml" xmlns:p="http://schemas.openxmlformats.org/presentationml/2006/main" xmlns:c="http://schemas.openxmlformats.org/drawingml/2006/chart" xmlns:dgm="http://schemas.openxmlformats.org/drawingml/2006/diagram" xmlns:o="urn:schemas-microsoft-com:office:office" xmlns:v="urn:schemas-microsoft-com:vml" xmlns:pvml="urn:schemas-microsoft-com:office:powerpoint" xmlns:com="http://schemas.openxmlformats.org/drawingml/2006/compatibility" xmlns:p14="http://schemas.microsoft.com/office/powerpoint/2010/main" type="tx">
+<p:sldLayout xmlns:a="http://schemas.openxmlformats.org/drawingml/2006/main" xmlns:r="http://schemas.openxmlformats.org/officeDocument/2006/relationships" xmlns:p="http://schemas.openxmlformats.org/presentationml/2006/main" type="tx">
   <p:cSld name="Title and Body">
     <p:spTree>
       <p:nvGrpSpPr>
-        <p:cNvPr id="17" name="Shape 17"/>
+        <p:cNvPr id="1" name="Shape 17"/>
         <p:cNvGrpSpPr/>
         <p:nvPr/>
       </p:nvGrpSpPr>
@@ -2085,13 +2268,18 @@
           <p:nvPr/>
         </p:nvSpPr>
         <p:spPr>
-          <a:xfrm flipH="1" rot="10800000">
+          <a:xfrm rot="10800000" flipH="1">
             <a:off x="-348182" y="-16424"/>
             <a:ext cx="1723519" cy="5159924"/>
           </a:xfrm>
           <a:custGeom>
+            <a:avLst/>
+            <a:gdLst/>
+            <a:ahLst/>
+            <a:cxnLst/>
+            <a:rect l="0" t="0" r="0" b="0"/>
             <a:pathLst>
-              <a:path extrusionOk="0" h="6879900" w="4476675">
+              <a:path w="4476675" h="6879900" extrusionOk="0">
                 <a:moveTo>
                   <a:pt x="4476676" y="16025"/>
                 </a:moveTo>
@@ -2134,16 +2322,16 @@
               </a:gs>
             </a:gsLst>
             <a:path path="circle">
-              <a:fillToRect r="100%" t="100%"/>
+              <a:fillToRect t="100000" r="100000"/>
             </a:path>
-            <a:tileRect b="-100%" l="-100%"/>
+            <a:tileRect l="-100000" b="-100000"/>
           </a:gradFill>
           <a:ln>
             <a:noFill/>
           </a:ln>
         </p:spPr>
         <p:txBody>
-          <a:bodyPr anchorCtr="0" anchor="ctr" bIns="45700" lIns="91425" rIns="91425" tIns="45700">
+          <a:bodyPr lIns="91425" tIns="45700" rIns="91425" bIns="45700" anchor="ctr" anchorCtr="0">
             <a:noAutofit/>
           </a:bodyPr>
           <a:lstStyle/>
@@ -2154,9 +2342,6 @@
               </a:spcBef>
               <a:buNone/>
             </a:pPr>
-            <a:r>
-              <a:t/>
-            </a:r>
             <a:endParaRPr/>
           </a:p>
         </p:txBody>
@@ -2164,9 +2349,11 @@
       <p:sp>
         <p:nvSpPr>
           <p:cNvPr id="19" name="Shape 19"/>
-          <p:cNvSpPr txBox="1"/>
+          <p:cNvSpPr txBox="1">
+            <a:spLocks noGrp="1"/>
+          </p:cNvSpPr>
           <p:nvPr>
-            <p:ph idx="1" type="body"/>
+            <p:ph type="body" idx="1"/>
           </p:nvPr>
         </p:nvSpPr>
         <p:spPr>
@@ -2179,7 +2366,7 @@
           </a:prstGeom>
         </p:spPr>
         <p:txBody>
-          <a:bodyPr anchorCtr="0" anchor="t" bIns="91425" lIns="91425" rIns="91425" tIns="91425"/>
+          <a:bodyPr lIns="91425" tIns="91425" rIns="91425" bIns="91425" anchor="t" anchorCtr="0"/>
           <a:lstStyle>
             <a:lvl1pPr>
               <a:spcBef>
@@ -2236,7 +2423,9 @@
               <a:defRPr/>
             </a:lvl9pPr>
           </a:lstStyle>
-          <a:p/>
+          <a:p>
+            <a:endParaRPr/>
+          </a:p>
         </p:txBody>
       </p:sp>
       <p:sp>
@@ -2246,13 +2435,18 @@
           <p:nvPr/>
         </p:nvSpPr>
         <p:spPr>
-          <a:xfrm flipH="1" rot="10800000">
+          <a:xfrm rot="10800000" flipH="1">
             <a:off x="-1118653" y="774"/>
             <a:ext cx="3100650" cy="5142725"/>
           </a:xfrm>
           <a:custGeom>
+            <a:avLst/>
+            <a:gdLst/>
+            <a:ahLst/>
+            <a:cxnLst/>
+            <a:rect l="0" t="0" r="0" b="0"/>
             <a:pathLst>
-              <a:path extrusionOk="0" h="6879900" w="8053639">
+              <a:path w="8053639" h="6879900" extrusionOk="0">
                 <a:moveTo>
                   <a:pt x="4696126" y="16025"/>
                 </a:moveTo>
@@ -2295,16 +2489,16 @@
               </a:gs>
             </a:gsLst>
             <a:path path="circle">
-              <a:fillToRect r="100%" t="100%"/>
+              <a:fillToRect t="100000" r="100000"/>
             </a:path>
-            <a:tileRect b="-100%" l="-100%"/>
+            <a:tileRect l="-100000" b="-100000"/>
           </a:gradFill>
           <a:ln>
             <a:noFill/>
           </a:ln>
         </p:spPr>
         <p:txBody>
-          <a:bodyPr anchorCtr="0" anchor="ctr" bIns="45700" lIns="91425" rIns="91425" tIns="45700">
+          <a:bodyPr lIns="91425" tIns="45700" rIns="91425" bIns="45700" anchor="ctr" anchorCtr="0">
             <a:noAutofit/>
           </a:bodyPr>
           <a:lstStyle/>
@@ -2315,9 +2509,6 @@
               </a:spcBef>
               <a:buNone/>
             </a:pPr>
-            <a:r>
-              <a:t/>
-            </a:r>
             <a:endParaRPr/>
           </a:p>
         </p:txBody>
@@ -2334,8 +2525,13 @@
             <a:ext cx="1100667" cy="5153050"/>
           </a:xfrm>
           <a:custGeom>
+            <a:avLst/>
+            <a:gdLst/>
+            <a:ahLst/>
+            <a:cxnLst/>
+            <a:rect l="0" t="0" r="0" b="0"/>
             <a:pathLst>
-              <a:path extrusionOk="0" h="6916846" w="1100668">
+              <a:path w="1100668" h="6916846" extrusionOk="0">
                 <a:moveTo>
                   <a:pt x="0" y="11711"/>
                 </a:moveTo>
@@ -2373,7 +2569,7 @@
           </a:ln>
         </p:spPr>
         <p:txBody>
-          <a:bodyPr anchorCtr="0" anchor="ctr" bIns="45700" lIns="91425" rIns="91425" tIns="45700">
+          <a:bodyPr lIns="91425" tIns="45700" rIns="91425" bIns="45700" anchor="ctr" anchorCtr="0">
             <a:noAutofit/>
           </a:bodyPr>
           <a:lstStyle/>
@@ -2384,9 +2580,6 @@
               </a:spcBef>
               <a:buNone/>
             </a:pPr>
-            <a:r>
-              <a:t/>
-            </a:r>
             <a:endParaRPr/>
           </a:p>
         </p:txBody>
@@ -2394,7 +2587,9 @@
       <p:sp>
         <p:nvSpPr>
           <p:cNvPr id="22" name="Shape 22"/>
-          <p:cNvSpPr txBox="1"/>
+          <p:cNvSpPr txBox="1">
+            <a:spLocks noGrp="1"/>
+          </p:cNvSpPr>
           <p:nvPr>
             <p:ph type="title"/>
           </p:nvPr>
@@ -2409,7 +2604,7 @@
           </a:prstGeom>
         </p:spPr>
         <p:txBody>
-          <a:bodyPr anchorCtr="0" anchor="b" bIns="91425" lIns="91425" rIns="91425" tIns="91425"/>
+          <a:bodyPr lIns="91425" tIns="91425" rIns="91425" bIns="91425" anchor="b" anchorCtr="0"/>
           <a:lstStyle>
             <a:lvl1pPr>
               <a:spcBef>
@@ -2466,15 +2661,19 @@
               <a:defRPr/>
             </a:lvl9pPr>
           </a:lstStyle>
-          <a:p/>
+          <a:p>
+            <a:endParaRPr/>
+          </a:p>
         </p:txBody>
       </p:sp>
       <p:sp>
         <p:nvSpPr>
           <p:cNvPr id="23" name="Shape 23"/>
-          <p:cNvSpPr txBox="1"/>
+          <p:cNvSpPr txBox="1">
+            <a:spLocks noGrp="1"/>
+          </p:cNvSpPr>
           <p:nvPr>
-            <p:ph idx="12" type="sldNum"/>
+            <p:ph type="sldNum" idx="12"/>
           </p:nvPr>
         </p:nvSpPr>
         <p:spPr>
@@ -2487,7 +2686,7 @@
           </a:prstGeom>
         </p:spPr>
         <p:txBody>
-          <a:bodyPr anchorCtr="0" anchor="ctr" bIns="91425" lIns="91425" rIns="91425" tIns="91425">
+          <a:bodyPr lIns="91425" tIns="91425" rIns="91425" bIns="91425" anchor="ctr" anchorCtr="0">
             <a:noAutofit/>
           </a:bodyPr>
           <a:lstStyle>
@@ -2510,6 +2709,7 @@
               <a:rPr lang="en"/>
               <a:t>‹#›</a:t>
             </a:fld>
+            <a:endParaRPr lang="en"/>
           </a:p>
         </p:txBody>
       </p:sp>
@@ -2522,11 +2722,11 @@
 </file>
 
 <file path=ppt/slideLayouts/slideLayout3.xml><?xml version="1.0" encoding="utf-8"?>
-<p:sldLayout xmlns:a="http://schemas.openxmlformats.org/drawingml/2006/main" xmlns:r="http://schemas.openxmlformats.org/officeDocument/2006/relationships" xmlns:mc="http://schemas.openxmlformats.org/markup-compatibility/2006" xmlns:mv="urn:schemas-microsoft-com:mac:vml" xmlns:p="http://schemas.openxmlformats.org/presentationml/2006/main" xmlns:c="http://schemas.openxmlformats.org/drawingml/2006/chart" xmlns:dgm="http://schemas.openxmlformats.org/drawingml/2006/diagram" xmlns:o="urn:schemas-microsoft-com:office:office" xmlns:v="urn:schemas-microsoft-com:vml" xmlns:pvml="urn:schemas-microsoft-com:office:powerpoint" xmlns:com="http://schemas.openxmlformats.org/drawingml/2006/compatibility" xmlns:p14="http://schemas.microsoft.com/office/powerpoint/2010/main" type="twoColTx">
+<p:sldLayout xmlns:a="http://schemas.openxmlformats.org/drawingml/2006/main" xmlns:r="http://schemas.openxmlformats.org/officeDocument/2006/relationships" xmlns:p="http://schemas.openxmlformats.org/presentationml/2006/main" type="twoColTx">
   <p:cSld name="Title and Two Columns">
     <p:spTree>
       <p:nvGrpSpPr>
-        <p:cNvPr id="24" name="Shape 24"/>
+        <p:cNvPr id="1" name="Shape 24"/>
         <p:cNvGrpSpPr/>
         <p:nvPr/>
       </p:nvGrpSpPr>
@@ -2545,13 +2745,18 @@
           <p:nvPr/>
         </p:nvSpPr>
         <p:spPr>
-          <a:xfrm flipH="1" rot="10800000">
+          <a:xfrm rot="10800000" flipH="1">
             <a:off x="-348182" y="-16424"/>
             <a:ext cx="1723519" cy="5159924"/>
           </a:xfrm>
           <a:custGeom>
+            <a:avLst/>
+            <a:gdLst/>
+            <a:ahLst/>
+            <a:cxnLst/>
+            <a:rect l="0" t="0" r="0" b="0"/>
             <a:pathLst>
-              <a:path extrusionOk="0" h="6879900" w="4476675">
+              <a:path w="4476675" h="6879900" extrusionOk="0">
                 <a:moveTo>
                   <a:pt x="4476676" y="16025"/>
                 </a:moveTo>
@@ -2594,16 +2799,16 @@
               </a:gs>
             </a:gsLst>
             <a:path path="circle">
-              <a:fillToRect r="100%" t="100%"/>
+              <a:fillToRect t="100000" r="100000"/>
             </a:path>
-            <a:tileRect b="-100%" l="-100%"/>
+            <a:tileRect l="-100000" b="-100000"/>
           </a:gradFill>
           <a:ln>
             <a:noFill/>
           </a:ln>
         </p:spPr>
         <p:txBody>
-          <a:bodyPr anchorCtr="0" anchor="ctr" bIns="45700" lIns="91425" rIns="91425" tIns="45700">
+          <a:bodyPr lIns="91425" tIns="45700" rIns="91425" bIns="45700" anchor="ctr" anchorCtr="0">
             <a:noAutofit/>
           </a:bodyPr>
           <a:lstStyle/>
@@ -2614,9 +2819,6 @@
               </a:spcBef>
               <a:buNone/>
             </a:pPr>
-            <a:r>
-              <a:t/>
-            </a:r>
             <a:endParaRPr/>
           </a:p>
         </p:txBody>
@@ -2628,13 +2830,18 @@
           <p:nvPr/>
         </p:nvSpPr>
         <p:spPr>
-          <a:xfrm flipH="1" rot="10800000">
+          <a:xfrm rot="10800000" flipH="1">
             <a:off x="-1118653" y="774"/>
             <a:ext cx="3100650" cy="5142725"/>
           </a:xfrm>
           <a:custGeom>
+            <a:avLst/>
+            <a:gdLst/>
+            <a:ahLst/>
+            <a:cxnLst/>
+            <a:rect l="0" t="0" r="0" b="0"/>
             <a:pathLst>
-              <a:path extrusionOk="0" h="6879900" w="8053639">
+              <a:path w="8053639" h="6879900" extrusionOk="0">
                 <a:moveTo>
                   <a:pt x="4696126" y="16025"/>
                 </a:moveTo>
@@ -2677,16 +2884,16 @@
               </a:gs>
             </a:gsLst>
             <a:path path="circle">
-              <a:fillToRect r="100%" t="100%"/>
+              <a:fillToRect t="100000" r="100000"/>
             </a:path>
-            <a:tileRect b="-100%" l="-100%"/>
+            <a:tileRect l="-100000" b="-100000"/>
           </a:gradFill>
           <a:ln>
             <a:noFill/>
           </a:ln>
         </p:spPr>
         <p:txBody>
-          <a:bodyPr anchorCtr="0" anchor="ctr" bIns="45700" lIns="91425" rIns="91425" tIns="45700">
+          <a:bodyPr lIns="91425" tIns="45700" rIns="91425" bIns="45700" anchor="ctr" anchorCtr="0">
             <a:noAutofit/>
           </a:bodyPr>
           <a:lstStyle/>
@@ -2697,9 +2904,6 @@
               </a:spcBef>
               <a:buNone/>
             </a:pPr>
-            <a:r>
-              <a:t/>
-            </a:r>
             <a:endParaRPr/>
           </a:p>
         </p:txBody>
@@ -2716,8 +2920,13 @@
             <a:ext cx="1100667" cy="5153050"/>
           </a:xfrm>
           <a:custGeom>
+            <a:avLst/>
+            <a:gdLst/>
+            <a:ahLst/>
+            <a:cxnLst/>
+            <a:rect l="0" t="0" r="0" b="0"/>
             <a:pathLst>
-              <a:path extrusionOk="0" h="6916846" w="1100668">
+              <a:path w="1100668" h="6916846" extrusionOk="0">
                 <a:moveTo>
                   <a:pt x="0" y="11711"/>
                 </a:moveTo>
@@ -2755,7 +2964,7 @@
           </a:ln>
         </p:spPr>
         <p:txBody>
-          <a:bodyPr anchorCtr="0" anchor="ctr" bIns="45700" lIns="91425" rIns="91425" tIns="45700">
+          <a:bodyPr lIns="91425" tIns="45700" rIns="91425" bIns="45700" anchor="ctr" anchorCtr="0">
             <a:noAutofit/>
           </a:bodyPr>
           <a:lstStyle/>
@@ -2766,9 +2975,6 @@
               </a:spcBef>
               <a:buNone/>
             </a:pPr>
-            <a:r>
-              <a:t/>
-            </a:r>
             <a:endParaRPr/>
           </a:p>
         </p:txBody>
@@ -2776,7 +2982,9 @@
       <p:sp>
         <p:nvSpPr>
           <p:cNvPr id="28" name="Shape 28"/>
-          <p:cNvSpPr txBox="1"/>
+          <p:cNvSpPr txBox="1">
+            <a:spLocks noGrp="1"/>
+          </p:cNvSpPr>
           <p:nvPr>
             <p:ph type="title"/>
           </p:nvPr>
@@ -2791,7 +2999,7 @@
           </a:prstGeom>
         </p:spPr>
         <p:txBody>
-          <a:bodyPr anchorCtr="0" anchor="b" bIns="91425" lIns="91425" rIns="91425" tIns="91425"/>
+          <a:bodyPr lIns="91425" tIns="91425" rIns="91425" bIns="91425" anchor="b" anchorCtr="0"/>
           <a:lstStyle>
             <a:lvl1pPr>
               <a:spcBef>
@@ -2848,15 +3056,19 @@
               <a:defRPr/>
             </a:lvl9pPr>
           </a:lstStyle>
-          <a:p/>
+          <a:p>
+            <a:endParaRPr/>
+          </a:p>
         </p:txBody>
       </p:sp>
       <p:sp>
         <p:nvSpPr>
           <p:cNvPr id="29" name="Shape 29"/>
-          <p:cNvSpPr txBox="1"/>
+          <p:cNvSpPr txBox="1">
+            <a:spLocks noGrp="1"/>
+          </p:cNvSpPr>
           <p:nvPr>
-            <p:ph idx="1" type="body"/>
+            <p:ph type="body" idx="1"/>
           </p:nvPr>
         </p:nvSpPr>
         <p:spPr>
@@ -2869,7 +3081,7 @@
           </a:prstGeom>
         </p:spPr>
         <p:txBody>
-          <a:bodyPr anchorCtr="0" anchor="t" bIns="91425" lIns="91425" rIns="91425" tIns="91425"/>
+          <a:bodyPr lIns="91425" tIns="91425" rIns="91425" bIns="91425" anchor="t" anchorCtr="0"/>
           <a:lstStyle>
             <a:lvl1pPr>
               <a:spcBef>
@@ -2926,15 +3138,19 @@
               <a:defRPr sz="1800"/>
             </a:lvl9pPr>
           </a:lstStyle>
-          <a:p/>
+          <a:p>
+            <a:endParaRPr/>
+          </a:p>
         </p:txBody>
       </p:sp>
       <p:sp>
         <p:nvSpPr>
           <p:cNvPr id="30" name="Shape 30"/>
-          <p:cNvSpPr txBox="1"/>
+          <p:cNvSpPr txBox="1">
+            <a:spLocks noGrp="1"/>
+          </p:cNvSpPr>
           <p:nvPr>
-            <p:ph idx="2" type="body"/>
+            <p:ph type="body" idx="2"/>
           </p:nvPr>
         </p:nvSpPr>
         <p:spPr>
@@ -2947,7 +3163,7 @@
           </a:prstGeom>
         </p:spPr>
         <p:txBody>
-          <a:bodyPr anchorCtr="0" anchor="t" bIns="91425" lIns="91425" rIns="91425" tIns="91425"/>
+          <a:bodyPr lIns="91425" tIns="91425" rIns="91425" bIns="91425" anchor="t" anchorCtr="0"/>
           <a:lstStyle>
             <a:lvl1pPr>
               <a:spcBef>
@@ -3004,15 +3220,19 @@
               <a:defRPr sz="1800"/>
             </a:lvl9pPr>
           </a:lstStyle>
-          <a:p/>
+          <a:p>
+            <a:endParaRPr/>
+          </a:p>
         </p:txBody>
       </p:sp>
       <p:sp>
         <p:nvSpPr>
           <p:cNvPr id="31" name="Shape 31"/>
-          <p:cNvSpPr txBox="1"/>
+          <p:cNvSpPr txBox="1">
+            <a:spLocks noGrp="1"/>
+          </p:cNvSpPr>
           <p:nvPr>
-            <p:ph idx="12" type="sldNum"/>
+            <p:ph type="sldNum" idx="12"/>
           </p:nvPr>
         </p:nvSpPr>
         <p:spPr>
@@ -3025,7 +3245,7 @@
           </a:prstGeom>
         </p:spPr>
         <p:txBody>
-          <a:bodyPr anchorCtr="0" anchor="ctr" bIns="91425" lIns="91425" rIns="91425" tIns="91425">
+          <a:bodyPr lIns="91425" tIns="91425" rIns="91425" bIns="91425" anchor="ctr" anchorCtr="0">
             <a:noAutofit/>
           </a:bodyPr>
           <a:lstStyle>
@@ -3048,6 +3268,7 @@
               <a:rPr lang="en"/>
               <a:t>‹#›</a:t>
             </a:fld>
+            <a:endParaRPr lang="en"/>
           </a:p>
         </p:txBody>
       </p:sp>
@@ -3060,11 +3281,11 @@
 </file>
 
 <file path=ppt/slideLayouts/slideLayout4.xml><?xml version="1.0" encoding="utf-8"?>
-<p:sldLayout xmlns:a="http://schemas.openxmlformats.org/drawingml/2006/main" xmlns:r="http://schemas.openxmlformats.org/officeDocument/2006/relationships" xmlns:mc="http://schemas.openxmlformats.org/markup-compatibility/2006" xmlns:mv="urn:schemas-microsoft-com:mac:vml" xmlns:p="http://schemas.openxmlformats.org/presentationml/2006/main" xmlns:c="http://schemas.openxmlformats.org/drawingml/2006/chart" xmlns:dgm="http://schemas.openxmlformats.org/drawingml/2006/diagram" xmlns:o="urn:schemas-microsoft-com:office:office" xmlns:v="urn:schemas-microsoft-com:vml" xmlns:pvml="urn:schemas-microsoft-com:office:powerpoint" xmlns:com="http://schemas.openxmlformats.org/drawingml/2006/compatibility" xmlns:p14="http://schemas.microsoft.com/office/powerpoint/2010/main" type="titleOnly">
+<p:sldLayout xmlns:a="http://schemas.openxmlformats.org/drawingml/2006/main" xmlns:r="http://schemas.openxmlformats.org/officeDocument/2006/relationships" xmlns:p="http://schemas.openxmlformats.org/presentationml/2006/main" type="titleOnly">
   <p:cSld name="Title Only">
     <p:spTree>
       <p:nvGrpSpPr>
-        <p:cNvPr id="32" name="Shape 32"/>
+        <p:cNvPr id="1" name="Shape 32"/>
         <p:cNvGrpSpPr/>
         <p:nvPr/>
       </p:nvGrpSpPr>
@@ -3083,13 +3304,18 @@
           <p:nvPr/>
         </p:nvSpPr>
         <p:spPr>
-          <a:xfrm flipH="1" rot="10800000">
+          <a:xfrm rot="10800000" flipH="1">
             <a:off x="-348182" y="-16424"/>
             <a:ext cx="1723519" cy="5159924"/>
           </a:xfrm>
           <a:custGeom>
+            <a:avLst/>
+            <a:gdLst/>
+            <a:ahLst/>
+            <a:cxnLst/>
+            <a:rect l="0" t="0" r="0" b="0"/>
             <a:pathLst>
-              <a:path extrusionOk="0" h="6879900" w="4476675">
+              <a:path w="4476675" h="6879900" extrusionOk="0">
                 <a:moveTo>
                   <a:pt x="4476676" y="16025"/>
                 </a:moveTo>
@@ -3132,16 +3358,16 @@
               </a:gs>
             </a:gsLst>
             <a:path path="circle">
-              <a:fillToRect r="100%" t="100%"/>
+              <a:fillToRect t="100000" r="100000"/>
             </a:path>
-            <a:tileRect b="-100%" l="-100%"/>
+            <a:tileRect l="-100000" b="-100000"/>
           </a:gradFill>
           <a:ln>
             <a:noFill/>
           </a:ln>
         </p:spPr>
         <p:txBody>
-          <a:bodyPr anchorCtr="0" anchor="ctr" bIns="45700" lIns="91425" rIns="91425" tIns="45700">
+          <a:bodyPr lIns="91425" tIns="45700" rIns="91425" bIns="45700" anchor="ctr" anchorCtr="0">
             <a:noAutofit/>
           </a:bodyPr>
           <a:lstStyle/>
@@ -3152,9 +3378,6 @@
               </a:spcBef>
               <a:buNone/>
             </a:pPr>
-            <a:r>
-              <a:t/>
-            </a:r>
             <a:endParaRPr/>
           </a:p>
         </p:txBody>
@@ -3166,13 +3389,18 @@
           <p:nvPr/>
         </p:nvSpPr>
         <p:spPr>
-          <a:xfrm flipH="1" rot="10800000">
+          <a:xfrm rot="10800000" flipH="1">
             <a:off x="-1118653" y="774"/>
             <a:ext cx="3100650" cy="5142725"/>
           </a:xfrm>
           <a:custGeom>
+            <a:avLst/>
+            <a:gdLst/>
+            <a:ahLst/>
+            <a:cxnLst/>
+            <a:rect l="0" t="0" r="0" b="0"/>
             <a:pathLst>
-              <a:path extrusionOk="0" h="6879900" w="8053639">
+              <a:path w="8053639" h="6879900" extrusionOk="0">
                 <a:moveTo>
                   <a:pt x="4696126" y="16025"/>
                 </a:moveTo>
@@ -3215,16 +3443,16 @@
               </a:gs>
             </a:gsLst>
             <a:path path="circle">
-              <a:fillToRect r="100%" t="100%"/>
+              <a:fillToRect t="100000" r="100000"/>
             </a:path>
-            <a:tileRect b="-100%" l="-100%"/>
+            <a:tileRect l="-100000" b="-100000"/>
           </a:gradFill>
           <a:ln>
             <a:noFill/>
           </a:ln>
         </p:spPr>
         <p:txBody>
-          <a:bodyPr anchorCtr="0" anchor="ctr" bIns="45700" lIns="91425" rIns="91425" tIns="45700">
+          <a:bodyPr lIns="91425" tIns="45700" rIns="91425" bIns="45700" anchor="ctr" anchorCtr="0">
             <a:noAutofit/>
           </a:bodyPr>
           <a:lstStyle/>
@@ -3235,9 +3463,6 @@
               </a:spcBef>
               <a:buNone/>
             </a:pPr>
-            <a:r>
-              <a:t/>
-            </a:r>
             <a:endParaRPr/>
           </a:p>
         </p:txBody>
@@ -3254,8 +3479,13 @@
             <a:ext cx="1100667" cy="5153050"/>
           </a:xfrm>
           <a:custGeom>
+            <a:avLst/>
+            <a:gdLst/>
+            <a:ahLst/>
+            <a:cxnLst/>
+            <a:rect l="0" t="0" r="0" b="0"/>
             <a:pathLst>
-              <a:path extrusionOk="0" h="6916846" w="1100668">
+              <a:path w="1100668" h="6916846" extrusionOk="0">
                 <a:moveTo>
                   <a:pt x="0" y="11711"/>
                 </a:moveTo>
@@ -3293,7 +3523,7 @@
           </a:ln>
         </p:spPr>
         <p:txBody>
-          <a:bodyPr anchorCtr="0" anchor="ctr" bIns="45700" lIns="91425" rIns="91425" tIns="45700">
+          <a:bodyPr lIns="91425" tIns="45700" rIns="91425" bIns="45700" anchor="ctr" anchorCtr="0">
             <a:noAutofit/>
           </a:bodyPr>
           <a:lstStyle/>
@@ -3304,9 +3534,6 @@
               </a:spcBef>
               <a:buNone/>
             </a:pPr>
-            <a:r>
-              <a:t/>
-            </a:r>
             <a:endParaRPr/>
           </a:p>
         </p:txBody>
@@ -3314,7 +3541,9 @@
       <p:sp>
         <p:nvSpPr>
           <p:cNvPr id="36" name="Shape 36"/>
-          <p:cNvSpPr txBox="1"/>
+          <p:cNvSpPr txBox="1">
+            <a:spLocks noGrp="1"/>
+          </p:cNvSpPr>
           <p:nvPr>
             <p:ph type="title"/>
           </p:nvPr>
@@ -3329,7 +3558,7 @@
           </a:prstGeom>
         </p:spPr>
         <p:txBody>
-          <a:bodyPr anchorCtr="0" anchor="b" bIns="91425" lIns="91425" rIns="91425" tIns="91425"/>
+          <a:bodyPr lIns="91425" tIns="91425" rIns="91425" bIns="91425" anchor="b" anchorCtr="0"/>
           <a:lstStyle>
             <a:lvl1pPr>
               <a:spcBef>
@@ -3386,15 +3615,19 @@
               <a:defRPr/>
             </a:lvl9pPr>
           </a:lstStyle>
-          <a:p/>
+          <a:p>
+            <a:endParaRPr/>
+          </a:p>
         </p:txBody>
       </p:sp>
       <p:sp>
         <p:nvSpPr>
           <p:cNvPr id="37" name="Shape 37"/>
-          <p:cNvSpPr txBox="1"/>
+          <p:cNvSpPr txBox="1">
+            <a:spLocks noGrp="1"/>
+          </p:cNvSpPr>
           <p:nvPr>
-            <p:ph idx="12" type="sldNum"/>
+            <p:ph type="sldNum" idx="12"/>
           </p:nvPr>
         </p:nvSpPr>
         <p:spPr>
@@ -3407,7 +3640,7 @@
           </a:prstGeom>
         </p:spPr>
         <p:txBody>
-          <a:bodyPr anchorCtr="0" anchor="ctr" bIns="91425" lIns="91425" rIns="91425" tIns="91425">
+          <a:bodyPr lIns="91425" tIns="91425" rIns="91425" bIns="91425" anchor="ctr" anchorCtr="0">
             <a:noAutofit/>
           </a:bodyPr>
           <a:lstStyle>
@@ -3430,6 +3663,7 @@
               <a:rPr lang="en"/>
               <a:t>‹#›</a:t>
             </a:fld>
+            <a:endParaRPr lang="en"/>
           </a:p>
         </p:txBody>
       </p:sp>
@@ -3442,11 +3676,11 @@
 </file>
 
 <file path=ppt/slideLayouts/slideLayout5.xml><?xml version="1.0" encoding="utf-8"?>
-<p:sldLayout xmlns:a="http://schemas.openxmlformats.org/drawingml/2006/main" xmlns:r="http://schemas.openxmlformats.org/officeDocument/2006/relationships" xmlns:mc="http://schemas.openxmlformats.org/markup-compatibility/2006" xmlns:mv="urn:schemas-microsoft-com:mac:vml" xmlns:p="http://schemas.openxmlformats.org/presentationml/2006/main" xmlns:c="http://schemas.openxmlformats.org/drawingml/2006/chart" xmlns:dgm="http://schemas.openxmlformats.org/drawingml/2006/diagram" xmlns:o="urn:schemas-microsoft-com:office:office" xmlns:v="urn:schemas-microsoft-com:vml" xmlns:pvml="urn:schemas-microsoft-com:office:powerpoint" xmlns:com="http://schemas.openxmlformats.org/drawingml/2006/compatibility" xmlns:p14="http://schemas.microsoft.com/office/powerpoint/2010/main">
+<p:sldLayout xmlns:a="http://schemas.openxmlformats.org/drawingml/2006/main" xmlns:r="http://schemas.openxmlformats.org/officeDocument/2006/relationships" xmlns:p="http://schemas.openxmlformats.org/presentationml/2006/main">
   <p:cSld name="Caption">
     <p:spTree>
       <p:nvGrpSpPr>
-        <p:cNvPr id="38" name="Shape 38"/>
+        <p:cNvPr id="1" name="Shape 38"/>
         <p:cNvGrpSpPr/>
         <p:nvPr/>
       </p:nvGrpSpPr>
@@ -3484,8 +3718,13 @@
               <a:ext cx="9144008" cy="1574769"/>
             </a:xfrm>
             <a:custGeom>
+              <a:avLst/>
+              <a:gdLst/>
+              <a:ahLst/>
+              <a:cxnLst/>
+              <a:rect l="0" t="0" r="0" b="0"/>
               <a:pathLst>
-                <a:path extrusionOk="0" h="1257301" w="9144009">
+                <a:path w="9144009" h="1257301" extrusionOk="0">
                   <a:moveTo>
                     <a:pt x="5" y="266700"/>
                   </a:moveTo>
@@ -3523,7 +3762,7 @@
                 </a:gs>
               </a:gsLst>
               <a:path path="circle">
-                <a:fillToRect b="50%" l="50%" r="50%" t="50%"/>
+                <a:fillToRect l="50000" t="50000" r="50000" b="50000"/>
               </a:path>
               <a:tileRect/>
             </a:gradFill>
@@ -3532,7 +3771,7 @@
             </a:ln>
           </p:spPr>
           <p:txBody>
-            <a:bodyPr anchorCtr="0" anchor="ctr" bIns="45700" lIns="91425" rIns="91425" tIns="45700">
+            <a:bodyPr lIns="91425" tIns="45700" rIns="91425" bIns="45700" anchor="ctr" anchorCtr="0">
               <a:noAutofit/>
             </a:bodyPr>
             <a:lstStyle/>
@@ -3543,9 +3782,6 @@
                 </a:spcBef>
                 <a:buNone/>
               </a:pPr>
-              <a:r>
-                <a:t/>
-              </a:r>
               <a:endParaRPr/>
             </a:p>
           </p:txBody>
@@ -3557,13 +3793,18 @@
             <p:nvPr/>
           </p:nvSpPr>
           <p:spPr>
-            <a:xfrm flipH="1" rot="5400000">
+            <a:xfrm rot="5400000" flipH="1">
               <a:off x="3018543" y="1908578"/>
               <a:ext cx="3100650" cy="9150266"/>
             </a:xfrm>
             <a:custGeom>
+              <a:avLst/>
+              <a:gdLst/>
+              <a:ahLst/>
+              <a:cxnLst/>
+              <a:rect l="0" t="0" r="0" b="0"/>
               <a:pathLst>
-                <a:path extrusionOk="0" h="6879900" w="8053639">
+                <a:path w="8053639" h="6879900" extrusionOk="0">
                   <a:moveTo>
                     <a:pt x="4696126" y="16025"/>
                   </a:moveTo>
@@ -3606,16 +3847,16 @@
                 </a:gs>
               </a:gsLst>
               <a:path path="circle">
-                <a:fillToRect r="100%" t="100%"/>
+                <a:fillToRect t="100000" r="100000"/>
               </a:path>
-              <a:tileRect b="-100%" l="-100%"/>
+              <a:tileRect l="-100000" b="-100000"/>
             </a:gradFill>
             <a:ln>
               <a:noFill/>
             </a:ln>
           </p:spPr>
           <p:txBody>
-            <a:bodyPr anchorCtr="0" anchor="ctr" bIns="45700" lIns="91425" rIns="91425" tIns="45700">
+            <a:bodyPr lIns="91425" tIns="45700" rIns="91425" bIns="45700" anchor="ctr" anchorCtr="0">
               <a:noAutofit/>
             </a:bodyPr>
             <a:lstStyle/>
@@ -3626,9 +3867,6 @@
                 </a:spcBef>
                 <a:buNone/>
               </a:pPr>
-              <a:r>
-                <a:t/>
-              </a:r>
               <a:endParaRPr/>
             </a:p>
           </p:txBody>
@@ -3645,8 +3883,13 @@
               <a:ext cx="9144010" cy="1574769"/>
             </a:xfrm>
             <a:custGeom>
+              <a:avLst/>
+              <a:gdLst/>
+              <a:ahLst/>
+              <a:cxnLst/>
+              <a:rect l="0" t="0" r="0" b="0"/>
               <a:pathLst>
-                <a:path extrusionOk="0" h="1257301" w="9144011">
+                <a:path w="9144011" h="1257301" extrusionOk="0">
                   <a:moveTo>
                     <a:pt x="7" y="266700"/>
                   </a:moveTo>
@@ -3684,7 +3927,7 @@
                 </a:gs>
               </a:gsLst>
               <a:path path="circle">
-                <a:fillToRect b="50%" l="50%" r="50%" t="50%"/>
+                <a:fillToRect l="50000" t="50000" r="50000" b="50000"/>
               </a:path>
               <a:tileRect/>
             </a:gradFill>
@@ -3693,7 +3936,7 @@
             </a:ln>
           </p:spPr>
           <p:txBody>
-            <a:bodyPr anchorCtr="0" anchor="ctr" bIns="45700" lIns="91425" rIns="91425" tIns="45700">
+            <a:bodyPr lIns="91425" tIns="45700" rIns="91425" bIns="45700" anchor="ctr" anchorCtr="0">
               <a:noAutofit/>
             </a:bodyPr>
             <a:lstStyle/>
@@ -3704,9 +3947,6 @@
                 </a:spcBef>
                 <a:buNone/>
               </a:pPr>
-              <a:r>
-                <a:t/>
-              </a:r>
               <a:endParaRPr/>
             </a:p>
           </p:txBody>
@@ -3715,9 +3955,11 @@
       <p:sp>
         <p:nvSpPr>
           <p:cNvPr id="43" name="Shape 43"/>
-          <p:cNvSpPr txBox="1"/>
+          <p:cNvSpPr txBox="1">
+            <a:spLocks noGrp="1"/>
+          </p:cNvSpPr>
           <p:nvPr>
-            <p:ph idx="1" type="body"/>
+            <p:ph type="body" idx="1"/>
           </p:nvPr>
         </p:nvSpPr>
         <p:spPr>
@@ -3730,7 +3972,7 @@
           </a:prstGeom>
         </p:spPr>
         <p:txBody>
-          <a:bodyPr anchorCtr="0" anchor="ctr" bIns="91425" lIns="91425" rIns="91425" tIns="91425"/>
+          <a:bodyPr lIns="91425" tIns="91425" rIns="91425" bIns="91425" anchor="ctr" anchorCtr="0"/>
           <a:lstStyle>
             <a:lvl1pPr algn="ctr">
               <a:spcBef>
@@ -3741,15 +3983,19 @@
               <a:defRPr sz="2400"/>
             </a:lvl1pPr>
           </a:lstStyle>
-          <a:p/>
+          <a:p>
+            <a:endParaRPr/>
+          </a:p>
         </p:txBody>
       </p:sp>
       <p:sp>
         <p:nvSpPr>
           <p:cNvPr id="44" name="Shape 44"/>
-          <p:cNvSpPr txBox="1"/>
+          <p:cNvSpPr txBox="1">
+            <a:spLocks noGrp="1"/>
+          </p:cNvSpPr>
           <p:nvPr>
-            <p:ph idx="12" type="sldNum"/>
+            <p:ph type="sldNum" idx="12"/>
           </p:nvPr>
         </p:nvSpPr>
         <p:spPr>
@@ -3762,7 +4008,7 @@
           </a:prstGeom>
         </p:spPr>
         <p:txBody>
-          <a:bodyPr anchorCtr="0" anchor="ctr" bIns="91425" lIns="91425" rIns="91425" tIns="91425">
+          <a:bodyPr lIns="91425" tIns="91425" rIns="91425" bIns="91425" anchor="ctr" anchorCtr="0">
             <a:noAutofit/>
           </a:bodyPr>
           <a:lstStyle>
@@ -3785,6 +4031,7 @@
               <a:rPr lang="en"/>
               <a:t>‹#›</a:t>
             </a:fld>
+            <a:endParaRPr lang="en"/>
           </a:p>
         </p:txBody>
       </p:sp>
@@ -3797,11 +4044,11 @@
 </file>
 
 <file path=ppt/slideLayouts/slideLayout6.xml><?xml version="1.0" encoding="utf-8"?>
-<p:sldLayout xmlns:a="http://schemas.openxmlformats.org/drawingml/2006/main" xmlns:r="http://schemas.openxmlformats.org/officeDocument/2006/relationships" xmlns:mc="http://schemas.openxmlformats.org/markup-compatibility/2006" xmlns:mv="urn:schemas-microsoft-com:mac:vml" xmlns:p="http://schemas.openxmlformats.org/presentationml/2006/main" xmlns:c="http://schemas.openxmlformats.org/drawingml/2006/chart" xmlns:dgm="http://schemas.openxmlformats.org/drawingml/2006/diagram" xmlns:o="urn:schemas-microsoft-com:office:office" xmlns:v="urn:schemas-microsoft-com:vml" xmlns:pvml="urn:schemas-microsoft-com:office:powerpoint" xmlns:com="http://schemas.openxmlformats.org/drawingml/2006/compatibility" xmlns:p14="http://schemas.microsoft.com/office/powerpoint/2010/main" type="blank">
+<p:sldLayout xmlns:a="http://schemas.openxmlformats.org/drawingml/2006/main" xmlns:r="http://schemas.openxmlformats.org/officeDocument/2006/relationships" xmlns:p="http://schemas.openxmlformats.org/presentationml/2006/main" type="blank">
   <p:cSld name="Blank">
     <p:spTree>
       <p:nvGrpSpPr>
-        <p:cNvPr id="45" name="Shape 45"/>
+        <p:cNvPr id="1" name="Shape 45"/>
         <p:cNvGrpSpPr/>
         <p:nvPr/>
       </p:nvGrpSpPr>
@@ -3816,9 +4063,11 @@
       <p:sp>
         <p:nvSpPr>
           <p:cNvPr id="46" name="Shape 46"/>
-          <p:cNvSpPr txBox="1"/>
+          <p:cNvSpPr txBox="1">
+            <a:spLocks noGrp="1"/>
+          </p:cNvSpPr>
           <p:nvPr>
-            <p:ph idx="12" type="sldNum"/>
+            <p:ph type="sldNum" idx="12"/>
           </p:nvPr>
         </p:nvSpPr>
         <p:spPr>
@@ -3831,7 +4080,7 @@
           </a:prstGeom>
         </p:spPr>
         <p:txBody>
-          <a:bodyPr anchorCtr="0" anchor="ctr" bIns="91425" lIns="91425" rIns="91425" tIns="91425">
+          <a:bodyPr lIns="91425" tIns="91425" rIns="91425" bIns="91425" anchor="ctr" anchorCtr="0">
             <a:noAutofit/>
           </a:bodyPr>
           <a:lstStyle>
@@ -3854,6 +4103,7 @@
               <a:rPr lang="en"/>
               <a:t>‹#›</a:t>
             </a:fld>
+            <a:endParaRPr lang="en"/>
           </a:p>
         </p:txBody>
       </p:sp>
@@ -3866,7 +4116,7 @@
 </file>
 
 <file path=ppt/slideMasters/slideMaster1.xml><?xml version="1.0" encoding="utf-8"?>
-<p:sldMaster xmlns:a="http://schemas.openxmlformats.org/drawingml/2006/main" xmlns:r="http://schemas.openxmlformats.org/officeDocument/2006/relationships" xmlns:mc="http://schemas.openxmlformats.org/markup-compatibility/2006" xmlns:mv="urn:schemas-microsoft-com:mac:vml" xmlns:p="http://schemas.openxmlformats.org/presentationml/2006/main" xmlns:c="http://schemas.openxmlformats.org/drawingml/2006/chart" xmlns:dgm="http://schemas.openxmlformats.org/drawingml/2006/diagram" xmlns:o="urn:schemas-microsoft-com:office:office" xmlns:v="urn:schemas-microsoft-com:vml" xmlns:pvml="urn:schemas-microsoft-com:office:powerpoint" xmlns:com="http://schemas.openxmlformats.org/drawingml/2006/compatibility" xmlns:p14="http://schemas.microsoft.com/office/powerpoint/2010/main">
+<p:sldMaster xmlns:a="http://schemas.openxmlformats.org/drawingml/2006/main" xmlns:r="http://schemas.openxmlformats.org/officeDocument/2006/relationships" xmlns:p="http://schemas.openxmlformats.org/presentationml/2006/main">
   <p:cSld>
     <p:bg>
       <p:bgPr>
@@ -3880,15 +4130,16 @@
             </a:gs>
           </a:gsLst>
           <a:path path="circle">
-            <a:fillToRect b="50%" l="50%" r="50%" t="50%"/>
+            <a:fillToRect l="50000" t="50000" r="50000" b="50000"/>
           </a:path>
           <a:tileRect/>
         </a:gradFill>
+        <a:effectLst/>
       </p:bgPr>
     </p:bg>
     <p:spTree>
       <p:nvGrpSpPr>
-        <p:cNvPr id="4" name="Shape 4"/>
+        <p:cNvPr id="1" name="Shape 4"/>
         <p:cNvGrpSpPr/>
         <p:nvPr/>
       </p:nvGrpSpPr>
@@ -3903,7 +4154,9 @@
       <p:sp>
         <p:nvSpPr>
           <p:cNvPr id="5" name="Shape 5"/>
-          <p:cNvSpPr txBox="1"/>
+          <p:cNvSpPr txBox="1">
+            <a:spLocks noGrp="1"/>
+          </p:cNvSpPr>
           <p:nvPr>
             <p:ph type="title"/>
           </p:nvPr>
@@ -3922,7 +4175,7 @@
           </a:ln>
         </p:spPr>
         <p:txBody>
-          <a:bodyPr anchorCtr="0" anchor="b" bIns="91425" lIns="91425" rIns="91425" tIns="91425"/>
+          <a:bodyPr lIns="91425" tIns="91425" rIns="91425" bIns="91425" anchor="b" anchorCtr="0"/>
           <a:lstStyle>
             <a:lvl1pPr>
               <a:spcBef>
@@ -3934,7 +4187,7 @@
               <a:buSzPct val="100000"/>
               <a:buFont typeface="Trebuchet MS"/>
               <a:buNone/>
-              <a:defRPr b="1" sz="4000">
+              <a:defRPr sz="4000" b="1">
                 <a:solidFill>
                   <a:srgbClr val="00387E"/>
                 </a:solidFill>
@@ -3954,7 +4207,7 @@
               <a:buSzPct val="100000"/>
               <a:buFont typeface="Trebuchet MS"/>
               <a:buNone/>
-              <a:defRPr b="1" sz="4000">
+              <a:defRPr sz="4000" b="1">
                 <a:solidFill>
                   <a:srgbClr val="00387E"/>
                 </a:solidFill>
@@ -3974,7 +4227,7 @@
               <a:buSzPct val="100000"/>
               <a:buFont typeface="Trebuchet MS"/>
               <a:buNone/>
-              <a:defRPr b="1" sz="4000">
+              <a:defRPr sz="4000" b="1">
                 <a:solidFill>
                   <a:srgbClr val="00387E"/>
                 </a:solidFill>
@@ -3994,7 +4247,7 @@
               <a:buSzPct val="100000"/>
               <a:buFont typeface="Trebuchet MS"/>
               <a:buNone/>
-              <a:defRPr b="1" sz="4000">
+              <a:defRPr sz="4000" b="1">
                 <a:solidFill>
                   <a:srgbClr val="00387E"/>
                 </a:solidFill>
@@ -4014,7 +4267,7 @@
               <a:buSzPct val="100000"/>
               <a:buFont typeface="Trebuchet MS"/>
               <a:buNone/>
-              <a:defRPr b="1" sz="4000">
+              <a:defRPr sz="4000" b="1">
                 <a:solidFill>
                   <a:srgbClr val="00387E"/>
                 </a:solidFill>
@@ -4034,7 +4287,7 @@
               <a:buSzPct val="100000"/>
               <a:buFont typeface="Trebuchet MS"/>
               <a:buNone/>
-              <a:defRPr b="1" sz="4000">
+              <a:defRPr sz="4000" b="1">
                 <a:solidFill>
                   <a:srgbClr val="00387E"/>
                 </a:solidFill>
@@ -4054,7 +4307,7 @@
               <a:buSzPct val="100000"/>
               <a:buFont typeface="Trebuchet MS"/>
               <a:buNone/>
-              <a:defRPr b="1" sz="4000">
+              <a:defRPr sz="4000" b="1">
                 <a:solidFill>
                   <a:srgbClr val="00387E"/>
                 </a:solidFill>
@@ -4074,7 +4327,7 @@
               <a:buSzPct val="100000"/>
               <a:buFont typeface="Trebuchet MS"/>
               <a:buNone/>
-              <a:defRPr b="1" sz="4000">
+              <a:defRPr sz="4000" b="1">
                 <a:solidFill>
                   <a:srgbClr val="00387E"/>
                 </a:solidFill>
@@ -4094,7 +4347,7 @@
               <a:buSzPct val="100000"/>
               <a:buFont typeface="Trebuchet MS"/>
               <a:buNone/>
-              <a:defRPr b="1" sz="4000">
+              <a:defRPr sz="4000" b="1">
                 <a:solidFill>
                   <a:srgbClr val="00387E"/>
                 </a:solidFill>
@@ -4105,15 +4358,19 @@
               </a:defRPr>
             </a:lvl9pPr>
           </a:lstStyle>
-          <a:p/>
+          <a:p>
+            <a:endParaRPr/>
+          </a:p>
         </p:txBody>
       </p:sp>
       <p:sp>
         <p:nvSpPr>
           <p:cNvPr id="6" name="Shape 6"/>
-          <p:cNvSpPr txBox="1"/>
+          <p:cNvSpPr txBox="1">
+            <a:spLocks noGrp="1"/>
+          </p:cNvSpPr>
           <p:nvPr>
-            <p:ph idx="1" type="body"/>
+            <p:ph type="body" idx="1"/>
           </p:nvPr>
         </p:nvSpPr>
         <p:spPr>
@@ -4130,7 +4387,7 @@
           </a:ln>
         </p:spPr>
         <p:txBody>
-          <a:bodyPr anchorCtr="0" anchor="t" bIns="91425" lIns="91425" rIns="91425" tIns="91425"/>
+          <a:bodyPr lIns="91425" tIns="91425" rIns="91425" bIns="91425" anchor="t" anchorCtr="0"/>
           <a:lstStyle>
             <a:lvl1pPr>
               <a:spcBef>
@@ -4304,15 +4561,19 @@
               </a:defRPr>
             </a:lvl9pPr>
           </a:lstStyle>
-          <a:p/>
+          <a:p>
+            <a:endParaRPr/>
+          </a:p>
         </p:txBody>
       </p:sp>
       <p:sp>
         <p:nvSpPr>
           <p:cNvPr id="7" name="Shape 7"/>
-          <p:cNvSpPr txBox="1"/>
+          <p:cNvSpPr txBox="1">
+            <a:spLocks noGrp="1"/>
+          </p:cNvSpPr>
           <p:nvPr>
-            <p:ph idx="12" type="sldNum"/>
+            <p:ph type="sldNum" idx="12"/>
           </p:nvPr>
         </p:nvSpPr>
         <p:spPr>
@@ -4329,7 +4590,7 @@
           </a:ln>
         </p:spPr>
         <p:txBody>
-          <a:bodyPr anchorCtr="0" anchor="ctr" bIns="91425" lIns="91425" rIns="91425" tIns="91425">
+          <a:bodyPr lIns="91425" tIns="91425" rIns="91425" bIns="91425" anchor="ctr" anchorCtr="0">
             <a:noAutofit/>
           </a:bodyPr>
           <a:lstStyle>
@@ -4360,12 +4621,13 @@
               <a:rPr lang="en"/>
               <a:t>‹#›</a:t>
             </a:fld>
+            <a:endParaRPr lang="en"/>
           </a:p>
         </p:txBody>
       </p:sp>
     </p:spTree>
   </p:cSld>
-  <p:clrMap accent1="accent1" accent2="accent2" accent3="accent3" accent4="accent4" accent5="accent5" accent6="accent6" bg1="lt1" bg2="dk2" tx1="dk1" tx2="lt2" folHlink="folHlink" hlink="hlink"/>
+  <p:clrMap bg1="lt1" tx1="dk1" bg2="dk2" tx2="lt2" accent1="accent1" accent2="accent2" accent3="accent3" accent4="accent4" accent5="accent5" accent6="accent6" hlink="hlink" folHlink="folHlink"/>
   <p:sldLayoutIdLst>
     <p:sldLayoutId id="2147483648" r:id="rId1"/>
     <p:sldLayoutId id="2147483649" r:id="rId2"/>
@@ -4374,10 +4636,10 @@
     <p:sldLayoutId id="2147483652" r:id="rId5"/>
     <p:sldLayoutId id="2147483653" r:id="rId6"/>
   </p:sldLayoutIdLst>
-  <p:hf dt="0" ftr="0" hdr="0" sldNum="0"/>
+  <p:hf sldNum="0" hdr="0" ftr="0" dt="0"/>
   <p:txStyles>
     <p:titleStyle>
-      <a:defPPr marR="0" rtl="0" algn="l">
+      <a:defPPr marR="0" algn="l" rtl="0">
         <a:lnSpc>
           <a:spcPct val="100000"/>
         </a:lnSpc>
@@ -4388,7 +4650,7 @@
           <a:spcPts val="0"/>
         </a:spcAft>
       </a:defPPr>
-      <a:lvl1pPr marR="0" rtl="0" algn="l">
+      <a:lvl1pPr marR="0" algn="l" rtl="0">
         <a:lnSpc>
           <a:spcPct val="100000"/>
         </a:lnSpc>
@@ -4399,7 +4661,7 @@
           <a:spcPts val="0"/>
         </a:spcAft>
         <a:buNone/>
-        <a:defRPr b="0" baseline="0" i="0" sz="1400" u="none" cap="none" strike="noStrike">
+        <a:defRPr sz="1400" b="0" i="0" u="none" strike="noStrike" cap="none" baseline="0">
           <a:solidFill>
             <a:srgbClr val="000000"/>
           </a:solidFill>
@@ -4410,7 +4672,7 @@
           <a:rtl val="0"/>
         </a:defRPr>
       </a:lvl1pPr>
-      <a:lvl2pPr marR="0" rtl="0" algn="l">
+      <a:lvl2pPr marR="0" algn="l" rtl="0">
         <a:lnSpc>
           <a:spcPct val="100000"/>
         </a:lnSpc>
@@ -4421,7 +4683,7 @@
           <a:spcPts val="0"/>
         </a:spcAft>
         <a:buNone/>
-        <a:defRPr b="0" baseline="0" i="0" sz="1400" u="none" cap="none" strike="noStrike">
+        <a:defRPr sz="1400" b="0" i="0" u="none" strike="noStrike" cap="none" baseline="0">
           <a:solidFill>
             <a:srgbClr val="000000"/>
           </a:solidFill>
@@ -4434,7 +4696,7 @@
       </a:lvl2pPr>
     </p:titleStyle>
     <p:bodyStyle>
-      <a:defPPr marR="0" rtl="0" algn="l">
+      <a:defPPr marR="0" algn="l" rtl="0">
         <a:lnSpc>
           <a:spcPct val="100000"/>
         </a:lnSpc>
@@ -4445,7 +4707,7 @@
           <a:spcPts val="0"/>
         </a:spcAft>
       </a:defPPr>
-      <a:lvl1pPr marR="0" rtl="0" algn="l">
+      <a:lvl1pPr marR="0" algn="l" rtl="0">
         <a:lnSpc>
           <a:spcPct val="100000"/>
         </a:lnSpc>
@@ -4456,7 +4718,7 @@
           <a:spcPts val="0"/>
         </a:spcAft>
         <a:buNone/>
-        <a:defRPr b="0" baseline="0" i="0" sz="1400" u="none" cap="none" strike="noStrike">
+        <a:defRPr sz="1400" b="0" i="0" u="none" strike="noStrike" cap="none" baseline="0">
           <a:solidFill>
             <a:srgbClr val="000000"/>
           </a:solidFill>
@@ -4467,7 +4729,7 @@
           <a:rtl val="0"/>
         </a:defRPr>
       </a:lvl1pPr>
-      <a:lvl2pPr marR="0" rtl="0" algn="l">
+      <a:lvl2pPr marR="0" algn="l" rtl="0">
         <a:lnSpc>
           <a:spcPct val="100000"/>
         </a:lnSpc>
@@ -4478,7 +4740,7 @@
           <a:spcPts val="0"/>
         </a:spcAft>
         <a:buNone/>
-        <a:defRPr b="0" baseline="0" i="0" sz="1400" u="none" cap="none" strike="noStrike">
+        <a:defRPr sz="1400" b="0" i="0" u="none" strike="noStrike" cap="none" baseline="0">
           <a:solidFill>
             <a:srgbClr val="000000"/>
           </a:solidFill>
@@ -4489,7 +4751,7 @@
           <a:rtl val="0"/>
         </a:defRPr>
       </a:lvl2pPr>
-      <a:lvl3pPr marR="0" rtl="0" algn="l">
+      <a:lvl3pPr marR="0" algn="l" rtl="0">
         <a:lnSpc>
           <a:spcPct val="100000"/>
         </a:lnSpc>
@@ -4500,7 +4762,7 @@
           <a:spcPts val="0"/>
         </a:spcAft>
         <a:buNone/>
-        <a:defRPr b="0" baseline="0" i="0" sz="1400" u="none" cap="none" strike="noStrike">
+        <a:defRPr sz="1400" b="0" i="0" u="none" strike="noStrike" cap="none" baseline="0">
           <a:solidFill>
             <a:srgbClr val="000000"/>
           </a:solidFill>
@@ -4511,7 +4773,7 @@
           <a:rtl val="0"/>
         </a:defRPr>
       </a:lvl3pPr>
-      <a:lvl4pPr marR="0" rtl="0" algn="l">
+      <a:lvl4pPr marR="0" algn="l" rtl="0">
         <a:lnSpc>
           <a:spcPct val="100000"/>
         </a:lnSpc>
@@ -4522,7 +4784,7 @@
           <a:spcPts val="0"/>
         </a:spcAft>
         <a:buNone/>
-        <a:defRPr b="0" baseline="0" i="0" sz="1400" u="none" cap="none" strike="noStrike">
+        <a:defRPr sz="1400" b="0" i="0" u="none" strike="noStrike" cap="none" baseline="0">
           <a:solidFill>
             <a:srgbClr val="000000"/>
           </a:solidFill>
@@ -4533,7 +4795,7 @@
           <a:rtl val="0"/>
         </a:defRPr>
       </a:lvl4pPr>
-      <a:lvl5pPr marR="0" rtl="0" algn="l">
+      <a:lvl5pPr marR="0" algn="l" rtl="0">
         <a:lnSpc>
           <a:spcPct val="100000"/>
         </a:lnSpc>
@@ -4544,7 +4806,7 @@
           <a:spcPts val="0"/>
         </a:spcAft>
         <a:buNone/>
-        <a:defRPr b="0" baseline="0" i="0" sz="1400" u="none" cap="none" strike="noStrike">
+        <a:defRPr sz="1400" b="0" i="0" u="none" strike="noStrike" cap="none" baseline="0">
           <a:solidFill>
             <a:srgbClr val="000000"/>
           </a:solidFill>
@@ -4555,7 +4817,7 @@
           <a:rtl val="0"/>
         </a:defRPr>
       </a:lvl5pPr>
-      <a:lvl6pPr marR="0" rtl="0" algn="l">
+      <a:lvl6pPr marR="0" algn="l" rtl="0">
         <a:lnSpc>
           <a:spcPct val="100000"/>
         </a:lnSpc>
@@ -4566,7 +4828,7 @@
           <a:spcPts val="0"/>
         </a:spcAft>
         <a:buNone/>
-        <a:defRPr b="0" baseline="0" i="0" sz="1400" u="none" cap="none" strike="noStrike">
+        <a:defRPr sz="1400" b="0" i="0" u="none" strike="noStrike" cap="none" baseline="0">
           <a:solidFill>
             <a:srgbClr val="000000"/>
           </a:solidFill>
@@ -4577,7 +4839,7 @@
           <a:rtl val="0"/>
         </a:defRPr>
       </a:lvl6pPr>
-      <a:lvl7pPr marR="0" rtl="0" algn="l">
+      <a:lvl7pPr marR="0" algn="l" rtl="0">
         <a:lnSpc>
           <a:spcPct val="100000"/>
         </a:lnSpc>
@@ -4588,7 +4850,7 @@
           <a:spcPts val="0"/>
         </a:spcAft>
         <a:buNone/>
-        <a:defRPr b="0" baseline="0" i="0" sz="1400" u="none" cap="none" strike="noStrike">
+        <a:defRPr sz="1400" b="0" i="0" u="none" strike="noStrike" cap="none" baseline="0">
           <a:solidFill>
             <a:srgbClr val="000000"/>
           </a:solidFill>
@@ -4599,7 +4861,7 @@
           <a:rtl val="0"/>
         </a:defRPr>
       </a:lvl7pPr>
-      <a:lvl8pPr marR="0" rtl="0" algn="l">
+      <a:lvl8pPr marR="0" algn="l" rtl="0">
         <a:lnSpc>
           <a:spcPct val="100000"/>
         </a:lnSpc>
@@ -4610,7 +4872,7 @@
           <a:spcPts val="0"/>
         </a:spcAft>
         <a:buNone/>
-        <a:defRPr b="0" baseline="0" i="0" sz="1400" u="none" cap="none" strike="noStrike">
+        <a:defRPr sz="1400" b="0" i="0" u="none" strike="noStrike" cap="none" baseline="0">
           <a:solidFill>
             <a:srgbClr val="000000"/>
           </a:solidFill>
@@ -4621,7 +4883,7 @@
           <a:rtl val="0"/>
         </a:defRPr>
       </a:lvl8pPr>
-      <a:lvl9pPr marR="0" rtl="0" algn="l">
+      <a:lvl9pPr marR="0" algn="l" rtl="0">
         <a:lnSpc>
           <a:spcPct val="100000"/>
         </a:lnSpc>
@@ -4632,7 +4894,7 @@
           <a:spcPts val="0"/>
         </a:spcAft>
         <a:buNone/>
-        <a:defRPr b="0" baseline="0" i="0" sz="1400" u="none" cap="none" strike="noStrike">
+        <a:defRPr sz="1400" b="0" i="0" u="none" strike="noStrike" cap="none" baseline="0">
           <a:solidFill>
             <a:srgbClr val="000000"/>
           </a:solidFill>
@@ -4645,7 +4907,7 @@
       </a:lvl9pPr>
     </p:bodyStyle>
     <p:otherStyle>
-      <a:defPPr marR="0" rtl="0" algn="l">
+      <a:defPPr marR="0" algn="l" rtl="0">
         <a:lnSpc>
           <a:spcPct val="100000"/>
         </a:lnSpc>
@@ -4656,7 +4918,7 @@
           <a:spcPts val="0"/>
         </a:spcAft>
       </a:defPPr>
-      <a:lvl1pPr marR="0" rtl="0" algn="l">
+      <a:lvl1pPr marR="0" algn="l" rtl="0">
         <a:lnSpc>
           <a:spcPct val="100000"/>
         </a:lnSpc>
@@ -4667,7 +4929,7 @@
           <a:spcPts val="0"/>
         </a:spcAft>
         <a:buNone/>
-        <a:defRPr b="0" baseline="0" i="0" sz="1400" u="none" cap="none" strike="noStrike">
+        <a:defRPr sz="1400" b="0" i="0" u="none" strike="noStrike" cap="none" baseline="0">
           <a:solidFill>
             <a:srgbClr val="000000"/>
           </a:solidFill>
@@ -4678,7 +4940,7 @@
           <a:rtl val="0"/>
         </a:defRPr>
       </a:lvl1pPr>
-      <a:lvl2pPr marR="0" rtl="0" algn="l">
+      <a:lvl2pPr marR="0" algn="l" rtl="0">
         <a:lnSpc>
           <a:spcPct val="100000"/>
         </a:lnSpc>
@@ -4689,7 +4951,7 @@
           <a:spcPts val="0"/>
         </a:spcAft>
         <a:buNone/>
-        <a:defRPr b="0" baseline="0" i="0" sz="1400" u="none" cap="none" strike="noStrike">
+        <a:defRPr sz="1400" b="0" i="0" u="none" strike="noStrike" cap="none" baseline="0">
           <a:solidFill>
             <a:srgbClr val="000000"/>
           </a:solidFill>
@@ -4700,7 +4962,7 @@
           <a:rtl val="0"/>
         </a:defRPr>
       </a:lvl2pPr>
-      <a:lvl3pPr marR="0" rtl="0" algn="l">
+      <a:lvl3pPr marR="0" algn="l" rtl="0">
         <a:lnSpc>
           <a:spcPct val="100000"/>
         </a:lnSpc>
@@ -4711,7 +4973,7 @@
           <a:spcPts val="0"/>
         </a:spcAft>
         <a:buNone/>
-        <a:defRPr b="0" baseline="0" i="0" sz="1400" u="none" cap="none" strike="noStrike">
+        <a:defRPr sz="1400" b="0" i="0" u="none" strike="noStrike" cap="none" baseline="0">
           <a:solidFill>
             <a:srgbClr val="000000"/>
           </a:solidFill>
@@ -4722,7 +4984,7 @@
           <a:rtl val="0"/>
         </a:defRPr>
       </a:lvl3pPr>
-      <a:lvl4pPr marR="0" rtl="0" algn="l">
+      <a:lvl4pPr marR="0" algn="l" rtl="0">
         <a:lnSpc>
           <a:spcPct val="100000"/>
         </a:lnSpc>
@@ -4733,7 +4995,7 @@
           <a:spcPts val="0"/>
         </a:spcAft>
         <a:buNone/>
-        <a:defRPr b="0" baseline="0" i="0" sz="1400" u="none" cap="none" strike="noStrike">
+        <a:defRPr sz="1400" b="0" i="0" u="none" strike="noStrike" cap="none" baseline="0">
           <a:solidFill>
             <a:srgbClr val="000000"/>
           </a:solidFill>
@@ -4744,7 +5006,7 @@
           <a:rtl val="0"/>
         </a:defRPr>
       </a:lvl4pPr>
-      <a:lvl5pPr marR="0" rtl="0" algn="l">
+      <a:lvl5pPr marR="0" algn="l" rtl="0">
         <a:lnSpc>
           <a:spcPct val="100000"/>
         </a:lnSpc>
@@ -4755,7 +5017,7 @@
           <a:spcPts val="0"/>
         </a:spcAft>
         <a:buNone/>
-        <a:defRPr b="0" baseline="0" i="0" sz="1400" u="none" cap="none" strike="noStrike">
+        <a:defRPr sz="1400" b="0" i="0" u="none" strike="noStrike" cap="none" baseline="0">
           <a:solidFill>
             <a:srgbClr val="000000"/>
           </a:solidFill>
@@ -4766,7 +5028,7 @@
           <a:rtl val="0"/>
         </a:defRPr>
       </a:lvl5pPr>
-      <a:lvl6pPr marR="0" rtl="0" algn="l">
+      <a:lvl6pPr marR="0" algn="l" rtl="0">
         <a:lnSpc>
           <a:spcPct val="100000"/>
         </a:lnSpc>
@@ -4777,7 +5039,7 @@
           <a:spcPts val="0"/>
         </a:spcAft>
         <a:buNone/>
-        <a:defRPr b="0" baseline="0" i="0" sz="1400" u="none" cap="none" strike="noStrike">
+        <a:defRPr sz="1400" b="0" i="0" u="none" strike="noStrike" cap="none" baseline="0">
           <a:solidFill>
             <a:srgbClr val="000000"/>
           </a:solidFill>
@@ -4788,7 +5050,7 @@
           <a:rtl val="0"/>
         </a:defRPr>
       </a:lvl6pPr>
-      <a:lvl7pPr marR="0" rtl="0" algn="l">
+      <a:lvl7pPr marR="0" algn="l" rtl="0">
         <a:lnSpc>
           <a:spcPct val="100000"/>
         </a:lnSpc>
@@ -4799,7 +5061,7 @@
           <a:spcPts val="0"/>
         </a:spcAft>
         <a:buNone/>
-        <a:defRPr b="0" baseline="0" i="0" sz="1400" u="none" cap="none" strike="noStrike">
+        <a:defRPr sz="1400" b="0" i="0" u="none" strike="noStrike" cap="none" baseline="0">
           <a:solidFill>
             <a:srgbClr val="000000"/>
           </a:solidFill>
@@ -4810,7 +5072,7 @@
           <a:rtl val="0"/>
         </a:defRPr>
       </a:lvl7pPr>
-      <a:lvl8pPr marR="0" rtl="0" algn="l">
+      <a:lvl8pPr marR="0" algn="l" rtl="0">
         <a:lnSpc>
           <a:spcPct val="100000"/>
         </a:lnSpc>
@@ -4821,7 +5083,7 @@
           <a:spcPts val="0"/>
         </a:spcAft>
         <a:buNone/>
-        <a:defRPr b="0" baseline="0" i="0" sz="1400" u="none" cap="none" strike="noStrike">
+        <a:defRPr sz="1400" b="0" i="0" u="none" strike="noStrike" cap="none" baseline="0">
           <a:solidFill>
             <a:srgbClr val="000000"/>
           </a:solidFill>
@@ -4832,7 +5094,7 @@
           <a:rtl val="0"/>
         </a:defRPr>
       </a:lvl8pPr>
-      <a:lvl9pPr marR="0" rtl="0" algn="l">
+      <a:lvl9pPr marR="0" algn="l" rtl="0">
         <a:lnSpc>
           <a:spcPct val="100000"/>
         </a:lnSpc>
@@ -4843,7 +5105,7 @@
           <a:spcPts val="0"/>
         </a:spcAft>
         <a:buNone/>
-        <a:defRPr b="0" baseline="0" i="0" sz="1400" u="none" cap="none" strike="noStrike">
+        <a:defRPr sz="1400" b="0" i="0" u="none" strike="noStrike" cap="none" baseline="0">
           <a:solidFill>
             <a:srgbClr val="000000"/>
           </a:solidFill>
@@ -4860,11 +5122,11 @@
 </file>
 
 <file path=ppt/slides/slide1.xml><?xml version="1.0" encoding="utf-8"?>
-<p:sld xmlns:a="http://schemas.openxmlformats.org/drawingml/2006/main" xmlns:r="http://schemas.openxmlformats.org/officeDocument/2006/relationships" xmlns:mc="http://schemas.openxmlformats.org/markup-compatibility/2006" xmlns:mv="urn:schemas-microsoft-com:mac:vml" xmlns:p="http://schemas.openxmlformats.org/presentationml/2006/main" xmlns:c="http://schemas.openxmlformats.org/drawingml/2006/chart" xmlns:dgm="http://schemas.openxmlformats.org/drawingml/2006/diagram" xmlns:o="urn:schemas-microsoft-com:office:office" xmlns:v="urn:schemas-microsoft-com:vml" xmlns:pvml="urn:schemas-microsoft-com:office:powerpoint" xmlns:com="http://schemas.openxmlformats.org/drawingml/2006/compatibility" xmlns:p14="http://schemas.microsoft.com/office/powerpoint/2010/main">
+<p:sld xmlns:a="http://schemas.openxmlformats.org/drawingml/2006/main" xmlns:r="http://schemas.openxmlformats.org/officeDocument/2006/relationships" xmlns:p="http://schemas.openxmlformats.org/presentationml/2006/main">
   <p:cSld>
     <p:spTree>
       <p:nvGrpSpPr>
-        <p:cNvPr id="47" name="Shape 47"/>
+        <p:cNvPr id="1" name="Shape 47"/>
         <p:cNvGrpSpPr/>
         <p:nvPr/>
       </p:nvGrpSpPr>
@@ -4879,7 +5141,9 @@
       <p:sp>
         <p:nvSpPr>
           <p:cNvPr id="48" name="Shape 48"/>
-          <p:cNvSpPr txBox="1"/>
+          <p:cNvSpPr txBox="1">
+            <a:spLocks noGrp="1"/>
+          </p:cNvSpPr>
           <p:nvPr>
             <p:ph type="ctrTitle"/>
           </p:nvPr>
@@ -4894,7 +5158,7 @@
           </a:prstGeom>
         </p:spPr>
         <p:txBody>
-          <a:bodyPr anchorCtr="0" anchor="b" bIns="91425" lIns="91425" rIns="91425" tIns="91425">
+          <a:bodyPr lIns="91425" tIns="91425" rIns="91425" bIns="91425" anchor="b" anchorCtr="0">
             <a:noAutofit/>
           </a:bodyPr>
           <a:lstStyle/>
@@ -4915,9 +5179,11 @@
       <p:sp>
         <p:nvSpPr>
           <p:cNvPr id="49" name="Shape 49"/>
-          <p:cNvSpPr txBox="1"/>
+          <p:cNvSpPr txBox="1">
+            <a:spLocks noGrp="1"/>
+          </p:cNvSpPr>
           <p:nvPr>
-            <p:ph idx="1" type="subTitle"/>
+            <p:ph type="subTitle" idx="1"/>
           </p:nvPr>
         </p:nvSpPr>
         <p:spPr>
@@ -4930,7 +5196,7 @@
           </a:prstGeom>
         </p:spPr>
         <p:txBody>
-          <a:bodyPr anchorCtr="0" anchor="t" bIns="91425" lIns="91425" rIns="91425" tIns="91425">
+          <a:bodyPr lIns="91425" tIns="91425" rIns="91425" bIns="91425" anchor="t" anchorCtr="0">
             <a:noAutofit/>
           </a:bodyPr>
           <a:lstStyle/>
@@ -4996,11 +5262,11 @@
 </file>
 
 <file path=ppt/slides/slide2.xml><?xml version="1.0" encoding="utf-8"?>
-<p:sld xmlns:a="http://schemas.openxmlformats.org/drawingml/2006/main" xmlns:r="http://schemas.openxmlformats.org/officeDocument/2006/relationships" xmlns:mc="http://schemas.openxmlformats.org/markup-compatibility/2006" xmlns:mv="urn:schemas-microsoft-com:mac:vml" xmlns:p="http://schemas.openxmlformats.org/presentationml/2006/main" xmlns:c="http://schemas.openxmlformats.org/drawingml/2006/chart" xmlns:dgm="http://schemas.openxmlformats.org/drawingml/2006/diagram" xmlns:o="urn:schemas-microsoft-com:office:office" xmlns:v="urn:schemas-microsoft-com:vml" xmlns:pvml="urn:schemas-microsoft-com:office:powerpoint" xmlns:com="http://schemas.openxmlformats.org/drawingml/2006/compatibility" xmlns:p14="http://schemas.microsoft.com/office/powerpoint/2010/main">
+<p:sld xmlns:a="http://schemas.openxmlformats.org/drawingml/2006/main" xmlns:r="http://schemas.openxmlformats.org/officeDocument/2006/relationships" xmlns:p="http://schemas.openxmlformats.org/presentationml/2006/main">
   <p:cSld>
     <p:spTree>
       <p:nvGrpSpPr>
-        <p:cNvPr id="53" name="Shape 53"/>
+        <p:cNvPr id="1" name="Shape 53"/>
         <p:cNvGrpSpPr/>
         <p:nvPr/>
       </p:nvGrpSpPr>
@@ -5015,7 +5281,9 @@
       <p:sp>
         <p:nvSpPr>
           <p:cNvPr id="54" name="Shape 54"/>
-          <p:cNvSpPr txBox="1"/>
+          <p:cNvSpPr txBox="1">
+            <a:spLocks noGrp="1"/>
+          </p:cNvSpPr>
           <p:nvPr>
             <p:ph type="title"/>
           </p:nvPr>
@@ -5030,7 +5298,7 @@
           </a:prstGeom>
         </p:spPr>
         <p:txBody>
-          <a:bodyPr anchorCtr="0" anchor="b" bIns="91425" lIns="91425" rIns="91425" tIns="91425">
+          <a:bodyPr lIns="91425" tIns="91425" rIns="91425" bIns="91425" anchor="b" anchorCtr="0">
             <a:noAutofit/>
           </a:bodyPr>
           <a:lstStyle/>
@@ -5042,9 +5310,9 @@
               <a:buNone/>
             </a:pPr>
             <a:r>
-              <a:rPr lang="en">
-                <a:solidFill>
-                  <a:srgbClr val="FFFFFF"/>
+              <a:rPr lang="en" dirty="0">
+                <a:solidFill>
+                  <a:schemeClr val="bg2"/>
                 </a:solidFill>
               </a:rPr>
               <a:t>Protocol</a:t>
@@ -5072,7 +5340,7 @@
           </a:ln>
         </p:spPr>
         <p:txBody>
-          <a:bodyPr anchorCtr="0" anchor="ctr" bIns="91425" lIns="91425" rIns="91425" tIns="91425">
+          <a:bodyPr lIns="91425" tIns="91425" rIns="91425" bIns="91425" anchor="ctr" anchorCtr="0">
             <a:noAutofit/>
           </a:bodyPr>
           <a:lstStyle/>
@@ -5084,12 +5352,28 @@
               <a:buNone/>
             </a:pPr>
             <a:r>
-              <a:rPr lang="en">
-                <a:solidFill>
-                  <a:srgbClr val="FFFFFF"/>
+              <a:rPr lang="en" dirty="0">
+                <a:solidFill>
+                  <a:schemeClr val="bg2"/>
                 </a:solidFill>
               </a:rPr>
-              <a:t>——Saat pilih menu signup——</a:t>
+              <a:t>——Saat pilih menu </a:t>
+            </a:r>
+            <a:r>
+              <a:rPr lang="en" dirty="0" smtClean="0">
+                <a:solidFill>
+                  <a:schemeClr val="bg2"/>
+                </a:solidFill>
+              </a:rPr>
+              <a:t>sign up</a:t>
+            </a:r>
+            <a:r>
+              <a:rPr lang="en" dirty="0">
+                <a:solidFill>
+                  <a:schemeClr val="bg2"/>
+                </a:solidFill>
+              </a:rPr>
+              <a:t>——</a:t>
             </a:r>
           </a:p>
           <a:p>
@@ -5103,12 +5387,28 @@
               <a:buNone/>
             </a:pPr>
             <a:r>
-              <a:rPr lang="en">
-                <a:solidFill>
-                  <a:srgbClr val="FFFFFF"/>
+              <a:rPr lang="en" dirty="0">
+                <a:solidFill>
+                  <a:schemeClr val="bg2"/>
                 </a:solidFill>
               </a:rPr>
-              <a:t>Client : "SIGNUP", "AUTH_REQ", "0", "0", "AUTH", “&lt;username:password&gt;”</a:t>
+              <a:t>Client : "SIGNUP", "</a:t>
+            </a:r>
+            <a:r>
+              <a:rPr lang="en" dirty="0" smtClean="0">
+                <a:solidFill>
+                  <a:schemeClr val="bg2"/>
+                </a:solidFill>
+              </a:rPr>
+              <a:t>AUTH_REQUEST", </a:t>
+            </a:r>
+            <a:r>
+              <a:rPr lang="en" dirty="0">
+                <a:solidFill>
+                  <a:schemeClr val="bg2"/>
+                </a:solidFill>
+              </a:rPr>
+              <a:t>"0", "0", "AUTH", “&lt;username:password&gt;”</a:t>
             </a:r>
           </a:p>
         </p:txBody>
@@ -5133,7 +5433,7 @@
           </a:ln>
         </p:spPr>
         <p:txBody>
-          <a:bodyPr anchorCtr="0" anchor="ctr" bIns="91425" lIns="91425" rIns="91425" tIns="91425">
+          <a:bodyPr lIns="91425" tIns="91425" rIns="91425" bIns="91425" anchor="ctr" anchorCtr="0">
             <a:noAutofit/>
           </a:bodyPr>
           <a:lstStyle/>
@@ -5144,22 +5444,23 @@
               </a:spcBef>
               <a:buNone/>
             </a:pPr>
+            <a:endParaRPr dirty="0">
+              <a:solidFill>
+                <a:schemeClr val="bg2"/>
+              </a:solidFill>
+            </a:endParaRPr>
+          </a:p>
+          <a:p>
+            <a:pPr lvl="0" rtl="0">
+              <a:spcBef>
+                <a:spcPts val="0"/>
+              </a:spcBef>
+              <a:buNone/>
+            </a:pPr>
             <a:r>
-              <a:t/>
-            </a:r>
-            <a:endParaRPr/>
-          </a:p>
-          <a:p>
-            <a:pPr lvl="0" rtl="0">
-              <a:spcBef>
-                <a:spcPts val="0"/>
-              </a:spcBef>
-              <a:buNone/>
-            </a:pPr>
-            <a:r>
-              <a:rPr lang="en">
-                <a:solidFill>
-                  <a:srgbClr val="FFFFFF"/>
+              <a:rPr lang="en" dirty="0">
+                <a:solidFill>
+                  <a:schemeClr val="bg2"/>
                 </a:solidFill>
               </a:rPr>
               <a:t>*accepted</a:t>
@@ -5173,13 +5474,45 @@
               <a:buNone/>
             </a:pPr>
             <a:r>
-              <a:rPr lang="en">
-                <a:solidFill>
-                  <a:srgbClr val="FFFFFF"/>
+              <a:rPr lang="en" dirty="0">
+                <a:solidFill>
+                  <a:schemeClr val="bg2"/>
                 </a:solidFill>
               </a:rPr>
-              <a:t>SERVER :  "LIST_USER" "SIGNUP_SUCCESS" "0" "0" "NULL" "NULL"</a:t>
+              <a:t>SERVER :  </a:t>
             </a:r>
+            <a:r>
+              <a:rPr lang="en" dirty="0" smtClean="0">
+                <a:solidFill>
+                  <a:schemeClr val="bg2"/>
+                </a:solidFill>
+              </a:rPr>
+              <a:t>“</a:t>
+            </a:r>
+            <a:r>
+              <a:rPr lang="en" dirty="0" smtClean="0">
+                <a:solidFill>
+                  <a:schemeClr val="bg2"/>
+                </a:solidFill>
+              </a:rPr>
+              <a:t>SIGNUP</a:t>
+            </a:r>
+            <a:r>
+              <a:rPr lang="en" dirty="0" smtClean="0">
+                <a:solidFill>
+                  <a:schemeClr val="bg2"/>
+                </a:solidFill>
+              </a:rPr>
+              <a:t>" </a:t>
+            </a:r>
+            <a:r>
+              <a:rPr lang="en" dirty="0">
+                <a:solidFill>
+                  <a:schemeClr val="bg2"/>
+                </a:solidFill>
+              </a:rPr>
+              <a:t>"SIGNUP_SUCCESS" "0" "0" "NULL" "NULL"</a:t>
+            </a:r>
           </a:p>
           <a:p>
             <a:pPr lvl="0" rtl="0">
@@ -5188,12 +5521,9 @@
               </a:spcBef>
               <a:buNone/>
             </a:pPr>
-            <a:r>
-              <a:t/>
-            </a:r>
-            <a:endParaRPr>
+            <a:endParaRPr dirty="0">
               <a:solidFill>
-                <a:srgbClr val="FFFFFF"/>
+                <a:schemeClr val="bg2"/>
               </a:solidFill>
             </a:endParaRPr>
           </a:p>
@@ -5205,9 +5535,9 @@
               <a:buNone/>
             </a:pPr>
             <a:r>
-              <a:rPr lang="en">
-                <a:solidFill>
-                  <a:srgbClr val="FFFFFF"/>
+              <a:rPr lang="en" dirty="0">
+                <a:solidFill>
+                  <a:schemeClr val="bg2"/>
                 </a:solidFill>
               </a:rPr>
               <a:t>*error</a:t>
@@ -5221,9 +5551,9 @@
               <a:buNone/>
             </a:pPr>
             <a:r>
-              <a:rPr lang="en">
-                <a:solidFill>
-                  <a:srgbClr val="FFFFFF"/>
+              <a:rPr lang="en" dirty="0">
+                <a:solidFill>
+                  <a:schemeClr val="bg2"/>
                 </a:solidFill>
               </a:rPr>
               <a:t>SERVER :  “SIGNUP” “SIGNUP_FAILED” "0" "username" "NULL" "NULL");</a:t>
@@ -5236,12 +5566,9 @@
               </a:spcBef>
               <a:buNone/>
             </a:pPr>
-            <a:r>
-              <a:t/>
-            </a:r>
-            <a:endParaRPr>
+            <a:endParaRPr dirty="0">
               <a:solidFill>
-                <a:srgbClr val="FFFFFF"/>
+                <a:schemeClr val="bg2"/>
               </a:solidFill>
             </a:endParaRPr>
           </a:p>
@@ -5252,12 +5579,9 @@
               </a:spcBef>
               <a:buNone/>
             </a:pPr>
-            <a:r>
-              <a:t/>
-            </a:r>
-            <a:endParaRPr>
+            <a:endParaRPr dirty="0">
               <a:solidFill>
-                <a:srgbClr val="FFFFFF"/>
+                <a:schemeClr val="bg2"/>
               </a:solidFill>
             </a:endParaRPr>
           </a:p>
@@ -5268,10 +5592,11 @@
               </a:spcBef>
               <a:buNone/>
             </a:pPr>
-            <a:r>
-              <a:t/>
-            </a:r>
-            <a:endParaRPr/>
+            <a:endParaRPr dirty="0">
+              <a:solidFill>
+                <a:schemeClr val="bg2"/>
+              </a:solidFill>
+            </a:endParaRPr>
           </a:p>
         </p:txBody>
       </p:sp>
@@ -5287,11 +5612,11 @@
 </file>
 
 <file path=ppt/slides/slide3.xml><?xml version="1.0" encoding="utf-8"?>
-<p:sld xmlns:a="http://schemas.openxmlformats.org/drawingml/2006/main" xmlns:r="http://schemas.openxmlformats.org/officeDocument/2006/relationships" xmlns:mc="http://schemas.openxmlformats.org/markup-compatibility/2006" xmlns:mv="urn:schemas-microsoft-com:mac:vml" xmlns:p="http://schemas.openxmlformats.org/presentationml/2006/main" xmlns:c="http://schemas.openxmlformats.org/drawingml/2006/chart" xmlns:dgm="http://schemas.openxmlformats.org/drawingml/2006/diagram" xmlns:o="urn:schemas-microsoft-com:office:office" xmlns:v="urn:schemas-microsoft-com:vml" xmlns:pvml="urn:schemas-microsoft-com:office:powerpoint" xmlns:com="http://schemas.openxmlformats.org/drawingml/2006/compatibility" xmlns:p14="http://schemas.microsoft.com/office/powerpoint/2010/main">
+<p:sld xmlns:a="http://schemas.openxmlformats.org/drawingml/2006/main" xmlns:r="http://schemas.openxmlformats.org/officeDocument/2006/relationships" xmlns:p="http://schemas.openxmlformats.org/presentationml/2006/main">
   <p:cSld>
     <p:spTree>
       <p:nvGrpSpPr>
-        <p:cNvPr id="60" name="Shape 60"/>
+        <p:cNvPr id="1" name="Shape 60"/>
         <p:cNvGrpSpPr/>
         <p:nvPr/>
       </p:nvGrpSpPr>
@@ -5323,7 +5648,7 @@
           </a:ln>
         </p:spPr>
         <p:txBody>
-          <a:bodyPr anchorCtr="0" anchor="ctr" bIns="91425" lIns="91425" rIns="91425" tIns="91425">
+          <a:bodyPr lIns="91425" tIns="91425" rIns="91425" bIns="91425" anchor="ctr" anchorCtr="0">
             <a:noAutofit/>
           </a:bodyPr>
           <a:lstStyle/>
@@ -5335,9 +5660,9 @@
               <a:buNone/>
             </a:pPr>
             <a:r>
-              <a:rPr lang="en">
-                <a:solidFill>
-                  <a:srgbClr val="FFFFFF"/>
+              <a:rPr lang="en" dirty="0">
+                <a:solidFill>
+                  <a:schemeClr val="bg2"/>
                 </a:solidFill>
               </a:rPr>
               <a:t>——Saat pilih menu login——</a:t>
@@ -5354,13 +5679,29 @@
               <a:buNone/>
             </a:pPr>
             <a:r>
-              <a:rPr lang="en">
-                <a:solidFill>
-                  <a:srgbClr val="FFFFFF"/>
+              <a:rPr lang="en" dirty="0">
+                <a:solidFill>
+                  <a:schemeClr val="bg2"/>
                 </a:solidFill>
               </a:rPr>
-              <a:t>Client : "LOGIN", "AUTH_REQ", "0", "0", "AUTH", "&lt;username:password&gt;"</a:t>
+              <a:t>Client : "LOGIN", "</a:t>
             </a:r>
+            <a:r>
+              <a:rPr lang="en" dirty="0" smtClean="0">
+                <a:solidFill>
+                  <a:schemeClr val="bg2"/>
+                </a:solidFill>
+              </a:rPr>
+              <a:t>AUTH_REQUEST", </a:t>
+            </a:r>
+            <a:r>
+              <a:rPr lang="en" dirty="0">
+                <a:solidFill>
+                  <a:schemeClr val="bg2"/>
+                </a:solidFill>
+              </a:rPr>
+              <a:t>"0", "0", "AUTH", "&lt;username:password&gt;"</a:t>
+            </a:r>
           </a:p>
           <a:p>
             <a:pPr lvl="0" rtl="0">
@@ -5369,12 +5710,9 @@
               </a:spcBef>
               <a:buNone/>
             </a:pPr>
-            <a:r>
-              <a:t/>
-            </a:r>
-            <a:endParaRPr>
+            <a:endParaRPr dirty="0">
               <a:solidFill>
-                <a:srgbClr val="FFFFFF"/>
+                <a:schemeClr val="bg2"/>
               </a:solidFill>
             </a:endParaRPr>
           </a:p>
@@ -5386,9 +5724,9 @@
               <a:buNone/>
             </a:pPr>
             <a:r>
-              <a:rPr lang="en">
-                <a:solidFill>
-                  <a:srgbClr val="FFFFFF"/>
+              <a:rPr lang="en" dirty="0">
+                <a:solidFill>
+                  <a:schemeClr val="bg2"/>
                 </a:solidFill>
               </a:rPr>
               <a:t>#######</a:t>
@@ -5402,9 +5740,9 @@
               <a:buNone/>
             </a:pPr>
             <a:r>
-              <a:rPr lang="en">
-                <a:solidFill>
-                  <a:srgbClr val="FFFFFF"/>
+              <a:rPr lang="en" dirty="0">
+                <a:solidFill>
+                  <a:schemeClr val="bg2"/>
                 </a:solidFill>
               </a:rPr>
               <a:t>*terima</a:t>
@@ -5418,13 +5756,29 @@
               <a:buNone/>
             </a:pPr>
             <a:r>
-              <a:rPr lang="en">
-                <a:solidFill>
-                  <a:srgbClr val="FFFFFF"/>
+              <a:rPr lang="en" dirty="0">
+                <a:solidFill>
+                  <a:schemeClr val="bg2"/>
                 </a:solidFill>
               </a:rPr>
-              <a:t>SERVER :  “LIST_USER” "LOGIN_SUCCESS" "0" "username" "NULL" "NULL"</a:t>
+              <a:t>SERVER :  </a:t>
             </a:r>
+            <a:r>
+              <a:rPr lang="en" dirty="0" smtClean="0">
+                <a:solidFill>
+                  <a:schemeClr val="bg2"/>
+                </a:solidFill>
+              </a:rPr>
+              <a:t>“LIST_USER” </a:t>
+            </a:r>
+            <a:r>
+              <a:rPr lang="en" dirty="0">
+                <a:solidFill>
+                  <a:schemeClr val="bg2"/>
+                </a:solidFill>
+              </a:rPr>
+              <a:t>"LOGIN_SUCCESS" "0" "username" "NULL" "NULL"</a:t>
+            </a:r>
           </a:p>
           <a:p>
             <a:pPr lvl="0" rtl="0">
@@ -5434,9 +5788,9 @@
               <a:buNone/>
             </a:pPr>
             <a:r>
-              <a:rPr lang="en">
-                <a:solidFill>
-                  <a:srgbClr val="FFFFFF"/>
+              <a:rPr lang="en" dirty="0">
+                <a:solidFill>
+                  <a:schemeClr val="bg2"/>
                 </a:solidFill>
               </a:rPr>
               <a:t>*error</a:t>
@@ -5450,9 +5804,9 @@
               <a:buNone/>
             </a:pPr>
             <a:r>
-              <a:rPr lang="en">
-                <a:solidFill>
-                  <a:srgbClr val="FFFFFF"/>
+              <a:rPr lang="en" dirty="0">
+                <a:solidFill>
+                  <a:schemeClr val="bg2"/>
                 </a:solidFill>
               </a:rPr>
               <a:t>SERVER :  “LOGIN” “LOGIN_FAILED” "0" "0" "NULL" "NULL");</a:t>
@@ -5466,9 +5820,9 @@
               <a:buNone/>
             </a:pPr>
             <a:r>
-              <a:rPr lang="en">
-                <a:solidFill>
-                  <a:srgbClr val="FFFFFF"/>
+              <a:rPr lang="en" dirty="0">
+                <a:solidFill>
+                  <a:schemeClr val="bg2"/>
                 </a:solidFill>
               </a:rPr>
               <a:t>#######</a:t>
@@ -5479,7 +5833,9 @@
       <p:sp>
         <p:nvSpPr>
           <p:cNvPr id="62" name="Shape 62"/>
-          <p:cNvSpPr txBox="1"/>
+          <p:cNvSpPr txBox="1">
+            <a:spLocks noGrp="1"/>
+          </p:cNvSpPr>
           <p:nvPr>
             <p:ph type="title"/>
           </p:nvPr>
@@ -5494,7 +5850,7 @@
           </a:prstGeom>
         </p:spPr>
         <p:txBody>
-          <a:bodyPr anchorCtr="0" anchor="b" bIns="91425" lIns="91425" rIns="91425" tIns="91425">
+          <a:bodyPr lIns="91425" tIns="91425" rIns="91425" bIns="91425" anchor="b" anchorCtr="0">
             <a:noAutofit/>
           </a:bodyPr>
           <a:lstStyle/>
@@ -5508,7 +5864,7 @@
             <a:r>
               <a:rPr lang="en">
                 <a:solidFill>
-                  <a:srgbClr val="FFFFFF"/>
+                  <a:schemeClr val="bg2"/>
                 </a:solidFill>
               </a:rPr>
               <a:t>Protocol</a:t>
@@ -5528,11 +5884,11 @@
 </file>
 
 <file path=ppt/slides/slide4.xml><?xml version="1.0" encoding="utf-8"?>
-<p:sld xmlns:a="http://schemas.openxmlformats.org/drawingml/2006/main" xmlns:r="http://schemas.openxmlformats.org/officeDocument/2006/relationships" xmlns:mc="http://schemas.openxmlformats.org/markup-compatibility/2006" xmlns:mv="urn:schemas-microsoft-com:mac:vml" xmlns:p="http://schemas.openxmlformats.org/presentationml/2006/main" xmlns:c="http://schemas.openxmlformats.org/drawingml/2006/chart" xmlns:dgm="http://schemas.openxmlformats.org/drawingml/2006/diagram" xmlns:o="urn:schemas-microsoft-com:office:office" xmlns:v="urn:schemas-microsoft-com:vml" xmlns:pvml="urn:schemas-microsoft-com:office:powerpoint" xmlns:com="http://schemas.openxmlformats.org/drawingml/2006/compatibility" xmlns:p14="http://schemas.microsoft.com/office/powerpoint/2010/main">
+<p:sld xmlns:a="http://schemas.openxmlformats.org/drawingml/2006/main" xmlns:r="http://schemas.openxmlformats.org/officeDocument/2006/relationships" xmlns:p="http://schemas.openxmlformats.org/presentationml/2006/main">
   <p:cSld>
     <p:spTree>
       <p:nvGrpSpPr>
-        <p:cNvPr id="66" name="Shape 66"/>
+        <p:cNvPr id="1" name="Shape 66"/>
         <p:cNvGrpSpPr/>
         <p:nvPr/>
       </p:nvGrpSpPr>
@@ -5547,7 +5903,9 @@
       <p:sp>
         <p:nvSpPr>
           <p:cNvPr id="67" name="Shape 67"/>
-          <p:cNvSpPr txBox="1"/>
+          <p:cNvSpPr txBox="1">
+            <a:spLocks noGrp="1"/>
+          </p:cNvSpPr>
           <p:nvPr>
             <p:ph type="title"/>
           </p:nvPr>
@@ -5562,7 +5920,7 @@
           </a:prstGeom>
         </p:spPr>
         <p:txBody>
-          <a:bodyPr anchorCtr="0" anchor="b" bIns="91425" lIns="91425" rIns="91425" tIns="91425">
+          <a:bodyPr lIns="91425" tIns="91425" rIns="91425" bIns="91425" anchor="b" anchorCtr="0">
             <a:noAutofit/>
           </a:bodyPr>
           <a:lstStyle/>
@@ -5576,7 +5934,7 @@
             <a:r>
               <a:rPr lang="en">
                 <a:solidFill>
-                  <a:srgbClr val="FFFFFF"/>
+                  <a:schemeClr val="bg2"/>
                 </a:solidFill>
               </a:rPr>
               <a:t>Protocol</a:t>
@@ -5604,7 +5962,7 @@
           </a:ln>
         </p:spPr>
         <p:txBody>
-          <a:bodyPr anchorCtr="0" anchor="ctr" bIns="91425" lIns="91425" rIns="91425" tIns="91425">
+          <a:bodyPr lIns="91425" tIns="91425" rIns="91425" bIns="91425" anchor="ctr" anchorCtr="0">
             <a:noAutofit/>
           </a:bodyPr>
           <a:lstStyle/>
@@ -5616,9 +5974,9 @@
               <a:buNone/>
             </a:pPr>
             <a:r>
-              <a:rPr lang="en">
-                <a:solidFill>
-                  <a:srgbClr val="FFFFFF"/>
+              <a:rPr lang="en" dirty="0">
+                <a:solidFill>
+                  <a:schemeClr val="bg2"/>
                 </a:solidFill>
               </a:rPr>
               <a:t>——Saat berada di menu list user——</a:t>
@@ -5632,9 +5990,9 @@
               <a:buNone/>
             </a:pPr>
             <a:r>
-              <a:rPr lang="en">
-                <a:solidFill>
-                  <a:srgbClr val="FFFFFF"/>
+              <a:rPr lang="en" dirty="0">
+                <a:solidFill>
+                  <a:schemeClr val="bg2"/>
                 </a:solidFill>
               </a:rPr>
               <a:t>### Meminta List User</a:t>
@@ -5651,9 +6009,9 @@
               <a:buNone/>
             </a:pPr>
             <a:r>
-              <a:rPr lang="en">
-                <a:solidFill>
-                  <a:srgbClr val="FFFFFF"/>
+              <a:rPr lang="en" dirty="0">
+                <a:solidFill>
+                  <a:schemeClr val="bg2"/>
                 </a:solidFill>
               </a:rPr>
               <a:t>Client : "LIST_USER", "LIST_USER_REQ", "0", "username", "NULL", "NULL"</a:t>
@@ -5670,9 +6028,9 @@
               <a:buNone/>
             </a:pPr>
             <a:r>
-              <a:rPr lang="en">
-                <a:solidFill>
-                  <a:srgbClr val="FFFFFF"/>
+              <a:rPr lang="en" dirty="0">
+                <a:solidFill>
+                  <a:schemeClr val="bg2"/>
                 </a:solidFill>
               </a:rPr>
               <a:t>Server : "LIST_USER", "LIST_USER_SEND", "0", "username", "LIST", "&lt;ListUser dipisah dengan delimiter ‘:’&gt;"</a:t>
@@ -5685,12 +6043,9 @@
               </a:spcBef>
               <a:buNone/>
             </a:pPr>
-            <a:r>
-              <a:t/>
-            </a:r>
-            <a:endParaRPr>
+            <a:endParaRPr dirty="0">
               <a:solidFill>
-                <a:srgbClr val="FFFFFF"/>
+                <a:schemeClr val="bg2"/>
               </a:solidFill>
             </a:endParaRPr>
           </a:p>
@@ -5702,9 +6057,9 @@
               <a:buNone/>
             </a:pPr>
             <a:r>
-              <a:rPr lang="en">
-                <a:solidFill>
-                  <a:schemeClr val="lt1"/>
+              <a:rPr lang="en" dirty="0">
+                <a:solidFill>
+                  <a:schemeClr val="bg2"/>
                 </a:solidFill>
               </a:rPr>
               <a:t>——Saat pesan terima chat——</a:t>
@@ -5718,9 +6073,9 @@
               <a:buNone/>
             </a:pPr>
             <a:r>
-              <a:rPr lang="en">
-                <a:solidFill>
-                  <a:srgbClr val="FFFFFF"/>
+              <a:rPr lang="en" dirty="0">
+                <a:solidFill>
+                  <a:schemeClr val="bg2"/>
                 </a:solidFill>
               </a:rPr>
               <a:t>#######</a:t>
@@ -5734,9 +6089,9 @@
               <a:buNone/>
             </a:pPr>
             <a:r>
-              <a:rPr lang="en">
-                <a:solidFill>
-                  <a:srgbClr val="FFFFFF"/>
+              <a:rPr lang="en" dirty="0">
+                <a:solidFill>
+                  <a:schemeClr val="bg2"/>
                 </a:solidFill>
               </a:rPr>
               <a:t>*terima chat</a:t>
@@ -5750,9 +6105,9 @@
               <a:buNone/>
             </a:pPr>
             <a:r>
-              <a:rPr lang="en">
-                <a:solidFill>
-                  <a:srgbClr val="FFFFFF"/>
+              <a:rPr lang="en" dirty="0">
+                <a:solidFill>
+                  <a:schemeClr val="bg2"/>
                 </a:solidFill>
               </a:rPr>
               <a:t>Server :  “INCHAT” "RECEIVE_MESSAGE" "receiver" "sender" "MESSAGE" “&lt;pesan&gt;”</a:t>
@@ -5765,12 +6120,9 @@
               </a:spcBef>
               <a:buNone/>
             </a:pPr>
-            <a:r>
-              <a:t/>
-            </a:r>
-            <a:endParaRPr>
+            <a:endParaRPr dirty="0">
               <a:solidFill>
-                <a:srgbClr val="FFFFFF"/>
+                <a:schemeClr val="bg2"/>
               </a:solidFill>
             </a:endParaRPr>
           </a:p>
@@ -5782,9 +6134,9 @@
               <a:buNone/>
             </a:pPr>
             <a:r>
-              <a:rPr lang="en">
-                <a:solidFill>
-                  <a:srgbClr val="FFFFFF"/>
+              <a:rPr lang="en" dirty="0">
+                <a:solidFill>
+                  <a:schemeClr val="bg2"/>
                 </a:solidFill>
               </a:rPr>
               <a:t>*kirim pesan</a:t>
@@ -5798,33 +6150,25 @@
               <a:buNone/>
             </a:pPr>
             <a:r>
-              <a:rPr lang="en">
-                <a:solidFill>
-                  <a:srgbClr val="FFFFFF"/>
+              <a:rPr lang="en" dirty="0">
+                <a:solidFill>
+                  <a:schemeClr val="bg2"/>
                 </a:solidFill>
               </a:rPr>
-              <a:t>Client :  </a:t>
+              <a:t>Client :   “INCHAT” "SEND_MESSAGE" "receiver" "sender" "MESSAGE" “&lt;pesan&gt;”</a:t>
             </a:r>
+          </a:p>
+          <a:p>
+            <a:pPr lvl="0" rtl="0">
+              <a:spcBef>
+                <a:spcPts val="0"/>
+              </a:spcBef>
+              <a:buNone/>
+            </a:pPr>
             <a:r>
-              <a:rPr lang="en">
-                <a:solidFill>
-                  <a:schemeClr val="lt1"/>
-                </a:solidFill>
-              </a:rPr>
-              <a:t> “INCHAT” "SEND_MESSAGE" "receiver" "sender" "MESSAGE" “&lt;pesan&gt;”</a:t>
-            </a:r>
-          </a:p>
-          <a:p>
-            <a:pPr lvl="0" rtl="0">
-              <a:spcBef>
-                <a:spcPts val="0"/>
-              </a:spcBef>
-              <a:buNone/>
-            </a:pPr>
-            <a:r>
-              <a:rPr lang="en">
-                <a:solidFill>
-                  <a:srgbClr val="FFFFFF"/>
+              <a:rPr lang="en" dirty="0">
+                <a:solidFill>
+                  <a:schemeClr val="bg2"/>
                 </a:solidFill>
               </a:rPr>
               <a:t>#######</a:t>
@@ -5844,11 +6188,11 @@
 </file>
 
 <file path=ppt/slides/slide5.xml><?xml version="1.0" encoding="utf-8"?>
-<p:sld xmlns:a="http://schemas.openxmlformats.org/drawingml/2006/main" xmlns:r="http://schemas.openxmlformats.org/officeDocument/2006/relationships" xmlns:mc="http://schemas.openxmlformats.org/markup-compatibility/2006" xmlns:mv="urn:schemas-microsoft-com:mac:vml" xmlns:p="http://schemas.openxmlformats.org/presentationml/2006/main" xmlns:c="http://schemas.openxmlformats.org/drawingml/2006/chart" xmlns:dgm="http://schemas.openxmlformats.org/drawingml/2006/diagram" xmlns:o="urn:schemas-microsoft-com:office:office" xmlns:v="urn:schemas-microsoft-com:vml" xmlns:pvml="urn:schemas-microsoft-com:office:powerpoint" xmlns:com="http://schemas.openxmlformats.org/drawingml/2006/compatibility" xmlns:p14="http://schemas.microsoft.com/office/powerpoint/2010/main">
+<p:sld xmlns:a="http://schemas.openxmlformats.org/drawingml/2006/main" xmlns:r="http://schemas.openxmlformats.org/officeDocument/2006/relationships" xmlns:p="http://schemas.openxmlformats.org/presentationml/2006/main">
   <p:cSld>
     <p:spTree>
       <p:nvGrpSpPr>
-        <p:cNvPr id="72" name="Shape 72"/>
+        <p:cNvPr id="1" name="Shape 72"/>
         <p:cNvGrpSpPr/>
         <p:nvPr/>
       </p:nvGrpSpPr>
@@ -5863,7 +6207,9 @@
       <p:sp>
         <p:nvSpPr>
           <p:cNvPr id="73" name="Shape 73"/>
-          <p:cNvSpPr txBox="1"/>
+          <p:cNvSpPr txBox="1">
+            <a:spLocks noGrp="1"/>
+          </p:cNvSpPr>
           <p:nvPr>
             <p:ph type="title"/>
           </p:nvPr>
@@ -5878,7 +6224,7 @@
           </a:prstGeom>
         </p:spPr>
         <p:txBody>
-          <a:bodyPr anchorCtr="0" anchor="b" bIns="91425" lIns="91425" rIns="91425" tIns="91425">
+          <a:bodyPr lIns="91425" tIns="91425" rIns="91425" bIns="91425" anchor="b" anchorCtr="0">
             <a:noAutofit/>
           </a:bodyPr>
           <a:lstStyle/>
@@ -5892,7 +6238,7 @@
             <a:r>
               <a:rPr lang="en">
                 <a:solidFill>
-                  <a:srgbClr val="FFFFFF"/>
+                  <a:schemeClr val="bg2"/>
                 </a:solidFill>
               </a:rPr>
               <a:t>Protocol</a:t>
@@ -5920,7 +6266,7 @@
           </a:ln>
         </p:spPr>
         <p:txBody>
-          <a:bodyPr anchorCtr="0" anchor="ctr" bIns="91425" lIns="91425" rIns="91425" tIns="91425">
+          <a:bodyPr lIns="91425" tIns="91425" rIns="91425" bIns="91425" anchor="ctr" anchorCtr="0">
             <a:noAutofit/>
           </a:bodyPr>
           <a:lstStyle/>
@@ -5934,7 +6280,7 @@
             <a:r>
               <a:rPr lang="en">
                 <a:solidFill>
-                  <a:srgbClr val="FFFFFF"/>
+                  <a:schemeClr val="bg2"/>
                 </a:solidFill>
               </a:rPr>
               <a:t>——Saat pilih menu logout——</a:t>
@@ -5953,7 +6299,7 @@
             <a:r>
               <a:rPr lang="en">
                 <a:solidFill>
-                  <a:srgbClr val="FFFFFF"/>
+                  <a:schemeClr val="bg2"/>
                 </a:solidFill>
               </a:rPr>
               <a:t>Client : "LOGOUT", "LOGOUT_REQ", "0", "username", "NULL", "NULL"</a:t>
@@ -5972,18 +6318,10 @@
             <a:r>
               <a:rPr lang="en">
                 <a:solidFill>
-                  <a:schemeClr val="lt1"/>
+                  <a:schemeClr val="bg2"/>
                 </a:solidFill>
               </a:rPr>
-              <a:t>SERVER :  </a:t>
-            </a:r>
-            <a:r>
-              <a:rPr lang="en">
-                <a:solidFill>
-                  <a:srgbClr val="FFFFFF"/>
-                </a:solidFill>
-              </a:rPr>
-              <a:t>"LOGOUT", "LOGOUT_SUCCESS", "0", "0", "NULL", "NULL"</a:t>
+              <a:t>SERVER :  "LOGOUT", "LOGOUT_SUCCESS", "0", "0", "NULL", "NULL"</a:t>
             </a:r>
           </a:p>
           <a:p>
@@ -5996,12 +6334,9 @@
               </a:spcBef>
               <a:buNone/>
             </a:pPr>
-            <a:r>
-              <a:t/>
-            </a:r>
             <a:endParaRPr>
               <a:solidFill>
-                <a:srgbClr val="FFFFFF"/>
+                <a:schemeClr val="bg2"/>
               </a:solidFill>
             </a:endParaRPr>
           </a:p>
@@ -6012,12 +6347,9 @@
               </a:spcBef>
               <a:buNone/>
             </a:pPr>
-            <a:r>
-              <a:t/>
-            </a:r>
             <a:endParaRPr>
               <a:solidFill>
-                <a:srgbClr val="FFFFFF"/>
+                <a:schemeClr val="bg2"/>
               </a:solidFill>
             </a:endParaRPr>
           </a:p>
@@ -6035,11 +6367,11 @@
 </file>
 
 <file path=ppt/slides/slide6.xml><?xml version="1.0" encoding="utf-8"?>
-<p:sld xmlns:a="http://schemas.openxmlformats.org/drawingml/2006/main" xmlns:r="http://schemas.openxmlformats.org/officeDocument/2006/relationships" xmlns:mc="http://schemas.openxmlformats.org/markup-compatibility/2006" xmlns:mv="urn:schemas-microsoft-com:mac:vml" xmlns:p="http://schemas.openxmlformats.org/presentationml/2006/main" xmlns:c="http://schemas.openxmlformats.org/drawingml/2006/chart" xmlns:dgm="http://schemas.openxmlformats.org/drawingml/2006/diagram" xmlns:o="urn:schemas-microsoft-com:office:office" xmlns:v="urn:schemas-microsoft-com:vml" xmlns:pvml="urn:schemas-microsoft-com:office:powerpoint" xmlns:com="http://schemas.openxmlformats.org/drawingml/2006/compatibility" xmlns:p14="http://schemas.microsoft.com/office/powerpoint/2010/main">
+<p:sld xmlns:a="http://schemas.openxmlformats.org/drawingml/2006/main" xmlns:r="http://schemas.openxmlformats.org/officeDocument/2006/relationships" xmlns:p="http://schemas.openxmlformats.org/presentationml/2006/main">
   <p:cSld>
     <p:spTree>
       <p:nvGrpSpPr>
-        <p:cNvPr id="78" name="Shape 78"/>
+        <p:cNvPr id="1" name="Shape 78"/>
         <p:cNvGrpSpPr/>
         <p:nvPr/>
       </p:nvGrpSpPr>
@@ -6054,7 +6386,9 @@
       <p:sp>
         <p:nvSpPr>
           <p:cNvPr id="79" name="Shape 79"/>
-          <p:cNvSpPr txBox="1"/>
+          <p:cNvSpPr txBox="1">
+            <a:spLocks noGrp="1"/>
+          </p:cNvSpPr>
           <p:nvPr>
             <p:ph type="title"/>
           </p:nvPr>
@@ -6069,7 +6403,7 @@
           </a:prstGeom>
         </p:spPr>
         <p:txBody>
-          <a:bodyPr anchorCtr="0" anchor="b" bIns="91425" lIns="91425" rIns="91425" tIns="91425">
+          <a:bodyPr lIns="91425" tIns="91425" rIns="91425" bIns="91425" anchor="b" anchorCtr="0">
             <a:noAutofit/>
           </a:bodyPr>
           <a:lstStyle/>
@@ -6083,7 +6417,7 @@
             <a:r>
               <a:rPr lang="en">
                 <a:solidFill>
-                  <a:srgbClr val="FFFFFF"/>
+                  <a:schemeClr val="bg2"/>
                 </a:solidFill>
               </a:rPr>
               <a:t>Algorithm</a:t>
@@ -6114,23 +6448,25 @@
             <a:avLst/>
           </a:prstGeom>
           <a:noFill/>
-          <a:ln cap="flat" w="9525">
+          <a:ln w="9525" cap="flat">
             <a:solidFill>
               <a:srgbClr val="2C2C2C"/>
             </a:solidFill>
             <a:prstDash val="solid"/>
             <a:miter/>
-            <a:headEnd len="med" w="med" type="none"/>
-            <a:tailEnd len="med" w="med" type="none"/>
+            <a:headEnd type="none" w="med" len="med"/>
+            <a:tailEnd type="none" w="med" len="med"/>
           </a:ln>
         </p:spPr>
       </p:pic>
       <p:sp>
         <p:nvSpPr>
           <p:cNvPr id="81" name="Shape 81"/>
-          <p:cNvSpPr txBox="1"/>
+          <p:cNvSpPr txBox="1">
+            <a:spLocks noGrp="1"/>
+          </p:cNvSpPr>
           <p:nvPr>
-            <p:ph idx="1" type="body"/>
+            <p:ph type="body" idx="1"/>
           </p:nvPr>
         </p:nvSpPr>
         <p:spPr>
@@ -6143,12 +6479,12 @@
           </a:prstGeom>
         </p:spPr>
         <p:txBody>
-          <a:bodyPr anchorCtr="0" anchor="t" bIns="91425" lIns="91425" rIns="91425" tIns="91425">
+          <a:bodyPr lIns="91425" tIns="91425" rIns="91425" bIns="91425" anchor="t" anchorCtr="0">
             <a:noAutofit/>
           </a:bodyPr>
           <a:lstStyle/>
           <a:p>
-            <a:pPr indent="-355600" lvl="0" marL="457200">
+            <a:pPr marL="457200" lvl="0" indent="-355600">
               <a:spcBef>
                 <a:spcPts val="0"/>
               </a:spcBef>
@@ -6162,7 +6498,7 @@
             <a:r>
               <a:rPr lang="en" sz="2000">
                 <a:solidFill>
-                  <a:srgbClr val="FFFFFF"/>
+                  <a:schemeClr val="bg2"/>
                 </a:solidFill>
               </a:rPr>
               <a:t>Aplikasi chat ini menggunakan enkripsi RC4 karena algoritma tersebut adalah algoritma yang simpel,cepat, dan mudah diimplementasikan untuk stream cipher</a:t>
@@ -6182,11 +6518,11 @@
 </file>
 
 <file path=ppt/slides/slide7.xml><?xml version="1.0" encoding="utf-8"?>
-<p:sld xmlns:a="http://schemas.openxmlformats.org/drawingml/2006/main" xmlns:r="http://schemas.openxmlformats.org/officeDocument/2006/relationships" xmlns:mc="http://schemas.openxmlformats.org/markup-compatibility/2006" xmlns:mv="urn:schemas-microsoft-com:mac:vml" xmlns:p="http://schemas.openxmlformats.org/presentationml/2006/main" xmlns:c="http://schemas.openxmlformats.org/drawingml/2006/chart" xmlns:dgm="http://schemas.openxmlformats.org/drawingml/2006/diagram" xmlns:o="urn:schemas-microsoft-com:office:office" xmlns:v="urn:schemas-microsoft-com:vml" xmlns:pvml="urn:schemas-microsoft-com:office:powerpoint" xmlns:com="http://schemas.openxmlformats.org/drawingml/2006/compatibility" xmlns:p14="http://schemas.microsoft.com/office/powerpoint/2010/main">
+<p:sld xmlns:a="http://schemas.openxmlformats.org/drawingml/2006/main" xmlns:r="http://schemas.openxmlformats.org/officeDocument/2006/relationships" xmlns:p="http://schemas.openxmlformats.org/presentationml/2006/main">
   <p:cSld>
     <p:spTree>
       <p:nvGrpSpPr>
-        <p:cNvPr id="85" name="Shape 85"/>
+        <p:cNvPr id="1" name="Shape 85"/>
         <p:cNvGrpSpPr/>
         <p:nvPr/>
       </p:nvGrpSpPr>
@@ -6201,9 +6537,11 @@
       <p:sp>
         <p:nvSpPr>
           <p:cNvPr id="86" name="Shape 86"/>
-          <p:cNvSpPr txBox="1"/>
+          <p:cNvSpPr txBox="1">
+            <a:spLocks noGrp="1"/>
+          </p:cNvSpPr>
           <p:nvPr>
-            <p:ph idx="1" type="body"/>
+            <p:ph type="body" idx="1"/>
           </p:nvPr>
         </p:nvSpPr>
         <p:spPr>
@@ -6216,7 +6554,7 @@
           </a:prstGeom>
         </p:spPr>
         <p:txBody>
-          <a:bodyPr anchorCtr="0" anchor="t" bIns="91425" lIns="91425" rIns="91425" tIns="91425">
+          <a:bodyPr lIns="91425" tIns="91425" rIns="91425" bIns="91425" anchor="t" anchorCtr="0">
             <a:noAutofit/>
           </a:bodyPr>
           <a:lstStyle/>
@@ -6230,7 +6568,7 @@
             <a:r>
               <a:rPr lang="en">
                 <a:solidFill>
-                  <a:srgbClr val="FFFFFF"/>
+                  <a:schemeClr val="bg2"/>
                 </a:solidFill>
               </a:rPr>
               <a:t>Teknik Pseudorandom generator yang diterapkan pada RC4 adalah algoritma Mersenne Twister </a:t>
@@ -6241,7 +6579,9 @@
       <p:sp>
         <p:nvSpPr>
           <p:cNvPr id="87" name="Shape 87"/>
-          <p:cNvSpPr txBox="1"/>
+          <p:cNvSpPr txBox="1">
+            <a:spLocks noGrp="1"/>
+          </p:cNvSpPr>
           <p:nvPr>
             <p:ph type="title"/>
           </p:nvPr>
@@ -6256,7 +6596,7 @@
           </a:prstGeom>
         </p:spPr>
         <p:txBody>
-          <a:bodyPr anchorCtr="0" anchor="b" bIns="91425" lIns="91425" rIns="91425" tIns="91425">
+          <a:bodyPr lIns="91425" tIns="91425" rIns="91425" bIns="91425" anchor="b" anchorCtr="0">
             <a:noAutofit/>
           </a:bodyPr>
           <a:lstStyle/>
@@ -6270,7 +6610,7 @@
             <a:r>
               <a:rPr lang="en">
                 <a:solidFill>
-                  <a:srgbClr val="FFFFFF"/>
+                  <a:schemeClr val="bg2"/>
                 </a:solidFill>
               </a:rPr>
               <a:t>Pseudorandom</a:t>
@@ -6290,11 +6630,11 @@
 </file>
 
 <file path=ppt/slides/slide8.xml><?xml version="1.0" encoding="utf-8"?>
-<p:sld xmlns:a="http://schemas.openxmlformats.org/drawingml/2006/main" xmlns:r="http://schemas.openxmlformats.org/officeDocument/2006/relationships" xmlns:mc="http://schemas.openxmlformats.org/markup-compatibility/2006" xmlns:mv="urn:schemas-microsoft-com:mac:vml" xmlns:p="http://schemas.openxmlformats.org/presentationml/2006/main" xmlns:c="http://schemas.openxmlformats.org/drawingml/2006/chart" xmlns:dgm="http://schemas.openxmlformats.org/drawingml/2006/diagram" xmlns:o="urn:schemas-microsoft-com:office:office" xmlns:v="urn:schemas-microsoft-com:vml" xmlns:pvml="urn:schemas-microsoft-com:office:powerpoint" xmlns:com="http://schemas.openxmlformats.org/drawingml/2006/compatibility" xmlns:p14="http://schemas.microsoft.com/office/powerpoint/2010/main">
+<p:sld xmlns:a="http://schemas.openxmlformats.org/drawingml/2006/main" xmlns:r="http://schemas.openxmlformats.org/officeDocument/2006/relationships" xmlns:p="http://schemas.openxmlformats.org/presentationml/2006/main">
   <p:cSld>
     <p:spTree>
       <p:nvGrpSpPr>
-        <p:cNvPr id="91" name="Shape 91"/>
+        <p:cNvPr id="1" name="Shape 91"/>
         <p:cNvGrpSpPr/>
         <p:nvPr/>
       </p:nvGrpSpPr>
@@ -6309,9 +6649,11 @@
       <p:sp>
         <p:nvSpPr>
           <p:cNvPr id="92" name="Shape 92"/>
-          <p:cNvSpPr txBox="1"/>
+          <p:cNvSpPr txBox="1">
+            <a:spLocks noGrp="1"/>
+          </p:cNvSpPr>
           <p:nvPr>
-            <p:ph idx="1" type="body"/>
+            <p:ph type="body" idx="1"/>
           </p:nvPr>
         </p:nvSpPr>
         <p:spPr>
@@ -6324,12 +6666,12 @@
           </a:prstGeom>
         </p:spPr>
         <p:txBody>
-          <a:bodyPr anchorCtr="0" anchor="t" bIns="91425" lIns="91425" rIns="91425" tIns="91425">
+          <a:bodyPr lIns="91425" tIns="91425" rIns="91425" bIns="91425" anchor="t" anchorCtr="0">
             <a:noAutofit/>
           </a:bodyPr>
           <a:lstStyle/>
           <a:p>
-            <a:pPr indent="-381000" lvl="0" marL="457200" rtl="0">
+            <a:pPr marL="457200" lvl="0" indent="-381000" rtl="0">
               <a:spcBef>
                 <a:spcPts val="0"/>
               </a:spcBef>
@@ -6343,14 +6685,14 @@
             <a:r>
               <a:rPr lang="en" sz="2400">
                 <a:solidFill>
-                  <a:srgbClr val="FFFFFF"/>
+                  <a:schemeClr val="bg2"/>
                 </a:solidFill>
               </a:rPr>
               <a:t>Semua isi dalam format protokol ( username, password, dan konten pesan ) akan di-enkripsi.</a:t>
             </a:r>
           </a:p>
           <a:p>
-            <a:pPr indent="-381000" lvl="0" marL="457200" rtl="0">
+            <a:pPr marL="457200" lvl="0" indent="-381000" rtl="0">
               <a:spcBef>
                 <a:spcPts val="0"/>
               </a:spcBef>
@@ -6364,14 +6706,14 @@
             <a:r>
               <a:rPr lang="en" sz="2400">
                 <a:solidFill>
-                  <a:srgbClr val="FFFFFF"/>
+                  <a:schemeClr val="bg2"/>
                 </a:solidFill>
               </a:rPr>
               <a:t>Khusus untuk password, akan di-hash dengan menggunakan SHA</a:t>
             </a:r>
           </a:p>
           <a:p>
-            <a:pPr indent="-381000" lvl="0" marL="457200" rtl="0">
+            <a:pPr marL="457200" lvl="0" indent="-381000" rtl="0">
               <a:spcBef>
                 <a:spcPts val="0"/>
               </a:spcBef>
@@ -6385,7 +6727,7 @@
             <a:r>
               <a:rPr lang="en" sz="2400">
                 <a:solidFill>
-                  <a:srgbClr val="FFFFFF"/>
+                  <a:schemeClr val="bg2"/>
                 </a:solidFill>
               </a:rPr>
               <a:t>Proses enkripsi dimulai dari client pengirim. Setelah sampai di server, pesan akan didekripsi dan dienkripsi lagi. Kemudian setelah sampai di client penerima, pesan akan didekripsi.</a:t>
@@ -6398,27 +6740,50 @@
               </a:spcBef>
               <a:buNone/>
             </a:pPr>
+            <a:r>
+              <a:rPr lang="en" sz="2400">
+                <a:solidFill>
+                  <a:schemeClr val="bg2"/>
+                </a:solidFill>
+              </a:rPr>
+              <a:t/>
+            </a:r>
             <a:br>
               <a:rPr lang="en" sz="2400">
                 <a:solidFill>
-                  <a:srgbClr val="FFFFFF"/>
+                  <a:schemeClr val="bg2"/>
                 </a:solidFill>
               </a:rPr>
             </a:br>
+            <a:r>
+              <a:rPr lang="en" sz="2400">
+                <a:solidFill>
+                  <a:schemeClr val="bg2"/>
+                </a:solidFill>
+              </a:rPr>
+              <a:t/>
+            </a:r>
             <a:br>
               <a:rPr lang="en" sz="2400">
                 <a:solidFill>
-                  <a:srgbClr val="FFFFFF"/>
+                  <a:schemeClr val="bg2"/>
                 </a:solidFill>
               </a:rPr>
             </a:br>
+            <a:endParaRPr lang="en" sz="2400">
+              <a:solidFill>
+                <a:schemeClr val="bg2"/>
+              </a:solidFill>
+            </a:endParaRPr>
           </a:p>
         </p:txBody>
       </p:sp>
       <p:sp>
         <p:nvSpPr>
           <p:cNvPr id="93" name="Shape 93"/>
-          <p:cNvSpPr txBox="1"/>
+          <p:cNvSpPr txBox="1">
+            <a:spLocks noGrp="1"/>
+          </p:cNvSpPr>
           <p:nvPr>
             <p:ph type="title"/>
           </p:nvPr>
@@ -6433,7 +6798,7 @@
           </a:prstGeom>
         </p:spPr>
         <p:txBody>
-          <a:bodyPr anchorCtr="0" anchor="b" bIns="91425" lIns="91425" rIns="91425" tIns="91425">
+          <a:bodyPr lIns="91425" tIns="91425" rIns="91425" bIns="91425" anchor="b" anchorCtr="0">
             <a:noAutofit/>
           </a:bodyPr>
           <a:lstStyle/>
@@ -6447,7 +6812,7 @@
             <a:r>
               <a:rPr lang="en">
                 <a:solidFill>
-                  <a:srgbClr val="FFFFFF"/>
+                  <a:schemeClr val="bg2"/>
                 </a:solidFill>
               </a:rPr>
               <a:t>Things to be Encrypted</a:t>
@@ -6467,11 +6832,11 @@
 </file>
 
 <file path=ppt/slides/slide9.xml><?xml version="1.0" encoding="utf-8"?>
-<p:sld xmlns:a="http://schemas.openxmlformats.org/drawingml/2006/main" xmlns:r="http://schemas.openxmlformats.org/officeDocument/2006/relationships" xmlns:mc="http://schemas.openxmlformats.org/markup-compatibility/2006" xmlns:mv="urn:schemas-microsoft-com:mac:vml" xmlns:p="http://schemas.openxmlformats.org/presentationml/2006/main" xmlns:c="http://schemas.openxmlformats.org/drawingml/2006/chart" xmlns:dgm="http://schemas.openxmlformats.org/drawingml/2006/diagram" xmlns:o="urn:schemas-microsoft-com:office:office" xmlns:v="urn:schemas-microsoft-com:vml" xmlns:pvml="urn:schemas-microsoft-com:office:powerpoint" xmlns:com="http://schemas.openxmlformats.org/drawingml/2006/compatibility" xmlns:p14="http://schemas.microsoft.com/office/powerpoint/2010/main">
+<p:sld xmlns:a="http://schemas.openxmlformats.org/drawingml/2006/main" xmlns:r="http://schemas.openxmlformats.org/officeDocument/2006/relationships" xmlns:p="http://schemas.openxmlformats.org/presentationml/2006/main">
   <p:cSld>
     <p:spTree>
       <p:nvGrpSpPr>
-        <p:cNvPr id="97" name="Shape 97"/>
+        <p:cNvPr id="1" name="Shape 97"/>
         <p:cNvGrpSpPr/>
         <p:nvPr/>
       </p:nvGrpSpPr>
@@ -6486,9 +6851,11 @@
       <p:sp>
         <p:nvSpPr>
           <p:cNvPr id="98" name="Shape 98"/>
-          <p:cNvSpPr txBox="1"/>
+          <p:cNvSpPr txBox="1">
+            <a:spLocks noGrp="1"/>
+          </p:cNvSpPr>
           <p:nvPr>
-            <p:ph idx="1" type="body"/>
+            <p:ph type="body" idx="1"/>
           </p:nvPr>
         </p:nvSpPr>
         <p:spPr>
@@ -6501,12 +6868,12 @@
           </a:prstGeom>
         </p:spPr>
         <p:txBody>
-          <a:bodyPr anchorCtr="0" anchor="t" bIns="91425" lIns="91425" rIns="91425" tIns="91425">
+          <a:bodyPr lIns="91425" tIns="91425" rIns="91425" bIns="91425" anchor="t" anchorCtr="0">
             <a:noAutofit/>
           </a:bodyPr>
           <a:lstStyle/>
           <a:p>
-            <a:pPr indent="-342900" lvl="0" marL="457200" rtl="0" algn="just">
+            <a:pPr marL="457200" lvl="0" indent="-342900" algn="just" rtl="0">
               <a:lnSpc>
                 <a:spcPct val="115000"/>
               </a:lnSpc>
@@ -6523,14 +6890,14 @@
             <a:r>
               <a:rPr lang="en" sz="1800">
                 <a:solidFill>
-                  <a:srgbClr val="FFFFFF"/>
+                  <a:schemeClr val="bg2"/>
                 </a:solidFill>
               </a:rPr>
               <a:t>Menggunakan algoritma Diffie-Helman untuk meng-generate key dalam enkripsi pesannya</a:t>
             </a:r>
           </a:p>
           <a:p>
-            <a:pPr indent="-342900" lvl="0" marL="457200" rtl="0" algn="just">
+            <a:pPr marL="457200" lvl="0" indent="-342900" algn="just" rtl="0">
               <a:lnSpc>
                 <a:spcPct val="115000"/>
               </a:lnSpc>
@@ -6547,14 +6914,14 @@
             <a:r>
               <a:rPr lang="en" sz="1800">
                 <a:solidFill>
-                  <a:srgbClr val="FFFFFF"/>
+                  <a:schemeClr val="bg2"/>
                 </a:solidFill>
               </a:rPr>
               <a:t>Tiap user dalam aplikasi memiliki 1 private key, kemudian pada masing-masing user akan mengkalkulasikan private key-nya untuk memperoleh public key</a:t>
             </a:r>
           </a:p>
           <a:p>
-            <a:pPr indent="-342900" lvl="0" marL="457200" rtl="0" algn="just">
+            <a:pPr marL="457200" lvl="0" indent="-342900" algn="just" rtl="0">
               <a:lnSpc>
                 <a:spcPct val="115000"/>
               </a:lnSpc>
@@ -6571,14 +6938,14 @@
             <a:r>
               <a:rPr lang="en" sz="1800">
                 <a:solidFill>
-                  <a:srgbClr val="FFFFFF"/>
+                  <a:schemeClr val="bg2"/>
                 </a:solidFill>
               </a:rPr>
               <a:t>Public key ini akan di-share satu sama lain</a:t>
             </a:r>
           </a:p>
           <a:p>
-            <a:pPr indent="-342900" lvl="0" marL="457200" rtl="0" algn="just">
+            <a:pPr marL="457200" lvl="0" indent="-342900" algn="just" rtl="0">
               <a:lnSpc>
                 <a:spcPct val="115000"/>
               </a:lnSpc>
@@ -6595,7 +6962,7 @@
             <a:r>
               <a:rPr lang="en" sz="1800">
                 <a:solidFill>
-                  <a:srgbClr val="FFFFFF"/>
+                  <a:schemeClr val="bg2"/>
                 </a:solidFill>
               </a:rPr>
               <a:t>Shared secret key akan digunakan sebagai seed untuk generate key enkripsi.</a:t>
@@ -6606,7 +6973,9 @@
       <p:sp>
         <p:nvSpPr>
           <p:cNvPr id="99" name="Shape 99"/>
-          <p:cNvSpPr txBox="1"/>
+          <p:cNvSpPr txBox="1">
+            <a:spLocks noGrp="1"/>
+          </p:cNvSpPr>
           <p:nvPr>
             <p:ph type="title"/>
           </p:nvPr>
@@ -6621,7 +6990,7 @@
           </a:prstGeom>
         </p:spPr>
         <p:txBody>
-          <a:bodyPr anchorCtr="0" anchor="b" bIns="91425" lIns="91425" rIns="91425" tIns="91425">
+          <a:bodyPr lIns="91425" tIns="91425" rIns="91425" bIns="91425" anchor="b" anchorCtr="0">
             <a:noAutofit/>
           </a:bodyPr>
           <a:lstStyle/>
@@ -6635,7 +7004,7 @@
             <a:r>
               <a:rPr lang="en">
                 <a:solidFill>
-                  <a:srgbClr val="FFFFFF"/>
+                  <a:schemeClr val="bg2"/>
                 </a:solidFill>
               </a:rPr>
               <a:t>Distributing the Key</a:t>
@@ -6683,7 +7052,7 @@
 </file>
 
 <file path=ppt/theme/theme1.xml><?xml version="1.0" encoding="utf-8"?>
-<a:theme xmlns:a="http://schemas.openxmlformats.org/drawingml/2006/main" xmlns:r="http://schemas.openxmlformats.org/officeDocument/2006/relationships" name="wave">
+<a:theme xmlns:a="http://schemas.openxmlformats.org/drawingml/2006/main" name="wave">
   <a:themeElements>
     <a:clrScheme name="Custom 506">
       <a:dk1>
@@ -6842,7 +7211,7 @@
         </a:gradFill>
       </a:fillStyleLst>
       <a:lnStyleLst>
-        <a:ln cap="flat" cmpd="sng" w="9525" algn="ctr">
+        <a:ln w="9525" cap="flat" cmpd="sng" algn="ctr">
           <a:solidFill>
             <a:schemeClr val="phClr">
               <a:shade val="95000"/>
@@ -6851,13 +7220,13 @@
           </a:solidFill>
           <a:prstDash val="solid"/>
         </a:ln>
-        <a:ln cap="flat" cmpd="sng" w="25400" algn="ctr">
+        <a:ln w="25400" cap="flat" cmpd="sng" algn="ctr">
           <a:solidFill>
             <a:schemeClr val="phClr"/>
           </a:solidFill>
           <a:prstDash val="solid"/>
         </a:ln>
-        <a:ln cap="flat" cmpd="sng" w="38100" algn="ctr">
+        <a:ln w="38100" cap="flat" cmpd="sng" algn="ctr">
           <a:solidFill>
             <a:schemeClr val="phClr"/>
           </a:solidFill>
@@ -6867,7 +7236,7 @@
       <a:effectStyleLst>
         <a:effectStyle>
           <a:effectLst>
-            <a:outerShdw blurRad="40000" rotWithShape="0" dir="5400000" dist="20000">
+            <a:outerShdw blurRad="40000" dist="20000" dir="5400000" rotWithShape="0">
               <a:srgbClr val="000000">
                 <a:alpha val="38000"/>
               </a:srgbClr>
@@ -6876,7 +7245,7 @@
         </a:effectStyle>
         <a:effectStyle>
           <a:effectLst>
-            <a:outerShdw blurRad="40000" rotWithShape="0" dir="5400000" dist="23000">
+            <a:outerShdw blurRad="40000" dist="23000" dir="5400000" rotWithShape="0">
               <a:srgbClr val="000000">
                 <a:alpha val="35000"/>
               </a:srgbClr>
@@ -6885,7 +7254,7 @@
         </a:effectStyle>
         <a:effectStyle>
           <a:effectLst>
-            <a:outerShdw blurRad="40000" rotWithShape="0" dir="5400000" dist="23000">
+            <a:outerShdw blurRad="40000" dist="23000" dir="5400000" rotWithShape="0">
               <a:srgbClr val="000000">
                 <a:alpha val="35000"/>
               </a:srgbClr>
@@ -6895,12 +7264,12 @@
             <a:camera prst="orthographicFront">
               <a:rot lat="0" lon="0" rev="0"/>
             </a:camera>
-            <a:lightRig dir="t" rig="threePt">
+            <a:lightRig rig="threePt" dir="t">
               <a:rot lat="0" lon="0" rev="1200000"/>
             </a:lightRig>
           </a:scene3d>
           <a:sp3d>
-            <a:bevelT h="25400" w="63500"/>
+            <a:bevelT w="63500" h="25400"/>
           </a:sp3d>
         </a:effectStyle>
       </a:effectStyleLst>
@@ -6931,7 +7300,7 @@
             </a:gs>
           </a:gsLst>
           <a:path path="circle">
-            <a:fillToRect b="180000" l="50000" r="50000" t="-80000"/>
+            <a:fillToRect l="50000" t="-80000" r="50000" b="180000"/>
           </a:path>
         </a:gradFill>
         <a:gradFill rotWithShape="1">
@@ -6950,17 +7319,19 @@
             </a:gs>
           </a:gsLst>
           <a:path path="circle">
-            <a:fillToRect b="50000" l="50000" r="50000" t="50000"/>
+            <a:fillToRect l="50000" t="50000" r="50000" b="50000"/>
           </a:path>
         </a:gradFill>
       </a:bgFillStyleLst>
     </a:fmtScheme>
   </a:themeElements>
+  <a:objectDefaults/>
+  <a:extraClrSchemeLst/>
 </a:theme>
 </file>
 
 <file path=ppt/theme/theme2.xml><?xml version="1.0" encoding="utf-8"?>
-<a:theme xmlns:a="http://schemas.openxmlformats.org/drawingml/2006/main" xmlns:r="http://schemas.openxmlformats.org/officeDocument/2006/relationships" name="Custom Theme">
+<a:theme xmlns:a="http://schemas.openxmlformats.org/drawingml/2006/main" name="Custom Theme">
   <a:themeElements>
     <a:clrScheme name="Default">
       <a:dk1>
@@ -7119,7 +7490,7 @@
         </a:gradFill>
       </a:fillStyleLst>
       <a:lnStyleLst>
-        <a:ln cap="flat" cmpd="sng" w="9525" algn="ctr">
+        <a:ln w="9525" cap="flat" cmpd="sng" algn="ctr">
           <a:solidFill>
             <a:schemeClr val="phClr">
               <a:shade val="95000"/>
@@ -7128,13 +7499,13 @@
           </a:solidFill>
           <a:prstDash val="solid"/>
         </a:ln>
-        <a:ln cap="flat" cmpd="sng" w="25400" algn="ctr">
+        <a:ln w="25400" cap="flat" cmpd="sng" algn="ctr">
           <a:solidFill>
             <a:schemeClr val="phClr"/>
           </a:solidFill>
           <a:prstDash val="solid"/>
         </a:ln>
-        <a:ln cap="flat" cmpd="sng" w="38100" algn="ctr">
+        <a:ln w="38100" cap="flat" cmpd="sng" algn="ctr">
           <a:solidFill>
             <a:schemeClr val="phClr"/>
           </a:solidFill>
@@ -7144,7 +7515,7 @@
       <a:effectStyleLst>
         <a:effectStyle>
           <a:effectLst>
-            <a:outerShdw blurRad="40000" rotWithShape="0" dir="5400000" dist="20000">
+            <a:outerShdw blurRad="40000" dist="20000" dir="5400000" rotWithShape="0">
               <a:srgbClr val="000000">
                 <a:alpha val="38000"/>
               </a:srgbClr>
@@ -7153,7 +7524,7 @@
         </a:effectStyle>
         <a:effectStyle>
           <a:effectLst>
-            <a:outerShdw blurRad="40000" rotWithShape="0" dir="5400000" dist="23000">
+            <a:outerShdw blurRad="40000" dist="23000" dir="5400000" rotWithShape="0">
               <a:srgbClr val="000000">
                 <a:alpha val="35000"/>
               </a:srgbClr>
@@ -7162,7 +7533,7 @@
         </a:effectStyle>
         <a:effectStyle>
           <a:effectLst>
-            <a:outerShdw blurRad="40000" rotWithShape="0" dir="5400000" dist="23000">
+            <a:outerShdw blurRad="40000" dist="23000" dir="5400000" rotWithShape="0">
               <a:srgbClr val="000000">
                 <a:alpha val="35000"/>
               </a:srgbClr>
@@ -7172,12 +7543,12 @@
             <a:camera prst="orthographicFront">
               <a:rot lat="0" lon="0" rev="0"/>
             </a:camera>
-            <a:lightRig dir="t" rig="threePt">
+            <a:lightRig rig="threePt" dir="t">
               <a:rot lat="0" lon="0" rev="1200000"/>
             </a:lightRig>
           </a:scene3d>
           <a:sp3d>
-            <a:bevelT h="25400" w="63500"/>
+            <a:bevelT w="63500" h="25400"/>
           </a:sp3d>
         </a:effectStyle>
       </a:effectStyleLst>
@@ -7208,7 +7579,7 @@
             </a:gs>
           </a:gsLst>
           <a:path path="circle">
-            <a:fillToRect b="180000" l="50000" r="50000" t="-80000"/>
+            <a:fillToRect l="50000" t="-80000" r="50000" b="180000"/>
           </a:path>
         </a:gradFill>
         <a:gradFill rotWithShape="1">
@@ -7227,328 +7598,13 @@
             </a:gs>
           </a:gsLst>
           <a:path path="circle">
-            <a:fillToRect b="50000" l="50000" r="50000" t="50000"/>
+            <a:fillToRect l="50000" t="50000" r="50000" b="50000"/>
           </a:path>
         </a:gradFill>
       </a:bgFillStyleLst>
     </a:fmtScheme>
   </a:themeElements>
-</a:theme>
-</file>
-
-<file path=ppt/theme/theme3.xml><?xml version="1.0" encoding="utf-8"?>
-<a:theme xmlns:a="http://schemas.openxmlformats.org/drawingml/2006/main" xmlns:r="http://schemas.openxmlformats.org/officeDocument/2006/relationships" name="Office Theme">
-  <a:themeElements>
-    <a:clrScheme name="Office">
-      <a:dk1>
-        <a:sysClr lastClr="000000" val="windowText"/>
-      </a:dk1>
-      <a:lt1>
-        <a:sysClr lastClr="FFFFFF" val="window"/>
-      </a:lt1>
-      <a:dk2>
-        <a:srgbClr val="1F497D"/>
-      </a:dk2>
-      <a:lt2>
-        <a:srgbClr val="EEECE1"/>
-      </a:lt2>
-      <a:accent1>
-        <a:srgbClr val="4F81BD"/>
-      </a:accent1>
-      <a:accent2>
-        <a:srgbClr val="C0504D"/>
-      </a:accent2>
-      <a:accent3>
-        <a:srgbClr val="9BBB59"/>
-      </a:accent3>
-      <a:accent4>
-        <a:srgbClr val="8064A2"/>
-      </a:accent4>
-      <a:accent5>
-        <a:srgbClr val="4BACC6"/>
-      </a:accent5>
-      <a:accent6>
-        <a:srgbClr val="F79646"/>
-      </a:accent6>
-      <a:hlink>
-        <a:srgbClr val="0000FF"/>
-      </a:hlink>
-      <a:folHlink>
-        <a:srgbClr val="800080"/>
-      </a:folHlink>
-    </a:clrScheme>
-    <a:fontScheme name="Office">
-      <a:majorFont>
-        <a:latin typeface="Arial"/>
-        <a:ea typeface=""/>
-        <a:cs typeface=""/>
-        <a:font script="Jpan" typeface="ＭＳ Ｐゴシック"/>
-        <a:font script="Hang" typeface="맑은 고딕"/>
-        <a:font script="Hans" typeface="宋体"/>
-        <a:font script="Hant" typeface="新細明體"/>
-        <a:font script="Arab" typeface="Times New Roman"/>
-        <a:font script="Hebr" typeface="Times New Roman"/>
-        <a:font script="Thai" typeface="Angsana New"/>
-        <a:font script="Ethi" typeface="Nyala"/>
-        <a:font script="Beng" typeface="Vrinda"/>
-        <a:font script="Gujr" typeface="Shruti"/>
-        <a:font script="Khmr" typeface="MoolBoran"/>
-        <a:font script="Knda" typeface="Tunga"/>
-        <a:font script="Guru" typeface="Raavi"/>
-        <a:font script="Cans" typeface="Euphemia"/>
-        <a:font script="Cher" typeface="Plantagenet Cherokee"/>
-        <a:font script="Yiii" typeface="Microsoft Yi Baiti"/>
-        <a:font script="Tibt" typeface="Microsoft Himalaya"/>
-        <a:font script="Thaa" typeface="MV Boli"/>
-        <a:font script="Deva" typeface="Mangal"/>
-        <a:font script="Telu" typeface="Gautami"/>
-        <a:font script="Taml" typeface="Latha"/>
-        <a:font script="Syrc" typeface="Estrangelo Edessa"/>
-        <a:font script="Orya" typeface="Kalinga"/>
-        <a:font script="Mlym" typeface="Kartika"/>
-        <a:font script="Laoo" typeface="DokChampa"/>
-        <a:font script="Sinh" typeface="Iskoola Pota"/>
-        <a:font script="Mong" typeface="Mongolian Baiti"/>
-        <a:font script="Viet" typeface="Times New Roman"/>
-        <a:font script="Uigh" typeface="Microsoft Uighur"/>
-      </a:majorFont>
-      <a:minorFont>
-        <a:latin typeface="Arial"/>
-        <a:ea typeface=""/>
-        <a:cs typeface=""/>
-        <a:font script="Jpan" typeface="ＭＳ Ｐゴシック"/>
-        <a:font script="Hang" typeface="맑은 고딕"/>
-        <a:font script="Hans" typeface="宋体"/>
-        <a:font script="Hant" typeface="新細明體"/>
-        <a:font script="Arab" typeface="Times New Roman"/>
-        <a:font script="Hebr" typeface="Times New Roman"/>
-        <a:font script="Thai" typeface="Angsana New"/>
-        <a:font script="Ethi" typeface="Nyala"/>
-        <a:font script="Beng" typeface="Vrinda"/>
-        <a:font script="Gujr" typeface="Shruti"/>
-        <a:font script="Khmr" typeface="MoolBoran"/>
-        <a:font script="Knda" typeface="Tunga"/>
-        <a:font script="Guru" typeface="Raavi"/>
-        <a:font script="Cans" typeface="Euphemia"/>
-        <a:font script="Cher" typeface="Plantagenet Cherokee"/>
-        <a:font script="Yiii" typeface="Microsoft Yi Baiti"/>
-        <a:font script="Tibt" typeface="Microsoft Himalaya"/>
-        <a:font script="Thaa" typeface="MV Boli"/>
-        <a:font script="Deva" typeface="Mangal"/>
-        <a:font script="Telu" typeface="Gautami"/>
-        <a:font script="Taml" typeface="Latha"/>
-        <a:font script="Syrc" typeface="Estrangelo Edessa"/>
-        <a:font script="Orya" typeface="Kalinga"/>
-        <a:font script="Mlym" typeface="Kartika"/>
-        <a:font script="Laoo" typeface="DokChampa"/>
-        <a:font script="Sinh" typeface="Iskoola Pota"/>
-        <a:font script="Mong" typeface="Mongolian Baiti"/>
-        <a:font script="Viet" typeface="Times New Roman"/>
-        <a:font script="Uigh" typeface="Microsoft Uighur"/>
-      </a:minorFont>
-    </a:fontScheme>
-    <a:fmtScheme name="Office">
-      <a:fillStyleLst>
-        <a:solidFill>
-          <a:schemeClr val="phClr"/>
-        </a:solidFill>
-        <a:gradFill rotWithShape="1">
-          <a:gsLst>
-            <a:gs pos="0">
-              <a:schemeClr val="phClr">
-                <a:tint val="50000"/>
-                <a:satMod val="300000"/>
-              </a:schemeClr>
-            </a:gs>
-            <a:gs pos="35000">
-              <a:schemeClr val="phClr">
-                <a:tint val="37000"/>
-                <a:satMod val="300000"/>
-              </a:schemeClr>
-            </a:gs>
-            <a:gs pos="100000">
-              <a:schemeClr val="phClr">
-                <a:tint val="15000"/>
-                <a:satMod val="350000"/>
-              </a:schemeClr>
-            </a:gs>
-          </a:gsLst>
-          <a:lin ang="16200000" scaled="1"/>
-        </a:gradFill>
-        <a:gradFill rotWithShape="1">
-          <a:gsLst>
-            <a:gs pos="0">
-              <a:schemeClr val="phClr">
-                <a:tint val="100000"/>
-                <a:shade val="100000"/>
-                <a:satMod val="130000"/>
-              </a:schemeClr>
-            </a:gs>
-            <a:gs pos="100000">
-              <a:schemeClr val="phClr">
-                <a:tint val="50000"/>
-                <a:shade val="100000"/>
-                <a:satMod val="350000"/>
-              </a:schemeClr>
-            </a:gs>
-          </a:gsLst>
-          <a:lin ang="16200000" scaled="0"/>
-        </a:gradFill>
-      </a:fillStyleLst>
-      <a:lnStyleLst>
-        <a:ln cap="flat" cmpd="sng" w="9525" algn="ctr">
-          <a:solidFill>
-            <a:schemeClr val="phClr">
-              <a:shade val="95000"/>
-              <a:satMod val="105000"/>
-            </a:schemeClr>
-          </a:solidFill>
-          <a:prstDash val="solid"/>
-        </a:ln>
-        <a:ln cap="flat" cmpd="sng" w="25400" algn="ctr">
-          <a:solidFill>
-            <a:schemeClr val="phClr"/>
-          </a:solidFill>
-          <a:prstDash val="solid"/>
-        </a:ln>
-        <a:ln cap="flat" cmpd="sng" w="38100" algn="ctr">
-          <a:solidFill>
-            <a:schemeClr val="phClr"/>
-          </a:solidFill>
-          <a:prstDash val="solid"/>
-        </a:ln>
-      </a:lnStyleLst>
-      <a:effectStyleLst>
-        <a:effectStyle>
-          <a:effectLst>
-            <a:outerShdw blurRad="40000" rotWithShape="0" dir="5400000" dist="20000">
-              <a:srgbClr val="000000">
-                <a:alpha val="38000"/>
-              </a:srgbClr>
-            </a:outerShdw>
-          </a:effectLst>
-        </a:effectStyle>
-        <a:effectStyle>
-          <a:effectLst>
-            <a:outerShdw blurRad="40000" rotWithShape="0" dir="5400000" dist="23000">
-              <a:srgbClr val="000000">
-                <a:alpha val="35000"/>
-              </a:srgbClr>
-            </a:outerShdw>
-          </a:effectLst>
-        </a:effectStyle>
-        <a:effectStyle>
-          <a:effectLst>
-            <a:outerShdw blurRad="40000" rotWithShape="0" dir="5400000" dist="23000">
-              <a:srgbClr val="000000">
-                <a:alpha val="35000"/>
-              </a:srgbClr>
-            </a:outerShdw>
-          </a:effectLst>
-          <a:scene3d>
-            <a:camera prst="orthographicFront">
-              <a:rot lat="0" lon="0" rev="0"/>
-            </a:camera>
-            <a:lightRig dir="t" rig="threePt">
-              <a:rot lat="0" lon="0" rev="1200000"/>
-            </a:lightRig>
-          </a:scene3d>
-          <a:sp3d>
-            <a:bevelT h="25400" w="63500"/>
-          </a:sp3d>
-        </a:effectStyle>
-      </a:effectStyleLst>
-      <a:bgFillStyleLst>
-        <a:solidFill>
-          <a:schemeClr val="phClr"/>
-        </a:solidFill>
-        <a:gradFill rotWithShape="1">
-          <a:gsLst>
-            <a:gs pos="0">
-              <a:schemeClr val="phClr">
-                <a:tint val="40000"/>
-                <a:satMod val="350000"/>
-              </a:schemeClr>
-            </a:gs>
-            <a:gs pos="40000">
-              <a:schemeClr val="phClr">
-                <a:tint val="45000"/>
-                <a:shade val="99000"/>
-                <a:satMod val="350000"/>
-              </a:schemeClr>
-            </a:gs>
-            <a:gs pos="100000">
-              <a:schemeClr val="phClr">
-                <a:shade val="20000"/>
-                <a:satMod val="255000"/>
-              </a:schemeClr>
-            </a:gs>
-          </a:gsLst>
-          <a:path path="circle">
-            <a:fillToRect b="180000" l="50000" r="50000" t="-80000"/>
-          </a:path>
-        </a:gradFill>
-        <a:gradFill rotWithShape="1">
-          <a:gsLst>
-            <a:gs pos="0">
-              <a:schemeClr val="phClr">
-                <a:tint val="80000"/>
-                <a:satMod val="300000"/>
-              </a:schemeClr>
-            </a:gs>
-            <a:gs pos="100000">
-              <a:schemeClr val="phClr">
-                <a:shade val="30000"/>
-                <a:satMod val="200000"/>
-              </a:schemeClr>
-            </a:gs>
-          </a:gsLst>
-          <a:path path="circle">
-            <a:fillToRect b="50000" l="50000" r="50000" t="50000"/>
-          </a:path>
-        </a:gradFill>
-      </a:bgFillStyleLst>
-    </a:fmtScheme>
-  </a:themeElements>
-  <a:objectDefaults>
-    <a:spDef>
-      <a:spPr/>
-      <a:bodyPr/>
-      <a:lstStyle/>
-      <a:style>
-        <a:lnRef idx="1">
-          <a:schemeClr val="accent1"/>
-        </a:lnRef>
-        <a:fillRef idx="3">
-          <a:schemeClr val="accent1"/>
-        </a:fillRef>
-        <a:effectRef idx="2">
-          <a:schemeClr val="accent1"/>
-        </a:effectRef>
-        <a:fontRef idx="minor">
-          <a:schemeClr val="lt1"/>
-        </a:fontRef>
-      </a:style>
-    </a:spDef>
-    <a:lnDef>
-      <a:spPr/>
-      <a:bodyPr/>
-      <a:lstStyle/>
-      <a:style>
-        <a:lnRef idx="2">
-          <a:schemeClr val="accent1"/>
-        </a:lnRef>
-        <a:fillRef idx="0">
-          <a:schemeClr val="accent1"/>
-        </a:fillRef>
-        <a:effectRef idx="1">
-          <a:schemeClr val="accent1"/>
-        </a:effectRef>
-        <a:fontRef idx="minor">
-          <a:schemeClr val="tx1"/>
-        </a:fontRef>
-      </a:style>
-    </a:lnDef>
-  </a:objectDefaults>
+  <a:objectDefaults/>
+  <a:extraClrSchemeLst/>
 </a:theme>
 </file>